--- a/Poster/A3D3_Horizontal_GW Glitch UW poster.pptx
+++ b/Poster/A3D3_Horizontal_GW Glitch UW poster.pptx
@@ -107,7 +107,7 @@
   <p:extLst>
     <p:ext uri="{EFAFB233-063F-42B5-8137-9DF3F51BA10A}">
       <p15:sldGuideLst xmlns:p15="http://schemas.microsoft.com/office/powerpoint/2012/main">
-        <p15:guide id="1" orient="horz" pos="1152" userDrawn="1">
+        <p15:guide id="1" orient="horz" pos="1008" userDrawn="1">
           <p15:clr>
             <a:srgbClr val="A4A3A4"/>
           </p15:clr>
@@ -117,7 +117,7 @@
             <a:srgbClr val="A4A3A4"/>
           </p15:clr>
         </p15:guide>
-        <p15:guide id="3" pos="26496" userDrawn="1">
+        <p15:guide id="3" pos="19008" userDrawn="1">
           <p15:clr>
             <a:srgbClr val="A4A3A4"/>
           </p15:clr>
@@ -152,7 +152,7 @@
             <a:srgbClr val="A4A3A4"/>
           </p15:clr>
         </p15:guide>
-        <p15:guide id="10" pos="19008" userDrawn="1">
+        <p15:guide id="10" pos="26496" userDrawn="1">
           <p15:clr>
             <a:srgbClr val="A4A3A4"/>
           </p15:clr>
@@ -3078,36 +3078,6 @@
           </a:p>
         </p:txBody>
       </p:sp>
-      <p:pic>
-        <p:nvPicPr>
-          <p:cNvPr id="5" name="Picture 4" descr="Gold Boundless Bar"/>
-          <p:cNvPicPr>
-            <a:picLocks noChangeAspect="1"/>
-          </p:cNvPicPr>
-          <p:nvPr/>
-        </p:nvPicPr>
-        <p:blipFill>
-          <a:blip r:embed="rId2">
-            <a:extLst>
-              <a:ext uri="{28A0092B-C50C-407E-A947-70E740481C1C}">
-                <a14:useLocalDpi xmlns:a14="http://schemas.microsoft.com/office/drawing/2010/main" val="0"/>
-              </a:ext>
-            </a:extLst>
-          </a:blip>
-          <a:stretch>
-            <a:fillRect/>
-          </a:stretch>
-        </p:blipFill>
-        <p:spPr>
-          <a:xfrm>
-            <a:off x="10287000" y="4663440"/>
-            <a:ext cx="5029200" cy="950976"/>
-          </a:xfrm>
-          <a:prstGeom prst="rect">
-            <a:avLst/>
-          </a:prstGeom>
-        </p:spPr>
-      </p:pic>
       <p:sp>
         <p:nvSpPr>
           <p:cNvPr id="6" name="Title 1"/>
@@ -3120,8 +3090,8 @@
         </p:nvSpPr>
         <p:spPr>
           <a:xfrm>
-            <a:off x="10066308" y="945130"/>
-            <a:ext cx="23737656" cy="2428448"/>
+            <a:off x="10058400" y="1463040"/>
+            <a:ext cx="23766492" cy="2428448"/>
           </a:xfrm>
         </p:spPr>
         <p:txBody>
@@ -3130,7 +3100,6 @@
           </a:bodyPr>
           <a:lstStyle/>
           <a:p>
-            <a:pPr algn="l"/>
             <a:r>
               <a:rPr lang="en-US" sz="8500" b="1" dirty="0">
                 <a:solidFill>
@@ -3153,8 +3122,8 @@
         </p:nvSpPr>
         <p:spPr>
           <a:xfrm>
-            <a:off x="10061140" y="3582693"/>
-            <a:ext cx="23742824" cy="1908215"/>
+            <a:off x="10058400" y="4023360"/>
+            <a:ext cx="23766492" cy="1908215"/>
           </a:xfrm>
           <a:prstGeom prst="rect">
             <a:avLst/>
@@ -3167,6 +3136,7 @@
           </a:bodyPr>
           <a:lstStyle/>
           <a:p>
+            <a:pPr algn="ctr"/>
             <a:r>
               <a:rPr lang="en-US" sz="5600" dirty="0">
                 <a:solidFill>
@@ -3213,6 +3183,7 @@
             </a:r>
           </a:p>
           <a:p>
+            <a:pPr algn="ctr"/>
             <a:r>
               <a:rPr lang="en-US" sz="3200" i="1" baseline="30000" dirty="0">
                 <a:solidFill>
@@ -3258,7 +3229,7 @@
         <p:spPr>
           <a:xfrm>
             <a:off x="14628780" y="7315200"/>
-            <a:ext cx="0" cy="24871680"/>
+            <a:ext cx="0" cy="24688800"/>
           </a:xfrm>
           <a:prstGeom prst="line">
             <a:avLst/>
@@ -3292,8 +3263,8 @@
         </p:nvCxnSpPr>
         <p:spPr>
           <a:xfrm>
-            <a:off x="29260800" y="7292340"/>
-            <a:ext cx="0" cy="24894540"/>
+            <a:off x="29260800" y="7315200"/>
+            <a:ext cx="0" cy="24688800"/>
           </a:xfrm>
           <a:prstGeom prst="line">
             <a:avLst/>
@@ -3327,8 +3298,8 @@
         </p:nvGrpSpPr>
         <p:grpSpPr>
           <a:xfrm>
-            <a:off x="30175200" y="7250003"/>
-            <a:ext cx="11887198" cy="986616"/>
+            <a:off x="15470199" y="26560325"/>
+            <a:ext cx="12567138" cy="986616"/>
             <a:chOff x="1659588" y="15421077"/>
             <a:chExt cx="6400800" cy="986616"/>
           </a:xfrm>
@@ -3378,7 +3349,7 @@
             <p:nvPr/>
           </p:nvPicPr>
           <p:blipFill>
-            <a:blip r:embed="rId3">
+            <a:blip r:embed="rId2">
               <a:extLst>
                 <a:ext uri="{28A0092B-C50C-407E-A947-70E740481C1C}">
                   <a14:useLocalDpi xmlns:a14="http://schemas.microsoft.com/office/drawing/2010/main" val="0"/>
@@ -3408,8 +3379,8 @@
         </p:nvSpPr>
         <p:spPr>
           <a:xfrm>
-            <a:off x="30175200" y="8256096"/>
-            <a:ext cx="11887200" cy="4893647"/>
+            <a:off x="15468463" y="27566418"/>
+            <a:ext cx="12763501" cy="4524315"/>
           </a:xfrm>
           <a:prstGeom prst="rect">
             <a:avLst/>
@@ -3563,250 +3534,6 @@
           </a:p>
         </p:txBody>
       </p:sp>
-      <p:grpSp>
-        <p:nvGrpSpPr>
-          <p:cNvPr id="44" name="Group 43" descr="Section Header Place holder and gold boundless bar"/>
-          <p:cNvGrpSpPr/>
-          <p:nvPr/>
-        </p:nvGrpSpPr>
-        <p:grpSpPr>
-          <a:xfrm>
-            <a:off x="30175201" y="21942289"/>
-            <a:ext cx="11887199" cy="954107"/>
-            <a:chOff x="1675686" y="15504462"/>
-            <a:chExt cx="6400800" cy="954107"/>
-          </a:xfrm>
-        </p:grpSpPr>
-        <p:sp>
-          <p:nvSpPr>
-            <p:cNvPr id="45" name="TextBox 44" descr="Section Header and gold boundless bar"/>
-            <p:cNvSpPr txBox="1"/>
-            <p:nvPr/>
-          </p:nvSpPr>
-          <p:spPr>
-            <a:xfrm>
-              <a:off x="1675686" y="15504462"/>
-              <a:ext cx="6400800" cy="954107"/>
-            </a:xfrm>
-            <a:prstGeom prst="rect">
-              <a:avLst/>
-            </a:prstGeom>
-            <a:noFill/>
-          </p:spPr>
-          <p:txBody>
-            <a:bodyPr wrap="square" rtlCol="0">
-              <a:spAutoFit/>
-            </a:bodyPr>
-            <a:lstStyle/>
-            <a:p>
-              <a:r>
-                <a:rPr lang="en-US" sz="5600" b="1" dirty="0">
-                  <a:solidFill>
-                    <a:srgbClr val="33006F"/>
-                  </a:solidFill>
-                  <a:latin typeface="Encode Sans Normal Black" charset="0"/>
-                  <a:ea typeface="Encode Sans Normal Black" charset="0"/>
-                  <a:cs typeface="Encode Sans Normal Black" charset="0"/>
-                </a:rPr>
-                <a:t>CONCLUSION</a:t>
-              </a:r>
-            </a:p>
-          </p:txBody>
-        </p:sp>
-        <p:pic>
-          <p:nvPicPr>
-            <p:cNvPr id="46" name="Picture 45" descr="Gold boundless bar"/>
-            <p:cNvPicPr>
-              <a:picLocks noChangeAspect="1"/>
-            </p:cNvPicPr>
-            <p:nvPr/>
-          </p:nvPicPr>
-          <p:blipFill>
-            <a:blip r:embed="rId3">
-              <a:extLst>
-                <a:ext uri="{28A0092B-C50C-407E-A947-70E740481C1C}">
-                  <a14:useLocalDpi xmlns:a14="http://schemas.microsoft.com/office/drawing/2010/main" val="0"/>
-                </a:ext>
-              </a:extLst>
-            </a:blip>
-            <a:stretch>
-              <a:fillRect/>
-            </a:stretch>
-          </p:blipFill>
-          <p:spPr>
-            <a:xfrm>
-              <a:off x="1767126" y="16327422"/>
-              <a:ext cx="1463040" cy="117936"/>
-            </a:xfrm>
-            <a:prstGeom prst="rect">
-              <a:avLst/>
-            </a:prstGeom>
-          </p:spPr>
-        </p:pic>
-      </p:grpSp>
-      <p:sp>
-        <p:nvSpPr>
-          <p:cNvPr id="47" name="TextBox 46"/>
-          <p:cNvSpPr txBox="1"/>
-          <p:nvPr/>
-        </p:nvSpPr>
-        <p:spPr>
-          <a:xfrm>
-            <a:off x="30175200" y="22951446"/>
-            <a:ext cx="11925292" cy="4524315"/>
-          </a:xfrm>
-          <a:prstGeom prst="rect">
-            <a:avLst/>
-          </a:prstGeom>
-          <a:noFill/>
-        </p:spPr>
-        <p:txBody>
-          <a:bodyPr wrap="square" rtlCol="0">
-            <a:spAutoFit/>
-          </a:bodyPr>
-          <a:lstStyle/>
-          <a:p>
-            <a:pPr marL="285736" indent="-285736">
-              <a:buFont typeface="Arial" panose="020B0604020202020204" pitchFamily="34" charset="0"/>
-              <a:buChar char="•"/>
-            </a:pPr>
-            <a:r>
-              <a:rPr lang="en-US" sz="2400" b="1" dirty="0">
-                <a:solidFill>
-                  <a:srgbClr val="33006F"/>
-                </a:solidFill>
-                <a:latin typeface="Open Sans" panose="020B0606030504020204" pitchFamily="34" charset="0"/>
-                <a:ea typeface="Open Sans" panose="020B0606030504020204" pitchFamily="34" charset="0"/>
-                <a:cs typeface="Open Sans" panose="020B0606030504020204" pitchFamily="34" charset="0"/>
-              </a:rPr>
-              <a:t>Objective: </a:t>
-            </a:r>
-            <a:r>
-              <a:rPr lang="en-US" sz="2400" dirty="0">
-                <a:solidFill>
-                  <a:srgbClr val="000000"/>
-                </a:solidFill>
-                <a:latin typeface="Open Sans" panose="020B0606030504020204" pitchFamily="34" charset="0"/>
-                <a:ea typeface="Open Sans" panose="020B0606030504020204" pitchFamily="34" charset="0"/>
-                <a:cs typeface="Open Sans" panose="020B0606030504020204" pitchFamily="34" charset="0"/>
-              </a:rPr>
-              <a:t>Analyzing the potential of CNNs for classifying gravitational waves strain data as background noise/glitches or transient sine-gaussian/binary black hole merger signals.</a:t>
-            </a:r>
-          </a:p>
-          <a:p>
-            <a:pPr marL="285736" indent="-285736">
-              <a:buFont typeface="Arial" panose="020B0604020202020204" pitchFamily="34" charset="0"/>
-              <a:buChar char="•"/>
-            </a:pPr>
-            <a:r>
-              <a:rPr lang="en-US" sz="2400" b="1" dirty="0">
-                <a:solidFill>
-                  <a:srgbClr val="33006F"/>
-                </a:solidFill>
-                <a:latin typeface="Open Sans" panose="020B0606030504020204" pitchFamily="34" charset="0"/>
-                <a:ea typeface="Open Sans" panose="020B0606030504020204" pitchFamily="34" charset="0"/>
-                <a:cs typeface="Open Sans" panose="020B0606030504020204" pitchFamily="34" charset="0"/>
-              </a:rPr>
-              <a:t>Approach: </a:t>
-            </a:r>
-            <a:r>
-              <a:rPr lang="en-US" sz="2400" dirty="0">
-                <a:solidFill>
-                  <a:srgbClr val="000000"/>
-                </a:solidFill>
-                <a:latin typeface="Open Sans" panose="020B0606030504020204" pitchFamily="34" charset="0"/>
-                <a:ea typeface="Open Sans" panose="020B0606030504020204" pitchFamily="34" charset="0"/>
-                <a:cs typeface="Open Sans" panose="020B0606030504020204" pitchFamily="34" charset="0"/>
-              </a:rPr>
-              <a:t>Utilized a streamlined variation of a CNN based upon versions existing in literature.</a:t>
-            </a:r>
-          </a:p>
-          <a:p>
-            <a:pPr marL="285736" indent="-285736">
-              <a:buFont typeface="Arial" panose="020B0604020202020204" pitchFamily="34" charset="0"/>
-              <a:buChar char="•"/>
-            </a:pPr>
-            <a:r>
-              <a:rPr lang="en-US" sz="2400" b="1" dirty="0">
-                <a:solidFill>
-                  <a:srgbClr val="33006F"/>
-                </a:solidFill>
-                <a:latin typeface="Open Sans" panose="020B0606030504020204" pitchFamily="34" charset="0"/>
-                <a:ea typeface="Open Sans" panose="020B0606030504020204" pitchFamily="34" charset="0"/>
-                <a:cs typeface="Open Sans" panose="020B0606030504020204" pitchFamily="34" charset="0"/>
-              </a:rPr>
-              <a:t>Performance: </a:t>
-            </a:r>
-            <a:r>
-              <a:rPr lang="en-US" sz="2400" dirty="0">
-                <a:solidFill>
-                  <a:srgbClr val="000000"/>
-                </a:solidFill>
-                <a:latin typeface="Open Sans" panose="020B0606030504020204" pitchFamily="34" charset="0"/>
-                <a:ea typeface="Open Sans" panose="020B0606030504020204" pitchFamily="34" charset="0"/>
-                <a:cs typeface="Open Sans" panose="020B0606030504020204" pitchFamily="34" charset="0"/>
-              </a:rPr>
-              <a:t>Exceeded the anticipated 85% accuracy by attaining an impressive testing accuracy of 97%.</a:t>
-            </a:r>
-          </a:p>
-          <a:p>
-            <a:pPr marL="285736" indent="-285736">
-              <a:buFont typeface="Arial" panose="020B0604020202020204" pitchFamily="34" charset="0"/>
-              <a:buChar char="•"/>
-            </a:pPr>
-            <a:r>
-              <a:rPr lang="en-US" sz="2400" b="1" dirty="0">
-                <a:solidFill>
-                  <a:srgbClr val="33006F"/>
-                </a:solidFill>
-                <a:latin typeface="Open Sans" panose="020B0606030504020204" pitchFamily="34" charset="0"/>
-                <a:ea typeface="Open Sans" panose="020B0606030504020204" pitchFamily="34" charset="0"/>
-                <a:cs typeface="Open Sans" panose="020B0606030504020204" pitchFamily="34" charset="0"/>
-              </a:rPr>
-              <a:t>Comparison: </a:t>
-            </a:r>
-            <a:r>
-              <a:rPr lang="en-US" sz="2400" dirty="0">
-                <a:solidFill>
-                  <a:srgbClr val="000000"/>
-                </a:solidFill>
-                <a:latin typeface="Open Sans" panose="020B0606030504020204" pitchFamily="34" charset="0"/>
-                <a:ea typeface="Open Sans" panose="020B0606030504020204" pitchFamily="34" charset="0"/>
-                <a:cs typeface="Open Sans" panose="020B0606030504020204" pitchFamily="34" charset="0"/>
-              </a:rPr>
-              <a:t>Achieved accuracy slightly below more complex CNNs documented in literature.</a:t>
-            </a:r>
-          </a:p>
-          <a:p>
-            <a:pPr marL="285736" indent="-285736">
-              <a:buFont typeface="Arial" panose="020B0604020202020204" pitchFamily="34" charset="0"/>
-              <a:buChar char="•"/>
-            </a:pPr>
-            <a:r>
-              <a:rPr lang="en-US" sz="2400" b="1" dirty="0">
-                <a:solidFill>
-                  <a:srgbClr val="33006F"/>
-                </a:solidFill>
-                <a:latin typeface="Open Sans" panose="020B0606030504020204" pitchFamily="34" charset="0"/>
-                <a:ea typeface="Open Sans" panose="020B0606030504020204" pitchFamily="34" charset="0"/>
-                <a:cs typeface="Open Sans" panose="020B0606030504020204" pitchFamily="34" charset="0"/>
-              </a:rPr>
-              <a:t>Further exploration: </a:t>
-            </a:r>
-            <a:r>
-              <a:rPr lang="en-US" sz="2400" dirty="0">
-                <a:solidFill>
-                  <a:srgbClr val="000000"/>
-                </a:solidFill>
-                <a:latin typeface="Open Sans" panose="020B0606030504020204" pitchFamily="34" charset="0"/>
-                <a:ea typeface="Open Sans" panose="020B0606030504020204" pitchFamily="34" charset="0"/>
-                <a:cs typeface="Open Sans" panose="020B0606030504020204" pitchFamily="34" charset="0"/>
-              </a:rPr>
-              <a:t>Examining the efficacy of the GASF technique in transforming time series data into images and feeding them through a basic CNN, by using a dataset of more contaminated gravitational waves for analysis.</a:t>
-            </a:r>
-          </a:p>
-        </p:txBody>
-      </p:sp>
       <p:sp>
         <p:nvSpPr>
           <p:cNvPr id="53" name="Rectangle 52" descr="Purple box for quick facts"/>
@@ -3815,8 +3542,8 @@
         </p:nvSpPr>
         <p:spPr>
           <a:xfrm>
-            <a:off x="17373599" y="7341696"/>
-            <a:ext cx="9143999" cy="7223760"/>
+            <a:off x="15544800" y="7315201"/>
+            <a:ext cx="12801600" cy="3981974"/>
           </a:xfrm>
           <a:prstGeom prst="rect">
             <a:avLst/>
@@ -3846,7 +3573,7 @@
           <a:lstStyle/>
           <a:p>
             <a:pPr algn="ctr"/>
-            <a:endParaRPr lang="en-US" sz="7258" dirty="0"/>
+            <a:endParaRPr lang="en-US" dirty="0"/>
           </a:p>
         </p:txBody>
       </p:sp>
@@ -3858,8 +3585,8 @@
         </p:nvSpPr>
         <p:spPr>
           <a:xfrm>
-            <a:off x="17721579" y="7633841"/>
-            <a:ext cx="8389443" cy="6709529"/>
+            <a:off x="15585663" y="7480746"/>
+            <a:ext cx="12722642" cy="3816429"/>
           </a:xfrm>
           <a:prstGeom prst="rect">
             <a:avLst/>
@@ -3872,7 +3599,7 @@
           </a:bodyPr>
           <a:lstStyle/>
           <a:p>
-            <a:pPr>
+            <a:pPr algn="ctr">
               <a:spcAft>
                 <a:spcPts val="1200"/>
               </a:spcAft>
@@ -3886,11 +3613,11 @@
                 <a:ea typeface="Encode Sans Normal Black" charset="0"/>
                 <a:cs typeface="Encode Sans Normal Black" charset="0"/>
               </a:rPr>
-              <a:t>Quick Facts About Our CNN</a:t>
-            </a:r>
-          </a:p>
-          <a:p>
-            <a:pPr>
+              <a:t>QUICK FACTS ABOUT OUR CNN</a:t>
+            </a:r>
+          </a:p>
+          <a:p>
+            <a:pPr algn="ctr">
               <a:spcAft>
                 <a:spcPts val="1200"/>
               </a:spcAft>
@@ -3941,7 +3668,7 @@
             </a:r>
           </a:p>
           <a:p>
-            <a:pPr>
+            <a:pPr algn="ctr">
               <a:spcAft>
                 <a:spcPts val="1200"/>
               </a:spcAft>
@@ -4036,7 +3763,7 @@
             </a:r>
           </a:p>
           <a:p>
-            <a:pPr>
+            <a:pPr algn="ctr">
               <a:spcAft>
                 <a:spcPts val="1200"/>
               </a:spcAft>
@@ -4095,7 +3822,7 @@
             </a:endParaRPr>
           </a:p>
           <a:p>
-            <a:pPr>
+            <a:pPr algn="ctr">
               <a:spcAft>
                 <a:spcPts val="1200"/>
               </a:spcAft>
@@ -4146,7 +3873,7 @@
             </a:r>
           </a:p>
           <a:p>
-            <a:pPr>
+            <a:pPr algn="ctr">
               <a:spcAft>
                 <a:spcPts val="1200"/>
               </a:spcAft>
@@ -4217,193 +3944,6 @@
               </a:rPr>
               <a:t> fully connected layers and an output</a:t>
             </a:r>
-          </a:p>
-          <a:p>
-            <a:pPr>
-              <a:spcAft>
-                <a:spcPts val="1200"/>
-              </a:spcAft>
-            </a:pPr>
-            <a:r>
-              <a:rPr lang="en-US" sz="2400" b="1" dirty="0">
-                <a:solidFill>
-                  <a:schemeClr val="bg1"/>
-                </a:solidFill>
-                <a:latin typeface="Open Sans" panose="020B0606030504020204" pitchFamily="34" charset="0"/>
-                <a:ea typeface="Open Sans" panose="020B0606030504020204" pitchFamily="34" charset="0"/>
-                <a:cs typeface="Open Sans" panose="020B0606030504020204" pitchFamily="34" charset="0"/>
-              </a:rPr>
-              <a:t>&gt; </a:t>
-            </a:r>
-            <a:r>
-              <a:rPr lang="en-US" sz="2400" dirty="0">
-                <a:solidFill>
-                  <a:srgbClr val="FFFFFF"/>
-                </a:solidFill>
-                <a:latin typeface="Open Sans" panose="020B0606030504020204" pitchFamily="34" charset="0"/>
-                <a:ea typeface="Open Sans" panose="020B0606030504020204" pitchFamily="34" charset="0"/>
-                <a:cs typeface="Open Sans" panose="020B0606030504020204" pitchFamily="34" charset="0"/>
-              </a:rPr>
-              <a:t>Utilized a </a:t>
-            </a:r>
-            <a:r>
-              <a:rPr lang="en-US" sz="2400" b="1" dirty="0">
-                <a:solidFill>
-                  <a:srgbClr val="FFFFFF"/>
-                </a:solidFill>
-                <a:latin typeface="Open Sans" panose="020B0606030504020204" pitchFamily="34" charset="0"/>
-                <a:ea typeface="Open Sans" panose="020B0606030504020204" pitchFamily="34" charset="0"/>
-                <a:cs typeface="Open Sans" panose="020B0606030504020204" pitchFamily="34" charset="0"/>
-              </a:rPr>
-              <a:t>cross-entropy</a:t>
-            </a:r>
-            <a:r>
-              <a:rPr lang="en-US" sz="2400" dirty="0">
-                <a:solidFill>
-                  <a:srgbClr val="FFFFFF"/>
-                </a:solidFill>
-                <a:latin typeface="Open Sans" panose="020B0606030504020204" pitchFamily="34" charset="0"/>
-                <a:ea typeface="Open Sans" panose="020B0606030504020204" pitchFamily="34" charset="0"/>
-                <a:cs typeface="Open Sans" panose="020B0606030504020204" pitchFamily="34" charset="0"/>
-              </a:rPr>
-              <a:t> loss function with an </a:t>
-            </a:r>
-            <a:r>
-              <a:rPr lang="en-US" sz="2400" b="1" dirty="0">
-                <a:solidFill>
-                  <a:srgbClr val="FFFFFF"/>
-                </a:solidFill>
-                <a:latin typeface="Open Sans" panose="020B0606030504020204" pitchFamily="34" charset="0"/>
-                <a:ea typeface="Open Sans" panose="020B0606030504020204" pitchFamily="34" charset="0"/>
-                <a:cs typeface="Open Sans" panose="020B0606030504020204" pitchFamily="34" charset="0"/>
-              </a:rPr>
-              <a:t>Adam</a:t>
-            </a:r>
-            <a:r>
-              <a:rPr lang="en-US" sz="2400" dirty="0">
-                <a:solidFill>
-                  <a:srgbClr val="FFFFFF"/>
-                </a:solidFill>
-                <a:latin typeface="Open Sans" panose="020B0606030504020204" pitchFamily="34" charset="0"/>
-                <a:ea typeface="Open Sans" panose="020B0606030504020204" pitchFamily="34" charset="0"/>
-                <a:cs typeface="Open Sans" panose="020B0606030504020204" pitchFamily="34" charset="0"/>
-              </a:rPr>
-              <a:t> optimizer</a:t>
-            </a:r>
-          </a:p>
-          <a:p>
-            <a:pPr>
-              <a:spcAft>
-                <a:spcPts val="1200"/>
-              </a:spcAft>
-            </a:pPr>
-            <a:r>
-              <a:rPr lang="en-US" sz="2400" b="1" dirty="0">
-                <a:solidFill>
-                  <a:schemeClr val="bg1"/>
-                </a:solidFill>
-                <a:latin typeface="Open Sans" panose="020B0606030504020204" pitchFamily="34" charset="0"/>
-                <a:ea typeface="Open Sans" panose="020B0606030504020204" pitchFamily="34" charset="0"/>
-                <a:cs typeface="Open Sans" panose="020B0606030504020204" pitchFamily="34" charset="0"/>
-              </a:rPr>
-              <a:t>&gt;</a:t>
-            </a:r>
-            <a:r>
-              <a:rPr lang="en-US" sz="2400" dirty="0">
-                <a:solidFill>
-                  <a:srgbClr val="FFFFFF"/>
-                </a:solidFill>
-                <a:latin typeface="Open Sans" panose="020B0606030504020204" pitchFamily="34" charset="0"/>
-                <a:ea typeface="Open Sans" panose="020B0606030504020204" pitchFamily="34" charset="0"/>
-                <a:cs typeface="Open Sans" panose="020B0606030504020204" pitchFamily="34" charset="0"/>
-              </a:rPr>
-              <a:t> Utilized </a:t>
-            </a:r>
-            <a:r>
-              <a:rPr lang="en-US" sz="2400" b="1" dirty="0">
-                <a:solidFill>
-                  <a:srgbClr val="FFFFFF"/>
-                </a:solidFill>
-                <a:latin typeface="Open Sans" panose="020B0606030504020204" pitchFamily="34" charset="0"/>
-                <a:ea typeface="Open Sans" panose="020B0606030504020204" pitchFamily="34" charset="0"/>
-                <a:cs typeface="Open Sans" panose="020B0606030504020204" pitchFamily="34" charset="0"/>
-              </a:rPr>
-              <a:t>batch normalization</a:t>
-            </a:r>
-            <a:r>
-              <a:rPr lang="en-US" sz="2400" dirty="0">
-                <a:solidFill>
-                  <a:srgbClr val="FFFFFF"/>
-                </a:solidFill>
-                <a:latin typeface="Open Sans" panose="020B0606030504020204" pitchFamily="34" charset="0"/>
-                <a:ea typeface="Open Sans" panose="020B0606030504020204" pitchFamily="34" charset="0"/>
-                <a:cs typeface="Open Sans" panose="020B0606030504020204" pitchFamily="34" charset="0"/>
-              </a:rPr>
-              <a:t> and </a:t>
-            </a:r>
-            <a:r>
-              <a:rPr lang="en-US" sz="2400" b="1" dirty="0">
-                <a:solidFill>
-                  <a:srgbClr val="FFFFFF"/>
-                </a:solidFill>
-                <a:latin typeface="Open Sans" panose="020B0606030504020204" pitchFamily="34" charset="0"/>
-                <a:ea typeface="Open Sans" panose="020B0606030504020204" pitchFamily="34" charset="0"/>
-                <a:cs typeface="Open Sans" panose="020B0606030504020204" pitchFamily="34" charset="0"/>
-              </a:rPr>
-              <a:t>ReLU</a:t>
-            </a:r>
-            <a:r>
-              <a:rPr lang="en-US" sz="2400" dirty="0">
-                <a:solidFill>
-                  <a:srgbClr val="FFFFFF"/>
-                </a:solidFill>
-                <a:latin typeface="Open Sans" panose="020B0606030504020204" pitchFamily="34" charset="0"/>
-                <a:ea typeface="Open Sans" panose="020B0606030504020204" pitchFamily="34" charset="0"/>
-                <a:cs typeface="Open Sans" panose="020B0606030504020204" pitchFamily="34" charset="0"/>
-              </a:rPr>
-              <a:t> activation functions along with </a:t>
-            </a:r>
-            <a:r>
-              <a:rPr lang="en-US" sz="2400" b="1" dirty="0">
-                <a:solidFill>
-                  <a:srgbClr val="FFFFFF"/>
-                </a:solidFill>
-                <a:latin typeface="Open Sans" panose="020B0606030504020204" pitchFamily="34" charset="0"/>
-                <a:ea typeface="Open Sans" panose="020B0606030504020204" pitchFamily="34" charset="0"/>
-                <a:cs typeface="Open Sans" panose="020B0606030504020204" pitchFamily="34" charset="0"/>
-              </a:rPr>
-              <a:t>L2</a:t>
-            </a:r>
-            <a:r>
-              <a:rPr lang="en-US" sz="2400" dirty="0">
-                <a:solidFill>
-                  <a:srgbClr val="FFFFFF"/>
-                </a:solidFill>
-                <a:latin typeface="Open Sans" panose="020B0606030504020204" pitchFamily="34" charset="0"/>
-                <a:ea typeface="Open Sans" panose="020B0606030504020204" pitchFamily="34" charset="0"/>
-                <a:cs typeface="Open Sans" panose="020B0606030504020204" pitchFamily="34" charset="0"/>
-              </a:rPr>
-              <a:t> </a:t>
-            </a:r>
-            <a:r>
-              <a:rPr lang="en-US" sz="2400" b="1" dirty="0">
-                <a:solidFill>
-                  <a:srgbClr val="FFFFFF"/>
-                </a:solidFill>
-                <a:latin typeface="Open Sans" panose="020B0606030504020204" pitchFamily="34" charset="0"/>
-                <a:ea typeface="Open Sans" panose="020B0606030504020204" pitchFamily="34" charset="0"/>
-                <a:cs typeface="Open Sans" panose="020B0606030504020204" pitchFamily="34" charset="0"/>
-              </a:rPr>
-              <a:t>Regularization</a:t>
-            </a:r>
-            <a:endParaRPr lang="en-US" sz="2400" dirty="0">
-              <a:solidFill>
-                <a:srgbClr val="FFFFFF"/>
-              </a:solidFill>
-              <a:latin typeface="Open Sans" panose="020B0606030504020204" pitchFamily="34" charset="0"/>
-              <a:ea typeface="Open Sans" panose="020B0606030504020204" pitchFamily="34" charset="0"/>
-              <a:cs typeface="Open Sans" panose="020B0606030504020204" pitchFamily="34" charset="0"/>
-            </a:endParaRPr>
           </a:p>
         </p:txBody>
       </p:sp>
@@ -4415,9 +3955,9 @@
         </p:nvGrpSpPr>
         <p:grpSpPr>
           <a:xfrm>
-            <a:off x="16484796" y="14643295"/>
-            <a:ext cx="10963534" cy="954107"/>
-            <a:chOff x="1029823" y="14312521"/>
+            <a:off x="1904513" y="23170446"/>
+            <a:ext cx="11789627" cy="954107"/>
+            <a:chOff x="1014879" y="14312521"/>
             <a:chExt cx="6400800" cy="954107"/>
           </a:xfrm>
         </p:grpSpPr>
@@ -4429,7 +3969,7 @@
           </p:nvSpPr>
           <p:spPr>
             <a:xfrm>
-              <a:off x="1029823" y="14312521"/>
+              <a:off x="1014879" y="14312521"/>
               <a:ext cx="6400800" cy="954107"/>
             </a:xfrm>
             <a:prstGeom prst="rect">
@@ -4466,7 +4006,7 @@
             <p:nvPr/>
           </p:nvPicPr>
           <p:blipFill>
-            <a:blip r:embed="rId3">
+            <a:blip r:embed="rId2">
               <a:extLst>
                 <a:ext uri="{28A0092B-C50C-407E-A947-70E740481C1C}">
                   <a14:useLocalDpi xmlns:a14="http://schemas.microsoft.com/office/drawing/2010/main" val="0"/>
@@ -4479,7 +4019,7 @@
           </p:blipFill>
           <p:spPr>
             <a:xfrm>
-              <a:off x="1121264" y="15135481"/>
+              <a:off x="1068265" y="15135481"/>
               <a:ext cx="1463040" cy="117936"/>
             </a:xfrm>
             <a:prstGeom prst="rect">
@@ -4496,8 +4036,8 @@
         </p:nvSpPr>
         <p:spPr>
           <a:xfrm>
-            <a:off x="15544799" y="15740575"/>
-            <a:ext cx="12801595" cy="4893647"/>
+            <a:off x="1825561" y="24180867"/>
+            <a:ext cx="11887200" cy="3785652"/>
           </a:xfrm>
           <a:prstGeom prst="rect">
             <a:avLst/>
@@ -4635,34 +4175,6 @@
                 <a:ea typeface="Open Sans" panose="020B0606030504020204" pitchFamily="34" charset="0"/>
                 <a:cs typeface="Open Sans" panose="020B0606030504020204" pitchFamily="34" charset="0"/>
               </a:rPr>
-              <a:t>Example misclassification: </a:t>
-            </a:r>
-            <a:r>
-              <a:rPr lang="en-US" sz="2400" dirty="0">
-                <a:solidFill>
-                  <a:srgbClr val="000000"/>
-                </a:solidFill>
-                <a:latin typeface="Open Sans" panose="020B0606030504020204" pitchFamily="34" charset="0"/>
-                <a:ea typeface="Open Sans" panose="020B0606030504020204" pitchFamily="34" charset="0"/>
-                <a:cs typeface="Open Sans" panose="020B0606030504020204" pitchFamily="34" charset="0"/>
-              </a:rPr>
-              <a:t>In the sample of glitch data below, the model misclassified the GASF image as a signal, despite the Hanford signal being glitch and Livingston signal being background noise.</a:t>
-            </a:r>
-          </a:p>
-          <a:p>
-            <a:pPr marL="285736" indent="-285736">
-              <a:buFont typeface="Arial" panose="020B0604020202020204" pitchFamily="34" charset="0"/>
-              <a:buChar char="•"/>
-            </a:pPr>
-            <a:r>
-              <a:rPr lang="en-US" sz="2400" b="1" dirty="0">
-                <a:solidFill>
-                  <a:srgbClr val="33006F"/>
-                </a:solidFill>
-                <a:latin typeface="Open Sans" panose="020B0606030504020204" pitchFamily="34" charset="0"/>
-                <a:ea typeface="Open Sans" panose="020B0606030504020204" pitchFamily="34" charset="0"/>
-                <a:cs typeface="Open Sans" panose="020B0606030504020204" pitchFamily="34" charset="0"/>
-              </a:rPr>
               <a:t>Possible flaws: </a:t>
             </a:r>
             <a:r>
@@ -4687,9 +4199,9 @@
         </p:nvGrpSpPr>
         <p:grpSpPr>
           <a:xfrm>
-            <a:off x="2209800" y="7240585"/>
-            <a:ext cx="6858000" cy="986616"/>
-            <a:chOff x="-515806" y="15342903"/>
+            <a:off x="1828800" y="7240585"/>
+            <a:ext cx="11887200" cy="986616"/>
+            <a:chOff x="-531046" y="15342903"/>
             <a:chExt cx="6858000" cy="986616"/>
           </a:xfrm>
         </p:grpSpPr>
@@ -4701,7 +4213,7 @@
           </p:nvSpPr>
           <p:spPr>
             <a:xfrm>
-              <a:off x="-515806" y="15342903"/>
+              <a:off x="-531046" y="15342903"/>
               <a:ext cx="6858000" cy="954107"/>
             </a:xfrm>
             <a:prstGeom prst="rect">
@@ -4738,7 +4250,7 @@
             <p:nvPr/>
           </p:nvPicPr>
           <p:blipFill>
-            <a:blip r:embed="rId3">
+            <a:blip r:embed="rId2">
               <a:extLst>
                 <a:ext uri="{28A0092B-C50C-407E-A947-70E740481C1C}">
                   <a14:useLocalDpi xmlns:a14="http://schemas.microsoft.com/office/drawing/2010/main" val="0"/>
@@ -4768,8 +4280,8 @@
         </p:nvSpPr>
         <p:spPr>
           <a:xfrm>
-            <a:off x="1828799" y="8227201"/>
-            <a:ext cx="11885581" cy="3046988"/>
+            <a:off x="1796544" y="8387950"/>
+            <a:ext cx="11885581" cy="3416320"/>
           </a:xfrm>
           <a:prstGeom prst="rect">
             <a:avLst/>
@@ -4890,7 +4402,7 @@
                 <a:ea typeface="Open Sans" panose="020B0606030504020204" pitchFamily="34" charset="0"/>
                 <a:cs typeface="Open Sans" panose="020B0606030504020204" pitchFamily="34" charset="0"/>
               </a:rPr>
-              <a:t>Develop a binary classifier to identify signals as either Glitch/Background or Sine-Gaussian/Binary Black Hole.</a:t>
+              <a:t>Develop a binary classifier to identify signals as either Glitch/Background or Sine-Gaussian/Binary Black Hole using GASF vs Spectrogram.</a:t>
             </a:r>
             <a:endParaRPr lang="en-US" sz="2400" dirty="0">
               <a:solidFill>
@@ -4908,7 +4420,7 @@
         </p:nvSpPr>
         <p:spPr>
           <a:xfrm>
-            <a:off x="4899435" y="27622350"/>
+            <a:off x="4224366" y="22585205"/>
             <a:ext cx="6858000" cy="369332"/>
           </a:xfrm>
           <a:prstGeom prst="rect">
@@ -4945,8 +4457,8 @@
         </p:nvGrpSpPr>
         <p:grpSpPr>
           <a:xfrm>
-            <a:off x="1828800" y="16700663"/>
-            <a:ext cx="6858000" cy="954107"/>
+            <a:off x="1874077" y="11716634"/>
+            <a:ext cx="11861814" cy="954107"/>
             <a:chOff x="688946" y="15565887"/>
             <a:chExt cx="6700033" cy="954107"/>
           </a:xfrm>
@@ -4996,7 +4508,7 @@
             <p:nvPr/>
           </p:nvPicPr>
           <p:blipFill>
-            <a:blip r:embed="rId3">
+            <a:blip r:embed="rId2">
               <a:extLst>
                 <a:ext uri="{28A0092B-C50C-407E-A947-70E740481C1C}">
                   <a14:useLocalDpi xmlns:a14="http://schemas.microsoft.com/office/drawing/2010/main" val="0"/>
@@ -5026,8 +4538,8 @@
         </p:nvSpPr>
         <p:spPr>
           <a:xfrm>
-            <a:off x="1828800" y="17618490"/>
-            <a:ext cx="11887200" cy="6740307"/>
+            <a:off x="1859375" y="12810018"/>
+            <a:ext cx="11887200" cy="4893647"/>
           </a:xfrm>
           <a:prstGeom prst="rect">
             <a:avLst/>
@@ -5053,7 +4565,7 @@
                 <a:ea typeface="Open Sans" panose="020B0606030504020204" pitchFamily="34" charset="0"/>
                 <a:cs typeface="Open Sans" panose="020B0606030504020204" pitchFamily="34" charset="0"/>
               </a:rPr>
-              <a:t>Problem: </a:t>
+              <a:t>Image Conversion: </a:t>
             </a:r>
             <a:r>
               <a:rPr lang="en-US" sz="2400" dirty="0">
@@ -5064,7 +4576,7 @@
                 <a:ea typeface="Open Sans" panose="020B0606030504020204" pitchFamily="34" charset="0"/>
                 <a:cs typeface="Open Sans" panose="020B0606030504020204" pitchFamily="34" charset="0"/>
               </a:rPr>
-              <a:t>Implementing a binary classifier using PyTorch for time series data.</a:t>
+              <a:t>Convert time series data to 2D images using Gramian Angular Summation Fields (GASFs) with the pyts library.</a:t>
             </a:r>
           </a:p>
           <a:p>
@@ -5081,7 +4593,7 @@
                 <a:ea typeface="Open Sans" panose="020B0606030504020204" pitchFamily="34" charset="0"/>
                 <a:cs typeface="Open Sans" panose="020B0606030504020204" pitchFamily="34" charset="0"/>
               </a:rPr>
-              <a:t>Image Conversion: </a:t>
+              <a:t>Image size: </a:t>
             </a:r>
             <a:r>
               <a:rPr lang="en-US" sz="2400" dirty="0">
@@ -5092,7 +4604,7 @@
                 <a:ea typeface="Open Sans" panose="020B0606030504020204" pitchFamily="34" charset="0"/>
                 <a:cs typeface="Open Sans" panose="020B0606030504020204" pitchFamily="34" charset="0"/>
               </a:rPr>
-              <a:t>Convert time series data to 2D images using Gramian Angular Summation Fields (GASFs) with the pyts library.</a:t>
+              <a:t>GASF images are 28x28 pixels for a balance between performance and accuracy.</a:t>
             </a:r>
           </a:p>
           <a:p>
@@ -5109,7 +4621,7 @@
                 <a:ea typeface="Open Sans" panose="020B0606030504020204" pitchFamily="34" charset="0"/>
                 <a:cs typeface="Open Sans" panose="020B0606030504020204" pitchFamily="34" charset="0"/>
               </a:rPr>
-              <a:t>Image size: </a:t>
+              <a:t>Data splitting: </a:t>
             </a:r>
             <a:r>
               <a:rPr lang="en-US" sz="2400" dirty="0">
@@ -5120,7 +4632,7 @@
                 <a:ea typeface="Open Sans" panose="020B0606030504020204" pitchFamily="34" charset="0"/>
                 <a:cs typeface="Open Sans" panose="020B0606030504020204" pitchFamily="34" charset="0"/>
               </a:rPr>
-              <a:t>GASF images are 28x28 pixels for a balance between performance and accuracy.</a:t>
+              <a:t>Split data into training (70%, 102227 images), testing (15%, 21910 images), and validation (15%, 21908 images) sets.</a:t>
             </a:r>
           </a:p>
           <a:p>
@@ -5137,34 +4649,6 @@
                 <a:ea typeface="Open Sans" panose="020B0606030504020204" pitchFamily="34" charset="0"/>
                 <a:cs typeface="Open Sans" panose="020B0606030504020204" pitchFamily="34" charset="0"/>
               </a:rPr>
-              <a:t>Data splitting: </a:t>
-            </a:r>
-            <a:r>
-              <a:rPr lang="en-US" sz="2400" dirty="0">
-                <a:solidFill>
-                  <a:srgbClr val="000000"/>
-                </a:solidFill>
-                <a:latin typeface="Open Sans" panose="020B0606030504020204" pitchFamily="34" charset="0"/>
-                <a:ea typeface="Open Sans" panose="020B0606030504020204" pitchFamily="34" charset="0"/>
-                <a:cs typeface="Open Sans" panose="020B0606030504020204" pitchFamily="34" charset="0"/>
-              </a:rPr>
-              <a:t>Split data into training (70%, 102227 images), testing (15%, 21910 images), and validation (15%, 21908 images) sets.</a:t>
-            </a:r>
-          </a:p>
-          <a:p>
-            <a:pPr marL="285736" indent="-285736">
-              <a:buFont typeface="Arial" panose="020B0604020202020204" pitchFamily="34" charset="0"/>
-              <a:buChar char="•"/>
-            </a:pPr>
-            <a:r>
-              <a:rPr lang="en-US" sz="2400" b="1" dirty="0">
-                <a:solidFill>
-                  <a:srgbClr val="33006F"/>
-                </a:solidFill>
-                <a:latin typeface="Open Sans" panose="020B0606030504020204" pitchFamily="34" charset="0"/>
-                <a:ea typeface="Open Sans" panose="020B0606030504020204" pitchFamily="34" charset="0"/>
-                <a:cs typeface="Open Sans" panose="020B0606030504020204" pitchFamily="34" charset="0"/>
-              </a:rPr>
               <a:t>CNN architecture:</a:t>
             </a:r>
           </a:p>
@@ -5174,6 +4658,17 @@
               <a:buChar char="o"/>
             </a:pPr>
             <a:r>
+              <a:rPr lang="en-US" sz="2400" dirty="0">
+                <a:solidFill>
+                  <a:srgbClr val="000000"/>
+                </a:solidFill>
+                <a:latin typeface="Open Sans" panose="020B0606030504020204" pitchFamily="34" charset="0"/>
+                <a:ea typeface="Open Sans" panose="020B0606030504020204" pitchFamily="34" charset="0"/>
+                <a:cs typeface="Open Sans" panose="020B0606030504020204" pitchFamily="34" charset="0"/>
+              </a:rPr>
+              <a:t>Two </a:t>
+            </a:r>
+            <a:r>
               <a:rPr lang="en-US" sz="2400" i="1" dirty="0">
                 <a:solidFill>
                   <a:srgbClr val="33006F"/>
@@ -5182,7 +4677,7 @@
                 <a:ea typeface="Open Sans" panose="020B0606030504020204" pitchFamily="34" charset="0"/>
                 <a:cs typeface="Open Sans" panose="020B0606030504020204" pitchFamily="34" charset="0"/>
               </a:rPr>
-              <a:t>Convolution layers: </a:t>
+              <a:t>convolution layers </a:t>
             </a:r>
             <a:r>
               <a:rPr lang="en-US" sz="2400" dirty="0">
@@ -5193,14 +4688,8 @@
                 <a:ea typeface="Open Sans" panose="020B0606030504020204" pitchFamily="34" charset="0"/>
                 <a:cs typeface="Open Sans" panose="020B0606030504020204" pitchFamily="34" charset="0"/>
               </a:rPr>
-              <a:t>Two convolution layers; layer one having 2 input channels, 16 output channels, and layer two having 16 input channels, 32 output channels, both with kernel size of 5, stride of 1, and padding of 2.</a:t>
-            </a:r>
-          </a:p>
-          <a:p>
-            <a:pPr marL="822920" lvl="1" indent="-285736">
-              <a:buFont typeface="Courier New" panose="02070309020205020404" pitchFamily="49" charset="0"/>
-              <a:buChar char="o"/>
-            </a:pPr>
+              <a:t>with </a:t>
+            </a:r>
             <a:r>
               <a:rPr lang="en-US" sz="2400" i="1" dirty="0">
                 <a:solidFill>
@@ -5210,7 +4699,7 @@
                 <a:ea typeface="Open Sans" panose="020B0606030504020204" pitchFamily="34" charset="0"/>
                 <a:cs typeface="Open Sans" panose="020B0606030504020204" pitchFamily="34" charset="0"/>
               </a:rPr>
-              <a:t>Max pooling layers: </a:t>
+              <a:t>batch normalization </a:t>
             </a:r>
             <a:r>
               <a:rPr lang="en-US" sz="2400" dirty="0">
@@ -5221,14 +4710,8 @@
                 <a:ea typeface="Open Sans" panose="020B0606030504020204" pitchFamily="34" charset="0"/>
                 <a:cs typeface="Open Sans" panose="020B0606030504020204" pitchFamily="34" charset="0"/>
               </a:rPr>
-              <a:t>Applied after each convolution layer with kernel size of 2, stride of 2, and padding of 0.</a:t>
-            </a:r>
-          </a:p>
-          <a:p>
-            <a:pPr marL="822920" lvl="1" indent="-285736">
-              <a:buFont typeface="Courier New" panose="02070309020205020404" pitchFamily="49" charset="0"/>
-              <a:buChar char="o"/>
-            </a:pPr>
+              <a:t>and </a:t>
+            </a:r>
             <a:r>
               <a:rPr lang="en-US" sz="2400" i="1" dirty="0">
                 <a:solidFill>
@@ -5238,10 +4721,18 @@
                 <a:ea typeface="Open Sans" panose="020B0606030504020204" pitchFamily="34" charset="0"/>
                 <a:cs typeface="Open Sans" panose="020B0606030504020204" pitchFamily="34" charset="0"/>
               </a:rPr>
-              <a:t>Fully connected layers: </a:t>
+              <a:t>max pooling layers </a:t>
             </a:r>
             <a:r>
               <a:rPr lang="en-US" sz="2400" dirty="0">
+                <a:latin typeface="Open Sans" panose="020B0606030504020204" pitchFamily="34" charset="0"/>
+                <a:ea typeface="Open Sans" panose="020B0606030504020204" pitchFamily="34" charset="0"/>
+                <a:cs typeface="Open Sans" panose="020B0606030504020204" pitchFamily="34" charset="0"/>
+              </a:rPr>
+              <a:t>a</a:t>
+            </a:r>
+            <a:r>
+              <a:rPr lang="en-US" sz="2400" dirty="0">
                 <a:solidFill>
                   <a:srgbClr val="000000"/>
                 </a:solidFill>
@@ -5249,7 +4740,29 @@
                 <a:ea typeface="Open Sans" panose="020B0606030504020204" pitchFamily="34" charset="0"/>
                 <a:cs typeface="Open Sans" panose="020B0606030504020204" pitchFamily="34" charset="0"/>
               </a:rPr>
-              <a:t>Three subsequent linear layers with dimensions 1568x128, 128x64, and 64x2, respectively.</a:t>
+              <a:t>pplied after each convolution layer three subsequent </a:t>
+            </a:r>
+            <a:r>
+              <a:rPr lang="en-US" sz="2400" i="1" dirty="0">
+                <a:solidFill>
+                  <a:srgbClr val="33006F"/>
+                </a:solidFill>
+                <a:latin typeface="Open Sans" panose="020B0606030504020204" pitchFamily="34" charset="0"/>
+                <a:ea typeface="Open Sans" panose="020B0606030504020204" pitchFamily="34" charset="0"/>
+                <a:cs typeface="Open Sans" panose="020B0606030504020204" pitchFamily="34" charset="0"/>
+              </a:rPr>
+              <a:t>fully connected layers</a:t>
+            </a:r>
+            <a:r>
+              <a:rPr lang="en-US" sz="2400" dirty="0">
+                <a:solidFill>
+                  <a:srgbClr val="000000"/>
+                </a:solidFill>
+                <a:latin typeface="Open Sans" panose="020B0606030504020204" pitchFamily="34" charset="0"/>
+                <a:ea typeface="Open Sans" panose="020B0606030504020204" pitchFamily="34" charset="0"/>
+                <a:cs typeface="Open Sans" panose="020B0606030504020204" pitchFamily="34" charset="0"/>
+              </a:rPr>
+              <a:t> with dimensions 1568x128, 128x64, and 64x2, respectively.</a:t>
             </a:r>
           </a:p>
           <a:p>
@@ -5318,7 +4831,7 @@
         </p:nvSpPr>
         <p:spPr>
           <a:xfrm>
-            <a:off x="30175200" y="20127432"/>
+            <a:off x="30145634" y="20367337"/>
             <a:ext cx="11853460" cy="646331"/>
           </a:xfrm>
           <a:prstGeom prst="rect">
@@ -5390,7 +4903,7 @@
           <p:nvPr/>
         </p:nvPicPr>
         <p:blipFill>
-          <a:blip r:embed="rId4">
+          <a:blip r:embed="rId3">
             <a:extLst>
               <a:ext uri="{28A0092B-C50C-407E-A947-70E740481C1C}">
                 <a14:useLocalDpi xmlns:a14="http://schemas.microsoft.com/office/drawing/2010/main" val="0"/>
@@ -5413,109 +4926,6 @@
       </p:pic>
       <p:pic>
         <p:nvPicPr>
-          <p:cNvPr id="3" name="Picture 2" descr="A picture containing nature, space, outer space, universe&#10;&#10;Description automatically generated">
-            <a:extLst>
-              <a:ext uri="{FF2B5EF4-FFF2-40B4-BE49-F238E27FC236}">
-                <a16:creationId xmlns:a16="http://schemas.microsoft.com/office/drawing/2014/main" id="{6A1899F0-07E6-309F-571B-443DD6804F10}"/>
-              </a:ext>
-            </a:extLst>
-          </p:cNvPr>
-          <p:cNvPicPr>
-            <a:picLocks noChangeAspect="1"/>
-          </p:cNvPicPr>
-          <p:nvPr/>
-        </p:nvPicPr>
-        <p:blipFill>
-          <a:blip r:embed="rId5"/>
-          <a:stretch>
-            <a:fillRect/>
-          </a:stretch>
-        </p:blipFill>
-        <p:spPr>
-          <a:xfrm>
-            <a:off x="36736020" y="1046271"/>
-            <a:ext cx="4114800" cy="2743200"/>
-          </a:xfrm>
-          <a:prstGeom prst="rect">
-            <a:avLst/>
-          </a:prstGeom>
-        </p:spPr>
-      </p:pic>
-      <p:pic>
-        <p:nvPicPr>
-          <p:cNvPr id="9" name="Picture 8" descr="A diagram of a giant interferometer&#10;&#10;Description automatically generated with medium confidence">
-            <a:extLst>
-              <a:ext uri="{FF2B5EF4-FFF2-40B4-BE49-F238E27FC236}">
-                <a16:creationId xmlns:a16="http://schemas.microsoft.com/office/drawing/2014/main" id="{8D8716ED-442D-3E71-F6A0-6EC20C48C707}"/>
-              </a:ext>
-            </a:extLst>
-          </p:cNvPr>
-          <p:cNvPicPr>
-            <a:picLocks noChangeAspect="1"/>
-          </p:cNvPicPr>
-          <p:nvPr/>
-        </p:nvPicPr>
-        <p:blipFill>
-          <a:blip r:embed="rId6"/>
-          <a:stretch>
-            <a:fillRect/>
-          </a:stretch>
-        </p:blipFill>
-        <p:spPr>
-          <a:xfrm>
-            <a:off x="4222586" y="11487955"/>
-            <a:ext cx="6858000" cy="4504937"/>
-          </a:xfrm>
-          <a:prstGeom prst="rect">
-            <a:avLst/>
-          </a:prstGeom>
-        </p:spPr>
-      </p:pic>
-      <p:sp>
-        <p:nvSpPr>
-          <p:cNvPr id="13" name="TextBox 12">
-            <a:extLst>
-              <a:ext uri="{FF2B5EF4-FFF2-40B4-BE49-F238E27FC236}">
-                <a16:creationId xmlns:a16="http://schemas.microsoft.com/office/drawing/2014/main" id="{4433636C-A74E-E361-7E0C-CAD31619C19B}"/>
-              </a:ext>
-            </a:extLst>
-          </p:cNvPr>
-          <p:cNvSpPr txBox="1"/>
-          <p:nvPr/>
-        </p:nvSpPr>
-        <p:spPr>
-          <a:xfrm>
-            <a:off x="4184261" y="16246313"/>
-            <a:ext cx="6858000" cy="369332"/>
-          </a:xfrm>
-          <a:prstGeom prst="rect">
-            <a:avLst/>
-          </a:prstGeom>
-          <a:noFill/>
-        </p:spPr>
-        <p:txBody>
-          <a:bodyPr wrap="square" rtlCol="0">
-            <a:spAutoFit/>
-          </a:bodyPr>
-          <a:lstStyle/>
-          <a:p>
-            <a:pPr algn="ctr"/>
-            <a:r>
-              <a:rPr lang="en-US" i="1" dirty="0">
-                <a:solidFill>
-                  <a:srgbClr val="33006F"/>
-                </a:solidFill>
-                <a:latin typeface="Open Sans" panose="020B0606030504020204" pitchFamily="34" charset="0"/>
-                <a:ea typeface="Open Sans" panose="020B0606030504020204" pitchFamily="34" charset="0"/>
-                <a:cs typeface="Open Sans" panose="020B0606030504020204" pitchFamily="34" charset="0"/>
-              </a:rPr>
-              <a:t>Fundamental configuration of the LIGO interferometer.</a:t>
-            </a:r>
-          </a:p>
-        </p:txBody>
-      </p:sp>
-      <p:pic>
-        <p:nvPicPr>
           <p:cNvPr id="1026" name="Picture 2">
             <a:extLst>
               <a:ext uri="{FF2B5EF4-FFF2-40B4-BE49-F238E27FC236}">
@@ -5528,21 +4938,15 @@
           </p:cNvPicPr>
           <p:nvPr/>
         </p:nvPicPr>
-        <p:blipFill rotWithShape="1">
-          <a:blip r:embed="rId7">
-            <a:extLst>
-              <a:ext uri="{28A0092B-C50C-407E-A947-70E740481C1C}">
-                <a14:useLocalDpi xmlns:a14="http://schemas.microsoft.com/office/drawing/2010/main" val="0"/>
-              </a:ext>
-            </a:extLst>
-          </a:blip>
-          <a:srcRect t="15396" b="21618"/>
+        <p:blipFill>
+          <a:blip r:embed="rId4"/>
+          <a:srcRect t="18507" b="18507"/>
           <a:stretch/>
         </p:blipFill>
         <p:spPr bwMode="auto">
           <a:xfrm>
-            <a:off x="1599260" y="24809135"/>
-            <a:ext cx="13029520" cy="2842322"/>
+            <a:off x="1837517" y="19658476"/>
+            <a:ext cx="11887200" cy="2593131"/>
           </a:xfrm>
           <a:prstGeom prst="rect">
             <a:avLst/>
@@ -5573,8 +4977,8 @@
         </p:nvSpPr>
         <p:spPr>
           <a:xfrm>
-            <a:off x="18406660" y="29515900"/>
-            <a:ext cx="6858000" cy="923330"/>
+            <a:off x="15645160" y="25835064"/>
+            <a:ext cx="12829184" cy="646331"/>
           </a:xfrm>
           <a:prstGeom prst="rect">
             <a:avLst/>
@@ -5596,7 +5000,7 @@
                 <a:ea typeface="Open Sans" panose="020B0606030504020204" pitchFamily="34" charset="0"/>
                 <a:cs typeface="Open Sans" panose="020B0606030504020204" pitchFamily="34" charset="0"/>
               </a:rPr>
-              <a:t>An example of the four signal categories derived from the time series data, along with their corresponding GASF images captured by both the Hanford and Livingston detectors.</a:t>
+              <a:t>An example of the four signal categories derived from the time series data, along with their corresponding GASF images captured by both Detector 1 and Detector 2.</a:t>
             </a:r>
           </a:p>
         </p:txBody>
@@ -5615,8 +5019,8 @@
         </p:nvSpPr>
         <p:spPr>
           <a:xfrm>
-            <a:off x="30142887" y="28527672"/>
-            <a:ext cx="11925292" cy="4154984"/>
+            <a:off x="30175200" y="25560878"/>
+            <a:ext cx="11887200" cy="3416320"/>
           </a:xfrm>
           <a:prstGeom prst="rect">
             <a:avLst/>
@@ -5664,16 +5068,6 @@
             </a:r>
           </a:p>
           <a:p>
-            <a:endParaRPr lang="en-US" sz="2400" kern="100" dirty="0">
-              <a:solidFill>
-                <a:srgbClr val="000000"/>
-              </a:solidFill>
-              <a:latin typeface="Open Sans" panose="020B0606030504020204" pitchFamily="34" charset="0"/>
-              <a:ea typeface="Open Sans" panose="020B0606030504020204" pitchFamily="34" charset="0"/>
-              <a:cs typeface="Open Sans" panose="020B0606030504020204" pitchFamily="34" charset="0"/>
-            </a:endParaRPr>
-          </a:p>
-          <a:p>
             <a:r>
               <a:rPr lang="en-US" sz="2400" kern="100" dirty="0">
                 <a:solidFill>
@@ -5685,16 +5079,6 @@
               </a:rPr>
               <a:t>[2] T. S. Fernandes, et al. Convolutional Neural Networks for the classification of glitches in gravitational-wave data streams, arXiv:2303.13917v1 [gr-qc], March 2023.</a:t>
             </a:r>
-          </a:p>
-          <a:p>
-            <a:endParaRPr lang="en-US" sz="2400" kern="100" dirty="0">
-              <a:solidFill>
-                <a:srgbClr val="000000"/>
-              </a:solidFill>
-              <a:latin typeface="Open Sans" panose="020B0606030504020204" pitchFamily="34" charset="0"/>
-              <a:ea typeface="Open Sans" panose="020B0606030504020204" pitchFamily="34" charset="0"/>
-              <a:cs typeface="Open Sans" panose="020B0606030504020204" pitchFamily="34" charset="0"/>
-            </a:endParaRPr>
           </a:p>
           <a:p>
             <a:r>
@@ -5757,8 +5141,8 @@
         </p:nvSpPr>
         <p:spPr>
           <a:xfrm>
-            <a:off x="36956407" y="3963702"/>
-            <a:ext cx="4572000" cy="646331"/>
+            <a:off x="33930441" y="4447783"/>
+            <a:ext cx="8045232" cy="376306"/>
           </a:xfrm>
           <a:prstGeom prst="rect">
             <a:avLst/>
@@ -5771,9 +5155,9 @@
           </a:bodyPr>
           <a:lstStyle/>
           <a:p>
-            <a:pPr algn="r"/>
-            <a:r>
-              <a:rPr lang="en-US" i="1" dirty="0">
+            <a:pPr algn="ctr"/>
+            <a:r>
+              <a:rPr lang="en-US" sz="1800" kern="100" dirty="0">
                 <a:solidFill>
                   <a:srgbClr val="FFFFFF"/>
                 </a:solidFill>
@@ -5781,379 +5165,8 @@
                 <a:ea typeface="Open Sans" panose="020B0606030504020204" pitchFamily="34" charset="0"/>
                 <a:cs typeface="Open Sans" panose="020B0606030504020204" pitchFamily="34" charset="0"/>
               </a:rPr>
-              <a:t>Artist’s rendition of binary black hole merger.</a:t>
-            </a:r>
-          </a:p>
-        </p:txBody>
-      </p:sp>
-      <p:sp>
-        <p:nvSpPr>
-          <p:cNvPr id="8" name="TextBox 7">
-            <a:extLst>
-              <a:ext uri="{FF2B5EF4-FFF2-40B4-BE49-F238E27FC236}">
-                <a16:creationId xmlns:a16="http://schemas.microsoft.com/office/drawing/2014/main" id="{E8CAC005-5D33-EF47-C4C5-913B7FB1D14B}"/>
-              </a:ext>
-            </a:extLst>
-          </p:cNvPr>
-          <p:cNvSpPr txBox="1"/>
-          <p:nvPr/>
-        </p:nvSpPr>
-        <p:spPr>
-          <a:xfrm>
-            <a:off x="1785260" y="28339215"/>
-            <a:ext cx="11929119" cy="646331"/>
-          </a:xfrm>
-          <a:prstGeom prst="rect">
-            <a:avLst/>
-          </a:prstGeom>
-          <a:noFill/>
-        </p:spPr>
-        <p:txBody>
-          <a:bodyPr wrap="square" rtlCol="0">
-            <a:spAutoFit/>
-          </a:bodyPr>
-          <a:lstStyle/>
-          <a:p>
-            <a:pPr algn="ctr"/>
-            <a:r>
-              <a:rPr lang="en-US" sz="3600" b="1" dirty="0" err="1">
-                <a:solidFill>
-                  <a:srgbClr val="33006F"/>
-                </a:solidFill>
-                <a:latin typeface="Uni Sans Book" charset="0"/>
-                <a:ea typeface="Uni Sans Book" charset="0"/>
-                <a:cs typeface="Uni Sans Book" charset="0"/>
-              </a:rPr>
-              <a:t>Gramian</a:t>
-            </a:r>
-            <a:r>
-              <a:rPr lang="en-US" sz="3600" b="1" dirty="0">
-                <a:solidFill>
-                  <a:srgbClr val="33006F"/>
-                </a:solidFill>
-                <a:latin typeface="Uni Sans Book" charset="0"/>
-                <a:ea typeface="Uni Sans Book" charset="0"/>
-                <a:cs typeface="Uni Sans Book" charset="0"/>
-              </a:rPr>
-              <a:t> Angular Summation Fields</a:t>
-            </a:r>
-          </a:p>
-        </p:txBody>
-      </p:sp>
-      <p:sp>
-        <p:nvSpPr>
-          <p:cNvPr id="40" name="TextBox 39">
-            <a:extLst>
-              <a:ext uri="{FF2B5EF4-FFF2-40B4-BE49-F238E27FC236}">
-                <a16:creationId xmlns:a16="http://schemas.microsoft.com/office/drawing/2014/main" id="{3A66262C-78FC-4FDC-A154-AD8B997D7445}"/>
-              </a:ext>
-            </a:extLst>
-          </p:cNvPr>
-          <p:cNvSpPr txBox="1"/>
-          <p:nvPr/>
-        </p:nvSpPr>
-        <p:spPr>
-          <a:xfrm>
-            <a:off x="1823358" y="29146633"/>
-            <a:ext cx="11891021" cy="2308324"/>
-          </a:xfrm>
-          <a:prstGeom prst="rect">
-            <a:avLst/>
-          </a:prstGeom>
-          <a:noFill/>
-        </p:spPr>
-        <p:txBody>
-          <a:bodyPr wrap="square" rtlCol="0">
-            <a:spAutoFit/>
-          </a:bodyPr>
-          <a:lstStyle/>
-          <a:p>
-            <a:pPr marL="342884" indent="-342884">
-              <a:buFont typeface="Arial" panose="020B0604020202020204" pitchFamily="34" charset="0"/>
-              <a:buChar char="•"/>
-            </a:pPr>
-            <a:r>
-              <a:rPr lang="en-US" sz="2400" b="1" dirty="0">
-                <a:solidFill>
-                  <a:srgbClr val="33006F"/>
-                </a:solidFill>
-                <a:latin typeface="Open Sans" panose="020B0606030504020204" pitchFamily="34" charset="0"/>
-                <a:ea typeface="Open Sans" panose="020B0606030504020204" pitchFamily="34" charset="0"/>
-                <a:cs typeface="Open Sans" panose="020B0606030504020204" pitchFamily="34" charset="0"/>
-              </a:rPr>
-              <a:t>Definition: </a:t>
-            </a:r>
-            <a:r>
-              <a:rPr lang="en-US" sz="2400" dirty="0">
-                <a:solidFill>
-                  <a:srgbClr val="000000"/>
-                </a:solidFill>
-                <a:latin typeface="Open Sans" panose="020B0606030504020204" pitchFamily="34" charset="0"/>
-                <a:ea typeface="Open Sans" panose="020B0606030504020204" pitchFamily="34" charset="0"/>
-                <a:cs typeface="Open Sans" panose="020B0606030504020204" pitchFamily="34" charset="0"/>
-              </a:rPr>
-              <a:t>Method for visualizing time series data in a two-dimensional image format.</a:t>
-            </a:r>
-          </a:p>
-          <a:p>
-            <a:pPr marL="342884" indent="-342884">
-              <a:buFont typeface="Arial" panose="020B0604020202020204" pitchFamily="34" charset="0"/>
-              <a:buChar char="•"/>
-            </a:pPr>
-            <a:r>
-              <a:rPr lang="en-US" sz="2400" b="1" dirty="0">
-                <a:solidFill>
-                  <a:srgbClr val="33006F"/>
-                </a:solidFill>
-                <a:latin typeface="Open Sans" panose="020B0606030504020204" pitchFamily="34" charset="0"/>
-                <a:ea typeface="Open Sans" panose="020B0606030504020204" pitchFamily="34" charset="0"/>
-                <a:cs typeface="Open Sans" panose="020B0606030504020204" pitchFamily="34" charset="0"/>
-              </a:rPr>
-              <a:t>Conversion: </a:t>
-            </a:r>
-            <a:r>
-              <a:rPr lang="en-US" sz="2400" dirty="0">
-                <a:solidFill>
-                  <a:srgbClr val="000000"/>
-                </a:solidFill>
-                <a:latin typeface="Open Sans" panose="020B0606030504020204" pitchFamily="34" charset="0"/>
-                <a:ea typeface="Open Sans" panose="020B0606030504020204" pitchFamily="34" charset="0"/>
-                <a:cs typeface="Open Sans" panose="020B0606030504020204" pitchFamily="34" charset="0"/>
-              </a:rPr>
-              <a:t>Converts time series into a symmetric matrix which represents the pairwise angles between points in the time series.</a:t>
-            </a:r>
-          </a:p>
-          <a:p>
-            <a:pPr marL="342884" indent="-342884">
-              <a:buFont typeface="Arial" panose="020B0604020202020204" pitchFamily="34" charset="0"/>
-              <a:buChar char="•"/>
-            </a:pPr>
-            <a:r>
-              <a:rPr lang="en-US" sz="2400" b="1" dirty="0">
-                <a:solidFill>
-                  <a:srgbClr val="33006F"/>
-                </a:solidFill>
-                <a:latin typeface="Open Sans" panose="020B0606030504020204" pitchFamily="34" charset="0"/>
-                <a:ea typeface="Open Sans" panose="020B0606030504020204" pitchFamily="34" charset="0"/>
-                <a:cs typeface="Open Sans" panose="020B0606030504020204" pitchFamily="34" charset="0"/>
-              </a:rPr>
-              <a:t>Application: </a:t>
-            </a:r>
-            <a:r>
-              <a:rPr lang="en-US" sz="2400" dirty="0">
-                <a:solidFill>
-                  <a:srgbClr val="000000"/>
-                </a:solidFill>
-                <a:latin typeface="Open Sans" panose="020B0606030504020204" pitchFamily="34" charset="0"/>
-                <a:ea typeface="Open Sans" panose="020B0606030504020204" pitchFamily="34" charset="0"/>
-                <a:cs typeface="Open Sans" panose="020B0606030504020204" pitchFamily="34" charset="0"/>
-              </a:rPr>
-              <a:t>Provides visual representation of complex temporal patterns which is useful for tasks like classification of time series data.</a:t>
-            </a:r>
-          </a:p>
-        </p:txBody>
-      </p:sp>
-      <p:sp>
-        <p:nvSpPr>
-          <p:cNvPr id="41" name="TextBox 40">
-            <a:extLst>
-              <a:ext uri="{FF2B5EF4-FFF2-40B4-BE49-F238E27FC236}">
-                <a16:creationId xmlns:a16="http://schemas.microsoft.com/office/drawing/2014/main" id="{6CC860D4-371C-574E-75EA-85232A4ECD16}"/>
-              </a:ext>
-            </a:extLst>
-          </p:cNvPr>
-          <p:cNvSpPr txBox="1"/>
-          <p:nvPr/>
-        </p:nvSpPr>
-        <p:spPr>
-          <a:xfrm>
-            <a:off x="18726700" y="20097582"/>
-            <a:ext cx="3200400" cy="461665"/>
-          </a:xfrm>
-          <a:prstGeom prst="rect">
-            <a:avLst/>
-          </a:prstGeom>
-          <a:noFill/>
-        </p:spPr>
-        <p:txBody>
-          <a:bodyPr wrap="square" rtlCol="0">
-            <a:spAutoFit/>
-          </a:bodyPr>
-          <a:lstStyle/>
-          <a:p>
-            <a:pPr algn="ctr"/>
-            <a:r>
-              <a:rPr lang="en-US" sz="2400" b="1" dirty="0">
-                <a:solidFill>
-                  <a:srgbClr val="33006F"/>
-                </a:solidFill>
-                <a:latin typeface="Uni Sans Book" panose="00000500000000000000" pitchFamily="50" charset="0"/>
-                <a:ea typeface="Open Sans" panose="020B0606030504020204" pitchFamily="34" charset="0"/>
-                <a:cs typeface="Open Sans" panose="020B0606030504020204" pitchFamily="34" charset="0"/>
-              </a:rPr>
-              <a:t>Glitch</a:t>
-            </a:r>
-            <a:endParaRPr lang="en-US" sz="1600" b="1" dirty="0">
-              <a:solidFill>
-                <a:srgbClr val="33006F"/>
-              </a:solidFill>
-              <a:latin typeface="Uni Sans Book" panose="00000500000000000000" pitchFamily="50" charset="0"/>
-              <a:ea typeface="Open Sans" panose="020B0606030504020204" pitchFamily="34" charset="0"/>
-              <a:cs typeface="Open Sans" panose="020B0606030504020204" pitchFamily="34" charset="0"/>
-            </a:endParaRPr>
-          </a:p>
-        </p:txBody>
-      </p:sp>
-      <p:sp>
-        <p:nvSpPr>
-          <p:cNvPr id="42" name="TextBox 41">
-            <a:extLst>
-              <a:ext uri="{FF2B5EF4-FFF2-40B4-BE49-F238E27FC236}">
-                <a16:creationId xmlns:a16="http://schemas.microsoft.com/office/drawing/2014/main" id="{84A44CE1-9420-B88C-2448-EA2BFE1131F3}"/>
-              </a:ext>
-            </a:extLst>
-          </p:cNvPr>
-          <p:cNvSpPr txBox="1"/>
-          <p:nvPr/>
-        </p:nvSpPr>
-        <p:spPr>
-          <a:xfrm>
-            <a:off x="22109980" y="20097584"/>
-            <a:ext cx="3200400" cy="461665"/>
-          </a:xfrm>
-          <a:prstGeom prst="rect">
-            <a:avLst/>
-          </a:prstGeom>
-          <a:noFill/>
-        </p:spPr>
-        <p:txBody>
-          <a:bodyPr wrap="square" rtlCol="0">
-            <a:spAutoFit/>
-          </a:bodyPr>
-          <a:lstStyle/>
-          <a:p>
-            <a:pPr algn="ctr"/>
-            <a:r>
-              <a:rPr lang="en-US" sz="2400" b="1" dirty="0">
-                <a:solidFill>
-                  <a:srgbClr val="33006F"/>
-                </a:solidFill>
-                <a:latin typeface="Uni Sans Book" panose="00000500000000000000" pitchFamily="50" charset="0"/>
-                <a:ea typeface="Open Sans" panose="020B0606030504020204" pitchFamily="34" charset="0"/>
-                <a:cs typeface="Open Sans" panose="020B0606030504020204" pitchFamily="34" charset="0"/>
-              </a:rPr>
-              <a:t>Background</a:t>
-            </a:r>
-            <a:endParaRPr lang="en-US" sz="2000" b="1" dirty="0">
-              <a:solidFill>
-                <a:srgbClr val="33006F"/>
-              </a:solidFill>
-              <a:latin typeface="Uni Sans Book" panose="00000500000000000000" pitchFamily="50" charset="0"/>
-              <a:ea typeface="Open Sans" panose="020B0606030504020204" pitchFamily="34" charset="0"/>
-              <a:cs typeface="Open Sans" panose="020B0606030504020204" pitchFamily="34" charset="0"/>
-            </a:endParaRPr>
-          </a:p>
-        </p:txBody>
-      </p:sp>
-      <p:sp>
-        <p:nvSpPr>
-          <p:cNvPr id="43" name="TextBox 42">
-            <a:extLst>
-              <a:ext uri="{FF2B5EF4-FFF2-40B4-BE49-F238E27FC236}">
-                <a16:creationId xmlns:a16="http://schemas.microsoft.com/office/drawing/2014/main" id="{56B0309C-F500-79BB-823F-A1889ED6373B}"/>
-              </a:ext>
-            </a:extLst>
-          </p:cNvPr>
-          <p:cNvSpPr txBox="1"/>
-          <p:nvPr/>
-        </p:nvSpPr>
-        <p:spPr>
-          <a:xfrm>
-            <a:off x="18726700" y="20463342"/>
-            <a:ext cx="1600200" cy="461665"/>
-          </a:xfrm>
-          <a:prstGeom prst="rect">
-            <a:avLst/>
-          </a:prstGeom>
-          <a:noFill/>
-        </p:spPr>
-        <p:txBody>
-          <a:bodyPr wrap="square" rtlCol="0">
-            <a:spAutoFit/>
-          </a:bodyPr>
-          <a:lstStyle/>
-          <a:p>
-            <a:pPr algn="ctr"/>
-            <a:r>
-              <a:rPr lang="en-US" sz="2400" dirty="0">
-                <a:solidFill>
-                  <a:srgbClr val="33006F"/>
-                </a:solidFill>
-                <a:latin typeface="Uni Sans Book" panose="00000500000000000000" pitchFamily="50" charset="0"/>
-                <a:ea typeface="Open Sans" panose="020B0606030504020204" pitchFamily="34" charset="0"/>
-                <a:cs typeface="Open Sans" panose="020B0606030504020204" pitchFamily="34" charset="0"/>
-              </a:rPr>
-              <a:t>Hanford</a:t>
-            </a:r>
-            <a:endParaRPr lang="en-US" sz="2000" dirty="0">
-              <a:solidFill>
-                <a:srgbClr val="33006F"/>
-              </a:solidFill>
-              <a:latin typeface="Uni Sans Book" panose="00000500000000000000" pitchFamily="50" charset="0"/>
-              <a:ea typeface="Open Sans" panose="020B0606030504020204" pitchFamily="34" charset="0"/>
-              <a:cs typeface="Open Sans" panose="020B0606030504020204" pitchFamily="34" charset="0"/>
-            </a:endParaRPr>
-          </a:p>
-        </p:txBody>
-      </p:sp>
-      <p:sp>
-        <p:nvSpPr>
-          <p:cNvPr id="48" name="TextBox 47">
-            <a:extLst>
-              <a:ext uri="{FF2B5EF4-FFF2-40B4-BE49-F238E27FC236}">
-                <a16:creationId xmlns:a16="http://schemas.microsoft.com/office/drawing/2014/main" id="{3C0F39D6-D245-1A46-4E02-D2F5F7D3DA47}"/>
-              </a:ext>
-            </a:extLst>
-          </p:cNvPr>
-          <p:cNvSpPr txBox="1"/>
-          <p:nvPr/>
-        </p:nvSpPr>
-        <p:spPr>
-          <a:xfrm>
-            <a:off x="20235460" y="20463340"/>
-            <a:ext cx="1600200" cy="461665"/>
-          </a:xfrm>
-          <a:prstGeom prst="rect">
-            <a:avLst/>
-          </a:prstGeom>
-          <a:noFill/>
-        </p:spPr>
-        <p:txBody>
-          <a:bodyPr wrap="square" rtlCol="0">
-            <a:spAutoFit/>
-          </a:bodyPr>
-          <a:lstStyle/>
-          <a:p>
-            <a:pPr algn="ctr"/>
-            <a:r>
-              <a:rPr lang="en-US" sz="2400" dirty="0">
-                <a:solidFill>
-                  <a:srgbClr val="33006F"/>
-                </a:solidFill>
-                <a:latin typeface="Uni Sans Book" panose="00000500000000000000" pitchFamily="50" charset="0"/>
-                <a:ea typeface="Open Sans" panose="020B0606030504020204" pitchFamily="34" charset="0"/>
-                <a:cs typeface="Open Sans" panose="020B0606030504020204" pitchFamily="34" charset="0"/>
-              </a:rPr>
-              <a:t>Livingston</a:t>
-            </a:r>
-            <a:endParaRPr lang="en-US" sz="1600" dirty="0">
-              <a:solidFill>
-                <a:srgbClr val="33006F"/>
-              </a:solidFill>
-              <a:latin typeface="Uni Sans Book" panose="00000500000000000000" pitchFamily="50" charset="0"/>
-              <a:ea typeface="Open Sans" panose="020B0606030504020204" pitchFamily="34" charset="0"/>
-              <a:cs typeface="Open Sans" panose="020B0606030504020204" pitchFamily="34" charset="0"/>
-            </a:endParaRPr>
+              <a:t>In accordance with OAC-2117997 </a:t>
+            </a:r>
           </a:p>
         </p:txBody>
       </p:sp>
@@ -6171,8 +5184,8 @@
         </p:nvGrpSpPr>
         <p:grpSpPr>
           <a:xfrm>
-            <a:off x="30147617" y="26535692"/>
-            <a:ext cx="11925291" cy="954107"/>
+            <a:off x="30108848" y="24572060"/>
+            <a:ext cx="11897707" cy="954107"/>
             <a:chOff x="1631339" y="15477966"/>
             <a:chExt cx="6400800" cy="954107"/>
           </a:xfrm>
@@ -6234,7 +5247,7 @@
             <p:nvPr/>
           </p:nvPicPr>
           <p:blipFill>
-            <a:blip r:embed="rId3">
+            <a:blip r:embed="rId2">
               <a:extLst>
                 <a:ext uri="{28A0092B-C50C-407E-A947-70E740481C1C}">
                   <a14:useLocalDpi xmlns:a14="http://schemas.microsoft.com/office/drawing/2010/main" val="0"/>
@@ -6256,1904 +5269,6 @@
           </p:spPr>
         </p:pic>
       </p:grpSp>
-      <p:pic>
-        <p:nvPicPr>
-          <p:cNvPr id="32" name="Picture 31">
-            <a:extLst>
-              <a:ext uri="{FF2B5EF4-FFF2-40B4-BE49-F238E27FC236}">
-                <a16:creationId xmlns:a16="http://schemas.microsoft.com/office/drawing/2014/main" id="{5D299087-B48C-BF97-759C-9BC78D60B7CC}"/>
-              </a:ext>
-            </a:extLst>
-          </p:cNvPr>
-          <p:cNvPicPr>
-            <a:picLocks noChangeAspect="1"/>
-          </p:cNvPicPr>
-          <p:nvPr/>
-        </p:nvPicPr>
-        <p:blipFill>
-          <a:blip r:embed="rId8"/>
-          <a:srcRect/>
-          <a:stretch/>
-        </p:blipFill>
-        <p:spPr>
-          <a:xfrm>
-            <a:off x="32488411" y="12243861"/>
-            <a:ext cx="6858000" cy="6858000"/>
-          </a:xfrm>
-          <a:prstGeom prst="rect">
-            <a:avLst/>
-          </a:prstGeom>
-        </p:spPr>
-      </p:pic>
-      <p:sp>
-        <p:nvSpPr>
-          <p:cNvPr id="49" name="TextBox 48">
-            <a:extLst>
-              <a:ext uri="{FF2B5EF4-FFF2-40B4-BE49-F238E27FC236}">
-                <a16:creationId xmlns:a16="http://schemas.microsoft.com/office/drawing/2014/main" id="{D30F524A-C64C-FB2A-CD01-C8242D8AD323}"/>
-              </a:ext>
-            </a:extLst>
-          </p:cNvPr>
-          <p:cNvSpPr txBox="1"/>
-          <p:nvPr/>
-        </p:nvSpPr>
-        <p:spPr>
-          <a:xfrm>
-            <a:off x="20235460" y="20920540"/>
-            <a:ext cx="1600200" cy="338554"/>
-          </a:xfrm>
-          <a:prstGeom prst="rect">
-            <a:avLst/>
-          </a:prstGeom>
-          <a:noFill/>
-        </p:spPr>
-        <p:txBody>
-          <a:bodyPr wrap="square" rtlCol="0">
-            <a:spAutoFit/>
-          </a:bodyPr>
-          <a:lstStyle/>
-          <a:p>
-            <a:pPr algn="ctr"/>
-            <a:r>
-              <a:rPr lang="en-US" sz="1600" dirty="0">
-                <a:solidFill>
-                  <a:srgbClr val="000000"/>
-                </a:solidFill>
-                <a:latin typeface="Open Sans" panose="020B0606030504020204" pitchFamily="34" charset="0"/>
-                <a:ea typeface="Open Sans" panose="020B0606030504020204" pitchFamily="34" charset="0"/>
-                <a:cs typeface="Open Sans" panose="020B0606030504020204" pitchFamily="34" charset="0"/>
-              </a:rPr>
-              <a:t>Pixels</a:t>
-            </a:r>
-          </a:p>
-        </p:txBody>
-      </p:sp>
-      <p:sp>
-        <p:nvSpPr>
-          <p:cNvPr id="51" name="TextBox 50">
-            <a:extLst>
-              <a:ext uri="{FF2B5EF4-FFF2-40B4-BE49-F238E27FC236}">
-                <a16:creationId xmlns:a16="http://schemas.microsoft.com/office/drawing/2014/main" id="{169711F7-5B60-37E1-FC74-17E5141BAB9B}"/>
-              </a:ext>
-            </a:extLst>
-          </p:cNvPr>
-          <p:cNvSpPr txBox="1"/>
-          <p:nvPr/>
-        </p:nvSpPr>
-        <p:spPr>
-          <a:xfrm>
-            <a:off x="18726700" y="20920540"/>
-            <a:ext cx="1600200" cy="338554"/>
-          </a:xfrm>
-          <a:prstGeom prst="rect">
-            <a:avLst/>
-          </a:prstGeom>
-          <a:noFill/>
-        </p:spPr>
-        <p:txBody>
-          <a:bodyPr wrap="square" rtlCol="0">
-            <a:spAutoFit/>
-          </a:bodyPr>
-          <a:lstStyle/>
-          <a:p>
-            <a:pPr algn="ctr"/>
-            <a:r>
-              <a:rPr lang="en-US" sz="1600" dirty="0">
-                <a:solidFill>
-                  <a:srgbClr val="000000"/>
-                </a:solidFill>
-                <a:latin typeface="Open Sans" panose="020B0606030504020204" pitchFamily="34" charset="0"/>
-                <a:ea typeface="Open Sans" panose="020B0606030504020204" pitchFamily="34" charset="0"/>
-                <a:cs typeface="Open Sans" panose="020B0606030504020204" pitchFamily="34" charset="0"/>
-              </a:rPr>
-              <a:t>Pixels</a:t>
-            </a:r>
-            <a:endParaRPr lang="en-US" sz="1400" dirty="0">
-              <a:solidFill>
-                <a:srgbClr val="000000"/>
-              </a:solidFill>
-              <a:latin typeface="Open Sans" panose="020B0606030504020204" pitchFamily="34" charset="0"/>
-              <a:ea typeface="Open Sans" panose="020B0606030504020204" pitchFamily="34" charset="0"/>
-              <a:cs typeface="Open Sans" panose="020B0606030504020204" pitchFamily="34" charset="0"/>
-            </a:endParaRPr>
-          </a:p>
-        </p:txBody>
-      </p:sp>
-      <p:sp>
-        <p:nvSpPr>
-          <p:cNvPr id="52" name="TextBox 51">
-            <a:extLst>
-              <a:ext uri="{FF2B5EF4-FFF2-40B4-BE49-F238E27FC236}">
-                <a16:creationId xmlns:a16="http://schemas.microsoft.com/office/drawing/2014/main" id="{E5139D00-093C-69FA-5789-BBB45EB53488}"/>
-              </a:ext>
-            </a:extLst>
-          </p:cNvPr>
-          <p:cNvSpPr txBox="1"/>
-          <p:nvPr/>
-        </p:nvSpPr>
-        <p:spPr>
-          <a:xfrm rot="16200000">
-            <a:off x="17720860" y="21926380"/>
-            <a:ext cx="1600200" cy="338554"/>
-          </a:xfrm>
-          <a:prstGeom prst="rect">
-            <a:avLst/>
-          </a:prstGeom>
-          <a:noFill/>
-        </p:spPr>
-        <p:txBody>
-          <a:bodyPr wrap="square" rtlCol="0">
-            <a:spAutoFit/>
-          </a:bodyPr>
-          <a:lstStyle/>
-          <a:p>
-            <a:pPr algn="ctr"/>
-            <a:r>
-              <a:rPr lang="en-US" sz="1600" dirty="0">
-                <a:solidFill>
-                  <a:srgbClr val="000000"/>
-                </a:solidFill>
-                <a:latin typeface="Open Sans" panose="020B0606030504020204" pitchFamily="34" charset="0"/>
-                <a:ea typeface="Open Sans" panose="020B0606030504020204" pitchFamily="34" charset="0"/>
-                <a:cs typeface="Open Sans" panose="020B0606030504020204" pitchFamily="34" charset="0"/>
-              </a:rPr>
-              <a:t>Pixels</a:t>
-            </a:r>
-            <a:endParaRPr lang="en-US" sz="1400" dirty="0">
-              <a:solidFill>
-                <a:srgbClr val="000000"/>
-              </a:solidFill>
-              <a:latin typeface="Open Sans" panose="020B0606030504020204" pitchFamily="34" charset="0"/>
-              <a:ea typeface="Open Sans" panose="020B0606030504020204" pitchFamily="34" charset="0"/>
-              <a:cs typeface="Open Sans" panose="020B0606030504020204" pitchFamily="34" charset="0"/>
-            </a:endParaRPr>
-          </a:p>
-        </p:txBody>
-      </p:sp>
-      <p:sp>
-        <p:nvSpPr>
-          <p:cNvPr id="63" name="TextBox 62">
-            <a:extLst>
-              <a:ext uri="{FF2B5EF4-FFF2-40B4-BE49-F238E27FC236}">
-                <a16:creationId xmlns:a16="http://schemas.microsoft.com/office/drawing/2014/main" id="{E97161DA-F5E8-9000-D979-93E28AC33E2D}"/>
-              </a:ext>
-            </a:extLst>
-          </p:cNvPr>
-          <p:cNvSpPr txBox="1"/>
-          <p:nvPr/>
-        </p:nvSpPr>
-        <p:spPr>
-          <a:xfrm rot="16200000">
-            <a:off x="17720860" y="23389420"/>
-            <a:ext cx="1600200" cy="338554"/>
-          </a:xfrm>
-          <a:prstGeom prst="rect">
-            <a:avLst/>
-          </a:prstGeom>
-          <a:noFill/>
-        </p:spPr>
-        <p:txBody>
-          <a:bodyPr wrap="square" rtlCol="0">
-            <a:spAutoFit/>
-          </a:bodyPr>
-          <a:lstStyle/>
-          <a:p>
-            <a:pPr algn="ctr"/>
-            <a:r>
-              <a:rPr lang="en-US" sz="1600" dirty="0">
-                <a:solidFill>
-                  <a:srgbClr val="000000"/>
-                </a:solidFill>
-                <a:latin typeface="Open Sans" panose="020B0606030504020204" pitchFamily="34" charset="0"/>
-                <a:ea typeface="Open Sans" panose="020B0606030504020204" pitchFamily="34" charset="0"/>
-                <a:cs typeface="Open Sans" panose="020B0606030504020204" pitchFamily="34" charset="0"/>
-              </a:rPr>
-              <a:t>Strain</a:t>
-            </a:r>
-            <a:endParaRPr lang="en-US" sz="1400" dirty="0">
-              <a:solidFill>
-                <a:srgbClr val="000000"/>
-              </a:solidFill>
-              <a:latin typeface="Open Sans" panose="020B0606030504020204" pitchFamily="34" charset="0"/>
-              <a:ea typeface="Open Sans" panose="020B0606030504020204" pitchFamily="34" charset="0"/>
-              <a:cs typeface="Open Sans" panose="020B0606030504020204" pitchFamily="34" charset="0"/>
-            </a:endParaRPr>
-          </a:p>
-        </p:txBody>
-      </p:sp>
-      <p:sp>
-        <p:nvSpPr>
-          <p:cNvPr id="64" name="TextBox 63">
-            <a:extLst>
-              <a:ext uri="{FF2B5EF4-FFF2-40B4-BE49-F238E27FC236}">
-                <a16:creationId xmlns:a16="http://schemas.microsoft.com/office/drawing/2014/main" id="{4026E71E-DEE2-FF79-22F5-546241D56BAB}"/>
-              </a:ext>
-            </a:extLst>
-          </p:cNvPr>
-          <p:cNvSpPr txBox="1"/>
-          <p:nvPr/>
-        </p:nvSpPr>
-        <p:spPr>
-          <a:xfrm>
-            <a:off x="18726700" y="24395260"/>
-            <a:ext cx="1600200" cy="338554"/>
-          </a:xfrm>
-          <a:prstGeom prst="rect">
-            <a:avLst/>
-          </a:prstGeom>
-          <a:noFill/>
-        </p:spPr>
-        <p:txBody>
-          <a:bodyPr wrap="square" rtlCol="0">
-            <a:spAutoFit/>
-          </a:bodyPr>
-          <a:lstStyle/>
-          <a:p>
-            <a:pPr algn="ctr"/>
-            <a:r>
-              <a:rPr lang="en-US" sz="1600" dirty="0">
-                <a:solidFill>
-                  <a:srgbClr val="000000"/>
-                </a:solidFill>
-                <a:latin typeface="Open Sans" panose="020B0606030504020204" pitchFamily="34" charset="0"/>
-                <a:ea typeface="Open Sans" panose="020B0606030504020204" pitchFamily="34" charset="0"/>
-                <a:cs typeface="Open Sans" panose="020B0606030504020204" pitchFamily="34" charset="0"/>
-              </a:rPr>
-              <a:t>Time (s)</a:t>
-            </a:r>
-            <a:endParaRPr lang="en-US" sz="1400" dirty="0">
-              <a:solidFill>
-                <a:srgbClr val="000000"/>
-              </a:solidFill>
-              <a:latin typeface="Open Sans" panose="020B0606030504020204" pitchFamily="34" charset="0"/>
-              <a:ea typeface="Open Sans" panose="020B0606030504020204" pitchFamily="34" charset="0"/>
-              <a:cs typeface="Open Sans" panose="020B0606030504020204" pitchFamily="34" charset="0"/>
-            </a:endParaRPr>
-          </a:p>
-        </p:txBody>
-      </p:sp>
-      <p:sp>
-        <p:nvSpPr>
-          <p:cNvPr id="65" name="TextBox 64">
-            <a:extLst>
-              <a:ext uri="{FF2B5EF4-FFF2-40B4-BE49-F238E27FC236}">
-                <a16:creationId xmlns:a16="http://schemas.microsoft.com/office/drawing/2014/main" id="{90F9A0B1-210E-F077-ED61-1E0283B66C9E}"/>
-              </a:ext>
-            </a:extLst>
-          </p:cNvPr>
-          <p:cNvSpPr txBox="1"/>
-          <p:nvPr/>
-        </p:nvSpPr>
-        <p:spPr>
-          <a:xfrm>
-            <a:off x="20235460" y="24395260"/>
-            <a:ext cx="1600200" cy="338554"/>
-          </a:xfrm>
-          <a:prstGeom prst="rect">
-            <a:avLst/>
-          </a:prstGeom>
-          <a:noFill/>
-        </p:spPr>
-        <p:txBody>
-          <a:bodyPr wrap="square" rtlCol="0">
-            <a:spAutoFit/>
-          </a:bodyPr>
-          <a:lstStyle/>
-          <a:p>
-            <a:pPr algn="ctr"/>
-            <a:r>
-              <a:rPr lang="en-US" sz="1600" dirty="0">
-                <a:solidFill>
-                  <a:srgbClr val="000000"/>
-                </a:solidFill>
-                <a:latin typeface="Open Sans" panose="020B0606030504020204" pitchFamily="34" charset="0"/>
-                <a:ea typeface="Open Sans" panose="020B0606030504020204" pitchFamily="34" charset="0"/>
-                <a:cs typeface="Open Sans" panose="020B0606030504020204" pitchFamily="34" charset="0"/>
-              </a:rPr>
-              <a:t>Time (s)</a:t>
-            </a:r>
-            <a:endParaRPr lang="en-US" sz="1400" dirty="0">
-              <a:solidFill>
-                <a:srgbClr val="000000"/>
-              </a:solidFill>
-              <a:latin typeface="Open Sans" panose="020B0606030504020204" pitchFamily="34" charset="0"/>
-              <a:ea typeface="Open Sans" panose="020B0606030504020204" pitchFamily="34" charset="0"/>
-              <a:cs typeface="Open Sans" panose="020B0606030504020204" pitchFamily="34" charset="0"/>
-            </a:endParaRPr>
-          </a:p>
-        </p:txBody>
-      </p:sp>
-      <p:pic>
-        <p:nvPicPr>
-          <p:cNvPr id="72" name="Picture 71">
-            <a:extLst>
-              <a:ext uri="{FF2B5EF4-FFF2-40B4-BE49-F238E27FC236}">
-                <a16:creationId xmlns:a16="http://schemas.microsoft.com/office/drawing/2014/main" id="{804192D9-A983-5E1A-4D20-A2BB7EC5C1A5}"/>
-              </a:ext>
-            </a:extLst>
-          </p:cNvPr>
-          <p:cNvPicPr>
-            <a:picLocks noChangeAspect="1"/>
-          </p:cNvPicPr>
-          <p:nvPr/>
-        </p:nvPicPr>
-        <p:blipFill>
-          <a:blip r:embed="rId9"/>
-          <a:srcRect/>
-          <a:stretch/>
-        </p:blipFill>
-        <p:spPr>
-          <a:xfrm>
-            <a:off x="18633640" y="21194860"/>
-            <a:ext cx="3200400" cy="3200400"/>
-          </a:xfrm>
-          <a:prstGeom prst="rect">
-            <a:avLst/>
-          </a:prstGeom>
-        </p:spPr>
-      </p:pic>
-      <p:sp>
-        <p:nvSpPr>
-          <p:cNvPr id="73" name="TextBox 72">
-            <a:extLst>
-              <a:ext uri="{FF2B5EF4-FFF2-40B4-BE49-F238E27FC236}">
-                <a16:creationId xmlns:a16="http://schemas.microsoft.com/office/drawing/2014/main" id="{25976373-B4DE-FBAB-C485-B1106BB6C345}"/>
-              </a:ext>
-            </a:extLst>
-          </p:cNvPr>
-          <p:cNvSpPr txBox="1"/>
-          <p:nvPr/>
-        </p:nvSpPr>
-        <p:spPr>
-          <a:xfrm>
-            <a:off x="18726700" y="24852462"/>
-            <a:ext cx="3200400" cy="461665"/>
-          </a:xfrm>
-          <a:prstGeom prst="rect">
-            <a:avLst/>
-          </a:prstGeom>
-          <a:noFill/>
-        </p:spPr>
-        <p:txBody>
-          <a:bodyPr wrap="square" rtlCol="0">
-            <a:spAutoFit/>
-          </a:bodyPr>
-          <a:lstStyle/>
-          <a:p>
-            <a:pPr algn="ctr"/>
-            <a:r>
-              <a:rPr lang="en-US" sz="2400" b="1" dirty="0">
-                <a:solidFill>
-                  <a:srgbClr val="33006F"/>
-                </a:solidFill>
-                <a:latin typeface="Uni Sans Book" panose="00000500000000000000" pitchFamily="50" charset="0"/>
-                <a:ea typeface="Open Sans" panose="020B0606030504020204" pitchFamily="34" charset="0"/>
-                <a:cs typeface="Open Sans" panose="020B0606030504020204" pitchFamily="34" charset="0"/>
-              </a:rPr>
-              <a:t>Sine-Gaussian</a:t>
-            </a:r>
-            <a:endParaRPr lang="en-US" sz="2000" b="1" dirty="0">
-              <a:solidFill>
-                <a:srgbClr val="33006F"/>
-              </a:solidFill>
-              <a:latin typeface="Uni Sans Book" panose="00000500000000000000" pitchFamily="50" charset="0"/>
-              <a:ea typeface="Open Sans" panose="020B0606030504020204" pitchFamily="34" charset="0"/>
-              <a:cs typeface="Open Sans" panose="020B0606030504020204" pitchFamily="34" charset="0"/>
-            </a:endParaRPr>
-          </a:p>
-        </p:txBody>
-      </p:sp>
-      <p:sp>
-        <p:nvSpPr>
-          <p:cNvPr id="74" name="TextBox 73">
-            <a:extLst>
-              <a:ext uri="{FF2B5EF4-FFF2-40B4-BE49-F238E27FC236}">
-                <a16:creationId xmlns:a16="http://schemas.microsoft.com/office/drawing/2014/main" id="{B7533914-8B77-66CB-E6DC-FAC83DCF9B44}"/>
-              </a:ext>
-            </a:extLst>
-          </p:cNvPr>
-          <p:cNvSpPr txBox="1"/>
-          <p:nvPr/>
-        </p:nvSpPr>
-        <p:spPr>
-          <a:xfrm>
-            <a:off x="22109980" y="24852463"/>
-            <a:ext cx="3200400" cy="461665"/>
-          </a:xfrm>
-          <a:prstGeom prst="rect">
-            <a:avLst/>
-          </a:prstGeom>
-          <a:noFill/>
-        </p:spPr>
-        <p:txBody>
-          <a:bodyPr wrap="square" rtlCol="0">
-            <a:spAutoFit/>
-          </a:bodyPr>
-          <a:lstStyle/>
-          <a:p>
-            <a:pPr algn="ctr"/>
-            <a:r>
-              <a:rPr lang="en-US" sz="2400" b="1" dirty="0">
-                <a:solidFill>
-                  <a:srgbClr val="33006F"/>
-                </a:solidFill>
-                <a:latin typeface="Uni Sans Book" panose="00000500000000000000" pitchFamily="50" charset="0"/>
-                <a:ea typeface="Open Sans" panose="020B0606030504020204" pitchFamily="34" charset="0"/>
-                <a:cs typeface="Open Sans" panose="020B0606030504020204" pitchFamily="34" charset="0"/>
-              </a:rPr>
-              <a:t>Binary Black Hole</a:t>
-            </a:r>
-            <a:endParaRPr lang="en-US" sz="2000" b="1" dirty="0">
-              <a:solidFill>
-                <a:srgbClr val="33006F"/>
-              </a:solidFill>
-              <a:latin typeface="Uni Sans Book" panose="00000500000000000000" pitchFamily="50" charset="0"/>
-              <a:ea typeface="Open Sans" panose="020B0606030504020204" pitchFamily="34" charset="0"/>
-              <a:cs typeface="Open Sans" panose="020B0606030504020204" pitchFamily="34" charset="0"/>
-            </a:endParaRPr>
-          </a:p>
-        </p:txBody>
-      </p:sp>
-      <p:pic>
-        <p:nvPicPr>
-          <p:cNvPr id="76" name="Picture 75">
-            <a:extLst>
-              <a:ext uri="{FF2B5EF4-FFF2-40B4-BE49-F238E27FC236}">
-                <a16:creationId xmlns:a16="http://schemas.microsoft.com/office/drawing/2014/main" id="{EC8A9D5D-69F8-6733-441B-9B17B7B71FEC}"/>
-              </a:ext>
-            </a:extLst>
-          </p:cNvPr>
-          <p:cNvPicPr>
-            <a:picLocks noChangeAspect="1"/>
-          </p:cNvPicPr>
-          <p:nvPr/>
-        </p:nvPicPr>
-        <p:blipFill>
-          <a:blip r:embed="rId10"/>
-          <a:srcRect/>
-          <a:stretch/>
-        </p:blipFill>
-        <p:spPr>
-          <a:xfrm>
-            <a:off x="18635260" y="25949740"/>
-            <a:ext cx="3200400" cy="3200400"/>
-          </a:xfrm>
-          <a:prstGeom prst="rect">
-            <a:avLst/>
-          </a:prstGeom>
-        </p:spPr>
-      </p:pic>
-      <p:pic>
-        <p:nvPicPr>
-          <p:cNvPr id="78" name="Picture 77">
-            <a:extLst>
-              <a:ext uri="{FF2B5EF4-FFF2-40B4-BE49-F238E27FC236}">
-                <a16:creationId xmlns:a16="http://schemas.microsoft.com/office/drawing/2014/main" id="{2CB416E1-7D45-505D-9B53-578D410DC43B}"/>
-              </a:ext>
-            </a:extLst>
-          </p:cNvPr>
-          <p:cNvPicPr>
-            <a:picLocks noChangeAspect="1"/>
-          </p:cNvPicPr>
-          <p:nvPr/>
-        </p:nvPicPr>
-        <p:blipFill>
-          <a:blip r:embed="rId11"/>
-          <a:srcRect/>
-          <a:stretch/>
-        </p:blipFill>
-        <p:spPr>
-          <a:xfrm>
-            <a:off x="22064260" y="25949740"/>
-            <a:ext cx="3200400" cy="3200400"/>
-          </a:xfrm>
-          <a:prstGeom prst="rect">
-            <a:avLst/>
-          </a:prstGeom>
-        </p:spPr>
-      </p:pic>
-      <p:pic>
-        <p:nvPicPr>
-          <p:cNvPr id="81" name="Picture 80">
-            <a:extLst>
-              <a:ext uri="{FF2B5EF4-FFF2-40B4-BE49-F238E27FC236}">
-                <a16:creationId xmlns:a16="http://schemas.microsoft.com/office/drawing/2014/main" id="{6420E1A8-4D34-DB5D-6277-092A44C0017E}"/>
-              </a:ext>
-            </a:extLst>
-          </p:cNvPr>
-          <p:cNvPicPr>
-            <a:picLocks noChangeAspect="1"/>
-          </p:cNvPicPr>
-          <p:nvPr/>
-        </p:nvPicPr>
-        <p:blipFill>
-          <a:blip r:embed="rId12"/>
-          <a:srcRect/>
-          <a:stretch/>
-        </p:blipFill>
-        <p:spPr>
-          <a:xfrm>
-            <a:off x="22064260" y="21194860"/>
-            <a:ext cx="3200400" cy="3200400"/>
-          </a:xfrm>
-          <a:prstGeom prst="rect">
-            <a:avLst/>
-          </a:prstGeom>
-        </p:spPr>
-      </p:pic>
-      <p:sp>
-        <p:nvSpPr>
-          <p:cNvPr id="115" name="TextBox 114">
-            <a:extLst>
-              <a:ext uri="{FF2B5EF4-FFF2-40B4-BE49-F238E27FC236}">
-                <a16:creationId xmlns:a16="http://schemas.microsoft.com/office/drawing/2014/main" id="{6DE2AC42-DFC1-C1BE-2F48-FFF7254437AD}"/>
-              </a:ext>
-            </a:extLst>
-          </p:cNvPr>
-          <p:cNvSpPr txBox="1"/>
-          <p:nvPr/>
-        </p:nvSpPr>
-        <p:spPr>
-          <a:xfrm>
-            <a:off x="18726700" y="25218222"/>
-            <a:ext cx="1600200" cy="461665"/>
-          </a:xfrm>
-          <a:prstGeom prst="rect">
-            <a:avLst/>
-          </a:prstGeom>
-          <a:noFill/>
-        </p:spPr>
-        <p:txBody>
-          <a:bodyPr wrap="square" rtlCol="0">
-            <a:spAutoFit/>
-          </a:bodyPr>
-          <a:lstStyle/>
-          <a:p>
-            <a:pPr algn="ctr"/>
-            <a:r>
-              <a:rPr lang="en-US" sz="2400" dirty="0">
-                <a:solidFill>
-                  <a:srgbClr val="33006F"/>
-                </a:solidFill>
-                <a:latin typeface="Uni Sans Book" panose="00000500000000000000" pitchFamily="50" charset="0"/>
-                <a:ea typeface="Open Sans" panose="020B0606030504020204" pitchFamily="34" charset="0"/>
-                <a:cs typeface="Open Sans" panose="020B0606030504020204" pitchFamily="34" charset="0"/>
-              </a:rPr>
-              <a:t>Hanford</a:t>
-            </a:r>
-            <a:endParaRPr lang="en-US" sz="2000" dirty="0">
-              <a:solidFill>
-                <a:srgbClr val="33006F"/>
-              </a:solidFill>
-              <a:latin typeface="Uni Sans Book" panose="00000500000000000000" pitchFamily="50" charset="0"/>
-              <a:ea typeface="Open Sans" panose="020B0606030504020204" pitchFamily="34" charset="0"/>
-              <a:cs typeface="Open Sans" panose="020B0606030504020204" pitchFamily="34" charset="0"/>
-            </a:endParaRPr>
-          </a:p>
-        </p:txBody>
-      </p:sp>
-      <p:sp>
-        <p:nvSpPr>
-          <p:cNvPr id="116" name="TextBox 115">
-            <a:extLst>
-              <a:ext uri="{FF2B5EF4-FFF2-40B4-BE49-F238E27FC236}">
-                <a16:creationId xmlns:a16="http://schemas.microsoft.com/office/drawing/2014/main" id="{1FF794CE-79B4-78E5-790A-F3C6B7F8AF22}"/>
-              </a:ext>
-            </a:extLst>
-          </p:cNvPr>
-          <p:cNvSpPr txBox="1"/>
-          <p:nvPr/>
-        </p:nvSpPr>
-        <p:spPr>
-          <a:xfrm>
-            <a:off x="20235460" y="25218220"/>
-            <a:ext cx="1600200" cy="461665"/>
-          </a:xfrm>
-          <a:prstGeom prst="rect">
-            <a:avLst/>
-          </a:prstGeom>
-          <a:noFill/>
-        </p:spPr>
-        <p:txBody>
-          <a:bodyPr wrap="square" rtlCol="0">
-            <a:spAutoFit/>
-          </a:bodyPr>
-          <a:lstStyle/>
-          <a:p>
-            <a:pPr algn="ctr"/>
-            <a:r>
-              <a:rPr lang="en-US" sz="2400" dirty="0">
-                <a:solidFill>
-                  <a:srgbClr val="33006F"/>
-                </a:solidFill>
-                <a:latin typeface="Uni Sans Book" panose="00000500000000000000" pitchFamily="50" charset="0"/>
-                <a:ea typeface="Open Sans" panose="020B0606030504020204" pitchFamily="34" charset="0"/>
-                <a:cs typeface="Open Sans" panose="020B0606030504020204" pitchFamily="34" charset="0"/>
-              </a:rPr>
-              <a:t>Livingston</a:t>
-            </a:r>
-            <a:endParaRPr lang="en-US" dirty="0">
-              <a:solidFill>
-                <a:srgbClr val="33006F"/>
-              </a:solidFill>
-              <a:latin typeface="Uni Sans Book" panose="00000500000000000000" pitchFamily="50" charset="0"/>
-              <a:ea typeface="Open Sans" panose="020B0606030504020204" pitchFamily="34" charset="0"/>
-              <a:cs typeface="Open Sans" panose="020B0606030504020204" pitchFamily="34" charset="0"/>
-            </a:endParaRPr>
-          </a:p>
-        </p:txBody>
-      </p:sp>
-      <p:sp>
-        <p:nvSpPr>
-          <p:cNvPr id="117" name="TextBox 116">
-            <a:extLst>
-              <a:ext uri="{FF2B5EF4-FFF2-40B4-BE49-F238E27FC236}">
-                <a16:creationId xmlns:a16="http://schemas.microsoft.com/office/drawing/2014/main" id="{A0658C64-754E-C36E-2888-B71EAF1F781A}"/>
-              </a:ext>
-            </a:extLst>
-          </p:cNvPr>
-          <p:cNvSpPr txBox="1"/>
-          <p:nvPr/>
-        </p:nvSpPr>
-        <p:spPr>
-          <a:xfrm>
-            <a:off x="20235460" y="25675420"/>
-            <a:ext cx="1600200" cy="338554"/>
-          </a:xfrm>
-          <a:prstGeom prst="rect">
-            <a:avLst/>
-          </a:prstGeom>
-          <a:noFill/>
-        </p:spPr>
-        <p:txBody>
-          <a:bodyPr wrap="square" rtlCol="0">
-            <a:spAutoFit/>
-          </a:bodyPr>
-          <a:lstStyle/>
-          <a:p>
-            <a:pPr algn="ctr"/>
-            <a:r>
-              <a:rPr lang="en-US" sz="1600" dirty="0">
-                <a:solidFill>
-                  <a:srgbClr val="000000"/>
-                </a:solidFill>
-                <a:latin typeface="Open Sans" panose="020B0606030504020204" pitchFamily="34" charset="0"/>
-                <a:ea typeface="Open Sans" panose="020B0606030504020204" pitchFamily="34" charset="0"/>
-                <a:cs typeface="Open Sans" panose="020B0606030504020204" pitchFamily="34" charset="0"/>
-              </a:rPr>
-              <a:t>Pixels</a:t>
-            </a:r>
-          </a:p>
-        </p:txBody>
-      </p:sp>
-      <p:sp>
-        <p:nvSpPr>
-          <p:cNvPr id="118" name="TextBox 117">
-            <a:extLst>
-              <a:ext uri="{FF2B5EF4-FFF2-40B4-BE49-F238E27FC236}">
-                <a16:creationId xmlns:a16="http://schemas.microsoft.com/office/drawing/2014/main" id="{6B8B5C10-C764-7C49-2CC3-FA92C134CA41}"/>
-              </a:ext>
-            </a:extLst>
-          </p:cNvPr>
-          <p:cNvSpPr txBox="1"/>
-          <p:nvPr/>
-        </p:nvSpPr>
-        <p:spPr>
-          <a:xfrm>
-            <a:off x="18726700" y="25675420"/>
-            <a:ext cx="1600200" cy="338554"/>
-          </a:xfrm>
-          <a:prstGeom prst="rect">
-            <a:avLst/>
-          </a:prstGeom>
-          <a:noFill/>
-        </p:spPr>
-        <p:txBody>
-          <a:bodyPr wrap="square" rtlCol="0">
-            <a:spAutoFit/>
-          </a:bodyPr>
-          <a:lstStyle/>
-          <a:p>
-            <a:pPr algn="ctr"/>
-            <a:r>
-              <a:rPr lang="en-US" sz="1600" dirty="0">
-                <a:solidFill>
-                  <a:srgbClr val="000000"/>
-                </a:solidFill>
-                <a:latin typeface="Open Sans" panose="020B0606030504020204" pitchFamily="34" charset="0"/>
-                <a:ea typeface="Open Sans" panose="020B0606030504020204" pitchFamily="34" charset="0"/>
-                <a:cs typeface="Open Sans" panose="020B0606030504020204" pitchFamily="34" charset="0"/>
-              </a:rPr>
-              <a:t>Pixels</a:t>
-            </a:r>
-            <a:endParaRPr lang="en-US" sz="1400" dirty="0">
-              <a:solidFill>
-                <a:srgbClr val="000000"/>
-              </a:solidFill>
-              <a:latin typeface="Open Sans" panose="020B0606030504020204" pitchFamily="34" charset="0"/>
-              <a:ea typeface="Open Sans" panose="020B0606030504020204" pitchFamily="34" charset="0"/>
-              <a:cs typeface="Open Sans" panose="020B0606030504020204" pitchFamily="34" charset="0"/>
-            </a:endParaRPr>
-          </a:p>
-        </p:txBody>
-      </p:sp>
-      <p:sp>
-        <p:nvSpPr>
-          <p:cNvPr id="119" name="TextBox 118">
-            <a:extLst>
-              <a:ext uri="{FF2B5EF4-FFF2-40B4-BE49-F238E27FC236}">
-                <a16:creationId xmlns:a16="http://schemas.microsoft.com/office/drawing/2014/main" id="{2C4FE0FF-EC70-4D52-2FC2-FB6F71526E9D}"/>
-              </a:ext>
-            </a:extLst>
-          </p:cNvPr>
-          <p:cNvSpPr txBox="1"/>
-          <p:nvPr/>
-        </p:nvSpPr>
-        <p:spPr>
-          <a:xfrm rot="16200000">
-            <a:off x="17720860" y="26681260"/>
-            <a:ext cx="1600200" cy="338554"/>
-          </a:xfrm>
-          <a:prstGeom prst="rect">
-            <a:avLst/>
-          </a:prstGeom>
-          <a:noFill/>
-        </p:spPr>
-        <p:txBody>
-          <a:bodyPr wrap="square" rtlCol="0">
-            <a:spAutoFit/>
-          </a:bodyPr>
-          <a:lstStyle/>
-          <a:p>
-            <a:pPr algn="ctr"/>
-            <a:r>
-              <a:rPr lang="en-US" sz="1600" dirty="0">
-                <a:solidFill>
-                  <a:srgbClr val="000000"/>
-                </a:solidFill>
-                <a:latin typeface="Open Sans" panose="020B0606030504020204" pitchFamily="34" charset="0"/>
-                <a:ea typeface="Open Sans" panose="020B0606030504020204" pitchFamily="34" charset="0"/>
-                <a:cs typeface="Open Sans" panose="020B0606030504020204" pitchFamily="34" charset="0"/>
-              </a:rPr>
-              <a:t>Pixels</a:t>
-            </a:r>
-            <a:endParaRPr lang="en-US" sz="1400" dirty="0">
-              <a:solidFill>
-                <a:srgbClr val="000000"/>
-              </a:solidFill>
-              <a:latin typeface="Open Sans" panose="020B0606030504020204" pitchFamily="34" charset="0"/>
-              <a:ea typeface="Open Sans" panose="020B0606030504020204" pitchFamily="34" charset="0"/>
-              <a:cs typeface="Open Sans" panose="020B0606030504020204" pitchFamily="34" charset="0"/>
-            </a:endParaRPr>
-          </a:p>
-        </p:txBody>
-      </p:sp>
-      <p:sp>
-        <p:nvSpPr>
-          <p:cNvPr id="120" name="TextBox 119">
-            <a:extLst>
-              <a:ext uri="{FF2B5EF4-FFF2-40B4-BE49-F238E27FC236}">
-                <a16:creationId xmlns:a16="http://schemas.microsoft.com/office/drawing/2014/main" id="{36AB5F78-1284-AC38-69C1-4E90F5D162F8}"/>
-              </a:ext>
-            </a:extLst>
-          </p:cNvPr>
-          <p:cNvSpPr txBox="1"/>
-          <p:nvPr/>
-        </p:nvSpPr>
-        <p:spPr>
-          <a:xfrm rot="16200000">
-            <a:off x="17720860" y="28144300"/>
-            <a:ext cx="1600200" cy="338554"/>
-          </a:xfrm>
-          <a:prstGeom prst="rect">
-            <a:avLst/>
-          </a:prstGeom>
-          <a:noFill/>
-        </p:spPr>
-        <p:txBody>
-          <a:bodyPr wrap="square" rtlCol="0">
-            <a:spAutoFit/>
-          </a:bodyPr>
-          <a:lstStyle/>
-          <a:p>
-            <a:pPr algn="ctr"/>
-            <a:r>
-              <a:rPr lang="en-US" sz="1600" dirty="0">
-                <a:solidFill>
-                  <a:srgbClr val="000000"/>
-                </a:solidFill>
-                <a:latin typeface="Open Sans" panose="020B0606030504020204" pitchFamily="34" charset="0"/>
-                <a:ea typeface="Open Sans" panose="020B0606030504020204" pitchFamily="34" charset="0"/>
-                <a:cs typeface="Open Sans" panose="020B0606030504020204" pitchFamily="34" charset="0"/>
-              </a:rPr>
-              <a:t>Strain</a:t>
-            </a:r>
-            <a:endParaRPr lang="en-US" sz="1400" dirty="0">
-              <a:solidFill>
-                <a:srgbClr val="000000"/>
-              </a:solidFill>
-              <a:latin typeface="Open Sans" panose="020B0606030504020204" pitchFamily="34" charset="0"/>
-              <a:ea typeface="Open Sans" panose="020B0606030504020204" pitchFamily="34" charset="0"/>
-              <a:cs typeface="Open Sans" panose="020B0606030504020204" pitchFamily="34" charset="0"/>
-            </a:endParaRPr>
-          </a:p>
-        </p:txBody>
-      </p:sp>
-      <p:sp>
-        <p:nvSpPr>
-          <p:cNvPr id="121" name="TextBox 120">
-            <a:extLst>
-              <a:ext uri="{FF2B5EF4-FFF2-40B4-BE49-F238E27FC236}">
-                <a16:creationId xmlns:a16="http://schemas.microsoft.com/office/drawing/2014/main" id="{0B98CC1A-399E-D3D2-CC0C-9EE5DCDCEB9A}"/>
-              </a:ext>
-            </a:extLst>
-          </p:cNvPr>
-          <p:cNvSpPr txBox="1"/>
-          <p:nvPr/>
-        </p:nvSpPr>
-        <p:spPr>
-          <a:xfrm>
-            <a:off x="18726700" y="29150140"/>
-            <a:ext cx="1600200" cy="338554"/>
-          </a:xfrm>
-          <a:prstGeom prst="rect">
-            <a:avLst/>
-          </a:prstGeom>
-          <a:noFill/>
-        </p:spPr>
-        <p:txBody>
-          <a:bodyPr wrap="square" rtlCol="0">
-            <a:spAutoFit/>
-          </a:bodyPr>
-          <a:lstStyle/>
-          <a:p>
-            <a:pPr algn="ctr"/>
-            <a:r>
-              <a:rPr lang="en-US" sz="1600" dirty="0">
-                <a:solidFill>
-                  <a:srgbClr val="000000"/>
-                </a:solidFill>
-                <a:latin typeface="Open Sans" panose="020B0606030504020204" pitchFamily="34" charset="0"/>
-                <a:ea typeface="Open Sans" panose="020B0606030504020204" pitchFamily="34" charset="0"/>
-                <a:cs typeface="Open Sans" panose="020B0606030504020204" pitchFamily="34" charset="0"/>
-              </a:rPr>
-              <a:t>Time (s)</a:t>
-            </a:r>
-            <a:endParaRPr lang="en-US" sz="1400" dirty="0">
-              <a:solidFill>
-                <a:srgbClr val="000000"/>
-              </a:solidFill>
-              <a:latin typeface="Open Sans" panose="020B0606030504020204" pitchFamily="34" charset="0"/>
-              <a:ea typeface="Open Sans" panose="020B0606030504020204" pitchFamily="34" charset="0"/>
-              <a:cs typeface="Open Sans" panose="020B0606030504020204" pitchFamily="34" charset="0"/>
-            </a:endParaRPr>
-          </a:p>
-        </p:txBody>
-      </p:sp>
-      <p:sp>
-        <p:nvSpPr>
-          <p:cNvPr id="122" name="TextBox 121">
-            <a:extLst>
-              <a:ext uri="{FF2B5EF4-FFF2-40B4-BE49-F238E27FC236}">
-                <a16:creationId xmlns:a16="http://schemas.microsoft.com/office/drawing/2014/main" id="{073C774C-922E-FA19-42A3-A8ECBDD85E20}"/>
-              </a:ext>
-            </a:extLst>
-          </p:cNvPr>
-          <p:cNvSpPr txBox="1"/>
-          <p:nvPr/>
-        </p:nvSpPr>
-        <p:spPr>
-          <a:xfrm>
-            <a:off x="20235460" y="29150140"/>
-            <a:ext cx="1600200" cy="338554"/>
-          </a:xfrm>
-          <a:prstGeom prst="rect">
-            <a:avLst/>
-          </a:prstGeom>
-          <a:noFill/>
-        </p:spPr>
-        <p:txBody>
-          <a:bodyPr wrap="square" rtlCol="0">
-            <a:spAutoFit/>
-          </a:bodyPr>
-          <a:lstStyle/>
-          <a:p>
-            <a:pPr algn="ctr"/>
-            <a:r>
-              <a:rPr lang="en-US" sz="1600" dirty="0">
-                <a:solidFill>
-                  <a:srgbClr val="000000"/>
-                </a:solidFill>
-                <a:latin typeface="Open Sans" panose="020B0606030504020204" pitchFamily="34" charset="0"/>
-                <a:ea typeface="Open Sans" panose="020B0606030504020204" pitchFamily="34" charset="0"/>
-                <a:cs typeface="Open Sans" panose="020B0606030504020204" pitchFamily="34" charset="0"/>
-              </a:rPr>
-              <a:t>Time (s)</a:t>
-            </a:r>
-            <a:endParaRPr lang="en-US" sz="1400" dirty="0">
-              <a:solidFill>
-                <a:srgbClr val="000000"/>
-              </a:solidFill>
-              <a:latin typeface="Open Sans" panose="020B0606030504020204" pitchFamily="34" charset="0"/>
-              <a:ea typeface="Open Sans" panose="020B0606030504020204" pitchFamily="34" charset="0"/>
-              <a:cs typeface="Open Sans" panose="020B0606030504020204" pitchFamily="34" charset="0"/>
-            </a:endParaRPr>
-          </a:p>
-        </p:txBody>
-      </p:sp>
-      <p:sp>
-        <p:nvSpPr>
-          <p:cNvPr id="123" name="TextBox 122">
-            <a:extLst>
-              <a:ext uri="{FF2B5EF4-FFF2-40B4-BE49-F238E27FC236}">
-                <a16:creationId xmlns:a16="http://schemas.microsoft.com/office/drawing/2014/main" id="{05F9541D-4049-F0A5-7D4F-1623673BBA51}"/>
-              </a:ext>
-            </a:extLst>
-          </p:cNvPr>
-          <p:cNvSpPr txBox="1"/>
-          <p:nvPr/>
-        </p:nvSpPr>
-        <p:spPr>
-          <a:xfrm>
-            <a:off x="22155700" y="20463342"/>
-            <a:ext cx="1600200" cy="461665"/>
-          </a:xfrm>
-          <a:prstGeom prst="rect">
-            <a:avLst/>
-          </a:prstGeom>
-          <a:noFill/>
-        </p:spPr>
-        <p:txBody>
-          <a:bodyPr wrap="square" rtlCol="0">
-            <a:spAutoFit/>
-          </a:bodyPr>
-          <a:lstStyle/>
-          <a:p>
-            <a:pPr algn="ctr"/>
-            <a:r>
-              <a:rPr lang="en-US" sz="2400" dirty="0">
-                <a:solidFill>
-                  <a:srgbClr val="33006F"/>
-                </a:solidFill>
-                <a:latin typeface="Uni Sans Book" panose="00000500000000000000" pitchFamily="50" charset="0"/>
-                <a:ea typeface="Open Sans" panose="020B0606030504020204" pitchFamily="34" charset="0"/>
-                <a:cs typeface="Open Sans" panose="020B0606030504020204" pitchFamily="34" charset="0"/>
-              </a:rPr>
-              <a:t>Hanford</a:t>
-            </a:r>
-            <a:endParaRPr lang="en-US" sz="2000" dirty="0">
-              <a:solidFill>
-                <a:srgbClr val="33006F"/>
-              </a:solidFill>
-              <a:latin typeface="Uni Sans Book" panose="00000500000000000000" pitchFamily="50" charset="0"/>
-              <a:ea typeface="Open Sans" panose="020B0606030504020204" pitchFamily="34" charset="0"/>
-              <a:cs typeface="Open Sans" panose="020B0606030504020204" pitchFamily="34" charset="0"/>
-            </a:endParaRPr>
-          </a:p>
-        </p:txBody>
-      </p:sp>
-      <p:sp>
-        <p:nvSpPr>
-          <p:cNvPr id="124" name="TextBox 123">
-            <a:extLst>
-              <a:ext uri="{FF2B5EF4-FFF2-40B4-BE49-F238E27FC236}">
-                <a16:creationId xmlns:a16="http://schemas.microsoft.com/office/drawing/2014/main" id="{82E32C7F-D5E9-23EE-022B-03AA1DF084DD}"/>
-              </a:ext>
-            </a:extLst>
-          </p:cNvPr>
-          <p:cNvSpPr txBox="1"/>
-          <p:nvPr/>
-        </p:nvSpPr>
-        <p:spPr>
-          <a:xfrm>
-            <a:off x="23664460" y="20463340"/>
-            <a:ext cx="1600200" cy="461665"/>
-          </a:xfrm>
-          <a:prstGeom prst="rect">
-            <a:avLst/>
-          </a:prstGeom>
-          <a:noFill/>
-        </p:spPr>
-        <p:txBody>
-          <a:bodyPr wrap="square" rtlCol="0">
-            <a:spAutoFit/>
-          </a:bodyPr>
-          <a:lstStyle/>
-          <a:p>
-            <a:pPr algn="ctr"/>
-            <a:r>
-              <a:rPr lang="en-US" sz="2400" dirty="0">
-                <a:solidFill>
-                  <a:srgbClr val="33006F"/>
-                </a:solidFill>
-                <a:latin typeface="Uni Sans Book" panose="00000500000000000000" pitchFamily="50" charset="0"/>
-                <a:ea typeface="Open Sans" panose="020B0606030504020204" pitchFamily="34" charset="0"/>
-                <a:cs typeface="Open Sans" panose="020B0606030504020204" pitchFamily="34" charset="0"/>
-              </a:rPr>
-              <a:t>Livingston</a:t>
-            </a:r>
-            <a:endParaRPr lang="en-US" sz="1600" dirty="0">
-              <a:solidFill>
-                <a:srgbClr val="33006F"/>
-              </a:solidFill>
-              <a:latin typeface="Uni Sans Book" panose="00000500000000000000" pitchFamily="50" charset="0"/>
-              <a:ea typeface="Open Sans" panose="020B0606030504020204" pitchFamily="34" charset="0"/>
-              <a:cs typeface="Open Sans" panose="020B0606030504020204" pitchFamily="34" charset="0"/>
-            </a:endParaRPr>
-          </a:p>
-        </p:txBody>
-      </p:sp>
-      <p:sp>
-        <p:nvSpPr>
-          <p:cNvPr id="125" name="TextBox 124">
-            <a:extLst>
-              <a:ext uri="{FF2B5EF4-FFF2-40B4-BE49-F238E27FC236}">
-                <a16:creationId xmlns:a16="http://schemas.microsoft.com/office/drawing/2014/main" id="{D16BA850-6801-1E5D-91C4-0A9CAD6EAD52}"/>
-              </a:ext>
-            </a:extLst>
-          </p:cNvPr>
-          <p:cNvSpPr txBox="1"/>
-          <p:nvPr/>
-        </p:nvSpPr>
-        <p:spPr>
-          <a:xfrm>
-            <a:off x="23664460" y="20920540"/>
-            <a:ext cx="1600200" cy="338554"/>
-          </a:xfrm>
-          <a:prstGeom prst="rect">
-            <a:avLst/>
-          </a:prstGeom>
-          <a:noFill/>
-        </p:spPr>
-        <p:txBody>
-          <a:bodyPr wrap="square" rtlCol="0">
-            <a:spAutoFit/>
-          </a:bodyPr>
-          <a:lstStyle/>
-          <a:p>
-            <a:pPr algn="ctr"/>
-            <a:r>
-              <a:rPr lang="en-US" sz="1600" dirty="0">
-                <a:solidFill>
-                  <a:srgbClr val="000000"/>
-                </a:solidFill>
-                <a:latin typeface="Open Sans" panose="020B0606030504020204" pitchFamily="34" charset="0"/>
-                <a:ea typeface="Open Sans" panose="020B0606030504020204" pitchFamily="34" charset="0"/>
-                <a:cs typeface="Open Sans" panose="020B0606030504020204" pitchFamily="34" charset="0"/>
-              </a:rPr>
-              <a:t>Pixels</a:t>
-            </a:r>
-          </a:p>
-        </p:txBody>
-      </p:sp>
-      <p:sp>
-        <p:nvSpPr>
-          <p:cNvPr id="126" name="TextBox 125">
-            <a:extLst>
-              <a:ext uri="{FF2B5EF4-FFF2-40B4-BE49-F238E27FC236}">
-                <a16:creationId xmlns:a16="http://schemas.microsoft.com/office/drawing/2014/main" id="{5B27DD26-B9A3-FBAF-3D8C-6674268E478A}"/>
-              </a:ext>
-            </a:extLst>
-          </p:cNvPr>
-          <p:cNvSpPr txBox="1"/>
-          <p:nvPr/>
-        </p:nvSpPr>
-        <p:spPr>
-          <a:xfrm>
-            <a:off x="22155700" y="20920540"/>
-            <a:ext cx="1600200" cy="338554"/>
-          </a:xfrm>
-          <a:prstGeom prst="rect">
-            <a:avLst/>
-          </a:prstGeom>
-          <a:noFill/>
-        </p:spPr>
-        <p:txBody>
-          <a:bodyPr wrap="square" rtlCol="0">
-            <a:spAutoFit/>
-          </a:bodyPr>
-          <a:lstStyle/>
-          <a:p>
-            <a:pPr algn="ctr"/>
-            <a:r>
-              <a:rPr lang="en-US" sz="1600" dirty="0">
-                <a:solidFill>
-                  <a:srgbClr val="000000"/>
-                </a:solidFill>
-                <a:latin typeface="Open Sans" panose="020B0606030504020204" pitchFamily="34" charset="0"/>
-                <a:ea typeface="Open Sans" panose="020B0606030504020204" pitchFamily="34" charset="0"/>
-                <a:cs typeface="Open Sans" panose="020B0606030504020204" pitchFamily="34" charset="0"/>
-              </a:rPr>
-              <a:t>Pixels</a:t>
-            </a:r>
-            <a:endParaRPr lang="en-US" sz="1400" dirty="0">
-              <a:solidFill>
-                <a:srgbClr val="000000"/>
-              </a:solidFill>
-              <a:latin typeface="Open Sans" panose="020B0606030504020204" pitchFamily="34" charset="0"/>
-              <a:ea typeface="Open Sans" panose="020B0606030504020204" pitchFamily="34" charset="0"/>
-              <a:cs typeface="Open Sans" panose="020B0606030504020204" pitchFamily="34" charset="0"/>
-            </a:endParaRPr>
-          </a:p>
-        </p:txBody>
-      </p:sp>
-      <p:sp>
-        <p:nvSpPr>
-          <p:cNvPr id="127" name="TextBox 126">
-            <a:extLst>
-              <a:ext uri="{FF2B5EF4-FFF2-40B4-BE49-F238E27FC236}">
-                <a16:creationId xmlns:a16="http://schemas.microsoft.com/office/drawing/2014/main" id="{22A54D99-F39D-13F1-0103-6DAB53FF0385}"/>
-              </a:ext>
-            </a:extLst>
-          </p:cNvPr>
-          <p:cNvSpPr txBox="1"/>
-          <p:nvPr/>
-        </p:nvSpPr>
-        <p:spPr>
-          <a:xfrm rot="16200000">
-            <a:off x="21149860" y="21926380"/>
-            <a:ext cx="1600200" cy="338554"/>
-          </a:xfrm>
-          <a:prstGeom prst="rect">
-            <a:avLst/>
-          </a:prstGeom>
-          <a:noFill/>
-        </p:spPr>
-        <p:txBody>
-          <a:bodyPr wrap="square" rtlCol="0">
-            <a:spAutoFit/>
-          </a:bodyPr>
-          <a:lstStyle/>
-          <a:p>
-            <a:pPr algn="ctr"/>
-            <a:r>
-              <a:rPr lang="en-US" sz="1600" dirty="0">
-                <a:solidFill>
-                  <a:srgbClr val="000000"/>
-                </a:solidFill>
-                <a:latin typeface="Open Sans" panose="020B0606030504020204" pitchFamily="34" charset="0"/>
-                <a:ea typeface="Open Sans" panose="020B0606030504020204" pitchFamily="34" charset="0"/>
-                <a:cs typeface="Open Sans" panose="020B0606030504020204" pitchFamily="34" charset="0"/>
-              </a:rPr>
-              <a:t>Pixels</a:t>
-            </a:r>
-            <a:endParaRPr lang="en-US" sz="1400" dirty="0">
-              <a:solidFill>
-                <a:srgbClr val="000000"/>
-              </a:solidFill>
-              <a:latin typeface="Open Sans" panose="020B0606030504020204" pitchFamily="34" charset="0"/>
-              <a:ea typeface="Open Sans" panose="020B0606030504020204" pitchFamily="34" charset="0"/>
-              <a:cs typeface="Open Sans" panose="020B0606030504020204" pitchFamily="34" charset="0"/>
-            </a:endParaRPr>
-          </a:p>
-        </p:txBody>
-      </p:sp>
-      <p:sp>
-        <p:nvSpPr>
-          <p:cNvPr id="1024" name="TextBox 1023">
-            <a:extLst>
-              <a:ext uri="{FF2B5EF4-FFF2-40B4-BE49-F238E27FC236}">
-                <a16:creationId xmlns:a16="http://schemas.microsoft.com/office/drawing/2014/main" id="{C6F02629-609B-5A50-C123-D0CA01928CB3}"/>
-              </a:ext>
-            </a:extLst>
-          </p:cNvPr>
-          <p:cNvSpPr txBox="1"/>
-          <p:nvPr/>
-        </p:nvSpPr>
-        <p:spPr>
-          <a:xfrm rot="16200000">
-            <a:off x="21149860" y="23389420"/>
-            <a:ext cx="1600200" cy="338554"/>
-          </a:xfrm>
-          <a:prstGeom prst="rect">
-            <a:avLst/>
-          </a:prstGeom>
-          <a:noFill/>
-        </p:spPr>
-        <p:txBody>
-          <a:bodyPr wrap="square" rtlCol="0">
-            <a:spAutoFit/>
-          </a:bodyPr>
-          <a:lstStyle/>
-          <a:p>
-            <a:pPr algn="ctr"/>
-            <a:r>
-              <a:rPr lang="en-US" sz="1600" dirty="0">
-                <a:solidFill>
-                  <a:srgbClr val="000000"/>
-                </a:solidFill>
-                <a:latin typeface="Open Sans" panose="020B0606030504020204" pitchFamily="34" charset="0"/>
-                <a:ea typeface="Open Sans" panose="020B0606030504020204" pitchFamily="34" charset="0"/>
-                <a:cs typeface="Open Sans" panose="020B0606030504020204" pitchFamily="34" charset="0"/>
-              </a:rPr>
-              <a:t>Strain</a:t>
-            </a:r>
-            <a:endParaRPr lang="en-US" sz="1400" dirty="0">
-              <a:solidFill>
-                <a:srgbClr val="000000"/>
-              </a:solidFill>
-              <a:latin typeface="Open Sans" panose="020B0606030504020204" pitchFamily="34" charset="0"/>
-              <a:ea typeface="Open Sans" panose="020B0606030504020204" pitchFamily="34" charset="0"/>
-              <a:cs typeface="Open Sans" panose="020B0606030504020204" pitchFamily="34" charset="0"/>
-            </a:endParaRPr>
-          </a:p>
-        </p:txBody>
-      </p:sp>
-      <p:sp>
-        <p:nvSpPr>
-          <p:cNvPr id="1025" name="TextBox 1024">
-            <a:extLst>
-              <a:ext uri="{FF2B5EF4-FFF2-40B4-BE49-F238E27FC236}">
-                <a16:creationId xmlns:a16="http://schemas.microsoft.com/office/drawing/2014/main" id="{B1FC30EC-057B-4355-4C9A-6F6416182937}"/>
-              </a:ext>
-            </a:extLst>
-          </p:cNvPr>
-          <p:cNvSpPr txBox="1"/>
-          <p:nvPr/>
-        </p:nvSpPr>
-        <p:spPr>
-          <a:xfrm>
-            <a:off x="22124770" y="24381211"/>
-            <a:ext cx="1600200" cy="338554"/>
-          </a:xfrm>
-          <a:prstGeom prst="rect">
-            <a:avLst/>
-          </a:prstGeom>
-          <a:noFill/>
-        </p:spPr>
-        <p:txBody>
-          <a:bodyPr wrap="square" rtlCol="0">
-            <a:spAutoFit/>
-          </a:bodyPr>
-          <a:lstStyle/>
-          <a:p>
-            <a:pPr algn="ctr"/>
-            <a:r>
-              <a:rPr lang="en-US" sz="1600" dirty="0">
-                <a:solidFill>
-                  <a:srgbClr val="000000"/>
-                </a:solidFill>
-                <a:latin typeface="Open Sans" panose="020B0606030504020204" pitchFamily="34" charset="0"/>
-                <a:ea typeface="Open Sans" panose="020B0606030504020204" pitchFamily="34" charset="0"/>
-                <a:cs typeface="Open Sans" panose="020B0606030504020204" pitchFamily="34" charset="0"/>
-              </a:rPr>
-              <a:t>Time (s)</a:t>
-            </a:r>
-            <a:endParaRPr lang="en-US" sz="1400" dirty="0">
-              <a:solidFill>
-                <a:srgbClr val="000000"/>
-              </a:solidFill>
-              <a:latin typeface="Open Sans" panose="020B0606030504020204" pitchFamily="34" charset="0"/>
-              <a:ea typeface="Open Sans" panose="020B0606030504020204" pitchFamily="34" charset="0"/>
-              <a:cs typeface="Open Sans" panose="020B0606030504020204" pitchFamily="34" charset="0"/>
-            </a:endParaRPr>
-          </a:p>
-        </p:txBody>
-      </p:sp>
-      <p:sp>
-        <p:nvSpPr>
-          <p:cNvPr id="1027" name="TextBox 1026">
-            <a:extLst>
-              <a:ext uri="{FF2B5EF4-FFF2-40B4-BE49-F238E27FC236}">
-                <a16:creationId xmlns:a16="http://schemas.microsoft.com/office/drawing/2014/main" id="{FD5DC94B-7538-B5BE-93D1-C54F7ECF64ED}"/>
-              </a:ext>
-            </a:extLst>
-          </p:cNvPr>
-          <p:cNvSpPr txBox="1"/>
-          <p:nvPr/>
-        </p:nvSpPr>
-        <p:spPr>
-          <a:xfrm>
-            <a:off x="23633530" y="24381211"/>
-            <a:ext cx="1600200" cy="338554"/>
-          </a:xfrm>
-          <a:prstGeom prst="rect">
-            <a:avLst/>
-          </a:prstGeom>
-          <a:noFill/>
-        </p:spPr>
-        <p:txBody>
-          <a:bodyPr wrap="square" rtlCol="0">
-            <a:spAutoFit/>
-          </a:bodyPr>
-          <a:lstStyle/>
-          <a:p>
-            <a:pPr algn="ctr"/>
-            <a:r>
-              <a:rPr lang="en-US" sz="1600" dirty="0">
-                <a:solidFill>
-                  <a:srgbClr val="000000"/>
-                </a:solidFill>
-                <a:latin typeface="Open Sans" panose="020B0606030504020204" pitchFamily="34" charset="0"/>
-                <a:ea typeface="Open Sans" panose="020B0606030504020204" pitchFamily="34" charset="0"/>
-                <a:cs typeface="Open Sans" panose="020B0606030504020204" pitchFamily="34" charset="0"/>
-              </a:rPr>
-              <a:t>Time (s)</a:t>
-            </a:r>
-            <a:endParaRPr lang="en-US" sz="1400" dirty="0">
-              <a:solidFill>
-                <a:srgbClr val="000000"/>
-              </a:solidFill>
-              <a:latin typeface="Open Sans" panose="020B0606030504020204" pitchFamily="34" charset="0"/>
-              <a:ea typeface="Open Sans" panose="020B0606030504020204" pitchFamily="34" charset="0"/>
-              <a:cs typeface="Open Sans" panose="020B0606030504020204" pitchFamily="34" charset="0"/>
-            </a:endParaRPr>
-          </a:p>
-        </p:txBody>
-      </p:sp>
-      <p:sp>
-        <p:nvSpPr>
-          <p:cNvPr id="1028" name="TextBox 1027">
-            <a:extLst>
-              <a:ext uri="{FF2B5EF4-FFF2-40B4-BE49-F238E27FC236}">
-                <a16:creationId xmlns:a16="http://schemas.microsoft.com/office/drawing/2014/main" id="{2DD43742-9EF7-995C-609B-A907312AC636}"/>
-              </a:ext>
-            </a:extLst>
-          </p:cNvPr>
-          <p:cNvSpPr txBox="1"/>
-          <p:nvPr/>
-        </p:nvSpPr>
-        <p:spPr>
-          <a:xfrm>
-            <a:off x="22155700" y="25218222"/>
-            <a:ext cx="1600200" cy="461665"/>
-          </a:xfrm>
-          <a:prstGeom prst="rect">
-            <a:avLst/>
-          </a:prstGeom>
-          <a:noFill/>
-        </p:spPr>
-        <p:txBody>
-          <a:bodyPr wrap="square" rtlCol="0">
-            <a:spAutoFit/>
-          </a:bodyPr>
-          <a:lstStyle/>
-          <a:p>
-            <a:pPr algn="ctr"/>
-            <a:r>
-              <a:rPr lang="en-US" sz="2400" dirty="0">
-                <a:solidFill>
-                  <a:srgbClr val="33006F"/>
-                </a:solidFill>
-                <a:latin typeface="Uni Sans Book" panose="00000500000000000000" pitchFamily="50" charset="0"/>
-                <a:ea typeface="Open Sans" panose="020B0606030504020204" pitchFamily="34" charset="0"/>
-                <a:cs typeface="Open Sans" panose="020B0606030504020204" pitchFamily="34" charset="0"/>
-              </a:rPr>
-              <a:t>Hanford</a:t>
-            </a:r>
-            <a:endParaRPr lang="en-US" sz="2000" dirty="0">
-              <a:solidFill>
-                <a:srgbClr val="33006F"/>
-              </a:solidFill>
-              <a:latin typeface="Uni Sans Book" panose="00000500000000000000" pitchFamily="50" charset="0"/>
-              <a:ea typeface="Open Sans" panose="020B0606030504020204" pitchFamily="34" charset="0"/>
-              <a:cs typeface="Open Sans" panose="020B0606030504020204" pitchFamily="34" charset="0"/>
-            </a:endParaRPr>
-          </a:p>
-        </p:txBody>
-      </p:sp>
-      <p:sp>
-        <p:nvSpPr>
-          <p:cNvPr id="1029" name="TextBox 1028">
-            <a:extLst>
-              <a:ext uri="{FF2B5EF4-FFF2-40B4-BE49-F238E27FC236}">
-                <a16:creationId xmlns:a16="http://schemas.microsoft.com/office/drawing/2014/main" id="{F4C32A91-4DE9-88E8-6426-743DEDDDF311}"/>
-              </a:ext>
-            </a:extLst>
-          </p:cNvPr>
-          <p:cNvSpPr txBox="1"/>
-          <p:nvPr/>
-        </p:nvSpPr>
-        <p:spPr>
-          <a:xfrm>
-            <a:off x="23664460" y="25218220"/>
-            <a:ext cx="1600200" cy="461665"/>
-          </a:xfrm>
-          <a:prstGeom prst="rect">
-            <a:avLst/>
-          </a:prstGeom>
-          <a:noFill/>
-        </p:spPr>
-        <p:txBody>
-          <a:bodyPr wrap="square" rtlCol="0">
-            <a:spAutoFit/>
-          </a:bodyPr>
-          <a:lstStyle/>
-          <a:p>
-            <a:pPr algn="ctr"/>
-            <a:r>
-              <a:rPr lang="en-US" sz="2400" dirty="0">
-                <a:solidFill>
-                  <a:srgbClr val="33006F"/>
-                </a:solidFill>
-                <a:latin typeface="Uni Sans Book" panose="00000500000000000000" pitchFamily="50" charset="0"/>
-                <a:ea typeface="Open Sans" panose="020B0606030504020204" pitchFamily="34" charset="0"/>
-                <a:cs typeface="Open Sans" panose="020B0606030504020204" pitchFamily="34" charset="0"/>
-              </a:rPr>
-              <a:t>Livingston</a:t>
-            </a:r>
-            <a:endParaRPr lang="en-US" sz="1600" dirty="0">
-              <a:solidFill>
-                <a:srgbClr val="33006F"/>
-              </a:solidFill>
-              <a:latin typeface="Uni Sans Book" panose="00000500000000000000" pitchFamily="50" charset="0"/>
-              <a:ea typeface="Open Sans" panose="020B0606030504020204" pitchFamily="34" charset="0"/>
-              <a:cs typeface="Open Sans" panose="020B0606030504020204" pitchFamily="34" charset="0"/>
-            </a:endParaRPr>
-          </a:p>
-        </p:txBody>
-      </p:sp>
-      <p:sp>
-        <p:nvSpPr>
-          <p:cNvPr id="1030" name="TextBox 1029">
-            <a:extLst>
-              <a:ext uri="{FF2B5EF4-FFF2-40B4-BE49-F238E27FC236}">
-                <a16:creationId xmlns:a16="http://schemas.microsoft.com/office/drawing/2014/main" id="{2F2FEA0E-AF7D-EC8D-AE61-7BBE9D740884}"/>
-              </a:ext>
-            </a:extLst>
-          </p:cNvPr>
-          <p:cNvSpPr txBox="1"/>
-          <p:nvPr/>
-        </p:nvSpPr>
-        <p:spPr>
-          <a:xfrm>
-            <a:off x="23664460" y="25675420"/>
-            <a:ext cx="1600200" cy="338554"/>
-          </a:xfrm>
-          <a:prstGeom prst="rect">
-            <a:avLst/>
-          </a:prstGeom>
-          <a:noFill/>
-        </p:spPr>
-        <p:txBody>
-          <a:bodyPr wrap="square" rtlCol="0">
-            <a:spAutoFit/>
-          </a:bodyPr>
-          <a:lstStyle/>
-          <a:p>
-            <a:pPr algn="ctr"/>
-            <a:r>
-              <a:rPr lang="en-US" sz="1600" dirty="0">
-                <a:solidFill>
-                  <a:srgbClr val="000000"/>
-                </a:solidFill>
-                <a:latin typeface="Open Sans" panose="020B0606030504020204" pitchFamily="34" charset="0"/>
-                <a:ea typeface="Open Sans" panose="020B0606030504020204" pitchFamily="34" charset="0"/>
-                <a:cs typeface="Open Sans" panose="020B0606030504020204" pitchFamily="34" charset="0"/>
-              </a:rPr>
-              <a:t>Pixels</a:t>
-            </a:r>
-          </a:p>
-        </p:txBody>
-      </p:sp>
-      <p:sp>
-        <p:nvSpPr>
-          <p:cNvPr id="1031" name="TextBox 1030">
-            <a:extLst>
-              <a:ext uri="{FF2B5EF4-FFF2-40B4-BE49-F238E27FC236}">
-                <a16:creationId xmlns:a16="http://schemas.microsoft.com/office/drawing/2014/main" id="{687F92B4-F76D-8E27-AB14-1AE4CA9F72B6}"/>
-              </a:ext>
-            </a:extLst>
-          </p:cNvPr>
-          <p:cNvSpPr txBox="1"/>
-          <p:nvPr/>
-        </p:nvSpPr>
-        <p:spPr>
-          <a:xfrm>
-            <a:off x="22155700" y="25675420"/>
-            <a:ext cx="1600200" cy="338554"/>
-          </a:xfrm>
-          <a:prstGeom prst="rect">
-            <a:avLst/>
-          </a:prstGeom>
-          <a:noFill/>
-        </p:spPr>
-        <p:txBody>
-          <a:bodyPr wrap="square" rtlCol="0">
-            <a:spAutoFit/>
-          </a:bodyPr>
-          <a:lstStyle/>
-          <a:p>
-            <a:pPr algn="ctr"/>
-            <a:r>
-              <a:rPr lang="en-US" sz="1600" dirty="0">
-                <a:solidFill>
-                  <a:srgbClr val="000000"/>
-                </a:solidFill>
-                <a:latin typeface="Open Sans" panose="020B0606030504020204" pitchFamily="34" charset="0"/>
-                <a:ea typeface="Open Sans" panose="020B0606030504020204" pitchFamily="34" charset="0"/>
-                <a:cs typeface="Open Sans" panose="020B0606030504020204" pitchFamily="34" charset="0"/>
-              </a:rPr>
-              <a:t>Pixels</a:t>
-            </a:r>
-            <a:endParaRPr lang="en-US" sz="1400" dirty="0">
-              <a:solidFill>
-                <a:srgbClr val="000000"/>
-              </a:solidFill>
-              <a:latin typeface="Open Sans" panose="020B0606030504020204" pitchFamily="34" charset="0"/>
-              <a:ea typeface="Open Sans" panose="020B0606030504020204" pitchFamily="34" charset="0"/>
-              <a:cs typeface="Open Sans" panose="020B0606030504020204" pitchFamily="34" charset="0"/>
-            </a:endParaRPr>
-          </a:p>
-        </p:txBody>
-      </p:sp>
-      <p:sp>
-        <p:nvSpPr>
-          <p:cNvPr id="1032" name="TextBox 1031">
-            <a:extLst>
-              <a:ext uri="{FF2B5EF4-FFF2-40B4-BE49-F238E27FC236}">
-                <a16:creationId xmlns:a16="http://schemas.microsoft.com/office/drawing/2014/main" id="{83C50F42-5B69-7328-F0BA-B0BB5C1BDFAD}"/>
-              </a:ext>
-            </a:extLst>
-          </p:cNvPr>
-          <p:cNvSpPr txBox="1"/>
-          <p:nvPr/>
-        </p:nvSpPr>
-        <p:spPr>
-          <a:xfrm rot="16200000">
-            <a:off x="21149860" y="26681260"/>
-            <a:ext cx="1600200" cy="338554"/>
-          </a:xfrm>
-          <a:prstGeom prst="rect">
-            <a:avLst/>
-          </a:prstGeom>
-          <a:noFill/>
-        </p:spPr>
-        <p:txBody>
-          <a:bodyPr wrap="square" rtlCol="0">
-            <a:spAutoFit/>
-          </a:bodyPr>
-          <a:lstStyle/>
-          <a:p>
-            <a:pPr algn="ctr"/>
-            <a:r>
-              <a:rPr lang="en-US" sz="1600" dirty="0">
-                <a:solidFill>
-                  <a:srgbClr val="000000"/>
-                </a:solidFill>
-                <a:latin typeface="Open Sans" panose="020B0606030504020204" pitchFamily="34" charset="0"/>
-                <a:ea typeface="Open Sans" panose="020B0606030504020204" pitchFamily="34" charset="0"/>
-                <a:cs typeface="Open Sans" panose="020B0606030504020204" pitchFamily="34" charset="0"/>
-              </a:rPr>
-              <a:t>Pixels</a:t>
-            </a:r>
-            <a:endParaRPr lang="en-US" sz="1400" dirty="0">
-              <a:solidFill>
-                <a:srgbClr val="000000"/>
-              </a:solidFill>
-              <a:latin typeface="Open Sans" panose="020B0606030504020204" pitchFamily="34" charset="0"/>
-              <a:ea typeface="Open Sans" panose="020B0606030504020204" pitchFamily="34" charset="0"/>
-              <a:cs typeface="Open Sans" panose="020B0606030504020204" pitchFamily="34" charset="0"/>
-            </a:endParaRPr>
-          </a:p>
-        </p:txBody>
-      </p:sp>
-      <p:sp>
-        <p:nvSpPr>
-          <p:cNvPr id="1033" name="TextBox 1032">
-            <a:extLst>
-              <a:ext uri="{FF2B5EF4-FFF2-40B4-BE49-F238E27FC236}">
-                <a16:creationId xmlns:a16="http://schemas.microsoft.com/office/drawing/2014/main" id="{C58FA36D-2132-A8E5-C839-F3F077E41CC9}"/>
-              </a:ext>
-            </a:extLst>
-          </p:cNvPr>
-          <p:cNvSpPr txBox="1"/>
-          <p:nvPr/>
-        </p:nvSpPr>
-        <p:spPr>
-          <a:xfrm rot="16200000">
-            <a:off x="21149860" y="28144300"/>
-            <a:ext cx="1600200" cy="338554"/>
-          </a:xfrm>
-          <a:prstGeom prst="rect">
-            <a:avLst/>
-          </a:prstGeom>
-          <a:noFill/>
-        </p:spPr>
-        <p:txBody>
-          <a:bodyPr wrap="square" rtlCol="0">
-            <a:spAutoFit/>
-          </a:bodyPr>
-          <a:lstStyle/>
-          <a:p>
-            <a:pPr algn="ctr"/>
-            <a:r>
-              <a:rPr lang="en-US" sz="1600" dirty="0">
-                <a:solidFill>
-                  <a:srgbClr val="000000"/>
-                </a:solidFill>
-                <a:latin typeface="Open Sans" panose="020B0606030504020204" pitchFamily="34" charset="0"/>
-                <a:ea typeface="Open Sans" panose="020B0606030504020204" pitchFamily="34" charset="0"/>
-                <a:cs typeface="Open Sans" panose="020B0606030504020204" pitchFamily="34" charset="0"/>
-              </a:rPr>
-              <a:t>Strain</a:t>
-            </a:r>
-            <a:endParaRPr lang="en-US" sz="1400" dirty="0">
-              <a:solidFill>
-                <a:srgbClr val="000000"/>
-              </a:solidFill>
-              <a:latin typeface="Open Sans" panose="020B0606030504020204" pitchFamily="34" charset="0"/>
-              <a:ea typeface="Open Sans" panose="020B0606030504020204" pitchFamily="34" charset="0"/>
-              <a:cs typeface="Open Sans" panose="020B0606030504020204" pitchFamily="34" charset="0"/>
-            </a:endParaRPr>
-          </a:p>
-        </p:txBody>
-      </p:sp>
-      <p:sp>
-        <p:nvSpPr>
-          <p:cNvPr id="1034" name="TextBox 1033">
-            <a:extLst>
-              <a:ext uri="{FF2B5EF4-FFF2-40B4-BE49-F238E27FC236}">
-                <a16:creationId xmlns:a16="http://schemas.microsoft.com/office/drawing/2014/main" id="{D1485BE4-58A3-2D33-5D95-7C16AAAA5378}"/>
-              </a:ext>
-            </a:extLst>
-          </p:cNvPr>
-          <p:cNvSpPr txBox="1"/>
-          <p:nvPr/>
-        </p:nvSpPr>
-        <p:spPr>
-          <a:xfrm>
-            <a:off x="22144640" y="29172266"/>
-            <a:ext cx="1600200" cy="338554"/>
-          </a:xfrm>
-          <a:prstGeom prst="rect">
-            <a:avLst/>
-          </a:prstGeom>
-          <a:noFill/>
-        </p:spPr>
-        <p:txBody>
-          <a:bodyPr wrap="square" rtlCol="0">
-            <a:spAutoFit/>
-          </a:bodyPr>
-          <a:lstStyle/>
-          <a:p>
-            <a:pPr algn="ctr"/>
-            <a:r>
-              <a:rPr lang="en-US" sz="1600" dirty="0">
-                <a:solidFill>
-                  <a:srgbClr val="000000"/>
-                </a:solidFill>
-                <a:latin typeface="Open Sans" panose="020B0606030504020204" pitchFamily="34" charset="0"/>
-                <a:ea typeface="Open Sans" panose="020B0606030504020204" pitchFamily="34" charset="0"/>
-                <a:cs typeface="Open Sans" panose="020B0606030504020204" pitchFamily="34" charset="0"/>
-              </a:rPr>
-              <a:t>Time (s)</a:t>
-            </a:r>
-            <a:endParaRPr lang="en-US" sz="1400" dirty="0">
-              <a:solidFill>
-                <a:srgbClr val="000000"/>
-              </a:solidFill>
-              <a:latin typeface="Open Sans" panose="020B0606030504020204" pitchFamily="34" charset="0"/>
-              <a:ea typeface="Open Sans" panose="020B0606030504020204" pitchFamily="34" charset="0"/>
-              <a:cs typeface="Open Sans" panose="020B0606030504020204" pitchFamily="34" charset="0"/>
-            </a:endParaRPr>
-          </a:p>
-        </p:txBody>
-      </p:sp>
-      <p:sp>
-        <p:nvSpPr>
-          <p:cNvPr id="1035" name="TextBox 1034">
-            <a:extLst>
-              <a:ext uri="{FF2B5EF4-FFF2-40B4-BE49-F238E27FC236}">
-                <a16:creationId xmlns:a16="http://schemas.microsoft.com/office/drawing/2014/main" id="{3019CF62-8324-F8B5-4295-B0BD1E9FFC46}"/>
-              </a:ext>
-            </a:extLst>
-          </p:cNvPr>
-          <p:cNvSpPr txBox="1"/>
-          <p:nvPr/>
-        </p:nvSpPr>
-        <p:spPr>
-          <a:xfrm>
-            <a:off x="23653400" y="29172266"/>
-            <a:ext cx="1600200" cy="338554"/>
-          </a:xfrm>
-          <a:prstGeom prst="rect">
-            <a:avLst/>
-          </a:prstGeom>
-          <a:noFill/>
-        </p:spPr>
-        <p:txBody>
-          <a:bodyPr wrap="square" rtlCol="0">
-            <a:spAutoFit/>
-          </a:bodyPr>
-          <a:lstStyle/>
-          <a:p>
-            <a:pPr algn="ctr"/>
-            <a:r>
-              <a:rPr lang="en-US" sz="1600" dirty="0">
-                <a:solidFill>
-                  <a:srgbClr val="000000"/>
-                </a:solidFill>
-                <a:latin typeface="Open Sans" panose="020B0606030504020204" pitchFamily="34" charset="0"/>
-                <a:ea typeface="Open Sans" panose="020B0606030504020204" pitchFamily="34" charset="0"/>
-                <a:cs typeface="Open Sans" panose="020B0606030504020204" pitchFamily="34" charset="0"/>
-              </a:rPr>
-              <a:t>Time (s)</a:t>
-            </a:r>
-            <a:endParaRPr lang="en-US" sz="1400" dirty="0">
-              <a:solidFill>
-                <a:srgbClr val="000000"/>
-              </a:solidFill>
-              <a:latin typeface="Open Sans" panose="020B0606030504020204" pitchFamily="34" charset="0"/>
-              <a:ea typeface="Open Sans" panose="020B0606030504020204" pitchFamily="34" charset="0"/>
-              <a:cs typeface="Open Sans" panose="020B0606030504020204" pitchFamily="34" charset="0"/>
-            </a:endParaRPr>
-          </a:p>
-        </p:txBody>
-      </p:sp>
-      <p:sp>
-        <p:nvSpPr>
-          <p:cNvPr id="1036" name="TextBox 1035">
-            <a:extLst>
-              <a:ext uri="{FF2B5EF4-FFF2-40B4-BE49-F238E27FC236}">
-                <a16:creationId xmlns:a16="http://schemas.microsoft.com/office/drawing/2014/main" id="{F2E72E69-65D2-3C11-5CA6-3474010E337E}"/>
-              </a:ext>
-            </a:extLst>
-          </p:cNvPr>
-          <p:cNvSpPr txBox="1"/>
-          <p:nvPr/>
-        </p:nvSpPr>
-        <p:spPr>
-          <a:xfrm>
-            <a:off x="32488411" y="12335301"/>
-            <a:ext cx="6858000" cy="461665"/>
-          </a:xfrm>
-          <a:prstGeom prst="rect">
-            <a:avLst/>
-          </a:prstGeom>
-          <a:noFill/>
-        </p:spPr>
-        <p:txBody>
-          <a:bodyPr wrap="square" rtlCol="0">
-            <a:spAutoFit/>
-          </a:bodyPr>
-          <a:lstStyle/>
-          <a:p>
-            <a:pPr algn="ctr"/>
-            <a:r>
-              <a:rPr lang="en-US" sz="2400" b="1" dirty="0">
-                <a:solidFill>
-                  <a:srgbClr val="33006F"/>
-                </a:solidFill>
-                <a:latin typeface="Uni Sans Book" panose="00000500000000000000" pitchFamily="50" charset="0"/>
-                <a:ea typeface="Open Sans" panose="020B0606030504020204" pitchFamily="34" charset="0"/>
-                <a:cs typeface="Open Sans" panose="020B0606030504020204" pitchFamily="34" charset="0"/>
-              </a:rPr>
-              <a:t>Training Loss and Validation Accuracy</a:t>
-            </a:r>
-            <a:endParaRPr lang="en-US" sz="1600" b="1" dirty="0">
-              <a:solidFill>
-                <a:srgbClr val="33006F"/>
-              </a:solidFill>
-              <a:latin typeface="Uni Sans Book" panose="00000500000000000000" pitchFamily="50" charset="0"/>
-              <a:ea typeface="Open Sans" panose="020B0606030504020204" pitchFamily="34" charset="0"/>
-              <a:cs typeface="Open Sans" panose="020B0606030504020204" pitchFamily="34" charset="0"/>
-            </a:endParaRPr>
-          </a:p>
-        </p:txBody>
-      </p:sp>
-      <p:sp>
-        <p:nvSpPr>
-          <p:cNvPr id="1037" name="TextBox 1036">
-            <a:extLst>
-              <a:ext uri="{FF2B5EF4-FFF2-40B4-BE49-F238E27FC236}">
-                <a16:creationId xmlns:a16="http://schemas.microsoft.com/office/drawing/2014/main" id="{7B671828-B902-BCD1-C6B0-EB8158177996}"/>
-              </a:ext>
-            </a:extLst>
-          </p:cNvPr>
-          <p:cNvSpPr txBox="1"/>
-          <p:nvPr/>
-        </p:nvSpPr>
-        <p:spPr>
-          <a:xfrm rot="16200000">
-            <a:off x="31528291" y="13903384"/>
-            <a:ext cx="2103120" cy="338554"/>
-          </a:xfrm>
-          <a:prstGeom prst="rect">
-            <a:avLst/>
-          </a:prstGeom>
-          <a:noFill/>
-        </p:spPr>
-        <p:txBody>
-          <a:bodyPr wrap="square" rtlCol="0">
-            <a:spAutoFit/>
-          </a:bodyPr>
-          <a:lstStyle/>
-          <a:p>
-            <a:pPr algn="ctr"/>
-            <a:r>
-              <a:rPr lang="en-US" sz="1600" dirty="0">
-                <a:solidFill>
-                  <a:srgbClr val="000000"/>
-                </a:solidFill>
-                <a:latin typeface="Open Sans" panose="020B0606030504020204" pitchFamily="34" charset="0"/>
-                <a:ea typeface="Open Sans" panose="020B0606030504020204" pitchFamily="34" charset="0"/>
-                <a:cs typeface="Open Sans" panose="020B0606030504020204" pitchFamily="34" charset="0"/>
-              </a:rPr>
-              <a:t>Training Loss</a:t>
-            </a:r>
-            <a:endParaRPr lang="en-US" sz="1400" dirty="0">
-              <a:solidFill>
-                <a:srgbClr val="000000"/>
-              </a:solidFill>
-              <a:latin typeface="Open Sans" panose="020B0606030504020204" pitchFamily="34" charset="0"/>
-              <a:ea typeface="Open Sans" panose="020B0606030504020204" pitchFamily="34" charset="0"/>
-              <a:cs typeface="Open Sans" panose="020B0606030504020204" pitchFamily="34" charset="0"/>
-            </a:endParaRPr>
-          </a:p>
-        </p:txBody>
-      </p:sp>
-      <p:sp>
-        <p:nvSpPr>
-          <p:cNvPr id="1038" name="TextBox 1037">
-            <a:extLst>
-              <a:ext uri="{FF2B5EF4-FFF2-40B4-BE49-F238E27FC236}">
-                <a16:creationId xmlns:a16="http://schemas.microsoft.com/office/drawing/2014/main" id="{3AF98B79-2C6D-E17D-0791-E2C666605D6F}"/>
-              </a:ext>
-            </a:extLst>
-          </p:cNvPr>
-          <p:cNvSpPr txBox="1"/>
-          <p:nvPr/>
-        </p:nvSpPr>
-        <p:spPr>
-          <a:xfrm rot="16200000">
-            <a:off x="31528291" y="16646586"/>
-            <a:ext cx="2103120" cy="338554"/>
-          </a:xfrm>
-          <a:prstGeom prst="rect">
-            <a:avLst/>
-          </a:prstGeom>
-          <a:noFill/>
-        </p:spPr>
-        <p:txBody>
-          <a:bodyPr wrap="square" rtlCol="0">
-            <a:spAutoFit/>
-          </a:bodyPr>
-          <a:lstStyle/>
-          <a:p>
-            <a:pPr algn="ctr"/>
-            <a:r>
-              <a:rPr lang="en-US" sz="1600" dirty="0">
-                <a:solidFill>
-                  <a:srgbClr val="000000"/>
-                </a:solidFill>
-                <a:latin typeface="Open Sans" panose="020B0606030504020204" pitchFamily="34" charset="0"/>
-                <a:ea typeface="Open Sans" panose="020B0606030504020204" pitchFamily="34" charset="0"/>
-                <a:cs typeface="Open Sans" panose="020B0606030504020204" pitchFamily="34" charset="0"/>
-              </a:rPr>
-              <a:t>Validation Accuracy</a:t>
-            </a:r>
-            <a:endParaRPr lang="en-US" sz="1400" dirty="0">
-              <a:solidFill>
-                <a:srgbClr val="000000"/>
-              </a:solidFill>
-              <a:latin typeface="Open Sans" panose="020B0606030504020204" pitchFamily="34" charset="0"/>
-              <a:ea typeface="Open Sans" panose="020B0606030504020204" pitchFamily="34" charset="0"/>
-              <a:cs typeface="Open Sans" panose="020B0606030504020204" pitchFamily="34" charset="0"/>
-            </a:endParaRPr>
-          </a:p>
-        </p:txBody>
-      </p:sp>
       <p:sp>
         <p:nvSpPr>
           <p:cNvPr id="1039" name="TextBox 1038">
@@ -8168,7 +5283,7 @@
         </p:nvSpPr>
         <p:spPr>
           <a:xfrm>
-            <a:off x="32488411" y="18576081"/>
+            <a:off x="38088668" y="13353200"/>
             <a:ext cx="6858000" cy="338554"/>
           </a:xfrm>
           <a:prstGeom prst="rect">
@@ -8219,7 +5334,7 @@
         </p:nvSpPr>
         <p:spPr>
           <a:xfrm>
-            <a:off x="32488411" y="15695721"/>
+            <a:off x="38088668" y="13041606"/>
             <a:ext cx="6858000" cy="338554"/>
           </a:xfrm>
           <a:prstGeom prst="rect">
@@ -8271,6 +5386,4025 @@
           <p:nvPr/>
         </p:nvPicPr>
         <p:blipFill>
+          <a:blip r:embed="rId5"/>
+          <a:stretch>
+            <a:fillRect/>
+          </a:stretch>
+        </p:blipFill>
+        <p:spPr>
+          <a:xfrm>
+            <a:off x="2103120" y="1645920"/>
+            <a:ext cx="6827519" cy="3840480"/>
+          </a:xfrm>
+          <a:prstGeom prst="rect">
+            <a:avLst/>
+          </a:prstGeom>
+        </p:spPr>
+      </p:pic>
+      <p:graphicFrame>
+        <p:nvGraphicFramePr>
+          <p:cNvPr id="23" name="Table 27">
+            <a:extLst>
+              <a:ext uri="{FF2B5EF4-FFF2-40B4-BE49-F238E27FC236}">
+                <a16:creationId xmlns:a16="http://schemas.microsoft.com/office/drawing/2014/main" id="{7A1E66E9-23BD-7C25-31EE-B03B1DEF412F}"/>
+              </a:ext>
+            </a:extLst>
+          </p:cNvPr>
+          <p:cNvGraphicFramePr>
+            <a:graphicFrameLocks noGrp="1" noChangeAspect="1"/>
+          </p:cNvGraphicFramePr>
+          <p:nvPr>
+            <p:extLst>
+              <p:ext uri="{D42A27DB-BD31-4B8C-83A1-F6EECF244321}">
+                <p14:modId xmlns:p14="http://schemas.microsoft.com/office/powerpoint/2010/main" val="2231684555"/>
+              </p:ext>
+            </p:extLst>
+          </p:nvPr>
+        </p:nvGraphicFramePr>
+        <p:xfrm>
+          <a:off x="15488365" y="13895930"/>
+          <a:ext cx="5943600" cy="5943601"/>
+        </p:xfrm>
+        <a:graphic>
+          <a:graphicData uri="http://schemas.openxmlformats.org/drawingml/2006/table">
+            <a:tbl>
+              <a:tblPr firstRow="1" bandRow="1">
+                <a:tableStyleId>{3C2FFA5D-87B4-456A-9821-1D502468CF0F}</a:tableStyleId>
+              </a:tblPr>
+              <a:tblGrid>
+                <a:gridCol w="465800">
+                  <a:extLst>
+                    <a:ext uri="{9D8B030D-6E8A-4147-A177-3AD203B41FA5}">
+                      <a16:colId xmlns:a16="http://schemas.microsoft.com/office/drawing/2014/main" val="4150575736"/>
+                    </a:ext>
+                  </a:extLst>
+                </a:gridCol>
+                <a:gridCol w="2794796">
+                  <a:extLst>
+                    <a:ext uri="{9D8B030D-6E8A-4147-A177-3AD203B41FA5}">
+                      <a16:colId xmlns:a16="http://schemas.microsoft.com/office/drawing/2014/main" val="2345576602"/>
+                    </a:ext>
+                  </a:extLst>
+                </a:gridCol>
+                <a:gridCol w="2683004">
+                  <a:extLst>
+                    <a:ext uri="{9D8B030D-6E8A-4147-A177-3AD203B41FA5}">
+                      <a16:colId xmlns:a16="http://schemas.microsoft.com/office/drawing/2014/main" val="591402311"/>
+                    </a:ext>
+                  </a:extLst>
+                </a:gridCol>
+              </a:tblGrid>
+              <a:tr h="459904">
+                <a:tc>
+                  <a:txBody>
+                    <a:bodyPr/>
+                    <a:lstStyle/>
+                    <a:p>
+                      <a:pPr algn="ctr"/>
+                      <a:endParaRPr lang="en-US" sz="2400" dirty="0">
+                        <a:solidFill>
+                          <a:srgbClr val="33006F"/>
+                        </a:solidFill>
+                        <a:latin typeface="Open Sans" panose="020B0606030504020204" pitchFamily="34" charset="0"/>
+                        <a:ea typeface="Open Sans" panose="020B0606030504020204" pitchFamily="34" charset="0"/>
+                        <a:cs typeface="Open Sans" panose="020B0606030504020204" pitchFamily="34" charset="0"/>
+                      </a:endParaRPr>
+                    </a:p>
+                  </a:txBody>
+                  <a:tcPr/>
+                </a:tc>
+                <a:tc gridSpan="2">
+                  <a:txBody>
+                    <a:bodyPr/>
+                    <a:lstStyle/>
+                    <a:p>
+                      <a:pPr marL="0" marR="0" lvl="0" indent="0" algn="ctr" defTabSz="4389120" rtl="0" eaLnBrk="1" fontAlgn="auto" latinLnBrk="0" hangingPunct="1">
+                        <a:lnSpc>
+                          <a:spcPct val="100000"/>
+                        </a:lnSpc>
+                        <a:spcBef>
+                          <a:spcPts val="0"/>
+                        </a:spcBef>
+                        <a:spcAft>
+                          <a:spcPts val="0"/>
+                        </a:spcAft>
+                        <a:buClrTx/>
+                        <a:buSzTx/>
+                        <a:buFontTx/>
+                        <a:buNone/>
+                        <a:tabLst/>
+                        <a:defRPr/>
+                      </a:pPr>
+                      <a:r>
+                        <a:rPr lang="en-US" sz="2400" dirty="0">
+                          <a:solidFill>
+                            <a:srgbClr val="33006F"/>
+                          </a:solidFill>
+                          <a:latin typeface="Open Sans" panose="020B0606030504020204" pitchFamily="34" charset="0"/>
+                          <a:ea typeface="Open Sans" panose="020B0606030504020204" pitchFamily="34" charset="0"/>
+                          <a:cs typeface="Open Sans" panose="020B0606030504020204" pitchFamily="34" charset="0"/>
+                        </a:rPr>
+                        <a:t>Glitch</a:t>
+                      </a:r>
+                    </a:p>
+                  </a:txBody>
+                  <a:tcPr/>
+                </a:tc>
+                <a:tc hMerge="1">
+                  <a:txBody>
+                    <a:bodyPr/>
+                    <a:lstStyle/>
+                    <a:p>
+                      <a:endParaRPr lang="en-US"/>
+                    </a:p>
+                  </a:txBody>
+                  <a:tcPr/>
+                </a:tc>
+                <a:extLst>
+                  <a:ext uri="{0D108BD9-81ED-4DB2-BD59-A6C34878D82A}">
+                    <a16:rowId xmlns:a16="http://schemas.microsoft.com/office/drawing/2014/main" val="1140761208"/>
+                  </a:ext>
+                </a:extLst>
+              </a:tr>
+              <a:tr h="367923">
+                <a:tc rowSpan="2">
+                  <a:txBody>
+                    <a:bodyPr/>
+                    <a:lstStyle/>
+                    <a:p>
+                      <a:endParaRPr lang="en-US" sz="1800" dirty="0">
+                        <a:latin typeface="Open Sans" panose="020B0606030504020204" pitchFamily="34" charset="0"/>
+                        <a:ea typeface="Open Sans" panose="020B0606030504020204" pitchFamily="34" charset="0"/>
+                        <a:cs typeface="Open Sans" panose="020B0606030504020204" pitchFamily="34" charset="0"/>
+                      </a:endParaRPr>
+                    </a:p>
+                  </a:txBody>
+                  <a:tcPr/>
+                </a:tc>
+                <a:tc>
+                  <a:txBody>
+                    <a:bodyPr/>
+                    <a:lstStyle/>
+                    <a:p>
+                      <a:pPr algn="ctr"/>
+                      <a:r>
+                        <a:rPr lang="en-US" sz="1800" dirty="0">
+                          <a:solidFill>
+                            <a:srgbClr val="33006F"/>
+                          </a:solidFill>
+                          <a:latin typeface="Open Sans" panose="020B0606030504020204" pitchFamily="34" charset="0"/>
+                          <a:ea typeface="Open Sans" panose="020B0606030504020204" pitchFamily="34" charset="0"/>
+                          <a:cs typeface="Open Sans" panose="020B0606030504020204" pitchFamily="34" charset="0"/>
+                        </a:rPr>
+                        <a:t>Detector 1</a:t>
+                      </a:r>
+                    </a:p>
+                  </a:txBody>
+                  <a:tcPr/>
+                </a:tc>
+                <a:tc>
+                  <a:txBody>
+                    <a:bodyPr/>
+                    <a:lstStyle/>
+                    <a:p>
+                      <a:pPr algn="ctr"/>
+                      <a:r>
+                        <a:rPr lang="en-US" sz="1800">
+                          <a:solidFill>
+                            <a:srgbClr val="33006F"/>
+                          </a:solidFill>
+                          <a:latin typeface="Open Sans" panose="020B0606030504020204" pitchFamily="34" charset="0"/>
+                          <a:ea typeface="Open Sans" panose="020B0606030504020204" pitchFamily="34" charset="0"/>
+                          <a:cs typeface="Open Sans" panose="020B0606030504020204" pitchFamily="34" charset="0"/>
+                        </a:rPr>
+                        <a:t>Detector 2</a:t>
+                      </a:r>
+                      <a:endParaRPr lang="en-US" sz="1800" dirty="0">
+                        <a:solidFill>
+                          <a:srgbClr val="33006F"/>
+                        </a:solidFill>
+                        <a:latin typeface="Open Sans" panose="020B0606030504020204" pitchFamily="34" charset="0"/>
+                        <a:ea typeface="Open Sans" panose="020B0606030504020204" pitchFamily="34" charset="0"/>
+                        <a:cs typeface="Open Sans" panose="020B0606030504020204" pitchFamily="34" charset="0"/>
+                      </a:endParaRPr>
+                    </a:p>
+                  </a:txBody>
+                  <a:tcPr/>
+                </a:tc>
+                <a:extLst>
+                  <a:ext uri="{0D108BD9-81ED-4DB2-BD59-A6C34878D82A}">
+                    <a16:rowId xmlns:a16="http://schemas.microsoft.com/office/drawing/2014/main" val="1031923118"/>
+                  </a:ext>
+                </a:extLst>
+              </a:tr>
+              <a:tr h="367923">
+                <a:tc vMerge="1">
+                  <a:txBody>
+                    <a:bodyPr/>
+                    <a:lstStyle/>
+                    <a:p>
+                      <a:endParaRPr lang="en-US" dirty="0"/>
+                    </a:p>
+                  </a:txBody>
+                  <a:tcPr/>
+                </a:tc>
+                <a:tc>
+                  <a:txBody>
+                    <a:bodyPr/>
+                    <a:lstStyle/>
+                    <a:p>
+                      <a:pPr algn="ctr"/>
+                      <a:r>
+                        <a:rPr lang="en-US" sz="1800" dirty="0">
+                          <a:latin typeface="Open Sans" panose="020B0606030504020204" pitchFamily="34" charset="0"/>
+                          <a:ea typeface="Open Sans" panose="020B0606030504020204" pitchFamily="34" charset="0"/>
+                          <a:cs typeface="Open Sans" panose="020B0606030504020204" pitchFamily="34" charset="0"/>
+                        </a:rPr>
+                        <a:t>Pixels</a:t>
+                      </a:r>
+                    </a:p>
+                  </a:txBody>
+                  <a:tcPr/>
+                </a:tc>
+                <a:tc>
+                  <a:txBody>
+                    <a:bodyPr/>
+                    <a:lstStyle/>
+                    <a:p>
+                      <a:pPr algn="ctr"/>
+                      <a:r>
+                        <a:rPr lang="en-US" sz="1800" dirty="0">
+                          <a:latin typeface="Open Sans" panose="020B0606030504020204" pitchFamily="34" charset="0"/>
+                          <a:ea typeface="Open Sans" panose="020B0606030504020204" pitchFamily="34" charset="0"/>
+                          <a:cs typeface="Open Sans" panose="020B0606030504020204" pitchFamily="34" charset="0"/>
+                        </a:rPr>
+                        <a:t>Pixels</a:t>
+                      </a:r>
+                    </a:p>
+                  </a:txBody>
+                  <a:tcPr/>
+                </a:tc>
+                <a:extLst>
+                  <a:ext uri="{0D108BD9-81ED-4DB2-BD59-A6C34878D82A}">
+                    <a16:rowId xmlns:a16="http://schemas.microsoft.com/office/drawing/2014/main" val="3183972001"/>
+                  </a:ext>
+                </a:extLst>
+              </a:tr>
+              <a:tr h="2163751">
+                <a:tc>
+                  <a:txBody>
+                    <a:bodyPr/>
+                    <a:lstStyle/>
+                    <a:p>
+                      <a:pPr algn="ctr"/>
+                      <a:r>
+                        <a:rPr lang="en-US" sz="1800" dirty="0">
+                          <a:latin typeface="Open Sans" panose="020B0606030504020204" pitchFamily="34" charset="0"/>
+                          <a:ea typeface="Open Sans" panose="020B0606030504020204" pitchFamily="34" charset="0"/>
+                          <a:cs typeface="Open Sans" panose="020B0606030504020204" pitchFamily="34" charset="0"/>
+                        </a:rPr>
+                        <a:t>Strain</a:t>
+                      </a:r>
+                    </a:p>
+                  </a:txBody>
+                  <a:tcPr vert="vert270"/>
+                </a:tc>
+                <a:tc rowSpan="2" gridSpan="2">
+                  <a:txBody>
+                    <a:bodyPr/>
+                    <a:lstStyle/>
+                    <a:p>
+                      <a:endParaRPr lang="en-US" sz="1800" dirty="0">
+                        <a:latin typeface="Open Sans" panose="020B0606030504020204" pitchFamily="34" charset="0"/>
+                        <a:ea typeface="Open Sans" panose="020B0606030504020204" pitchFamily="34" charset="0"/>
+                        <a:cs typeface="Open Sans" panose="020B0606030504020204" pitchFamily="34" charset="0"/>
+                      </a:endParaRPr>
+                    </a:p>
+                  </a:txBody>
+                  <a:tcPr>
+                    <a:noFill/>
+                  </a:tcPr>
+                </a:tc>
+                <a:tc rowSpan="2" hMerge="1">
+                  <a:txBody>
+                    <a:bodyPr/>
+                    <a:lstStyle/>
+                    <a:p>
+                      <a:endParaRPr lang="en-US"/>
+                    </a:p>
+                  </a:txBody>
+                  <a:tcPr/>
+                </a:tc>
+                <a:extLst>
+                  <a:ext uri="{0D108BD9-81ED-4DB2-BD59-A6C34878D82A}">
+                    <a16:rowId xmlns:a16="http://schemas.microsoft.com/office/drawing/2014/main" val="903985400"/>
+                  </a:ext>
+                </a:extLst>
+              </a:tr>
+              <a:tr h="2216177">
+                <a:tc>
+                  <a:txBody>
+                    <a:bodyPr/>
+                    <a:lstStyle/>
+                    <a:p>
+                      <a:pPr marL="0" marR="0" lvl="0" indent="0" algn="ctr" defTabSz="4389120" rtl="0" eaLnBrk="1" fontAlgn="auto" latinLnBrk="0" hangingPunct="1">
+                        <a:lnSpc>
+                          <a:spcPct val="100000"/>
+                        </a:lnSpc>
+                        <a:spcBef>
+                          <a:spcPts val="0"/>
+                        </a:spcBef>
+                        <a:spcAft>
+                          <a:spcPts val="0"/>
+                        </a:spcAft>
+                        <a:buClrTx/>
+                        <a:buSzTx/>
+                        <a:buFontTx/>
+                        <a:buNone/>
+                        <a:tabLst/>
+                        <a:defRPr/>
+                      </a:pPr>
+                      <a:r>
+                        <a:rPr lang="en-US" sz="1800" dirty="0">
+                          <a:latin typeface="Open Sans" panose="020B0606030504020204" pitchFamily="34" charset="0"/>
+                          <a:ea typeface="Open Sans" panose="020B0606030504020204" pitchFamily="34" charset="0"/>
+                          <a:cs typeface="Open Sans" panose="020B0606030504020204" pitchFamily="34" charset="0"/>
+                        </a:rPr>
+                        <a:t>Strain</a:t>
+                      </a:r>
+                    </a:p>
+                    <a:p>
+                      <a:endParaRPr lang="en-US" sz="1800" dirty="0">
+                        <a:latin typeface="Open Sans" panose="020B0606030504020204" pitchFamily="34" charset="0"/>
+                        <a:ea typeface="Open Sans" panose="020B0606030504020204" pitchFamily="34" charset="0"/>
+                        <a:cs typeface="Open Sans" panose="020B0606030504020204" pitchFamily="34" charset="0"/>
+                      </a:endParaRPr>
+                    </a:p>
+                  </a:txBody>
+                  <a:tcPr vert="vert270"/>
+                </a:tc>
+                <a:tc gridSpan="2" vMerge="1">
+                  <a:txBody>
+                    <a:bodyPr/>
+                    <a:lstStyle/>
+                    <a:p>
+                      <a:endParaRPr lang="en-US"/>
+                    </a:p>
+                  </a:txBody>
+                  <a:tcPr/>
+                </a:tc>
+                <a:tc hMerge="1" vMerge="1">
+                  <a:txBody>
+                    <a:bodyPr/>
+                    <a:lstStyle/>
+                    <a:p>
+                      <a:endParaRPr lang="en-US"/>
+                    </a:p>
+                  </a:txBody>
+                  <a:tcPr/>
+                </a:tc>
+                <a:extLst>
+                  <a:ext uri="{0D108BD9-81ED-4DB2-BD59-A6C34878D82A}">
+                    <a16:rowId xmlns:a16="http://schemas.microsoft.com/office/drawing/2014/main" val="1165105423"/>
+                  </a:ext>
+                </a:extLst>
+              </a:tr>
+              <a:tr h="367923">
+                <a:tc>
+                  <a:txBody>
+                    <a:bodyPr/>
+                    <a:lstStyle/>
+                    <a:p>
+                      <a:pPr algn="ctr"/>
+                      <a:endParaRPr lang="en-US" sz="1800">
+                        <a:latin typeface="Open Sans" panose="020B0606030504020204" pitchFamily="34" charset="0"/>
+                        <a:ea typeface="Open Sans" panose="020B0606030504020204" pitchFamily="34" charset="0"/>
+                        <a:cs typeface="Open Sans" panose="020B0606030504020204" pitchFamily="34" charset="0"/>
+                      </a:endParaRPr>
+                    </a:p>
+                  </a:txBody>
+                  <a:tcPr/>
+                </a:tc>
+                <a:tc>
+                  <a:txBody>
+                    <a:bodyPr/>
+                    <a:lstStyle/>
+                    <a:p>
+                      <a:pPr algn="ctr"/>
+                      <a:r>
+                        <a:rPr lang="en-US" sz="1800" dirty="0">
+                          <a:latin typeface="Open Sans" panose="020B0606030504020204" pitchFamily="34" charset="0"/>
+                          <a:ea typeface="Open Sans" panose="020B0606030504020204" pitchFamily="34" charset="0"/>
+                          <a:cs typeface="Open Sans" panose="020B0606030504020204" pitchFamily="34" charset="0"/>
+                        </a:rPr>
+                        <a:t>Time (s)</a:t>
+                      </a:r>
+                    </a:p>
+                  </a:txBody>
+                  <a:tcPr/>
+                </a:tc>
+                <a:tc>
+                  <a:txBody>
+                    <a:bodyPr/>
+                    <a:lstStyle/>
+                    <a:p>
+                      <a:pPr algn="ctr"/>
+                      <a:r>
+                        <a:rPr lang="en-US" sz="1800" dirty="0">
+                          <a:latin typeface="Open Sans" panose="020B0606030504020204" pitchFamily="34" charset="0"/>
+                          <a:ea typeface="Open Sans" panose="020B0606030504020204" pitchFamily="34" charset="0"/>
+                          <a:cs typeface="Open Sans" panose="020B0606030504020204" pitchFamily="34" charset="0"/>
+                        </a:rPr>
+                        <a:t>Time (s)</a:t>
+                      </a:r>
+                    </a:p>
+                  </a:txBody>
+                  <a:tcPr/>
+                </a:tc>
+                <a:extLst>
+                  <a:ext uri="{0D108BD9-81ED-4DB2-BD59-A6C34878D82A}">
+                    <a16:rowId xmlns:a16="http://schemas.microsoft.com/office/drawing/2014/main" val="229917688"/>
+                  </a:ext>
+                </a:extLst>
+              </a:tr>
+            </a:tbl>
+          </a:graphicData>
+        </a:graphic>
+      </p:graphicFrame>
+      <p:pic>
+        <p:nvPicPr>
+          <p:cNvPr id="34" name="Picture 33">
+            <a:extLst>
+              <a:ext uri="{FF2B5EF4-FFF2-40B4-BE49-F238E27FC236}">
+                <a16:creationId xmlns:a16="http://schemas.microsoft.com/office/drawing/2014/main" id="{51908DDC-37A7-00B0-C796-263BFF910679}"/>
+              </a:ext>
+            </a:extLst>
+          </p:cNvPr>
+          <p:cNvPicPr>
+            <a:picLocks noChangeAspect="1"/>
+          </p:cNvPicPr>
+          <p:nvPr/>
+        </p:nvPicPr>
+        <p:blipFill>
+          <a:blip r:embed="rId6"/>
+          <a:srcRect/>
+          <a:stretch/>
+        </p:blipFill>
+        <p:spPr>
+          <a:xfrm>
+            <a:off x="16478006" y="15035992"/>
+            <a:ext cx="4414941" cy="4414941"/>
+          </a:xfrm>
+          <a:prstGeom prst="rect">
+            <a:avLst/>
+          </a:prstGeom>
+        </p:spPr>
+      </p:pic>
+      <p:graphicFrame>
+        <p:nvGraphicFramePr>
+          <p:cNvPr id="37" name="Table 27">
+            <a:extLst>
+              <a:ext uri="{FF2B5EF4-FFF2-40B4-BE49-F238E27FC236}">
+                <a16:creationId xmlns:a16="http://schemas.microsoft.com/office/drawing/2014/main" id="{A9E51AF1-DAF8-995F-67A0-53878707B013}"/>
+              </a:ext>
+            </a:extLst>
+          </p:cNvPr>
+          <p:cNvGraphicFramePr>
+            <a:graphicFrameLocks noGrp="1" noChangeAspect="1"/>
+          </p:cNvGraphicFramePr>
+          <p:nvPr>
+            <p:extLst>
+              <p:ext uri="{D42A27DB-BD31-4B8C-83A1-F6EECF244321}">
+                <p14:modId xmlns:p14="http://schemas.microsoft.com/office/powerpoint/2010/main" val="12446445"/>
+              </p:ext>
+            </p:extLst>
+          </p:nvPr>
+        </p:nvGraphicFramePr>
+        <p:xfrm>
+          <a:off x="22346366" y="13895930"/>
+          <a:ext cx="5943600" cy="5943601"/>
+        </p:xfrm>
+        <a:graphic>
+          <a:graphicData uri="http://schemas.openxmlformats.org/drawingml/2006/table">
+            <a:tbl>
+              <a:tblPr firstRow="1" bandRow="1">
+                <a:tableStyleId>{3C2FFA5D-87B4-456A-9821-1D502468CF0F}</a:tableStyleId>
+              </a:tblPr>
+              <a:tblGrid>
+                <a:gridCol w="465800">
+                  <a:extLst>
+                    <a:ext uri="{9D8B030D-6E8A-4147-A177-3AD203B41FA5}">
+                      <a16:colId xmlns:a16="http://schemas.microsoft.com/office/drawing/2014/main" val="4150575736"/>
+                    </a:ext>
+                  </a:extLst>
+                </a:gridCol>
+                <a:gridCol w="2794796">
+                  <a:extLst>
+                    <a:ext uri="{9D8B030D-6E8A-4147-A177-3AD203B41FA5}">
+                      <a16:colId xmlns:a16="http://schemas.microsoft.com/office/drawing/2014/main" val="2345576602"/>
+                    </a:ext>
+                  </a:extLst>
+                </a:gridCol>
+                <a:gridCol w="2683004">
+                  <a:extLst>
+                    <a:ext uri="{9D8B030D-6E8A-4147-A177-3AD203B41FA5}">
+                      <a16:colId xmlns:a16="http://schemas.microsoft.com/office/drawing/2014/main" val="591402311"/>
+                    </a:ext>
+                  </a:extLst>
+                </a:gridCol>
+              </a:tblGrid>
+              <a:tr h="459904">
+                <a:tc>
+                  <a:txBody>
+                    <a:bodyPr/>
+                    <a:lstStyle/>
+                    <a:p>
+                      <a:pPr algn="ctr"/>
+                      <a:endParaRPr lang="en-US" sz="2400" dirty="0">
+                        <a:solidFill>
+                          <a:srgbClr val="33006F"/>
+                        </a:solidFill>
+                        <a:latin typeface="Open Sans" panose="020B0606030504020204" pitchFamily="34" charset="0"/>
+                        <a:ea typeface="Open Sans" panose="020B0606030504020204" pitchFamily="34" charset="0"/>
+                        <a:cs typeface="Open Sans" panose="020B0606030504020204" pitchFamily="34" charset="0"/>
+                      </a:endParaRPr>
+                    </a:p>
+                  </a:txBody>
+                  <a:tcPr/>
+                </a:tc>
+                <a:tc gridSpan="2">
+                  <a:txBody>
+                    <a:bodyPr/>
+                    <a:lstStyle/>
+                    <a:p>
+                      <a:pPr marL="0" marR="0" lvl="0" indent="0" algn="ctr" defTabSz="4389120" rtl="0" eaLnBrk="1" fontAlgn="auto" latinLnBrk="0" hangingPunct="1">
+                        <a:lnSpc>
+                          <a:spcPct val="100000"/>
+                        </a:lnSpc>
+                        <a:spcBef>
+                          <a:spcPts val="0"/>
+                        </a:spcBef>
+                        <a:spcAft>
+                          <a:spcPts val="0"/>
+                        </a:spcAft>
+                        <a:buClrTx/>
+                        <a:buSzTx/>
+                        <a:buFontTx/>
+                        <a:buNone/>
+                        <a:tabLst/>
+                        <a:defRPr/>
+                      </a:pPr>
+                      <a:r>
+                        <a:rPr lang="en-US" sz="2400" dirty="0">
+                          <a:solidFill>
+                            <a:srgbClr val="33006F"/>
+                          </a:solidFill>
+                          <a:latin typeface="Open Sans" panose="020B0606030504020204" pitchFamily="34" charset="0"/>
+                          <a:ea typeface="Open Sans" panose="020B0606030504020204" pitchFamily="34" charset="0"/>
+                          <a:cs typeface="Open Sans" panose="020B0606030504020204" pitchFamily="34" charset="0"/>
+                        </a:rPr>
+                        <a:t>Background</a:t>
+                      </a:r>
+                    </a:p>
+                  </a:txBody>
+                  <a:tcPr/>
+                </a:tc>
+                <a:tc hMerge="1">
+                  <a:txBody>
+                    <a:bodyPr/>
+                    <a:lstStyle/>
+                    <a:p>
+                      <a:endParaRPr lang="en-US"/>
+                    </a:p>
+                  </a:txBody>
+                  <a:tcPr/>
+                </a:tc>
+                <a:extLst>
+                  <a:ext uri="{0D108BD9-81ED-4DB2-BD59-A6C34878D82A}">
+                    <a16:rowId xmlns:a16="http://schemas.microsoft.com/office/drawing/2014/main" val="1140761208"/>
+                  </a:ext>
+                </a:extLst>
+              </a:tr>
+              <a:tr h="367923">
+                <a:tc rowSpan="2">
+                  <a:txBody>
+                    <a:bodyPr/>
+                    <a:lstStyle/>
+                    <a:p>
+                      <a:endParaRPr lang="en-US" sz="1800" dirty="0">
+                        <a:latin typeface="Open Sans" panose="020B0606030504020204" pitchFamily="34" charset="0"/>
+                        <a:ea typeface="Open Sans" panose="020B0606030504020204" pitchFamily="34" charset="0"/>
+                        <a:cs typeface="Open Sans" panose="020B0606030504020204" pitchFamily="34" charset="0"/>
+                      </a:endParaRPr>
+                    </a:p>
+                  </a:txBody>
+                  <a:tcPr/>
+                </a:tc>
+                <a:tc>
+                  <a:txBody>
+                    <a:bodyPr/>
+                    <a:lstStyle/>
+                    <a:p>
+                      <a:pPr algn="ctr"/>
+                      <a:r>
+                        <a:rPr lang="en-US" sz="1800" dirty="0">
+                          <a:solidFill>
+                            <a:srgbClr val="33006F"/>
+                          </a:solidFill>
+                          <a:latin typeface="Open Sans" panose="020B0606030504020204" pitchFamily="34" charset="0"/>
+                          <a:ea typeface="Open Sans" panose="020B0606030504020204" pitchFamily="34" charset="0"/>
+                          <a:cs typeface="Open Sans" panose="020B0606030504020204" pitchFamily="34" charset="0"/>
+                        </a:rPr>
+                        <a:t>Detector 1</a:t>
+                      </a:r>
+                    </a:p>
+                  </a:txBody>
+                  <a:tcPr/>
+                </a:tc>
+                <a:tc>
+                  <a:txBody>
+                    <a:bodyPr/>
+                    <a:lstStyle/>
+                    <a:p>
+                      <a:pPr algn="ctr"/>
+                      <a:r>
+                        <a:rPr lang="en-US" sz="1800">
+                          <a:solidFill>
+                            <a:srgbClr val="33006F"/>
+                          </a:solidFill>
+                          <a:latin typeface="Open Sans" panose="020B0606030504020204" pitchFamily="34" charset="0"/>
+                          <a:ea typeface="Open Sans" panose="020B0606030504020204" pitchFamily="34" charset="0"/>
+                          <a:cs typeface="Open Sans" panose="020B0606030504020204" pitchFamily="34" charset="0"/>
+                        </a:rPr>
+                        <a:t>Detector 2</a:t>
+                      </a:r>
+                      <a:endParaRPr lang="en-US" sz="1800" dirty="0">
+                        <a:solidFill>
+                          <a:srgbClr val="33006F"/>
+                        </a:solidFill>
+                        <a:latin typeface="Open Sans" panose="020B0606030504020204" pitchFamily="34" charset="0"/>
+                        <a:ea typeface="Open Sans" panose="020B0606030504020204" pitchFamily="34" charset="0"/>
+                        <a:cs typeface="Open Sans" panose="020B0606030504020204" pitchFamily="34" charset="0"/>
+                      </a:endParaRPr>
+                    </a:p>
+                  </a:txBody>
+                  <a:tcPr/>
+                </a:tc>
+                <a:extLst>
+                  <a:ext uri="{0D108BD9-81ED-4DB2-BD59-A6C34878D82A}">
+                    <a16:rowId xmlns:a16="http://schemas.microsoft.com/office/drawing/2014/main" val="1031923118"/>
+                  </a:ext>
+                </a:extLst>
+              </a:tr>
+              <a:tr h="367923">
+                <a:tc vMerge="1">
+                  <a:txBody>
+                    <a:bodyPr/>
+                    <a:lstStyle/>
+                    <a:p>
+                      <a:endParaRPr lang="en-US" dirty="0"/>
+                    </a:p>
+                  </a:txBody>
+                  <a:tcPr/>
+                </a:tc>
+                <a:tc>
+                  <a:txBody>
+                    <a:bodyPr/>
+                    <a:lstStyle/>
+                    <a:p>
+                      <a:pPr algn="ctr"/>
+                      <a:r>
+                        <a:rPr lang="en-US" sz="1800" dirty="0">
+                          <a:latin typeface="Open Sans" panose="020B0606030504020204" pitchFamily="34" charset="0"/>
+                          <a:ea typeface="Open Sans" panose="020B0606030504020204" pitchFamily="34" charset="0"/>
+                          <a:cs typeface="Open Sans" panose="020B0606030504020204" pitchFamily="34" charset="0"/>
+                        </a:rPr>
+                        <a:t>Pixels</a:t>
+                      </a:r>
+                    </a:p>
+                  </a:txBody>
+                  <a:tcPr/>
+                </a:tc>
+                <a:tc>
+                  <a:txBody>
+                    <a:bodyPr/>
+                    <a:lstStyle/>
+                    <a:p>
+                      <a:pPr algn="ctr"/>
+                      <a:r>
+                        <a:rPr lang="en-US" sz="1800" dirty="0">
+                          <a:latin typeface="Open Sans" panose="020B0606030504020204" pitchFamily="34" charset="0"/>
+                          <a:ea typeface="Open Sans" panose="020B0606030504020204" pitchFamily="34" charset="0"/>
+                          <a:cs typeface="Open Sans" panose="020B0606030504020204" pitchFamily="34" charset="0"/>
+                        </a:rPr>
+                        <a:t>Pixels</a:t>
+                      </a:r>
+                    </a:p>
+                  </a:txBody>
+                  <a:tcPr/>
+                </a:tc>
+                <a:extLst>
+                  <a:ext uri="{0D108BD9-81ED-4DB2-BD59-A6C34878D82A}">
+                    <a16:rowId xmlns:a16="http://schemas.microsoft.com/office/drawing/2014/main" val="3183972001"/>
+                  </a:ext>
+                </a:extLst>
+              </a:tr>
+              <a:tr h="2163751">
+                <a:tc>
+                  <a:txBody>
+                    <a:bodyPr/>
+                    <a:lstStyle/>
+                    <a:p>
+                      <a:pPr algn="ctr"/>
+                      <a:r>
+                        <a:rPr lang="en-US" sz="1800" dirty="0">
+                          <a:latin typeface="Open Sans" panose="020B0606030504020204" pitchFamily="34" charset="0"/>
+                          <a:ea typeface="Open Sans" panose="020B0606030504020204" pitchFamily="34" charset="0"/>
+                          <a:cs typeface="Open Sans" panose="020B0606030504020204" pitchFamily="34" charset="0"/>
+                        </a:rPr>
+                        <a:t>Strain</a:t>
+                      </a:r>
+                    </a:p>
+                  </a:txBody>
+                  <a:tcPr vert="vert270"/>
+                </a:tc>
+                <a:tc rowSpan="2" gridSpan="2">
+                  <a:txBody>
+                    <a:bodyPr/>
+                    <a:lstStyle/>
+                    <a:p>
+                      <a:endParaRPr lang="en-US" sz="1800" dirty="0">
+                        <a:latin typeface="Open Sans" panose="020B0606030504020204" pitchFamily="34" charset="0"/>
+                        <a:ea typeface="Open Sans" panose="020B0606030504020204" pitchFamily="34" charset="0"/>
+                        <a:cs typeface="Open Sans" panose="020B0606030504020204" pitchFamily="34" charset="0"/>
+                      </a:endParaRPr>
+                    </a:p>
+                  </a:txBody>
+                  <a:tcPr>
+                    <a:noFill/>
+                  </a:tcPr>
+                </a:tc>
+                <a:tc rowSpan="2" hMerge="1">
+                  <a:txBody>
+                    <a:bodyPr/>
+                    <a:lstStyle/>
+                    <a:p>
+                      <a:endParaRPr lang="en-US"/>
+                    </a:p>
+                  </a:txBody>
+                  <a:tcPr/>
+                </a:tc>
+                <a:extLst>
+                  <a:ext uri="{0D108BD9-81ED-4DB2-BD59-A6C34878D82A}">
+                    <a16:rowId xmlns:a16="http://schemas.microsoft.com/office/drawing/2014/main" val="903985400"/>
+                  </a:ext>
+                </a:extLst>
+              </a:tr>
+              <a:tr h="2216177">
+                <a:tc>
+                  <a:txBody>
+                    <a:bodyPr/>
+                    <a:lstStyle/>
+                    <a:p>
+                      <a:pPr marL="0" marR="0" lvl="0" indent="0" algn="ctr" defTabSz="4389120" rtl="0" eaLnBrk="1" fontAlgn="auto" latinLnBrk="0" hangingPunct="1">
+                        <a:lnSpc>
+                          <a:spcPct val="100000"/>
+                        </a:lnSpc>
+                        <a:spcBef>
+                          <a:spcPts val="0"/>
+                        </a:spcBef>
+                        <a:spcAft>
+                          <a:spcPts val="0"/>
+                        </a:spcAft>
+                        <a:buClrTx/>
+                        <a:buSzTx/>
+                        <a:buFontTx/>
+                        <a:buNone/>
+                        <a:tabLst/>
+                        <a:defRPr/>
+                      </a:pPr>
+                      <a:r>
+                        <a:rPr lang="en-US" sz="1800" dirty="0">
+                          <a:latin typeface="Open Sans" panose="020B0606030504020204" pitchFamily="34" charset="0"/>
+                          <a:ea typeface="Open Sans" panose="020B0606030504020204" pitchFamily="34" charset="0"/>
+                          <a:cs typeface="Open Sans" panose="020B0606030504020204" pitchFamily="34" charset="0"/>
+                        </a:rPr>
+                        <a:t>Strain</a:t>
+                      </a:r>
+                    </a:p>
+                    <a:p>
+                      <a:endParaRPr lang="en-US" sz="1800" dirty="0">
+                        <a:latin typeface="Open Sans" panose="020B0606030504020204" pitchFamily="34" charset="0"/>
+                        <a:ea typeface="Open Sans" panose="020B0606030504020204" pitchFamily="34" charset="0"/>
+                        <a:cs typeface="Open Sans" panose="020B0606030504020204" pitchFamily="34" charset="0"/>
+                      </a:endParaRPr>
+                    </a:p>
+                  </a:txBody>
+                  <a:tcPr vert="vert270"/>
+                </a:tc>
+                <a:tc gridSpan="2" vMerge="1">
+                  <a:txBody>
+                    <a:bodyPr/>
+                    <a:lstStyle/>
+                    <a:p>
+                      <a:endParaRPr lang="en-US"/>
+                    </a:p>
+                  </a:txBody>
+                  <a:tcPr/>
+                </a:tc>
+                <a:tc hMerge="1" vMerge="1">
+                  <a:txBody>
+                    <a:bodyPr/>
+                    <a:lstStyle/>
+                    <a:p>
+                      <a:endParaRPr lang="en-US"/>
+                    </a:p>
+                  </a:txBody>
+                  <a:tcPr/>
+                </a:tc>
+                <a:extLst>
+                  <a:ext uri="{0D108BD9-81ED-4DB2-BD59-A6C34878D82A}">
+                    <a16:rowId xmlns:a16="http://schemas.microsoft.com/office/drawing/2014/main" val="1165105423"/>
+                  </a:ext>
+                </a:extLst>
+              </a:tr>
+              <a:tr h="367923">
+                <a:tc>
+                  <a:txBody>
+                    <a:bodyPr/>
+                    <a:lstStyle/>
+                    <a:p>
+                      <a:pPr algn="ctr"/>
+                      <a:endParaRPr lang="en-US" sz="1800">
+                        <a:latin typeface="Open Sans" panose="020B0606030504020204" pitchFamily="34" charset="0"/>
+                        <a:ea typeface="Open Sans" panose="020B0606030504020204" pitchFamily="34" charset="0"/>
+                        <a:cs typeface="Open Sans" panose="020B0606030504020204" pitchFamily="34" charset="0"/>
+                      </a:endParaRPr>
+                    </a:p>
+                  </a:txBody>
+                  <a:tcPr/>
+                </a:tc>
+                <a:tc>
+                  <a:txBody>
+                    <a:bodyPr/>
+                    <a:lstStyle/>
+                    <a:p>
+                      <a:pPr algn="ctr"/>
+                      <a:r>
+                        <a:rPr lang="en-US" sz="1800" dirty="0">
+                          <a:latin typeface="Open Sans" panose="020B0606030504020204" pitchFamily="34" charset="0"/>
+                          <a:ea typeface="Open Sans" panose="020B0606030504020204" pitchFamily="34" charset="0"/>
+                          <a:cs typeface="Open Sans" panose="020B0606030504020204" pitchFamily="34" charset="0"/>
+                        </a:rPr>
+                        <a:t>Time (s)</a:t>
+                      </a:r>
+                    </a:p>
+                  </a:txBody>
+                  <a:tcPr/>
+                </a:tc>
+                <a:tc>
+                  <a:txBody>
+                    <a:bodyPr/>
+                    <a:lstStyle/>
+                    <a:p>
+                      <a:pPr algn="ctr"/>
+                      <a:r>
+                        <a:rPr lang="en-US" sz="1800" dirty="0">
+                          <a:latin typeface="Open Sans" panose="020B0606030504020204" pitchFamily="34" charset="0"/>
+                          <a:ea typeface="Open Sans" panose="020B0606030504020204" pitchFamily="34" charset="0"/>
+                          <a:cs typeface="Open Sans" panose="020B0606030504020204" pitchFamily="34" charset="0"/>
+                        </a:rPr>
+                        <a:t>Time (s)</a:t>
+                      </a:r>
+                    </a:p>
+                  </a:txBody>
+                  <a:tcPr/>
+                </a:tc>
+                <a:extLst>
+                  <a:ext uri="{0D108BD9-81ED-4DB2-BD59-A6C34878D82A}">
+                    <a16:rowId xmlns:a16="http://schemas.microsoft.com/office/drawing/2014/main" val="229917688"/>
+                  </a:ext>
+                </a:extLst>
+              </a:tr>
+            </a:tbl>
+          </a:graphicData>
+        </a:graphic>
+      </p:graphicFrame>
+      <p:graphicFrame>
+        <p:nvGraphicFramePr>
+          <p:cNvPr id="38" name="Table 27">
+            <a:extLst>
+              <a:ext uri="{FF2B5EF4-FFF2-40B4-BE49-F238E27FC236}">
+                <a16:creationId xmlns:a16="http://schemas.microsoft.com/office/drawing/2014/main" id="{41A4BF01-5EB9-ACFD-3E56-E51E8DCE0CFB}"/>
+              </a:ext>
+            </a:extLst>
+          </p:cNvPr>
+          <p:cNvGraphicFramePr>
+            <a:graphicFrameLocks noGrp="1" noChangeAspect="1"/>
+          </p:cNvGraphicFramePr>
+          <p:nvPr>
+            <p:extLst>
+              <p:ext uri="{D42A27DB-BD31-4B8C-83A1-F6EECF244321}">
+                <p14:modId xmlns:p14="http://schemas.microsoft.com/office/powerpoint/2010/main" val="3349517617"/>
+              </p:ext>
+            </p:extLst>
+          </p:nvPr>
+        </p:nvGraphicFramePr>
+        <p:xfrm>
+          <a:off x="15488365" y="19839530"/>
+          <a:ext cx="5943600" cy="5943601"/>
+        </p:xfrm>
+        <a:graphic>
+          <a:graphicData uri="http://schemas.openxmlformats.org/drawingml/2006/table">
+            <a:tbl>
+              <a:tblPr firstRow="1" bandRow="1">
+                <a:tableStyleId>{3C2FFA5D-87B4-456A-9821-1D502468CF0F}</a:tableStyleId>
+              </a:tblPr>
+              <a:tblGrid>
+                <a:gridCol w="465800">
+                  <a:extLst>
+                    <a:ext uri="{9D8B030D-6E8A-4147-A177-3AD203B41FA5}">
+                      <a16:colId xmlns:a16="http://schemas.microsoft.com/office/drawing/2014/main" val="4150575736"/>
+                    </a:ext>
+                  </a:extLst>
+                </a:gridCol>
+                <a:gridCol w="2794796">
+                  <a:extLst>
+                    <a:ext uri="{9D8B030D-6E8A-4147-A177-3AD203B41FA5}">
+                      <a16:colId xmlns:a16="http://schemas.microsoft.com/office/drawing/2014/main" val="2345576602"/>
+                    </a:ext>
+                  </a:extLst>
+                </a:gridCol>
+                <a:gridCol w="2683004">
+                  <a:extLst>
+                    <a:ext uri="{9D8B030D-6E8A-4147-A177-3AD203B41FA5}">
+                      <a16:colId xmlns:a16="http://schemas.microsoft.com/office/drawing/2014/main" val="591402311"/>
+                    </a:ext>
+                  </a:extLst>
+                </a:gridCol>
+              </a:tblGrid>
+              <a:tr h="459904">
+                <a:tc>
+                  <a:txBody>
+                    <a:bodyPr/>
+                    <a:lstStyle/>
+                    <a:p>
+                      <a:pPr algn="ctr"/>
+                      <a:endParaRPr lang="en-US" sz="2400" dirty="0">
+                        <a:solidFill>
+                          <a:srgbClr val="33006F"/>
+                        </a:solidFill>
+                        <a:latin typeface="Open Sans" panose="020B0606030504020204" pitchFamily="34" charset="0"/>
+                        <a:ea typeface="Open Sans" panose="020B0606030504020204" pitchFamily="34" charset="0"/>
+                        <a:cs typeface="Open Sans" panose="020B0606030504020204" pitchFamily="34" charset="0"/>
+                      </a:endParaRPr>
+                    </a:p>
+                  </a:txBody>
+                  <a:tcPr/>
+                </a:tc>
+                <a:tc gridSpan="2">
+                  <a:txBody>
+                    <a:bodyPr/>
+                    <a:lstStyle/>
+                    <a:p>
+                      <a:pPr marL="0" marR="0" lvl="0" indent="0" algn="ctr" defTabSz="4389120" rtl="0" eaLnBrk="1" fontAlgn="auto" latinLnBrk="0" hangingPunct="1">
+                        <a:lnSpc>
+                          <a:spcPct val="100000"/>
+                        </a:lnSpc>
+                        <a:spcBef>
+                          <a:spcPts val="0"/>
+                        </a:spcBef>
+                        <a:spcAft>
+                          <a:spcPts val="0"/>
+                        </a:spcAft>
+                        <a:buClrTx/>
+                        <a:buSzTx/>
+                        <a:buFontTx/>
+                        <a:buNone/>
+                        <a:tabLst/>
+                        <a:defRPr/>
+                      </a:pPr>
+                      <a:r>
+                        <a:rPr lang="en-US" sz="2400" dirty="0">
+                          <a:solidFill>
+                            <a:srgbClr val="33006F"/>
+                          </a:solidFill>
+                          <a:latin typeface="Open Sans" panose="020B0606030504020204" pitchFamily="34" charset="0"/>
+                          <a:ea typeface="Open Sans" panose="020B0606030504020204" pitchFamily="34" charset="0"/>
+                          <a:cs typeface="Open Sans" panose="020B0606030504020204" pitchFamily="34" charset="0"/>
+                        </a:rPr>
+                        <a:t>Sine-Gaussian</a:t>
+                      </a:r>
+                    </a:p>
+                  </a:txBody>
+                  <a:tcPr/>
+                </a:tc>
+                <a:tc hMerge="1">
+                  <a:txBody>
+                    <a:bodyPr/>
+                    <a:lstStyle/>
+                    <a:p>
+                      <a:endParaRPr lang="en-US"/>
+                    </a:p>
+                  </a:txBody>
+                  <a:tcPr/>
+                </a:tc>
+                <a:extLst>
+                  <a:ext uri="{0D108BD9-81ED-4DB2-BD59-A6C34878D82A}">
+                    <a16:rowId xmlns:a16="http://schemas.microsoft.com/office/drawing/2014/main" val="1140761208"/>
+                  </a:ext>
+                </a:extLst>
+              </a:tr>
+              <a:tr h="367923">
+                <a:tc rowSpan="2">
+                  <a:txBody>
+                    <a:bodyPr/>
+                    <a:lstStyle/>
+                    <a:p>
+                      <a:endParaRPr lang="en-US" sz="1800" dirty="0">
+                        <a:latin typeface="Open Sans" panose="020B0606030504020204" pitchFamily="34" charset="0"/>
+                        <a:ea typeface="Open Sans" panose="020B0606030504020204" pitchFamily="34" charset="0"/>
+                        <a:cs typeface="Open Sans" panose="020B0606030504020204" pitchFamily="34" charset="0"/>
+                      </a:endParaRPr>
+                    </a:p>
+                  </a:txBody>
+                  <a:tcPr/>
+                </a:tc>
+                <a:tc>
+                  <a:txBody>
+                    <a:bodyPr/>
+                    <a:lstStyle/>
+                    <a:p>
+                      <a:pPr algn="ctr"/>
+                      <a:r>
+                        <a:rPr lang="en-US" sz="1800" dirty="0">
+                          <a:solidFill>
+                            <a:srgbClr val="33006F"/>
+                          </a:solidFill>
+                          <a:latin typeface="Open Sans" panose="020B0606030504020204" pitchFamily="34" charset="0"/>
+                          <a:ea typeface="Open Sans" panose="020B0606030504020204" pitchFamily="34" charset="0"/>
+                          <a:cs typeface="Open Sans" panose="020B0606030504020204" pitchFamily="34" charset="0"/>
+                        </a:rPr>
+                        <a:t>Detector 1</a:t>
+                      </a:r>
+                    </a:p>
+                  </a:txBody>
+                  <a:tcPr/>
+                </a:tc>
+                <a:tc>
+                  <a:txBody>
+                    <a:bodyPr/>
+                    <a:lstStyle/>
+                    <a:p>
+                      <a:pPr algn="ctr"/>
+                      <a:r>
+                        <a:rPr lang="en-US" sz="1800">
+                          <a:solidFill>
+                            <a:srgbClr val="33006F"/>
+                          </a:solidFill>
+                          <a:latin typeface="Open Sans" panose="020B0606030504020204" pitchFamily="34" charset="0"/>
+                          <a:ea typeface="Open Sans" panose="020B0606030504020204" pitchFamily="34" charset="0"/>
+                          <a:cs typeface="Open Sans" panose="020B0606030504020204" pitchFamily="34" charset="0"/>
+                        </a:rPr>
+                        <a:t>Detector 2</a:t>
+                      </a:r>
+                      <a:endParaRPr lang="en-US" sz="1800" dirty="0">
+                        <a:solidFill>
+                          <a:srgbClr val="33006F"/>
+                        </a:solidFill>
+                        <a:latin typeface="Open Sans" panose="020B0606030504020204" pitchFamily="34" charset="0"/>
+                        <a:ea typeface="Open Sans" panose="020B0606030504020204" pitchFamily="34" charset="0"/>
+                        <a:cs typeface="Open Sans" panose="020B0606030504020204" pitchFamily="34" charset="0"/>
+                      </a:endParaRPr>
+                    </a:p>
+                  </a:txBody>
+                  <a:tcPr/>
+                </a:tc>
+                <a:extLst>
+                  <a:ext uri="{0D108BD9-81ED-4DB2-BD59-A6C34878D82A}">
+                    <a16:rowId xmlns:a16="http://schemas.microsoft.com/office/drawing/2014/main" val="1031923118"/>
+                  </a:ext>
+                </a:extLst>
+              </a:tr>
+              <a:tr h="367923">
+                <a:tc vMerge="1">
+                  <a:txBody>
+                    <a:bodyPr/>
+                    <a:lstStyle/>
+                    <a:p>
+                      <a:endParaRPr lang="en-US" dirty="0"/>
+                    </a:p>
+                  </a:txBody>
+                  <a:tcPr/>
+                </a:tc>
+                <a:tc>
+                  <a:txBody>
+                    <a:bodyPr/>
+                    <a:lstStyle/>
+                    <a:p>
+                      <a:pPr algn="ctr"/>
+                      <a:r>
+                        <a:rPr lang="en-US" sz="1800" dirty="0">
+                          <a:latin typeface="Open Sans" panose="020B0606030504020204" pitchFamily="34" charset="0"/>
+                          <a:ea typeface="Open Sans" panose="020B0606030504020204" pitchFamily="34" charset="0"/>
+                          <a:cs typeface="Open Sans" panose="020B0606030504020204" pitchFamily="34" charset="0"/>
+                        </a:rPr>
+                        <a:t>Pixels</a:t>
+                      </a:r>
+                    </a:p>
+                  </a:txBody>
+                  <a:tcPr/>
+                </a:tc>
+                <a:tc>
+                  <a:txBody>
+                    <a:bodyPr/>
+                    <a:lstStyle/>
+                    <a:p>
+                      <a:pPr algn="ctr"/>
+                      <a:r>
+                        <a:rPr lang="en-US" sz="1800" dirty="0">
+                          <a:latin typeface="Open Sans" panose="020B0606030504020204" pitchFamily="34" charset="0"/>
+                          <a:ea typeface="Open Sans" panose="020B0606030504020204" pitchFamily="34" charset="0"/>
+                          <a:cs typeface="Open Sans" panose="020B0606030504020204" pitchFamily="34" charset="0"/>
+                        </a:rPr>
+                        <a:t>Pixels</a:t>
+                      </a:r>
+                    </a:p>
+                  </a:txBody>
+                  <a:tcPr/>
+                </a:tc>
+                <a:extLst>
+                  <a:ext uri="{0D108BD9-81ED-4DB2-BD59-A6C34878D82A}">
+                    <a16:rowId xmlns:a16="http://schemas.microsoft.com/office/drawing/2014/main" val="3183972001"/>
+                  </a:ext>
+                </a:extLst>
+              </a:tr>
+              <a:tr h="2163751">
+                <a:tc>
+                  <a:txBody>
+                    <a:bodyPr/>
+                    <a:lstStyle/>
+                    <a:p>
+                      <a:pPr algn="ctr"/>
+                      <a:r>
+                        <a:rPr lang="en-US" sz="1800" dirty="0">
+                          <a:latin typeface="Open Sans" panose="020B0606030504020204" pitchFamily="34" charset="0"/>
+                          <a:ea typeface="Open Sans" panose="020B0606030504020204" pitchFamily="34" charset="0"/>
+                          <a:cs typeface="Open Sans" panose="020B0606030504020204" pitchFamily="34" charset="0"/>
+                        </a:rPr>
+                        <a:t>Strain</a:t>
+                      </a:r>
+                    </a:p>
+                  </a:txBody>
+                  <a:tcPr vert="vert270"/>
+                </a:tc>
+                <a:tc rowSpan="2" gridSpan="2">
+                  <a:txBody>
+                    <a:bodyPr/>
+                    <a:lstStyle/>
+                    <a:p>
+                      <a:endParaRPr lang="en-US" sz="1800" dirty="0">
+                        <a:latin typeface="Open Sans" panose="020B0606030504020204" pitchFamily="34" charset="0"/>
+                        <a:ea typeface="Open Sans" panose="020B0606030504020204" pitchFamily="34" charset="0"/>
+                        <a:cs typeface="Open Sans" panose="020B0606030504020204" pitchFamily="34" charset="0"/>
+                      </a:endParaRPr>
+                    </a:p>
+                  </a:txBody>
+                  <a:tcPr>
+                    <a:noFill/>
+                  </a:tcPr>
+                </a:tc>
+                <a:tc rowSpan="2" hMerge="1">
+                  <a:txBody>
+                    <a:bodyPr/>
+                    <a:lstStyle/>
+                    <a:p>
+                      <a:endParaRPr lang="en-US"/>
+                    </a:p>
+                  </a:txBody>
+                  <a:tcPr/>
+                </a:tc>
+                <a:extLst>
+                  <a:ext uri="{0D108BD9-81ED-4DB2-BD59-A6C34878D82A}">
+                    <a16:rowId xmlns:a16="http://schemas.microsoft.com/office/drawing/2014/main" val="903985400"/>
+                  </a:ext>
+                </a:extLst>
+              </a:tr>
+              <a:tr h="2216177">
+                <a:tc>
+                  <a:txBody>
+                    <a:bodyPr/>
+                    <a:lstStyle/>
+                    <a:p>
+                      <a:pPr marL="0" marR="0" lvl="0" indent="0" algn="ctr" defTabSz="4389120" rtl="0" eaLnBrk="1" fontAlgn="auto" latinLnBrk="0" hangingPunct="1">
+                        <a:lnSpc>
+                          <a:spcPct val="100000"/>
+                        </a:lnSpc>
+                        <a:spcBef>
+                          <a:spcPts val="0"/>
+                        </a:spcBef>
+                        <a:spcAft>
+                          <a:spcPts val="0"/>
+                        </a:spcAft>
+                        <a:buClrTx/>
+                        <a:buSzTx/>
+                        <a:buFontTx/>
+                        <a:buNone/>
+                        <a:tabLst/>
+                        <a:defRPr/>
+                      </a:pPr>
+                      <a:r>
+                        <a:rPr lang="en-US" sz="1800" dirty="0">
+                          <a:latin typeface="Open Sans" panose="020B0606030504020204" pitchFamily="34" charset="0"/>
+                          <a:ea typeface="Open Sans" panose="020B0606030504020204" pitchFamily="34" charset="0"/>
+                          <a:cs typeface="Open Sans" panose="020B0606030504020204" pitchFamily="34" charset="0"/>
+                        </a:rPr>
+                        <a:t>Strain</a:t>
+                      </a:r>
+                    </a:p>
+                    <a:p>
+                      <a:endParaRPr lang="en-US" sz="1800" dirty="0">
+                        <a:latin typeface="Open Sans" panose="020B0606030504020204" pitchFamily="34" charset="0"/>
+                        <a:ea typeface="Open Sans" panose="020B0606030504020204" pitchFamily="34" charset="0"/>
+                        <a:cs typeface="Open Sans" panose="020B0606030504020204" pitchFamily="34" charset="0"/>
+                      </a:endParaRPr>
+                    </a:p>
+                  </a:txBody>
+                  <a:tcPr vert="vert270"/>
+                </a:tc>
+                <a:tc gridSpan="2" vMerge="1">
+                  <a:txBody>
+                    <a:bodyPr/>
+                    <a:lstStyle/>
+                    <a:p>
+                      <a:endParaRPr lang="en-US"/>
+                    </a:p>
+                  </a:txBody>
+                  <a:tcPr/>
+                </a:tc>
+                <a:tc hMerge="1" vMerge="1">
+                  <a:txBody>
+                    <a:bodyPr/>
+                    <a:lstStyle/>
+                    <a:p>
+                      <a:endParaRPr lang="en-US"/>
+                    </a:p>
+                  </a:txBody>
+                  <a:tcPr/>
+                </a:tc>
+                <a:extLst>
+                  <a:ext uri="{0D108BD9-81ED-4DB2-BD59-A6C34878D82A}">
+                    <a16:rowId xmlns:a16="http://schemas.microsoft.com/office/drawing/2014/main" val="1165105423"/>
+                  </a:ext>
+                </a:extLst>
+              </a:tr>
+              <a:tr h="367923">
+                <a:tc>
+                  <a:txBody>
+                    <a:bodyPr/>
+                    <a:lstStyle/>
+                    <a:p>
+                      <a:pPr algn="ctr"/>
+                      <a:endParaRPr lang="en-US" sz="1800">
+                        <a:latin typeface="Open Sans" panose="020B0606030504020204" pitchFamily="34" charset="0"/>
+                        <a:ea typeface="Open Sans" panose="020B0606030504020204" pitchFamily="34" charset="0"/>
+                        <a:cs typeface="Open Sans" panose="020B0606030504020204" pitchFamily="34" charset="0"/>
+                      </a:endParaRPr>
+                    </a:p>
+                  </a:txBody>
+                  <a:tcPr/>
+                </a:tc>
+                <a:tc>
+                  <a:txBody>
+                    <a:bodyPr/>
+                    <a:lstStyle/>
+                    <a:p>
+                      <a:pPr algn="ctr"/>
+                      <a:r>
+                        <a:rPr lang="en-US" sz="1800" dirty="0">
+                          <a:latin typeface="Open Sans" panose="020B0606030504020204" pitchFamily="34" charset="0"/>
+                          <a:ea typeface="Open Sans" panose="020B0606030504020204" pitchFamily="34" charset="0"/>
+                          <a:cs typeface="Open Sans" panose="020B0606030504020204" pitchFamily="34" charset="0"/>
+                        </a:rPr>
+                        <a:t>Time (s)</a:t>
+                      </a:r>
+                    </a:p>
+                  </a:txBody>
+                  <a:tcPr/>
+                </a:tc>
+                <a:tc>
+                  <a:txBody>
+                    <a:bodyPr/>
+                    <a:lstStyle/>
+                    <a:p>
+                      <a:pPr algn="ctr"/>
+                      <a:r>
+                        <a:rPr lang="en-US" sz="1800" dirty="0">
+                          <a:latin typeface="Open Sans" panose="020B0606030504020204" pitchFamily="34" charset="0"/>
+                          <a:ea typeface="Open Sans" panose="020B0606030504020204" pitchFamily="34" charset="0"/>
+                          <a:cs typeface="Open Sans" panose="020B0606030504020204" pitchFamily="34" charset="0"/>
+                        </a:rPr>
+                        <a:t>Time (s)</a:t>
+                      </a:r>
+                    </a:p>
+                  </a:txBody>
+                  <a:tcPr/>
+                </a:tc>
+                <a:extLst>
+                  <a:ext uri="{0D108BD9-81ED-4DB2-BD59-A6C34878D82A}">
+                    <a16:rowId xmlns:a16="http://schemas.microsoft.com/office/drawing/2014/main" val="229917688"/>
+                  </a:ext>
+                </a:extLst>
+              </a:tr>
+            </a:tbl>
+          </a:graphicData>
+        </a:graphic>
+      </p:graphicFrame>
+      <p:graphicFrame>
+        <p:nvGraphicFramePr>
+          <p:cNvPr id="39" name="Table 27">
+            <a:extLst>
+              <a:ext uri="{FF2B5EF4-FFF2-40B4-BE49-F238E27FC236}">
+                <a16:creationId xmlns:a16="http://schemas.microsoft.com/office/drawing/2014/main" id="{381E3B60-65EA-BF1A-2FB5-5758905297C4}"/>
+              </a:ext>
+            </a:extLst>
+          </p:cNvPr>
+          <p:cNvGraphicFramePr>
+            <a:graphicFrameLocks noGrp="1" noChangeAspect="1"/>
+          </p:cNvGraphicFramePr>
+          <p:nvPr>
+            <p:extLst>
+              <p:ext uri="{D42A27DB-BD31-4B8C-83A1-F6EECF244321}">
+                <p14:modId xmlns:p14="http://schemas.microsoft.com/office/powerpoint/2010/main" val="2103101694"/>
+              </p:ext>
+            </p:extLst>
+          </p:nvPr>
+        </p:nvGraphicFramePr>
+        <p:xfrm>
+          <a:off x="22346366" y="19839530"/>
+          <a:ext cx="5943600" cy="5943601"/>
+        </p:xfrm>
+        <a:graphic>
+          <a:graphicData uri="http://schemas.openxmlformats.org/drawingml/2006/table">
+            <a:tbl>
+              <a:tblPr firstRow="1" bandRow="1">
+                <a:tableStyleId>{3C2FFA5D-87B4-456A-9821-1D502468CF0F}</a:tableStyleId>
+              </a:tblPr>
+              <a:tblGrid>
+                <a:gridCol w="465800">
+                  <a:extLst>
+                    <a:ext uri="{9D8B030D-6E8A-4147-A177-3AD203B41FA5}">
+                      <a16:colId xmlns:a16="http://schemas.microsoft.com/office/drawing/2014/main" val="4150575736"/>
+                    </a:ext>
+                  </a:extLst>
+                </a:gridCol>
+                <a:gridCol w="2794796">
+                  <a:extLst>
+                    <a:ext uri="{9D8B030D-6E8A-4147-A177-3AD203B41FA5}">
+                      <a16:colId xmlns:a16="http://schemas.microsoft.com/office/drawing/2014/main" val="2345576602"/>
+                    </a:ext>
+                  </a:extLst>
+                </a:gridCol>
+                <a:gridCol w="2683004">
+                  <a:extLst>
+                    <a:ext uri="{9D8B030D-6E8A-4147-A177-3AD203B41FA5}">
+                      <a16:colId xmlns:a16="http://schemas.microsoft.com/office/drawing/2014/main" val="591402311"/>
+                    </a:ext>
+                  </a:extLst>
+                </a:gridCol>
+              </a:tblGrid>
+              <a:tr h="459904">
+                <a:tc>
+                  <a:txBody>
+                    <a:bodyPr/>
+                    <a:lstStyle/>
+                    <a:p>
+                      <a:pPr algn="ctr"/>
+                      <a:endParaRPr lang="en-US" sz="2400" dirty="0">
+                        <a:solidFill>
+                          <a:srgbClr val="33006F"/>
+                        </a:solidFill>
+                        <a:latin typeface="Open Sans" panose="020B0606030504020204" pitchFamily="34" charset="0"/>
+                        <a:ea typeface="Open Sans" panose="020B0606030504020204" pitchFamily="34" charset="0"/>
+                        <a:cs typeface="Open Sans" panose="020B0606030504020204" pitchFamily="34" charset="0"/>
+                      </a:endParaRPr>
+                    </a:p>
+                  </a:txBody>
+                  <a:tcPr/>
+                </a:tc>
+                <a:tc gridSpan="2">
+                  <a:txBody>
+                    <a:bodyPr/>
+                    <a:lstStyle/>
+                    <a:p>
+                      <a:pPr marL="0" marR="0" lvl="0" indent="0" algn="ctr" defTabSz="4389120" rtl="0" eaLnBrk="1" fontAlgn="auto" latinLnBrk="0" hangingPunct="1">
+                        <a:lnSpc>
+                          <a:spcPct val="100000"/>
+                        </a:lnSpc>
+                        <a:spcBef>
+                          <a:spcPts val="0"/>
+                        </a:spcBef>
+                        <a:spcAft>
+                          <a:spcPts val="0"/>
+                        </a:spcAft>
+                        <a:buClrTx/>
+                        <a:buSzTx/>
+                        <a:buFontTx/>
+                        <a:buNone/>
+                        <a:tabLst/>
+                        <a:defRPr/>
+                      </a:pPr>
+                      <a:r>
+                        <a:rPr lang="en-US" sz="2400" dirty="0">
+                          <a:solidFill>
+                            <a:srgbClr val="33006F"/>
+                          </a:solidFill>
+                          <a:latin typeface="Open Sans" panose="020B0606030504020204" pitchFamily="34" charset="0"/>
+                          <a:ea typeface="Open Sans" panose="020B0606030504020204" pitchFamily="34" charset="0"/>
+                          <a:cs typeface="Open Sans" panose="020B0606030504020204" pitchFamily="34" charset="0"/>
+                        </a:rPr>
+                        <a:t>Binary Black Hole</a:t>
+                      </a:r>
+                    </a:p>
+                  </a:txBody>
+                  <a:tcPr/>
+                </a:tc>
+                <a:tc hMerge="1">
+                  <a:txBody>
+                    <a:bodyPr/>
+                    <a:lstStyle/>
+                    <a:p>
+                      <a:endParaRPr lang="en-US"/>
+                    </a:p>
+                  </a:txBody>
+                  <a:tcPr/>
+                </a:tc>
+                <a:extLst>
+                  <a:ext uri="{0D108BD9-81ED-4DB2-BD59-A6C34878D82A}">
+                    <a16:rowId xmlns:a16="http://schemas.microsoft.com/office/drawing/2014/main" val="1140761208"/>
+                  </a:ext>
+                </a:extLst>
+              </a:tr>
+              <a:tr h="367923">
+                <a:tc rowSpan="2">
+                  <a:txBody>
+                    <a:bodyPr/>
+                    <a:lstStyle/>
+                    <a:p>
+                      <a:endParaRPr lang="en-US" sz="1800" dirty="0">
+                        <a:latin typeface="Open Sans" panose="020B0606030504020204" pitchFamily="34" charset="0"/>
+                        <a:ea typeface="Open Sans" panose="020B0606030504020204" pitchFamily="34" charset="0"/>
+                        <a:cs typeface="Open Sans" panose="020B0606030504020204" pitchFamily="34" charset="0"/>
+                      </a:endParaRPr>
+                    </a:p>
+                  </a:txBody>
+                  <a:tcPr/>
+                </a:tc>
+                <a:tc>
+                  <a:txBody>
+                    <a:bodyPr/>
+                    <a:lstStyle/>
+                    <a:p>
+                      <a:pPr algn="ctr"/>
+                      <a:r>
+                        <a:rPr lang="en-US" sz="1800" dirty="0">
+                          <a:solidFill>
+                            <a:srgbClr val="33006F"/>
+                          </a:solidFill>
+                          <a:latin typeface="Open Sans" panose="020B0606030504020204" pitchFamily="34" charset="0"/>
+                          <a:ea typeface="Open Sans" panose="020B0606030504020204" pitchFamily="34" charset="0"/>
+                          <a:cs typeface="Open Sans" panose="020B0606030504020204" pitchFamily="34" charset="0"/>
+                        </a:rPr>
+                        <a:t>Detector 1</a:t>
+                      </a:r>
+                    </a:p>
+                  </a:txBody>
+                  <a:tcPr/>
+                </a:tc>
+                <a:tc>
+                  <a:txBody>
+                    <a:bodyPr/>
+                    <a:lstStyle/>
+                    <a:p>
+                      <a:pPr algn="ctr"/>
+                      <a:r>
+                        <a:rPr lang="en-US" sz="1800">
+                          <a:solidFill>
+                            <a:srgbClr val="33006F"/>
+                          </a:solidFill>
+                          <a:latin typeface="Open Sans" panose="020B0606030504020204" pitchFamily="34" charset="0"/>
+                          <a:ea typeface="Open Sans" panose="020B0606030504020204" pitchFamily="34" charset="0"/>
+                          <a:cs typeface="Open Sans" panose="020B0606030504020204" pitchFamily="34" charset="0"/>
+                        </a:rPr>
+                        <a:t>Detector 2</a:t>
+                      </a:r>
+                      <a:endParaRPr lang="en-US" sz="1800" dirty="0">
+                        <a:solidFill>
+                          <a:srgbClr val="33006F"/>
+                        </a:solidFill>
+                        <a:latin typeface="Open Sans" panose="020B0606030504020204" pitchFamily="34" charset="0"/>
+                        <a:ea typeface="Open Sans" panose="020B0606030504020204" pitchFamily="34" charset="0"/>
+                        <a:cs typeface="Open Sans" panose="020B0606030504020204" pitchFamily="34" charset="0"/>
+                      </a:endParaRPr>
+                    </a:p>
+                  </a:txBody>
+                  <a:tcPr/>
+                </a:tc>
+                <a:extLst>
+                  <a:ext uri="{0D108BD9-81ED-4DB2-BD59-A6C34878D82A}">
+                    <a16:rowId xmlns:a16="http://schemas.microsoft.com/office/drawing/2014/main" val="1031923118"/>
+                  </a:ext>
+                </a:extLst>
+              </a:tr>
+              <a:tr h="367923">
+                <a:tc vMerge="1">
+                  <a:txBody>
+                    <a:bodyPr/>
+                    <a:lstStyle/>
+                    <a:p>
+                      <a:endParaRPr lang="en-US" dirty="0"/>
+                    </a:p>
+                  </a:txBody>
+                  <a:tcPr/>
+                </a:tc>
+                <a:tc>
+                  <a:txBody>
+                    <a:bodyPr/>
+                    <a:lstStyle/>
+                    <a:p>
+                      <a:pPr algn="ctr"/>
+                      <a:r>
+                        <a:rPr lang="en-US" sz="1800" dirty="0">
+                          <a:latin typeface="Open Sans" panose="020B0606030504020204" pitchFamily="34" charset="0"/>
+                          <a:ea typeface="Open Sans" panose="020B0606030504020204" pitchFamily="34" charset="0"/>
+                          <a:cs typeface="Open Sans" panose="020B0606030504020204" pitchFamily="34" charset="0"/>
+                        </a:rPr>
+                        <a:t>Pixels</a:t>
+                      </a:r>
+                    </a:p>
+                  </a:txBody>
+                  <a:tcPr/>
+                </a:tc>
+                <a:tc>
+                  <a:txBody>
+                    <a:bodyPr/>
+                    <a:lstStyle/>
+                    <a:p>
+                      <a:pPr algn="ctr"/>
+                      <a:r>
+                        <a:rPr lang="en-US" sz="1800" dirty="0">
+                          <a:latin typeface="Open Sans" panose="020B0606030504020204" pitchFamily="34" charset="0"/>
+                          <a:ea typeface="Open Sans" panose="020B0606030504020204" pitchFamily="34" charset="0"/>
+                          <a:cs typeface="Open Sans" panose="020B0606030504020204" pitchFamily="34" charset="0"/>
+                        </a:rPr>
+                        <a:t>Pixels</a:t>
+                      </a:r>
+                    </a:p>
+                  </a:txBody>
+                  <a:tcPr/>
+                </a:tc>
+                <a:extLst>
+                  <a:ext uri="{0D108BD9-81ED-4DB2-BD59-A6C34878D82A}">
+                    <a16:rowId xmlns:a16="http://schemas.microsoft.com/office/drawing/2014/main" val="3183972001"/>
+                  </a:ext>
+                </a:extLst>
+              </a:tr>
+              <a:tr h="2163751">
+                <a:tc>
+                  <a:txBody>
+                    <a:bodyPr/>
+                    <a:lstStyle/>
+                    <a:p>
+                      <a:pPr algn="ctr"/>
+                      <a:r>
+                        <a:rPr lang="en-US" sz="1800" dirty="0">
+                          <a:latin typeface="Open Sans" panose="020B0606030504020204" pitchFamily="34" charset="0"/>
+                          <a:ea typeface="Open Sans" panose="020B0606030504020204" pitchFamily="34" charset="0"/>
+                          <a:cs typeface="Open Sans" panose="020B0606030504020204" pitchFamily="34" charset="0"/>
+                        </a:rPr>
+                        <a:t>Strain</a:t>
+                      </a:r>
+                    </a:p>
+                  </a:txBody>
+                  <a:tcPr vert="vert270"/>
+                </a:tc>
+                <a:tc rowSpan="2" gridSpan="2">
+                  <a:txBody>
+                    <a:bodyPr/>
+                    <a:lstStyle/>
+                    <a:p>
+                      <a:endParaRPr lang="en-US" sz="1800" dirty="0">
+                        <a:latin typeface="Open Sans" panose="020B0606030504020204" pitchFamily="34" charset="0"/>
+                        <a:ea typeface="Open Sans" panose="020B0606030504020204" pitchFamily="34" charset="0"/>
+                        <a:cs typeface="Open Sans" panose="020B0606030504020204" pitchFamily="34" charset="0"/>
+                      </a:endParaRPr>
+                    </a:p>
+                  </a:txBody>
+                  <a:tcPr>
+                    <a:noFill/>
+                  </a:tcPr>
+                </a:tc>
+                <a:tc rowSpan="2" hMerge="1">
+                  <a:txBody>
+                    <a:bodyPr/>
+                    <a:lstStyle/>
+                    <a:p>
+                      <a:endParaRPr lang="en-US"/>
+                    </a:p>
+                  </a:txBody>
+                  <a:tcPr/>
+                </a:tc>
+                <a:extLst>
+                  <a:ext uri="{0D108BD9-81ED-4DB2-BD59-A6C34878D82A}">
+                    <a16:rowId xmlns:a16="http://schemas.microsoft.com/office/drawing/2014/main" val="903985400"/>
+                  </a:ext>
+                </a:extLst>
+              </a:tr>
+              <a:tr h="2216177">
+                <a:tc>
+                  <a:txBody>
+                    <a:bodyPr/>
+                    <a:lstStyle/>
+                    <a:p>
+                      <a:pPr marL="0" marR="0" lvl="0" indent="0" algn="ctr" defTabSz="4389120" rtl="0" eaLnBrk="1" fontAlgn="auto" latinLnBrk="0" hangingPunct="1">
+                        <a:lnSpc>
+                          <a:spcPct val="100000"/>
+                        </a:lnSpc>
+                        <a:spcBef>
+                          <a:spcPts val="0"/>
+                        </a:spcBef>
+                        <a:spcAft>
+                          <a:spcPts val="0"/>
+                        </a:spcAft>
+                        <a:buClrTx/>
+                        <a:buSzTx/>
+                        <a:buFontTx/>
+                        <a:buNone/>
+                        <a:tabLst/>
+                        <a:defRPr/>
+                      </a:pPr>
+                      <a:r>
+                        <a:rPr lang="en-US" sz="1800" dirty="0">
+                          <a:latin typeface="Open Sans" panose="020B0606030504020204" pitchFamily="34" charset="0"/>
+                          <a:ea typeface="Open Sans" panose="020B0606030504020204" pitchFamily="34" charset="0"/>
+                          <a:cs typeface="Open Sans" panose="020B0606030504020204" pitchFamily="34" charset="0"/>
+                        </a:rPr>
+                        <a:t>Strain</a:t>
+                      </a:r>
+                    </a:p>
+                    <a:p>
+                      <a:endParaRPr lang="en-US" sz="1800" dirty="0">
+                        <a:latin typeface="Open Sans" panose="020B0606030504020204" pitchFamily="34" charset="0"/>
+                        <a:ea typeface="Open Sans" panose="020B0606030504020204" pitchFamily="34" charset="0"/>
+                        <a:cs typeface="Open Sans" panose="020B0606030504020204" pitchFamily="34" charset="0"/>
+                      </a:endParaRPr>
+                    </a:p>
+                  </a:txBody>
+                  <a:tcPr vert="vert270"/>
+                </a:tc>
+                <a:tc gridSpan="2" vMerge="1">
+                  <a:txBody>
+                    <a:bodyPr/>
+                    <a:lstStyle/>
+                    <a:p>
+                      <a:endParaRPr lang="en-US"/>
+                    </a:p>
+                  </a:txBody>
+                  <a:tcPr/>
+                </a:tc>
+                <a:tc hMerge="1" vMerge="1">
+                  <a:txBody>
+                    <a:bodyPr/>
+                    <a:lstStyle/>
+                    <a:p>
+                      <a:endParaRPr lang="en-US"/>
+                    </a:p>
+                  </a:txBody>
+                  <a:tcPr/>
+                </a:tc>
+                <a:extLst>
+                  <a:ext uri="{0D108BD9-81ED-4DB2-BD59-A6C34878D82A}">
+                    <a16:rowId xmlns:a16="http://schemas.microsoft.com/office/drawing/2014/main" val="1165105423"/>
+                  </a:ext>
+                </a:extLst>
+              </a:tr>
+              <a:tr h="367923">
+                <a:tc>
+                  <a:txBody>
+                    <a:bodyPr/>
+                    <a:lstStyle/>
+                    <a:p>
+                      <a:pPr algn="ctr"/>
+                      <a:endParaRPr lang="en-US" sz="1800">
+                        <a:latin typeface="Open Sans" panose="020B0606030504020204" pitchFamily="34" charset="0"/>
+                        <a:ea typeface="Open Sans" panose="020B0606030504020204" pitchFamily="34" charset="0"/>
+                        <a:cs typeface="Open Sans" panose="020B0606030504020204" pitchFamily="34" charset="0"/>
+                      </a:endParaRPr>
+                    </a:p>
+                  </a:txBody>
+                  <a:tcPr/>
+                </a:tc>
+                <a:tc>
+                  <a:txBody>
+                    <a:bodyPr/>
+                    <a:lstStyle/>
+                    <a:p>
+                      <a:pPr algn="ctr"/>
+                      <a:r>
+                        <a:rPr lang="en-US" sz="1800" dirty="0">
+                          <a:latin typeface="Open Sans" panose="020B0606030504020204" pitchFamily="34" charset="0"/>
+                          <a:ea typeface="Open Sans" panose="020B0606030504020204" pitchFamily="34" charset="0"/>
+                          <a:cs typeface="Open Sans" panose="020B0606030504020204" pitchFamily="34" charset="0"/>
+                        </a:rPr>
+                        <a:t>Time (s)</a:t>
+                      </a:r>
+                    </a:p>
+                  </a:txBody>
+                  <a:tcPr/>
+                </a:tc>
+                <a:tc>
+                  <a:txBody>
+                    <a:bodyPr/>
+                    <a:lstStyle/>
+                    <a:p>
+                      <a:pPr algn="ctr"/>
+                      <a:r>
+                        <a:rPr lang="en-US" sz="1800" dirty="0">
+                          <a:latin typeface="Open Sans" panose="020B0606030504020204" pitchFamily="34" charset="0"/>
+                          <a:ea typeface="Open Sans" panose="020B0606030504020204" pitchFamily="34" charset="0"/>
+                          <a:cs typeface="Open Sans" panose="020B0606030504020204" pitchFamily="34" charset="0"/>
+                        </a:rPr>
+                        <a:t>Time (s)</a:t>
+                      </a:r>
+                    </a:p>
+                  </a:txBody>
+                  <a:tcPr/>
+                </a:tc>
+                <a:extLst>
+                  <a:ext uri="{0D108BD9-81ED-4DB2-BD59-A6C34878D82A}">
+                    <a16:rowId xmlns:a16="http://schemas.microsoft.com/office/drawing/2014/main" val="229917688"/>
+                  </a:ext>
+                </a:extLst>
+              </a:tr>
+            </a:tbl>
+          </a:graphicData>
+        </a:graphic>
+      </p:graphicFrame>
+      <p:graphicFrame>
+        <p:nvGraphicFramePr>
+          <p:cNvPr id="50" name="Table 27">
+            <a:extLst>
+              <a:ext uri="{FF2B5EF4-FFF2-40B4-BE49-F238E27FC236}">
+                <a16:creationId xmlns:a16="http://schemas.microsoft.com/office/drawing/2014/main" id="{21F45047-737D-8B5F-6AB3-B745FD56D519}"/>
+              </a:ext>
+            </a:extLst>
+          </p:cNvPr>
+          <p:cNvGraphicFramePr>
+            <a:graphicFrameLocks noGrp="1" noChangeAspect="1"/>
+          </p:cNvGraphicFramePr>
+          <p:nvPr>
+            <p:extLst>
+              <p:ext uri="{D42A27DB-BD31-4B8C-83A1-F6EECF244321}">
+                <p14:modId xmlns:p14="http://schemas.microsoft.com/office/powerpoint/2010/main" val="2609436161"/>
+              </p:ext>
+            </p:extLst>
+          </p:nvPr>
+        </p:nvGraphicFramePr>
+        <p:xfrm>
+          <a:off x="32729714" y="12900141"/>
+          <a:ext cx="7453643" cy="7103841"/>
+        </p:xfrm>
+        <a:graphic>
+          <a:graphicData uri="http://schemas.openxmlformats.org/drawingml/2006/table">
+            <a:tbl>
+              <a:tblPr firstRow="1" bandRow="1">
+                <a:tableStyleId>{3C2FFA5D-87B4-456A-9821-1D502468CF0F}</a:tableStyleId>
+              </a:tblPr>
+              <a:tblGrid>
+                <a:gridCol w="409540">
+                  <a:extLst>
+                    <a:ext uri="{9D8B030D-6E8A-4147-A177-3AD203B41FA5}">
+                      <a16:colId xmlns:a16="http://schemas.microsoft.com/office/drawing/2014/main" val="4150575736"/>
+                    </a:ext>
+                  </a:extLst>
+                </a:gridCol>
+                <a:gridCol w="7044103">
+                  <a:extLst>
+                    <a:ext uri="{9D8B030D-6E8A-4147-A177-3AD203B41FA5}">
+                      <a16:colId xmlns:a16="http://schemas.microsoft.com/office/drawing/2014/main" val="2345576602"/>
+                    </a:ext>
+                  </a:extLst>
+                </a:gridCol>
+              </a:tblGrid>
+              <a:tr h="453072">
+                <a:tc>
+                  <a:txBody>
+                    <a:bodyPr/>
+                    <a:lstStyle/>
+                    <a:p>
+                      <a:pPr algn="ctr"/>
+                      <a:endParaRPr lang="en-US" sz="2400" dirty="0">
+                        <a:solidFill>
+                          <a:srgbClr val="33006F"/>
+                        </a:solidFill>
+                        <a:latin typeface="Open Sans" panose="020B0606030504020204" pitchFamily="34" charset="0"/>
+                        <a:ea typeface="Open Sans" panose="020B0606030504020204" pitchFamily="34" charset="0"/>
+                        <a:cs typeface="Open Sans" panose="020B0606030504020204" pitchFamily="34" charset="0"/>
+                      </a:endParaRPr>
+                    </a:p>
+                  </a:txBody>
+                  <a:tcPr/>
+                </a:tc>
+                <a:tc>
+                  <a:txBody>
+                    <a:bodyPr/>
+                    <a:lstStyle/>
+                    <a:p>
+                      <a:pPr marL="0" marR="0" lvl="0" indent="0" algn="ctr" defTabSz="4389120" rtl="0" eaLnBrk="1" fontAlgn="auto" latinLnBrk="0" hangingPunct="1">
+                        <a:lnSpc>
+                          <a:spcPct val="100000"/>
+                        </a:lnSpc>
+                        <a:spcBef>
+                          <a:spcPts val="0"/>
+                        </a:spcBef>
+                        <a:spcAft>
+                          <a:spcPts val="0"/>
+                        </a:spcAft>
+                        <a:buClrTx/>
+                        <a:buSzTx/>
+                        <a:buFontTx/>
+                        <a:buNone/>
+                        <a:tabLst/>
+                        <a:defRPr/>
+                      </a:pPr>
+                      <a:r>
+                        <a:rPr lang="en-US" sz="2400" dirty="0">
+                          <a:solidFill>
+                            <a:srgbClr val="33006F"/>
+                          </a:solidFill>
+                        </a:rPr>
+                        <a:t>Training Loss and Validation Accuracy</a:t>
+                      </a:r>
+                      <a:endParaRPr lang="en-US" sz="2400" dirty="0">
+                        <a:solidFill>
+                          <a:srgbClr val="33006F"/>
+                        </a:solidFill>
+                        <a:latin typeface="Open Sans" panose="020B0606030504020204" pitchFamily="34" charset="0"/>
+                        <a:ea typeface="Open Sans" panose="020B0606030504020204" pitchFamily="34" charset="0"/>
+                        <a:cs typeface="Open Sans" panose="020B0606030504020204" pitchFamily="34" charset="0"/>
+                      </a:endParaRPr>
+                    </a:p>
+                  </a:txBody>
+                  <a:tcPr/>
+                </a:tc>
+                <a:extLst>
+                  <a:ext uri="{0D108BD9-81ED-4DB2-BD59-A6C34878D82A}">
+                    <a16:rowId xmlns:a16="http://schemas.microsoft.com/office/drawing/2014/main" val="1140761208"/>
+                  </a:ext>
+                </a:extLst>
+              </a:tr>
+              <a:tr h="3121531">
+                <a:tc>
+                  <a:txBody>
+                    <a:bodyPr/>
+                    <a:lstStyle/>
+                    <a:p>
+                      <a:pPr algn="ctr"/>
+                      <a:r>
+                        <a:rPr lang="en-US" sz="1800" dirty="0"/>
+                        <a:t>Training Loss</a:t>
+                      </a:r>
+                      <a:endParaRPr lang="en-US" sz="1800" dirty="0">
+                        <a:latin typeface="Open Sans" panose="020B0606030504020204" pitchFamily="34" charset="0"/>
+                        <a:ea typeface="Open Sans" panose="020B0606030504020204" pitchFamily="34" charset="0"/>
+                        <a:cs typeface="Open Sans" panose="020B0606030504020204" pitchFamily="34" charset="0"/>
+                      </a:endParaRPr>
+                    </a:p>
+                  </a:txBody>
+                  <a:tcPr vert="vert270"/>
+                </a:tc>
+                <a:tc rowSpan="2">
+                  <a:txBody>
+                    <a:bodyPr/>
+                    <a:lstStyle/>
+                    <a:p>
+                      <a:endParaRPr lang="en-US" sz="1800" dirty="0">
+                        <a:latin typeface="Open Sans" panose="020B0606030504020204" pitchFamily="34" charset="0"/>
+                        <a:ea typeface="Open Sans" panose="020B0606030504020204" pitchFamily="34" charset="0"/>
+                        <a:cs typeface="Open Sans" panose="020B0606030504020204" pitchFamily="34" charset="0"/>
+                      </a:endParaRPr>
+                    </a:p>
+                  </a:txBody>
+                  <a:tcPr/>
+                </a:tc>
+                <a:extLst>
+                  <a:ext uri="{0D108BD9-81ED-4DB2-BD59-A6C34878D82A}">
+                    <a16:rowId xmlns:a16="http://schemas.microsoft.com/office/drawing/2014/main" val="903985400"/>
+                  </a:ext>
+                </a:extLst>
+              </a:tr>
+              <a:tr h="3159350">
+                <a:tc>
+                  <a:txBody>
+                    <a:bodyPr/>
+                    <a:lstStyle/>
+                    <a:p>
+                      <a:pPr marL="0" marR="0" lvl="0" indent="0" algn="ctr" defTabSz="4389120" rtl="0" eaLnBrk="1" fontAlgn="auto" latinLnBrk="0" hangingPunct="1">
+                        <a:lnSpc>
+                          <a:spcPct val="100000"/>
+                        </a:lnSpc>
+                        <a:spcBef>
+                          <a:spcPts val="0"/>
+                        </a:spcBef>
+                        <a:spcAft>
+                          <a:spcPts val="0"/>
+                        </a:spcAft>
+                        <a:buClrTx/>
+                        <a:buSzTx/>
+                        <a:buFontTx/>
+                        <a:buNone/>
+                        <a:tabLst/>
+                        <a:defRPr/>
+                      </a:pPr>
+                      <a:r>
+                        <a:rPr lang="en-US" sz="1800" dirty="0"/>
+                        <a:t>Validation Accuracy</a:t>
+                      </a:r>
+                    </a:p>
+                    <a:p>
+                      <a:endParaRPr lang="en-US" sz="1800" dirty="0">
+                        <a:latin typeface="Open Sans" panose="020B0606030504020204" pitchFamily="34" charset="0"/>
+                        <a:ea typeface="Open Sans" panose="020B0606030504020204" pitchFamily="34" charset="0"/>
+                        <a:cs typeface="Open Sans" panose="020B0606030504020204" pitchFamily="34" charset="0"/>
+                      </a:endParaRPr>
+                    </a:p>
+                  </a:txBody>
+                  <a:tcPr vert="vert270"/>
+                </a:tc>
+                <a:tc vMerge="1">
+                  <a:txBody>
+                    <a:bodyPr/>
+                    <a:lstStyle/>
+                    <a:p>
+                      <a:endParaRPr lang="en-US"/>
+                    </a:p>
+                  </a:txBody>
+                  <a:tcPr/>
+                </a:tc>
+                <a:extLst>
+                  <a:ext uri="{0D108BD9-81ED-4DB2-BD59-A6C34878D82A}">
+                    <a16:rowId xmlns:a16="http://schemas.microsoft.com/office/drawing/2014/main" val="1165105423"/>
+                  </a:ext>
+                </a:extLst>
+              </a:tr>
+              <a:tr h="362458">
+                <a:tc>
+                  <a:txBody>
+                    <a:bodyPr/>
+                    <a:lstStyle/>
+                    <a:p>
+                      <a:pPr algn="ctr"/>
+                      <a:endParaRPr lang="en-US" sz="1800">
+                        <a:latin typeface="Open Sans" panose="020B0606030504020204" pitchFamily="34" charset="0"/>
+                        <a:ea typeface="Open Sans" panose="020B0606030504020204" pitchFamily="34" charset="0"/>
+                        <a:cs typeface="Open Sans" panose="020B0606030504020204" pitchFamily="34" charset="0"/>
+                      </a:endParaRPr>
+                    </a:p>
+                  </a:txBody>
+                  <a:tcPr/>
+                </a:tc>
+                <a:tc>
+                  <a:txBody>
+                    <a:bodyPr/>
+                    <a:lstStyle/>
+                    <a:p>
+                      <a:pPr algn="ctr"/>
+                      <a:r>
+                        <a:rPr lang="en-US" sz="1800" dirty="0"/>
+                        <a:t>Epochs</a:t>
+                      </a:r>
+                      <a:endParaRPr lang="en-US" sz="1800" dirty="0">
+                        <a:latin typeface="Open Sans" panose="020B0606030504020204" pitchFamily="34" charset="0"/>
+                        <a:ea typeface="Open Sans" panose="020B0606030504020204" pitchFamily="34" charset="0"/>
+                        <a:cs typeface="Open Sans" panose="020B0606030504020204" pitchFamily="34" charset="0"/>
+                      </a:endParaRPr>
+                    </a:p>
+                  </a:txBody>
+                  <a:tcPr/>
+                </a:tc>
+                <a:extLst>
+                  <a:ext uri="{0D108BD9-81ED-4DB2-BD59-A6C34878D82A}">
+                    <a16:rowId xmlns:a16="http://schemas.microsoft.com/office/drawing/2014/main" val="229917688"/>
+                  </a:ext>
+                </a:extLst>
+              </a:tr>
+            </a:tbl>
+          </a:graphicData>
+        </a:graphic>
+      </p:graphicFrame>
+      <p:pic>
+        <p:nvPicPr>
+          <p:cNvPr id="66" name="Picture 65">
+            <a:extLst>
+              <a:ext uri="{FF2B5EF4-FFF2-40B4-BE49-F238E27FC236}">
+                <a16:creationId xmlns:a16="http://schemas.microsoft.com/office/drawing/2014/main" id="{CF3FBAA7-88CC-9957-74CB-8B53B00077F2}"/>
+              </a:ext>
+            </a:extLst>
+          </p:cNvPr>
+          <p:cNvPicPr>
+            <a:picLocks noChangeAspect="1"/>
+          </p:cNvPicPr>
+          <p:nvPr/>
+        </p:nvPicPr>
+        <p:blipFill rotWithShape="1">
+          <a:blip r:embed="rId7"/>
+          <a:srcRect l="5255" t="9615" r="7641" b="7051"/>
+          <a:stretch/>
+        </p:blipFill>
+        <p:spPr>
+          <a:xfrm>
+            <a:off x="33223200" y="13405339"/>
+            <a:ext cx="6960158" cy="6197401"/>
+          </a:xfrm>
+          <a:prstGeom prst="rect">
+            <a:avLst/>
+          </a:prstGeom>
+        </p:spPr>
+      </p:pic>
+      <p:pic>
+        <p:nvPicPr>
+          <p:cNvPr id="75" name="Picture 74" descr="A close-up of a logo&#10;&#10;Description automatically generated">
+            <a:extLst>
+              <a:ext uri="{FF2B5EF4-FFF2-40B4-BE49-F238E27FC236}">
+                <a16:creationId xmlns:a16="http://schemas.microsoft.com/office/drawing/2014/main" id="{F8D26CB2-DADE-C540-0C8D-F50493687499}"/>
+              </a:ext>
+            </a:extLst>
+          </p:cNvPr>
+          <p:cNvPicPr>
+            <a:picLocks noChangeAspect="1"/>
+          </p:cNvPicPr>
+          <p:nvPr/>
+        </p:nvPicPr>
+        <p:blipFill>
+          <a:blip r:embed="rId8"/>
+          <a:stretch>
+            <a:fillRect/>
+          </a:stretch>
+        </p:blipFill>
+        <p:spPr>
+          <a:xfrm>
+            <a:off x="34001176" y="2710611"/>
+            <a:ext cx="8045232" cy="1554634"/>
+          </a:xfrm>
+          <a:prstGeom prst="rect">
+            <a:avLst/>
+          </a:prstGeom>
+        </p:spPr>
+      </p:pic>
+      <p:grpSp>
+        <p:nvGrpSpPr>
+          <p:cNvPr id="77" name="Group 76" descr="Section Header Place holder and gold boundless bar">
+            <a:extLst>
+              <a:ext uri="{FF2B5EF4-FFF2-40B4-BE49-F238E27FC236}">
+                <a16:creationId xmlns:a16="http://schemas.microsoft.com/office/drawing/2014/main" id="{FE81C31E-C4A1-D7A3-7548-7756B8CDE8EF}"/>
+              </a:ext>
+            </a:extLst>
+          </p:cNvPr>
+          <p:cNvGrpSpPr/>
+          <p:nvPr/>
+        </p:nvGrpSpPr>
+        <p:grpSpPr>
+          <a:xfrm>
+            <a:off x="30144764" y="28705465"/>
+            <a:ext cx="11925292" cy="954107"/>
+            <a:chOff x="1675686" y="15504462"/>
+            <a:chExt cx="6400800" cy="954107"/>
+          </a:xfrm>
+        </p:grpSpPr>
+        <p:sp>
+          <p:nvSpPr>
+            <p:cNvPr id="80" name="TextBox 79" descr="Section Header and gold boundless bar">
+              <a:extLst>
+                <a:ext uri="{FF2B5EF4-FFF2-40B4-BE49-F238E27FC236}">
+                  <a16:creationId xmlns:a16="http://schemas.microsoft.com/office/drawing/2014/main" id="{C1D1C71A-718C-F800-0CAC-9BB56D49E17F}"/>
+                </a:ext>
+              </a:extLst>
+            </p:cNvPr>
+            <p:cNvSpPr txBox="1"/>
+            <p:nvPr/>
+          </p:nvSpPr>
+          <p:spPr>
+            <a:xfrm>
+              <a:off x="1675686" y="15504462"/>
+              <a:ext cx="6400800" cy="954107"/>
+            </a:xfrm>
+            <a:prstGeom prst="rect">
+              <a:avLst/>
+            </a:prstGeom>
+            <a:noFill/>
+          </p:spPr>
+          <p:txBody>
+            <a:bodyPr wrap="square" rtlCol="0">
+              <a:spAutoFit/>
+            </a:bodyPr>
+            <a:lstStyle/>
+            <a:p>
+              <a:r>
+                <a:rPr lang="en-US" sz="5600" b="1" dirty="0">
+                  <a:solidFill>
+                    <a:srgbClr val="33006F"/>
+                  </a:solidFill>
+                  <a:latin typeface="Encode Sans Normal Black" charset="0"/>
+                  <a:ea typeface="Encode Sans Normal Black" charset="0"/>
+                  <a:cs typeface="Encode Sans Normal Black" charset="0"/>
+                </a:rPr>
+                <a:t>ACKNOWLEDGEMENTS</a:t>
+              </a:r>
+            </a:p>
+          </p:txBody>
+        </p:sp>
+        <p:pic>
+          <p:nvPicPr>
+            <p:cNvPr id="82" name="Picture 81" descr="Gold boundless bar">
+              <a:extLst>
+                <a:ext uri="{FF2B5EF4-FFF2-40B4-BE49-F238E27FC236}">
+                  <a16:creationId xmlns:a16="http://schemas.microsoft.com/office/drawing/2014/main" id="{85B9E507-A44D-2F59-F267-C64A93A4B92B}"/>
+                </a:ext>
+              </a:extLst>
+            </p:cNvPr>
+            <p:cNvPicPr>
+              <a:picLocks noChangeAspect="1"/>
+            </p:cNvPicPr>
+            <p:nvPr/>
+          </p:nvPicPr>
+          <p:blipFill>
+            <a:blip r:embed="rId2">
+              <a:extLst>
+                <a:ext uri="{28A0092B-C50C-407E-A947-70E740481C1C}">
+                  <a14:useLocalDpi xmlns:a14="http://schemas.microsoft.com/office/drawing/2010/main" val="0"/>
+                </a:ext>
+              </a:extLst>
+            </a:blip>
+            <a:stretch>
+              <a:fillRect/>
+            </a:stretch>
+          </p:blipFill>
+          <p:spPr>
+            <a:xfrm>
+              <a:off x="1767126" y="16327422"/>
+              <a:ext cx="1463040" cy="117936"/>
+            </a:xfrm>
+            <a:prstGeom prst="rect">
+              <a:avLst/>
+            </a:prstGeom>
+          </p:spPr>
+        </p:pic>
+      </p:grpSp>
+      <p:sp>
+        <p:nvSpPr>
+          <p:cNvPr id="83" name="TextBox 82">
+            <a:extLst>
+              <a:ext uri="{FF2B5EF4-FFF2-40B4-BE49-F238E27FC236}">
+                <a16:creationId xmlns:a16="http://schemas.microsoft.com/office/drawing/2014/main" id="{5E7C0D9C-C8AC-5CB9-522E-64CF50E24298}"/>
+              </a:ext>
+            </a:extLst>
+          </p:cNvPr>
+          <p:cNvSpPr txBox="1"/>
+          <p:nvPr/>
+        </p:nvSpPr>
+        <p:spPr>
+          <a:xfrm>
+            <a:off x="30175200" y="29695676"/>
+            <a:ext cx="11925292" cy="2308324"/>
+          </a:xfrm>
+          <a:prstGeom prst="rect">
+            <a:avLst/>
+          </a:prstGeom>
+          <a:noFill/>
+        </p:spPr>
+        <p:txBody>
+          <a:bodyPr wrap="square" rtlCol="0">
+            <a:spAutoFit/>
+          </a:bodyPr>
+          <a:lstStyle/>
+          <a:p>
+            <a:r>
+              <a:rPr lang="en-US" sz="2400" kern="100" dirty="0">
+                <a:solidFill>
+                  <a:srgbClr val="000000"/>
+                </a:solidFill>
+                <a:latin typeface="Open Sans" panose="020B0606030504020204" pitchFamily="34" charset="0"/>
+                <a:ea typeface="Open Sans" panose="020B0606030504020204" pitchFamily="34" charset="0"/>
+                <a:cs typeface="Open Sans" panose="020B0606030504020204" pitchFamily="34" charset="0"/>
+              </a:rPr>
+              <a:t>[1] Z. Wang and T. Oates. Encoding Time Series as Images for Visual Inspection and Classification Using Tiled Convolutional Neural Networks. In </a:t>
+            </a:r>
+            <a:r>
+              <a:rPr lang="en-US" sz="2400" i="1" kern="100" dirty="0">
+                <a:solidFill>
+                  <a:srgbClr val="000000"/>
+                </a:solidFill>
+                <a:latin typeface="Open Sans" panose="020B0606030504020204" pitchFamily="34" charset="0"/>
+                <a:ea typeface="Open Sans" panose="020B0606030504020204" pitchFamily="34" charset="0"/>
+                <a:cs typeface="Open Sans" panose="020B0606030504020204" pitchFamily="34" charset="0"/>
+              </a:rPr>
+              <a:t>The Twenty-Ninth AAAI Conference on Artificial Intelligence. </a:t>
+            </a:r>
+            <a:r>
+              <a:rPr lang="en-US" sz="2400" kern="100" dirty="0">
+                <a:solidFill>
+                  <a:srgbClr val="000000"/>
+                </a:solidFill>
+                <a:latin typeface="Open Sans" panose="020B0606030504020204" pitchFamily="34" charset="0"/>
+                <a:ea typeface="Open Sans" panose="020B0606030504020204" pitchFamily="34" charset="0"/>
+                <a:cs typeface="Open Sans" panose="020B0606030504020204" pitchFamily="34" charset="0"/>
+              </a:rPr>
+              <a:t>(AAAI), January 2015.</a:t>
+            </a:r>
+          </a:p>
+          <a:p>
+            <a:r>
+              <a:rPr lang="en-US" sz="2400" kern="100" dirty="0">
+                <a:solidFill>
+                  <a:srgbClr val="000000"/>
+                </a:solidFill>
+                <a:latin typeface="Open Sans" panose="020B0606030504020204" pitchFamily="34" charset="0"/>
+                <a:ea typeface="Open Sans" panose="020B0606030504020204" pitchFamily="34" charset="0"/>
+                <a:cs typeface="Open Sans" panose="020B0606030504020204" pitchFamily="34" charset="0"/>
+              </a:rPr>
+              <a:t>[2] T. S. Fernandes, et al. Convolutional Neural Networks for the classification of glitches in gravitational-wave data streams, arXiv:2303.13917v1 [gr-qc], March 2023.</a:t>
+            </a:r>
+          </a:p>
+        </p:txBody>
+      </p:sp>
+      <p:grpSp>
+        <p:nvGrpSpPr>
+          <p:cNvPr id="84" name="Group 83" descr="Section Header Place holder and gold boundless bar">
+            <a:extLst>
+              <a:ext uri="{FF2B5EF4-FFF2-40B4-BE49-F238E27FC236}">
+                <a16:creationId xmlns:a16="http://schemas.microsoft.com/office/drawing/2014/main" id="{84360A48-A153-3E9A-7E49-8C9BCFDD3BA1}"/>
+              </a:ext>
+            </a:extLst>
+          </p:cNvPr>
+          <p:cNvGrpSpPr/>
+          <p:nvPr/>
+        </p:nvGrpSpPr>
+        <p:grpSpPr>
+          <a:xfrm>
+            <a:off x="30118488" y="7230652"/>
+            <a:ext cx="11925292" cy="954107"/>
+            <a:chOff x="1675686" y="15504462"/>
+            <a:chExt cx="6400800" cy="954107"/>
+          </a:xfrm>
+        </p:grpSpPr>
+        <p:sp>
+          <p:nvSpPr>
+            <p:cNvPr id="85" name="TextBox 84" descr="Section Header and gold boundless bar">
+              <a:extLst>
+                <a:ext uri="{FF2B5EF4-FFF2-40B4-BE49-F238E27FC236}">
+                  <a16:creationId xmlns:a16="http://schemas.microsoft.com/office/drawing/2014/main" id="{4D770ACC-AFC9-8A22-BFF2-DF630008D335}"/>
+                </a:ext>
+              </a:extLst>
+            </p:cNvPr>
+            <p:cNvSpPr txBox="1"/>
+            <p:nvPr/>
+          </p:nvSpPr>
+          <p:spPr>
+            <a:xfrm>
+              <a:off x="1675686" y="15504462"/>
+              <a:ext cx="6400800" cy="954107"/>
+            </a:xfrm>
+            <a:prstGeom prst="rect">
+              <a:avLst/>
+            </a:prstGeom>
+            <a:noFill/>
+          </p:spPr>
+          <p:txBody>
+            <a:bodyPr wrap="square" rtlCol="0">
+              <a:spAutoFit/>
+            </a:bodyPr>
+            <a:lstStyle/>
+            <a:p>
+              <a:r>
+                <a:rPr lang="en-US" sz="5600" b="1" dirty="0">
+                  <a:solidFill>
+                    <a:srgbClr val="33006F"/>
+                  </a:solidFill>
+                  <a:latin typeface="Encode Sans Normal Black" charset="0"/>
+                  <a:ea typeface="Encode Sans Normal Black" charset="0"/>
+                  <a:cs typeface="Encode Sans Normal Black" charset="0"/>
+                </a:rPr>
+                <a:t>CONCLUSION</a:t>
+              </a:r>
+            </a:p>
+          </p:txBody>
+        </p:sp>
+        <p:pic>
+          <p:nvPicPr>
+            <p:cNvPr id="86" name="Picture 85" descr="Gold boundless bar">
+              <a:extLst>
+                <a:ext uri="{FF2B5EF4-FFF2-40B4-BE49-F238E27FC236}">
+                  <a16:creationId xmlns:a16="http://schemas.microsoft.com/office/drawing/2014/main" id="{09D29E15-2700-5C38-1BAD-26540DCC57E9}"/>
+                </a:ext>
+              </a:extLst>
+            </p:cNvPr>
+            <p:cNvPicPr>
+              <a:picLocks noChangeAspect="1"/>
+            </p:cNvPicPr>
+            <p:nvPr/>
+          </p:nvPicPr>
+          <p:blipFill>
+            <a:blip r:embed="rId2">
+              <a:extLst>
+                <a:ext uri="{28A0092B-C50C-407E-A947-70E740481C1C}">
+                  <a14:useLocalDpi xmlns:a14="http://schemas.microsoft.com/office/drawing/2010/main" val="0"/>
+                </a:ext>
+              </a:extLst>
+            </a:blip>
+            <a:stretch>
+              <a:fillRect/>
+            </a:stretch>
+          </p:blipFill>
+          <p:spPr>
+            <a:xfrm>
+              <a:off x="1767126" y="16327422"/>
+              <a:ext cx="1463040" cy="117936"/>
+            </a:xfrm>
+            <a:prstGeom prst="rect">
+              <a:avLst/>
+            </a:prstGeom>
+          </p:spPr>
+        </p:pic>
+      </p:grpSp>
+      <p:sp>
+        <p:nvSpPr>
+          <p:cNvPr id="87" name="TextBox 86">
+            <a:extLst>
+              <a:ext uri="{FF2B5EF4-FFF2-40B4-BE49-F238E27FC236}">
+                <a16:creationId xmlns:a16="http://schemas.microsoft.com/office/drawing/2014/main" id="{FEBEB2DB-4888-7056-CEA7-F64FC362D4B5}"/>
+              </a:ext>
+            </a:extLst>
+          </p:cNvPr>
+          <p:cNvSpPr txBox="1"/>
+          <p:nvPr/>
+        </p:nvSpPr>
+        <p:spPr>
+          <a:xfrm>
+            <a:off x="30074245" y="8228522"/>
+            <a:ext cx="11925292" cy="4524315"/>
+          </a:xfrm>
+          <a:prstGeom prst="rect">
+            <a:avLst/>
+          </a:prstGeom>
+          <a:noFill/>
+        </p:spPr>
+        <p:txBody>
+          <a:bodyPr wrap="square" rtlCol="0">
+            <a:spAutoFit/>
+          </a:bodyPr>
+          <a:lstStyle/>
+          <a:p>
+            <a:pPr marL="285736" indent="-285736">
+              <a:buFont typeface="Arial" panose="020B0604020202020204" pitchFamily="34" charset="0"/>
+              <a:buChar char="•"/>
+            </a:pPr>
+            <a:r>
+              <a:rPr lang="en-US" sz="2400" b="1" dirty="0">
+                <a:solidFill>
+                  <a:srgbClr val="33006F"/>
+                </a:solidFill>
+                <a:latin typeface="Open Sans" panose="020B0606030504020204" pitchFamily="34" charset="0"/>
+                <a:ea typeface="Open Sans" panose="020B0606030504020204" pitchFamily="34" charset="0"/>
+                <a:cs typeface="Open Sans" panose="020B0606030504020204" pitchFamily="34" charset="0"/>
+              </a:rPr>
+              <a:t>Objective: </a:t>
+            </a:r>
+            <a:r>
+              <a:rPr lang="en-US" sz="2400" dirty="0">
+                <a:solidFill>
+                  <a:srgbClr val="000000"/>
+                </a:solidFill>
+                <a:latin typeface="Open Sans" panose="020B0606030504020204" pitchFamily="34" charset="0"/>
+                <a:ea typeface="Open Sans" panose="020B0606030504020204" pitchFamily="34" charset="0"/>
+                <a:cs typeface="Open Sans" panose="020B0606030504020204" pitchFamily="34" charset="0"/>
+              </a:rPr>
+              <a:t>Analyzing the potential of CNNs for classifying gravitational waves strain data as background noise/glitches or transient sine-gaussian/binary black hole merger signals.</a:t>
+            </a:r>
+          </a:p>
+          <a:p>
+            <a:pPr marL="285736" indent="-285736">
+              <a:buFont typeface="Arial" panose="020B0604020202020204" pitchFamily="34" charset="0"/>
+              <a:buChar char="•"/>
+            </a:pPr>
+            <a:r>
+              <a:rPr lang="en-US" sz="2400" b="1" dirty="0">
+                <a:solidFill>
+                  <a:srgbClr val="33006F"/>
+                </a:solidFill>
+                <a:latin typeface="Open Sans" panose="020B0606030504020204" pitchFamily="34" charset="0"/>
+                <a:ea typeface="Open Sans" panose="020B0606030504020204" pitchFamily="34" charset="0"/>
+                <a:cs typeface="Open Sans" panose="020B0606030504020204" pitchFamily="34" charset="0"/>
+              </a:rPr>
+              <a:t>Approach: </a:t>
+            </a:r>
+            <a:r>
+              <a:rPr lang="en-US" sz="2400" dirty="0">
+                <a:solidFill>
+                  <a:srgbClr val="000000"/>
+                </a:solidFill>
+                <a:latin typeface="Open Sans" panose="020B0606030504020204" pitchFamily="34" charset="0"/>
+                <a:ea typeface="Open Sans" panose="020B0606030504020204" pitchFamily="34" charset="0"/>
+                <a:cs typeface="Open Sans" panose="020B0606030504020204" pitchFamily="34" charset="0"/>
+              </a:rPr>
+              <a:t>Utilized a streamlined variation of a CNN based upon versions existing in literature.</a:t>
+            </a:r>
+          </a:p>
+          <a:p>
+            <a:pPr marL="285736" indent="-285736">
+              <a:buFont typeface="Arial" panose="020B0604020202020204" pitchFamily="34" charset="0"/>
+              <a:buChar char="•"/>
+            </a:pPr>
+            <a:r>
+              <a:rPr lang="en-US" sz="2400" b="1" dirty="0">
+                <a:solidFill>
+                  <a:srgbClr val="33006F"/>
+                </a:solidFill>
+                <a:latin typeface="Open Sans" panose="020B0606030504020204" pitchFamily="34" charset="0"/>
+                <a:ea typeface="Open Sans" panose="020B0606030504020204" pitchFamily="34" charset="0"/>
+                <a:cs typeface="Open Sans" panose="020B0606030504020204" pitchFamily="34" charset="0"/>
+              </a:rPr>
+              <a:t>Performance: </a:t>
+            </a:r>
+            <a:r>
+              <a:rPr lang="en-US" sz="2400" dirty="0">
+                <a:solidFill>
+                  <a:srgbClr val="000000"/>
+                </a:solidFill>
+                <a:latin typeface="Open Sans" panose="020B0606030504020204" pitchFamily="34" charset="0"/>
+                <a:ea typeface="Open Sans" panose="020B0606030504020204" pitchFamily="34" charset="0"/>
+                <a:cs typeface="Open Sans" panose="020B0606030504020204" pitchFamily="34" charset="0"/>
+              </a:rPr>
+              <a:t>Exceeded the anticipated 85% accuracy by attaining an impressive testing accuracy of 97%.</a:t>
+            </a:r>
+          </a:p>
+          <a:p>
+            <a:pPr marL="285736" indent="-285736">
+              <a:buFont typeface="Arial" panose="020B0604020202020204" pitchFamily="34" charset="0"/>
+              <a:buChar char="•"/>
+            </a:pPr>
+            <a:r>
+              <a:rPr lang="en-US" sz="2400" b="1" dirty="0">
+                <a:solidFill>
+                  <a:srgbClr val="33006F"/>
+                </a:solidFill>
+                <a:latin typeface="Open Sans" panose="020B0606030504020204" pitchFamily="34" charset="0"/>
+                <a:ea typeface="Open Sans" panose="020B0606030504020204" pitchFamily="34" charset="0"/>
+                <a:cs typeface="Open Sans" panose="020B0606030504020204" pitchFamily="34" charset="0"/>
+              </a:rPr>
+              <a:t>Comparison: </a:t>
+            </a:r>
+            <a:r>
+              <a:rPr lang="en-US" sz="2400" dirty="0">
+                <a:solidFill>
+                  <a:srgbClr val="000000"/>
+                </a:solidFill>
+                <a:latin typeface="Open Sans" panose="020B0606030504020204" pitchFamily="34" charset="0"/>
+                <a:ea typeface="Open Sans" panose="020B0606030504020204" pitchFamily="34" charset="0"/>
+                <a:cs typeface="Open Sans" panose="020B0606030504020204" pitchFamily="34" charset="0"/>
+              </a:rPr>
+              <a:t>Achieved accuracy slightly below more complex CNNs documented in literature and slightly lower than the spectrogram method.</a:t>
+            </a:r>
+          </a:p>
+          <a:p>
+            <a:pPr marL="285736" indent="-285736">
+              <a:buFont typeface="Arial" panose="020B0604020202020204" pitchFamily="34" charset="0"/>
+              <a:buChar char="•"/>
+            </a:pPr>
+            <a:r>
+              <a:rPr lang="en-US" sz="2400" b="1" dirty="0">
+                <a:solidFill>
+                  <a:srgbClr val="33006F"/>
+                </a:solidFill>
+                <a:latin typeface="Open Sans" panose="020B0606030504020204" pitchFamily="34" charset="0"/>
+                <a:ea typeface="Open Sans" panose="020B0606030504020204" pitchFamily="34" charset="0"/>
+                <a:cs typeface="Open Sans" panose="020B0606030504020204" pitchFamily="34" charset="0"/>
+              </a:rPr>
+              <a:t>Further exploration: </a:t>
+            </a:r>
+            <a:r>
+              <a:rPr lang="en-US" sz="2400" dirty="0">
+                <a:solidFill>
+                  <a:srgbClr val="000000"/>
+                </a:solidFill>
+                <a:latin typeface="Open Sans" panose="020B0606030504020204" pitchFamily="34" charset="0"/>
+                <a:ea typeface="Open Sans" panose="020B0606030504020204" pitchFamily="34" charset="0"/>
+                <a:cs typeface="Open Sans" panose="020B0606030504020204" pitchFamily="34" charset="0"/>
+              </a:rPr>
+              <a:t>Examining the efficacy of the GASF technique in transforming time series data into images and feeding them through a basic CNN, by using a dataset of more contaminated gravitational waves for analysis.</a:t>
+            </a:r>
+          </a:p>
+        </p:txBody>
+      </p:sp>
+      <p:sp>
+        <p:nvSpPr>
+          <p:cNvPr id="90" name="TextBox 89">
+            <a:extLst>
+              <a:ext uri="{FF2B5EF4-FFF2-40B4-BE49-F238E27FC236}">
+                <a16:creationId xmlns:a16="http://schemas.microsoft.com/office/drawing/2014/main" id="{01EBD516-494C-27A1-8F56-E2D3C1A7AE05}"/>
+              </a:ext>
+            </a:extLst>
+          </p:cNvPr>
+          <p:cNvSpPr txBox="1"/>
+          <p:nvPr/>
+        </p:nvSpPr>
+        <p:spPr>
+          <a:xfrm>
+            <a:off x="15905559" y="11337266"/>
+            <a:ext cx="11929119" cy="646331"/>
+          </a:xfrm>
+          <a:prstGeom prst="rect">
+            <a:avLst/>
+          </a:prstGeom>
+          <a:noFill/>
+        </p:spPr>
+        <p:txBody>
+          <a:bodyPr wrap="square" rtlCol="0">
+            <a:spAutoFit/>
+          </a:bodyPr>
+          <a:lstStyle/>
+          <a:p>
+            <a:pPr algn="ctr"/>
+            <a:r>
+              <a:rPr lang="en-US" sz="3600" b="1" dirty="0" err="1">
+                <a:solidFill>
+                  <a:srgbClr val="33006F"/>
+                </a:solidFill>
+                <a:latin typeface="Uni Sans Book" charset="0"/>
+                <a:ea typeface="Uni Sans Book" charset="0"/>
+                <a:cs typeface="Uni Sans Book" charset="0"/>
+              </a:rPr>
+              <a:t>Gramian</a:t>
+            </a:r>
+            <a:r>
+              <a:rPr lang="en-US" sz="3600" b="1" dirty="0">
+                <a:solidFill>
+                  <a:srgbClr val="33006F"/>
+                </a:solidFill>
+                <a:latin typeface="Uni Sans Book" charset="0"/>
+                <a:ea typeface="Uni Sans Book" charset="0"/>
+                <a:cs typeface="Uni Sans Book" charset="0"/>
+              </a:rPr>
+              <a:t> Angular Summation Fields</a:t>
+            </a:r>
+          </a:p>
+        </p:txBody>
+      </p:sp>
+      <p:sp>
+        <p:nvSpPr>
+          <p:cNvPr id="91" name="TextBox 90">
+            <a:extLst>
+              <a:ext uri="{FF2B5EF4-FFF2-40B4-BE49-F238E27FC236}">
+                <a16:creationId xmlns:a16="http://schemas.microsoft.com/office/drawing/2014/main" id="{29DAEBA4-914B-D15D-5E67-16AA816568CB}"/>
+              </a:ext>
+            </a:extLst>
+          </p:cNvPr>
+          <p:cNvSpPr txBox="1"/>
+          <p:nvPr/>
+        </p:nvSpPr>
+        <p:spPr>
+          <a:xfrm>
+            <a:off x="15943657" y="12144684"/>
+            <a:ext cx="11891021" cy="2308324"/>
+          </a:xfrm>
+          <a:prstGeom prst="rect">
+            <a:avLst/>
+          </a:prstGeom>
+          <a:noFill/>
+        </p:spPr>
+        <p:txBody>
+          <a:bodyPr wrap="square" rtlCol="0">
+            <a:spAutoFit/>
+          </a:bodyPr>
+          <a:lstStyle/>
+          <a:p>
+            <a:pPr marL="342884" indent="-342884">
+              <a:buFont typeface="Arial" panose="020B0604020202020204" pitchFamily="34" charset="0"/>
+              <a:buChar char="•"/>
+            </a:pPr>
+            <a:r>
+              <a:rPr lang="en-US" sz="2400" b="1" dirty="0">
+                <a:solidFill>
+                  <a:srgbClr val="33006F"/>
+                </a:solidFill>
+                <a:latin typeface="Open Sans" panose="020B0606030504020204" pitchFamily="34" charset="0"/>
+                <a:ea typeface="Open Sans" panose="020B0606030504020204" pitchFamily="34" charset="0"/>
+                <a:cs typeface="Open Sans" panose="020B0606030504020204" pitchFamily="34" charset="0"/>
+              </a:rPr>
+              <a:t>Definition: </a:t>
+            </a:r>
+            <a:r>
+              <a:rPr lang="en-US" sz="2400" dirty="0">
+                <a:solidFill>
+                  <a:srgbClr val="000000"/>
+                </a:solidFill>
+                <a:latin typeface="Open Sans" panose="020B0606030504020204" pitchFamily="34" charset="0"/>
+                <a:ea typeface="Open Sans" panose="020B0606030504020204" pitchFamily="34" charset="0"/>
+                <a:cs typeface="Open Sans" panose="020B0606030504020204" pitchFamily="34" charset="0"/>
+              </a:rPr>
+              <a:t>Method for visualizing time series data in a two-dimensional image format.</a:t>
+            </a:r>
+          </a:p>
+          <a:p>
+            <a:pPr marL="342884" indent="-342884">
+              <a:buFont typeface="Arial" panose="020B0604020202020204" pitchFamily="34" charset="0"/>
+              <a:buChar char="•"/>
+            </a:pPr>
+            <a:r>
+              <a:rPr lang="en-US" sz="2400" b="1" dirty="0">
+                <a:solidFill>
+                  <a:srgbClr val="33006F"/>
+                </a:solidFill>
+                <a:latin typeface="Open Sans" panose="020B0606030504020204" pitchFamily="34" charset="0"/>
+                <a:ea typeface="Open Sans" panose="020B0606030504020204" pitchFamily="34" charset="0"/>
+                <a:cs typeface="Open Sans" panose="020B0606030504020204" pitchFamily="34" charset="0"/>
+              </a:rPr>
+              <a:t>Conversion: </a:t>
+            </a:r>
+            <a:r>
+              <a:rPr lang="en-US" sz="2400" dirty="0">
+                <a:solidFill>
+                  <a:srgbClr val="000000"/>
+                </a:solidFill>
+                <a:latin typeface="Open Sans" panose="020B0606030504020204" pitchFamily="34" charset="0"/>
+                <a:ea typeface="Open Sans" panose="020B0606030504020204" pitchFamily="34" charset="0"/>
+                <a:cs typeface="Open Sans" panose="020B0606030504020204" pitchFamily="34" charset="0"/>
+              </a:rPr>
+              <a:t>Converts time series into a symmetric matrix which represents the pairwise angles between points in the time series.</a:t>
+            </a:r>
+          </a:p>
+          <a:p>
+            <a:pPr marL="342884" indent="-342884">
+              <a:buFont typeface="Arial" panose="020B0604020202020204" pitchFamily="34" charset="0"/>
+              <a:buChar char="•"/>
+            </a:pPr>
+            <a:r>
+              <a:rPr lang="en-US" sz="2400" b="1" dirty="0">
+                <a:solidFill>
+                  <a:srgbClr val="33006F"/>
+                </a:solidFill>
+                <a:latin typeface="Open Sans" panose="020B0606030504020204" pitchFamily="34" charset="0"/>
+                <a:ea typeface="Open Sans" panose="020B0606030504020204" pitchFamily="34" charset="0"/>
+                <a:cs typeface="Open Sans" panose="020B0606030504020204" pitchFamily="34" charset="0"/>
+              </a:rPr>
+              <a:t>Application: </a:t>
+            </a:r>
+            <a:r>
+              <a:rPr lang="en-US" sz="2400" dirty="0">
+                <a:solidFill>
+                  <a:srgbClr val="000000"/>
+                </a:solidFill>
+                <a:latin typeface="Open Sans" panose="020B0606030504020204" pitchFamily="34" charset="0"/>
+                <a:ea typeface="Open Sans" panose="020B0606030504020204" pitchFamily="34" charset="0"/>
+                <a:cs typeface="Open Sans" panose="020B0606030504020204" pitchFamily="34" charset="0"/>
+              </a:rPr>
+              <a:t>Provides visual representation of complex temporal patterns which is useful for tasks like classification of time series data.</a:t>
+            </a:r>
+          </a:p>
+        </p:txBody>
+      </p:sp>
+      <p:sp>
+        <p:nvSpPr>
+          <p:cNvPr id="92" name="TextBox 91">
+            <a:extLst>
+              <a:ext uri="{FF2B5EF4-FFF2-40B4-BE49-F238E27FC236}">
+                <a16:creationId xmlns:a16="http://schemas.microsoft.com/office/drawing/2014/main" id="{76D87631-56EC-575B-C6E9-3AD7CAFBA24C}"/>
+              </a:ext>
+            </a:extLst>
+          </p:cNvPr>
+          <p:cNvSpPr txBox="1"/>
+          <p:nvPr/>
+        </p:nvSpPr>
+        <p:spPr>
+          <a:xfrm>
+            <a:off x="1782191" y="28905634"/>
+            <a:ext cx="11929119" cy="646331"/>
+          </a:xfrm>
+          <a:prstGeom prst="rect">
+            <a:avLst/>
+          </a:prstGeom>
+          <a:noFill/>
+        </p:spPr>
+        <p:txBody>
+          <a:bodyPr wrap="square" rtlCol="0">
+            <a:spAutoFit/>
+          </a:bodyPr>
+          <a:lstStyle/>
+          <a:p>
+            <a:pPr algn="ctr"/>
+            <a:r>
+              <a:rPr lang="en-US" sz="3600" b="1" dirty="0" err="1">
+                <a:solidFill>
+                  <a:srgbClr val="33006F"/>
+                </a:solidFill>
+                <a:latin typeface="Uni Sans Book" charset="0"/>
+                <a:ea typeface="Uni Sans Book" charset="0"/>
+                <a:cs typeface="Uni Sans Book" charset="0"/>
+              </a:rPr>
+              <a:t>Gramian</a:t>
+            </a:r>
+            <a:r>
+              <a:rPr lang="en-US" sz="3600" b="1" dirty="0">
+                <a:solidFill>
+                  <a:srgbClr val="33006F"/>
+                </a:solidFill>
+                <a:latin typeface="Uni Sans Book" charset="0"/>
+                <a:ea typeface="Uni Sans Book" charset="0"/>
+                <a:cs typeface="Uni Sans Book" charset="0"/>
+              </a:rPr>
+              <a:t> Angular Summation Fields (GASF)</a:t>
+            </a:r>
+          </a:p>
+        </p:txBody>
+      </p:sp>
+      <p:sp>
+        <p:nvSpPr>
+          <p:cNvPr id="93" name="TextBox 92">
+            <a:extLst>
+              <a:ext uri="{FF2B5EF4-FFF2-40B4-BE49-F238E27FC236}">
+                <a16:creationId xmlns:a16="http://schemas.microsoft.com/office/drawing/2014/main" id="{93F421A0-5A89-FE08-EA92-E9A2E7053BAF}"/>
+              </a:ext>
+            </a:extLst>
+          </p:cNvPr>
+          <p:cNvSpPr txBox="1"/>
+          <p:nvPr/>
+        </p:nvSpPr>
+        <p:spPr>
+          <a:xfrm>
+            <a:off x="1820289" y="29713052"/>
+            <a:ext cx="11891021" cy="2308324"/>
+          </a:xfrm>
+          <a:prstGeom prst="rect">
+            <a:avLst/>
+          </a:prstGeom>
+          <a:noFill/>
+        </p:spPr>
+        <p:txBody>
+          <a:bodyPr wrap="square" rtlCol="0">
+            <a:spAutoFit/>
+          </a:bodyPr>
+          <a:lstStyle/>
+          <a:p>
+            <a:pPr marL="342884" indent="-342884">
+              <a:buFont typeface="Arial" panose="020B0604020202020204" pitchFamily="34" charset="0"/>
+              <a:buChar char="•"/>
+            </a:pPr>
+            <a:r>
+              <a:rPr lang="en-US" sz="2400" b="1" dirty="0">
+                <a:solidFill>
+                  <a:srgbClr val="33006F"/>
+                </a:solidFill>
+                <a:latin typeface="Open Sans" panose="020B0606030504020204" pitchFamily="34" charset="0"/>
+                <a:ea typeface="Open Sans" panose="020B0606030504020204" pitchFamily="34" charset="0"/>
+                <a:cs typeface="Open Sans" panose="020B0606030504020204" pitchFamily="34" charset="0"/>
+              </a:rPr>
+              <a:t>Definition: </a:t>
+            </a:r>
+            <a:r>
+              <a:rPr lang="en-US" sz="2400" dirty="0">
+                <a:solidFill>
+                  <a:srgbClr val="000000"/>
+                </a:solidFill>
+                <a:latin typeface="Open Sans" panose="020B0606030504020204" pitchFamily="34" charset="0"/>
+                <a:ea typeface="Open Sans" panose="020B0606030504020204" pitchFamily="34" charset="0"/>
+                <a:cs typeface="Open Sans" panose="020B0606030504020204" pitchFamily="34" charset="0"/>
+              </a:rPr>
+              <a:t>Method for visualizing time series data in a two-dimensional image format.</a:t>
+            </a:r>
+          </a:p>
+          <a:p>
+            <a:pPr marL="342884" indent="-342884">
+              <a:buFont typeface="Arial" panose="020B0604020202020204" pitchFamily="34" charset="0"/>
+              <a:buChar char="•"/>
+            </a:pPr>
+            <a:r>
+              <a:rPr lang="en-US" sz="2400" b="1" dirty="0">
+                <a:solidFill>
+                  <a:srgbClr val="33006F"/>
+                </a:solidFill>
+                <a:latin typeface="Open Sans" panose="020B0606030504020204" pitchFamily="34" charset="0"/>
+                <a:ea typeface="Open Sans" panose="020B0606030504020204" pitchFamily="34" charset="0"/>
+                <a:cs typeface="Open Sans" panose="020B0606030504020204" pitchFamily="34" charset="0"/>
+              </a:rPr>
+              <a:t>Conversion: </a:t>
+            </a:r>
+            <a:r>
+              <a:rPr lang="en-US" sz="2400" dirty="0">
+                <a:solidFill>
+                  <a:srgbClr val="000000"/>
+                </a:solidFill>
+                <a:latin typeface="Open Sans" panose="020B0606030504020204" pitchFamily="34" charset="0"/>
+                <a:ea typeface="Open Sans" panose="020B0606030504020204" pitchFamily="34" charset="0"/>
+                <a:cs typeface="Open Sans" panose="020B0606030504020204" pitchFamily="34" charset="0"/>
+              </a:rPr>
+              <a:t>Converts time series into a symmetric matrix which represents the pairwise angles between points in the time series.</a:t>
+            </a:r>
+          </a:p>
+          <a:p>
+            <a:pPr marL="342884" indent="-342884">
+              <a:buFont typeface="Arial" panose="020B0604020202020204" pitchFamily="34" charset="0"/>
+              <a:buChar char="•"/>
+            </a:pPr>
+            <a:r>
+              <a:rPr lang="en-US" sz="2400" b="1" dirty="0">
+                <a:solidFill>
+                  <a:srgbClr val="33006F"/>
+                </a:solidFill>
+                <a:latin typeface="Open Sans" panose="020B0606030504020204" pitchFamily="34" charset="0"/>
+                <a:ea typeface="Open Sans" panose="020B0606030504020204" pitchFamily="34" charset="0"/>
+                <a:cs typeface="Open Sans" panose="020B0606030504020204" pitchFamily="34" charset="0"/>
+              </a:rPr>
+              <a:t>Application: </a:t>
+            </a:r>
+            <a:r>
+              <a:rPr lang="en-US" sz="2400" dirty="0">
+                <a:solidFill>
+                  <a:srgbClr val="000000"/>
+                </a:solidFill>
+                <a:latin typeface="Open Sans" panose="020B0606030504020204" pitchFamily="34" charset="0"/>
+                <a:ea typeface="Open Sans" panose="020B0606030504020204" pitchFamily="34" charset="0"/>
+                <a:cs typeface="Open Sans" panose="020B0606030504020204" pitchFamily="34" charset="0"/>
+              </a:rPr>
+              <a:t>Provides visual representation of complex temporal patterns which is useful for tasks like classification of time series data.</a:t>
+            </a:r>
+          </a:p>
+        </p:txBody>
+      </p:sp>
+      <p:graphicFrame>
+        <p:nvGraphicFramePr>
+          <p:cNvPr id="96" name="Table 27">
+            <a:extLst>
+              <a:ext uri="{FF2B5EF4-FFF2-40B4-BE49-F238E27FC236}">
+                <a16:creationId xmlns:a16="http://schemas.microsoft.com/office/drawing/2014/main" id="{65FEEE5A-4B51-E21E-BF1B-F0E094E47CE7}"/>
+              </a:ext>
+            </a:extLst>
+          </p:cNvPr>
+          <p:cNvGraphicFramePr>
+            <a:graphicFrameLocks noGrp="1" noChangeAspect="1"/>
+          </p:cNvGraphicFramePr>
+          <p:nvPr>
+            <p:extLst>
+              <p:ext uri="{D42A27DB-BD31-4B8C-83A1-F6EECF244321}">
+                <p14:modId xmlns:p14="http://schemas.microsoft.com/office/powerpoint/2010/main" val="453480130"/>
+              </p:ext>
+            </p:extLst>
+          </p:nvPr>
+        </p:nvGraphicFramePr>
+        <p:xfrm>
+          <a:off x="31198191" y="20891978"/>
+          <a:ext cx="9677399" cy="4698365"/>
+        </p:xfrm>
+        <a:graphic>
+          <a:graphicData uri="http://schemas.openxmlformats.org/drawingml/2006/table">
+            <a:tbl>
+              <a:tblPr firstRow="1" bandRow="1">
+                <a:tableStyleId>{3C2FFA5D-87B4-456A-9821-1D502468CF0F}</a:tableStyleId>
+              </a:tblPr>
+              <a:tblGrid>
+                <a:gridCol w="408321">
+                  <a:extLst>
+                    <a:ext uri="{9D8B030D-6E8A-4147-A177-3AD203B41FA5}">
+                      <a16:colId xmlns:a16="http://schemas.microsoft.com/office/drawing/2014/main" val="4150575736"/>
+                    </a:ext>
+                  </a:extLst>
+                </a:gridCol>
+                <a:gridCol w="349989">
+                  <a:extLst>
+                    <a:ext uri="{9D8B030D-6E8A-4147-A177-3AD203B41FA5}">
+                      <a16:colId xmlns:a16="http://schemas.microsoft.com/office/drawing/2014/main" val="430986693"/>
+                    </a:ext>
+                  </a:extLst>
+                </a:gridCol>
+                <a:gridCol w="1513308">
+                  <a:extLst>
+                    <a:ext uri="{9D8B030D-6E8A-4147-A177-3AD203B41FA5}">
+                      <a16:colId xmlns:a16="http://schemas.microsoft.com/office/drawing/2014/main" val="2345576602"/>
+                    </a:ext>
+                  </a:extLst>
+                </a:gridCol>
+                <a:gridCol w="2420391">
+                  <a:extLst>
+                    <a:ext uri="{9D8B030D-6E8A-4147-A177-3AD203B41FA5}">
+                      <a16:colId xmlns:a16="http://schemas.microsoft.com/office/drawing/2014/main" val="591402311"/>
+                    </a:ext>
+                  </a:extLst>
+                </a:gridCol>
+                <a:gridCol w="457200">
+                  <a:extLst>
+                    <a:ext uri="{9D8B030D-6E8A-4147-A177-3AD203B41FA5}">
+                      <a16:colId xmlns:a16="http://schemas.microsoft.com/office/drawing/2014/main" val="3894290972"/>
+                    </a:ext>
+                  </a:extLst>
+                </a:gridCol>
+                <a:gridCol w="457200">
+                  <a:extLst>
+                    <a:ext uri="{9D8B030D-6E8A-4147-A177-3AD203B41FA5}">
+                      <a16:colId xmlns:a16="http://schemas.microsoft.com/office/drawing/2014/main" val="3521610786"/>
+                    </a:ext>
+                  </a:extLst>
+                </a:gridCol>
+                <a:gridCol w="2013590">
+                  <a:extLst>
+                    <a:ext uri="{9D8B030D-6E8A-4147-A177-3AD203B41FA5}">
+                      <a16:colId xmlns:a16="http://schemas.microsoft.com/office/drawing/2014/main" val="2668802350"/>
+                    </a:ext>
+                  </a:extLst>
+                </a:gridCol>
+                <a:gridCol w="2057400">
+                  <a:extLst>
+                    <a:ext uri="{9D8B030D-6E8A-4147-A177-3AD203B41FA5}">
+                      <a16:colId xmlns:a16="http://schemas.microsoft.com/office/drawing/2014/main" val="3241017649"/>
+                    </a:ext>
+                  </a:extLst>
+                </a:gridCol>
+              </a:tblGrid>
+              <a:tr h="444022">
+                <a:tc gridSpan="8">
+                  <a:txBody>
+                    <a:bodyPr/>
+                    <a:lstStyle/>
+                    <a:p>
+                      <a:pPr marL="0" marR="0" lvl="0" indent="0" algn="ctr" defTabSz="4389120" rtl="0" eaLnBrk="1" fontAlgn="auto" latinLnBrk="0" hangingPunct="1">
+                        <a:lnSpc>
+                          <a:spcPct val="100000"/>
+                        </a:lnSpc>
+                        <a:spcBef>
+                          <a:spcPts val="0"/>
+                        </a:spcBef>
+                        <a:spcAft>
+                          <a:spcPts val="0"/>
+                        </a:spcAft>
+                        <a:buClrTx/>
+                        <a:buSzTx/>
+                        <a:buFontTx/>
+                        <a:buNone/>
+                        <a:tabLst/>
+                        <a:defRPr/>
+                      </a:pPr>
+                      <a:r>
+                        <a:rPr lang="en-US" sz="2400" dirty="0">
+                          <a:solidFill>
+                            <a:srgbClr val="33006F"/>
+                          </a:solidFill>
+                          <a:latin typeface="Open Sans" panose="020B0606030504020204" pitchFamily="34" charset="0"/>
+                          <a:ea typeface="Open Sans" panose="020B0606030504020204" pitchFamily="34" charset="0"/>
+                          <a:cs typeface="Open Sans" panose="020B0606030504020204" pitchFamily="34" charset="0"/>
+                        </a:rPr>
+                        <a:t>Confusion Matrix</a:t>
+                      </a:r>
+                    </a:p>
+                  </a:txBody>
+                  <a:tcPr/>
+                </a:tc>
+                <a:tc hMerge="1">
+                  <a:txBody>
+                    <a:bodyPr/>
+                    <a:lstStyle/>
+                    <a:p>
+                      <a:endParaRPr lang="en-US"/>
+                    </a:p>
+                  </a:txBody>
+                  <a:tcPr/>
+                </a:tc>
+                <a:tc hMerge="1">
+                  <a:txBody>
+                    <a:bodyPr/>
+                    <a:lstStyle/>
+                    <a:p>
+                      <a:pPr marL="0" marR="0" lvl="0" indent="0" algn="ctr" defTabSz="4389120" rtl="0" eaLnBrk="1" fontAlgn="auto" latinLnBrk="0" hangingPunct="1">
+                        <a:lnSpc>
+                          <a:spcPct val="100000"/>
+                        </a:lnSpc>
+                        <a:spcBef>
+                          <a:spcPts val="0"/>
+                        </a:spcBef>
+                        <a:spcAft>
+                          <a:spcPts val="0"/>
+                        </a:spcAft>
+                        <a:buClrTx/>
+                        <a:buSzTx/>
+                        <a:buFontTx/>
+                        <a:buNone/>
+                        <a:tabLst/>
+                        <a:defRPr/>
+                      </a:pPr>
+                      <a:r>
+                        <a:rPr lang="en-US" sz="2400" dirty="0">
+                          <a:solidFill>
+                            <a:srgbClr val="33006F"/>
+                          </a:solidFill>
+                          <a:latin typeface="Open Sans" panose="020B0606030504020204" pitchFamily="34" charset="0"/>
+                          <a:ea typeface="Open Sans" panose="020B0606030504020204" pitchFamily="34" charset="0"/>
+                          <a:cs typeface="Open Sans" panose="020B0606030504020204" pitchFamily="34" charset="0"/>
+                        </a:rPr>
+                        <a:t>Confusion Matrix</a:t>
+                      </a:r>
+                    </a:p>
+                  </a:txBody>
+                  <a:tcPr/>
+                </a:tc>
+                <a:tc hMerge="1">
+                  <a:txBody>
+                    <a:bodyPr/>
+                    <a:lstStyle/>
+                    <a:p>
+                      <a:endParaRPr lang="en-US"/>
+                    </a:p>
+                  </a:txBody>
+                  <a:tcPr/>
+                </a:tc>
+                <a:tc hMerge="1">
+                  <a:txBody>
+                    <a:bodyPr/>
+                    <a:lstStyle/>
+                    <a:p>
+                      <a:pPr marL="0" marR="0" lvl="0" indent="0" algn="ctr" defTabSz="4389120" rtl="0" eaLnBrk="1" fontAlgn="auto" latinLnBrk="0" hangingPunct="1">
+                        <a:lnSpc>
+                          <a:spcPct val="100000"/>
+                        </a:lnSpc>
+                        <a:spcBef>
+                          <a:spcPts val="0"/>
+                        </a:spcBef>
+                        <a:spcAft>
+                          <a:spcPts val="0"/>
+                        </a:spcAft>
+                        <a:buClrTx/>
+                        <a:buSzTx/>
+                        <a:buFontTx/>
+                        <a:buNone/>
+                        <a:tabLst/>
+                        <a:defRPr/>
+                      </a:pPr>
+                      <a:endParaRPr lang="en-US" sz="2400" dirty="0">
+                        <a:solidFill>
+                          <a:srgbClr val="33006F"/>
+                        </a:solidFill>
+                        <a:latin typeface="Open Sans" panose="020B0606030504020204" pitchFamily="34" charset="0"/>
+                        <a:ea typeface="Open Sans" panose="020B0606030504020204" pitchFamily="34" charset="0"/>
+                        <a:cs typeface="Open Sans" panose="020B0606030504020204" pitchFamily="34" charset="0"/>
+                      </a:endParaRPr>
+                    </a:p>
+                  </a:txBody>
+                  <a:tcPr/>
+                </a:tc>
+                <a:tc hMerge="1">
+                  <a:txBody>
+                    <a:bodyPr/>
+                    <a:lstStyle/>
+                    <a:p>
+                      <a:pPr marL="0" marR="0" lvl="0" indent="0" algn="ctr" defTabSz="4389120" rtl="0" eaLnBrk="1" fontAlgn="auto" latinLnBrk="0" hangingPunct="1">
+                        <a:lnSpc>
+                          <a:spcPct val="100000"/>
+                        </a:lnSpc>
+                        <a:spcBef>
+                          <a:spcPts val="0"/>
+                        </a:spcBef>
+                        <a:spcAft>
+                          <a:spcPts val="0"/>
+                        </a:spcAft>
+                        <a:buClrTx/>
+                        <a:buSzTx/>
+                        <a:buFontTx/>
+                        <a:buNone/>
+                        <a:tabLst/>
+                        <a:defRPr/>
+                      </a:pPr>
+                      <a:endParaRPr lang="en-US" sz="2400" dirty="0">
+                        <a:solidFill>
+                          <a:srgbClr val="33006F"/>
+                        </a:solidFill>
+                        <a:latin typeface="Open Sans" panose="020B0606030504020204" pitchFamily="34" charset="0"/>
+                        <a:ea typeface="Open Sans" panose="020B0606030504020204" pitchFamily="34" charset="0"/>
+                        <a:cs typeface="Open Sans" panose="020B0606030504020204" pitchFamily="34" charset="0"/>
+                      </a:endParaRPr>
+                    </a:p>
+                  </a:txBody>
+                  <a:tcPr/>
+                </a:tc>
+                <a:tc hMerge="1">
+                  <a:txBody>
+                    <a:bodyPr/>
+                    <a:lstStyle/>
+                    <a:p>
+                      <a:pPr marL="0" marR="0" lvl="0" indent="0" algn="ctr" defTabSz="4389120" rtl="0" eaLnBrk="1" fontAlgn="auto" latinLnBrk="0" hangingPunct="1">
+                        <a:lnSpc>
+                          <a:spcPct val="100000"/>
+                        </a:lnSpc>
+                        <a:spcBef>
+                          <a:spcPts val="0"/>
+                        </a:spcBef>
+                        <a:spcAft>
+                          <a:spcPts val="0"/>
+                        </a:spcAft>
+                        <a:buClrTx/>
+                        <a:buSzTx/>
+                        <a:buFontTx/>
+                        <a:buNone/>
+                        <a:tabLst/>
+                        <a:defRPr/>
+                      </a:pPr>
+                      <a:endParaRPr lang="en-US" sz="2400" dirty="0">
+                        <a:solidFill>
+                          <a:srgbClr val="33006F"/>
+                        </a:solidFill>
+                        <a:latin typeface="Open Sans" panose="020B0606030504020204" pitchFamily="34" charset="0"/>
+                        <a:ea typeface="Open Sans" panose="020B0606030504020204" pitchFamily="34" charset="0"/>
+                        <a:cs typeface="Open Sans" panose="020B0606030504020204" pitchFamily="34" charset="0"/>
+                      </a:endParaRPr>
+                    </a:p>
+                  </a:txBody>
+                  <a:tcPr/>
+                </a:tc>
+                <a:tc hMerge="1">
+                  <a:txBody>
+                    <a:bodyPr/>
+                    <a:lstStyle/>
+                    <a:p>
+                      <a:pPr marL="0" marR="0" lvl="0" indent="0" algn="ctr" defTabSz="4389120" rtl="0" eaLnBrk="1" fontAlgn="auto" latinLnBrk="0" hangingPunct="1">
+                        <a:lnSpc>
+                          <a:spcPct val="100000"/>
+                        </a:lnSpc>
+                        <a:spcBef>
+                          <a:spcPts val="0"/>
+                        </a:spcBef>
+                        <a:spcAft>
+                          <a:spcPts val="0"/>
+                        </a:spcAft>
+                        <a:buClrTx/>
+                        <a:buSzTx/>
+                        <a:buFontTx/>
+                        <a:buNone/>
+                        <a:tabLst/>
+                        <a:defRPr/>
+                      </a:pPr>
+                      <a:endParaRPr lang="en-US" sz="2400" dirty="0">
+                        <a:solidFill>
+                          <a:srgbClr val="33006F"/>
+                        </a:solidFill>
+                        <a:latin typeface="Open Sans" panose="020B0606030504020204" pitchFamily="34" charset="0"/>
+                        <a:ea typeface="Open Sans" panose="020B0606030504020204" pitchFamily="34" charset="0"/>
+                        <a:cs typeface="Open Sans" panose="020B0606030504020204" pitchFamily="34" charset="0"/>
+                      </a:endParaRPr>
+                    </a:p>
+                  </a:txBody>
+                  <a:tcPr/>
+                </a:tc>
+                <a:extLst>
+                  <a:ext uri="{0D108BD9-81ED-4DB2-BD59-A6C34878D82A}">
+                    <a16:rowId xmlns:a16="http://schemas.microsoft.com/office/drawing/2014/main" val="1140761208"/>
+                  </a:ext>
+                </a:extLst>
+              </a:tr>
+              <a:tr h="291622">
+                <a:tc gridSpan="2">
+                  <a:txBody>
+                    <a:bodyPr/>
+                    <a:lstStyle/>
+                    <a:p>
+                      <a:endParaRPr lang="en-US" sz="1800" dirty="0">
+                        <a:latin typeface="Open Sans" panose="020B0606030504020204" pitchFamily="34" charset="0"/>
+                        <a:ea typeface="Open Sans" panose="020B0606030504020204" pitchFamily="34" charset="0"/>
+                        <a:cs typeface="Open Sans" panose="020B0606030504020204" pitchFamily="34" charset="0"/>
+                      </a:endParaRPr>
+                    </a:p>
+                  </a:txBody>
+                  <a:tcPr/>
+                </a:tc>
+                <a:tc hMerge="1">
+                  <a:txBody>
+                    <a:bodyPr/>
+                    <a:lstStyle/>
+                    <a:p>
+                      <a:endParaRPr lang="en-US"/>
+                    </a:p>
+                  </a:txBody>
+                  <a:tcPr/>
+                </a:tc>
+                <a:tc gridSpan="2">
+                  <a:txBody>
+                    <a:bodyPr/>
+                    <a:lstStyle/>
+                    <a:p>
+                      <a:pPr algn="ctr"/>
+                      <a:r>
+                        <a:rPr lang="en-US" sz="1800" dirty="0">
+                          <a:solidFill>
+                            <a:srgbClr val="33006F"/>
+                          </a:solidFill>
+                          <a:latin typeface="Open Sans" panose="020B0606030504020204" pitchFamily="34" charset="0"/>
+                          <a:ea typeface="Open Sans" panose="020B0606030504020204" pitchFamily="34" charset="0"/>
+                          <a:cs typeface="Open Sans" panose="020B0606030504020204" pitchFamily="34" charset="0"/>
+                        </a:rPr>
+                        <a:t>GASF</a:t>
+                      </a:r>
+                    </a:p>
+                  </a:txBody>
+                  <a:tcPr/>
+                </a:tc>
+                <a:tc hMerge="1">
+                  <a:txBody>
+                    <a:bodyPr/>
+                    <a:lstStyle/>
+                    <a:p>
+                      <a:pPr algn="ctr"/>
+                      <a:r>
+                        <a:rPr lang="en-US" sz="1800">
+                          <a:solidFill>
+                            <a:srgbClr val="33006F"/>
+                          </a:solidFill>
+                          <a:latin typeface="Open Sans" panose="020B0606030504020204" pitchFamily="34" charset="0"/>
+                          <a:ea typeface="Open Sans" panose="020B0606030504020204" pitchFamily="34" charset="0"/>
+                          <a:cs typeface="Open Sans" panose="020B0606030504020204" pitchFamily="34" charset="0"/>
+                        </a:rPr>
+                        <a:t>Detector 2</a:t>
+                      </a:r>
+                      <a:endParaRPr lang="en-US" sz="1800" dirty="0">
+                        <a:solidFill>
+                          <a:srgbClr val="33006F"/>
+                        </a:solidFill>
+                        <a:latin typeface="Open Sans" panose="020B0606030504020204" pitchFamily="34" charset="0"/>
+                        <a:ea typeface="Open Sans" panose="020B0606030504020204" pitchFamily="34" charset="0"/>
+                        <a:cs typeface="Open Sans" panose="020B0606030504020204" pitchFamily="34" charset="0"/>
+                      </a:endParaRPr>
+                    </a:p>
+                  </a:txBody>
+                  <a:tcPr/>
+                </a:tc>
+                <a:tc gridSpan="2">
+                  <a:txBody>
+                    <a:bodyPr/>
+                    <a:lstStyle/>
+                    <a:p>
+                      <a:pPr algn="ctr"/>
+                      <a:endParaRPr lang="en-US" sz="1800" dirty="0">
+                        <a:solidFill>
+                          <a:srgbClr val="33006F"/>
+                        </a:solidFill>
+                        <a:latin typeface="Open Sans" panose="020B0606030504020204" pitchFamily="34" charset="0"/>
+                        <a:ea typeface="Open Sans" panose="020B0606030504020204" pitchFamily="34" charset="0"/>
+                        <a:cs typeface="Open Sans" panose="020B0606030504020204" pitchFamily="34" charset="0"/>
+                      </a:endParaRPr>
+                    </a:p>
+                  </a:txBody>
+                  <a:tcPr/>
+                </a:tc>
+                <a:tc hMerge="1">
+                  <a:txBody>
+                    <a:bodyPr/>
+                    <a:lstStyle/>
+                    <a:p>
+                      <a:pPr algn="ctr"/>
+                      <a:endParaRPr lang="en-US" sz="1800" dirty="0">
+                        <a:solidFill>
+                          <a:srgbClr val="33006F"/>
+                        </a:solidFill>
+                        <a:latin typeface="Open Sans" panose="020B0606030504020204" pitchFamily="34" charset="0"/>
+                        <a:ea typeface="Open Sans" panose="020B0606030504020204" pitchFamily="34" charset="0"/>
+                        <a:cs typeface="Open Sans" panose="020B0606030504020204" pitchFamily="34" charset="0"/>
+                      </a:endParaRPr>
+                    </a:p>
+                  </a:txBody>
+                  <a:tcPr/>
+                </a:tc>
+                <a:tc gridSpan="2">
+                  <a:txBody>
+                    <a:bodyPr/>
+                    <a:lstStyle/>
+                    <a:p>
+                      <a:pPr algn="ctr"/>
+                      <a:r>
+                        <a:rPr lang="en-US" sz="1800" dirty="0">
+                          <a:solidFill>
+                            <a:srgbClr val="33006F"/>
+                          </a:solidFill>
+                          <a:latin typeface="Open Sans" panose="020B0606030504020204" pitchFamily="34" charset="0"/>
+                          <a:ea typeface="Open Sans" panose="020B0606030504020204" pitchFamily="34" charset="0"/>
+                          <a:cs typeface="Open Sans" panose="020B0606030504020204" pitchFamily="34" charset="0"/>
+                        </a:rPr>
+                        <a:t>Spectrogram</a:t>
+                      </a:r>
+                    </a:p>
+                  </a:txBody>
+                  <a:tcPr/>
+                </a:tc>
+                <a:tc hMerge="1">
+                  <a:txBody>
+                    <a:bodyPr/>
+                    <a:lstStyle/>
+                    <a:p>
+                      <a:pPr algn="ctr"/>
+                      <a:endParaRPr lang="en-US" sz="1800" dirty="0">
+                        <a:solidFill>
+                          <a:srgbClr val="33006F"/>
+                        </a:solidFill>
+                        <a:latin typeface="Open Sans" panose="020B0606030504020204" pitchFamily="34" charset="0"/>
+                        <a:ea typeface="Open Sans" panose="020B0606030504020204" pitchFamily="34" charset="0"/>
+                        <a:cs typeface="Open Sans" panose="020B0606030504020204" pitchFamily="34" charset="0"/>
+                      </a:endParaRPr>
+                    </a:p>
+                  </a:txBody>
+                  <a:tcPr/>
+                </a:tc>
+                <a:extLst>
+                  <a:ext uri="{0D108BD9-81ED-4DB2-BD59-A6C34878D82A}">
+                    <a16:rowId xmlns:a16="http://schemas.microsoft.com/office/drawing/2014/main" val="1031923118"/>
+                  </a:ext>
+                </a:extLst>
+              </a:tr>
+              <a:tr h="1405400">
+                <a:tc rowSpan="2">
+                  <a:txBody>
+                    <a:bodyPr/>
+                    <a:lstStyle/>
+                    <a:p>
+                      <a:pPr algn="ctr"/>
+                      <a:r>
+                        <a:rPr lang="en-US" sz="1800" dirty="0">
+                          <a:latin typeface="Open Sans" panose="020B0606030504020204" pitchFamily="34" charset="0"/>
+                          <a:ea typeface="Open Sans" panose="020B0606030504020204" pitchFamily="34" charset="0"/>
+                          <a:cs typeface="Open Sans" panose="020B0606030504020204" pitchFamily="34" charset="0"/>
+                        </a:rPr>
+                        <a:t>Truth</a:t>
+                      </a:r>
+                    </a:p>
+                  </a:txBody>
+                  <a:tcPr vert="vert270"/>
+                </a:tc>
+                <a:tc>
+                  <a:txBody>
+                    <a:bodyPr/>
+                    <a:lstStyle/>
+                    <a:p>
+                      <a:pPr algn="ctr"/>
+                      <a:r>
+                        <a:rPr lang="en-US" sz="1800" dirty="0">
+                          <a:latin typeface="Open Sans" panose="020B0606030504020204" pitchFamily="34" charset="0"/>
+                          <a:ea typeface="Open Sans" panose="020B0606030504020204" pitchFamily="34" charset="0"/>
+                          <a:cs typeface="Open Sans" panose="020B0606030504020204" pitchFamily="34" charset="0"/>
+                        </a:rPr>
+                        <a:t>Background</a:t>
+                      </a:r>
+                    </a:p>
+                  </a:txBody>
+                  <a:tcPr vert="vert270"/>
+                </a:tc>
+                <a:tc rowSpan="2" gridSpan="2">
+                  <a:txBody>
+                    <a:bodyPr/>
+                    <a:lstStyle/>
+                    <a:p>
+                      <a:endParaRPr lang="en-US" sz="1800" dirty="0">
+                        <a:latin typeface="Open Sans" panose="020B0606030504020204" pitchFamily="34" charset="0"/>
+                        <a:ea typeface="Open Sans" panose="020B0606030504020204" pitchFamily="34" charset="0"/>
+                        <a:cs typeface="Open Sans" panose="020B0606030504020204" pitchFamily="34" charset="0"/>
+                      </a:endParaRPr>
+                    </a:p>
+                  </a:txBody>
+                  <a:tcPr>
+                    <a:noFill/>
+                  </a:tcPr>
+                </a:tc>
+                <a:tc rowSpan="2" hMerge="1">
+                  <a:txBody>
+                    <a:bodyPr/>
+                    <a:lstStyle/>
+                    <a:p>
+                      <a:endParaRPr lang="en-US"/>
+                    </a:p>
+                  </a:txBody>
+                  <a:tcPr/>
+                </a:tc>
+                <a:tc rowSpan="2">
+                  <a:txBody>
+                    <a:bodyPr/>
+                    <a:lstStyle/>
+                    <a:p>
+                      <a:pPr algn="ctr"/>
+                      <a:r>
+                        <a:rPr lang="en-US" sz="1800" dirty="0">
+                          <a:latin typeface="Open Sans" panose="020B0606030504020204" pitchFamily="34" charset="0"/>
+                          <a:ea typeface="Open Sans" panose="020B0606030504020204" pitchFamily="34" charset="0"/>
+                          <a:cs typeface="Open Sans" panose="020B0606030504020204" pitchFamily="34" charset="0"/>
+                        </a:rPr>
+                        <a:t>Truth</a:t>
+                      </a:r>
+                    </a:p>
+                  </a:txBody>
+                  <a:tcPr vert="vert270">
+                    <a:noFill/>
+                  </a:tcPr>
+                </a:tc>
+                <a:tc>
+                  <a:txBody>
+                    <a:bodyPr/>
+                    <a:lstStyle/>
+                    <a:p>
+                      <a:pPr algn="ctr"/>
+                      <a:r>
+                        <a:rPr lang="en-US" sz="1800" dirty="0">
+                          <a:latin typeface="Open Sans" panose="020B0606030504020204" pitchFamily="34" charset="0"/>
+                          <a:ea typeface="Open Sans" panose="020B0606030504020204" pitchFamily="34" charset="0"/>
+                          <a:cs typeface="Open Sans" panose="020B0606030504020204" pitchFamily="34" charset="0"/>
+                        </a:rPr>
+                        <a:t>Background</a:t>
+                      </a:r>
+                    </a:p>
+                  </a:txBody>
+                  <a:tcPr vert="vert270">
+                    <a:noFill/>
+                  </a:tcPr>
+                </a:tc>
+                <a:tc rowSpan="2" gridSpan="2">
+                  <a:txBody>
+                    <a:bodyPr/>
+                    <a:lstStyle/>
+                    <a:p>
+                      <a:endParaRPr lang="en-US" sz="1800" dirty="0">
+                        <a:latin typeface="Open Sans" panose="020B0606030504020204" pitchFamily="34" charset="0"/>
+                        <a:ea typeface="Open Sans" panose="020B0606030504020204" pitchFamily="34" charset="0"/>
+                        <a:cs typeface="Open Sans" panose="020B0606030504020204" pitchFamily="34" charset="0"/>
+                      </a:endParaRPr>
+                    </a:p>
+                  </a:txBody>
+                  <a:tcPr>
+                    <a:noFill/>
+                  </a:tcPr>
+                </a:tc>
+                <a:tc rowSpan="2" hMerge="1">
+                  <a:txBody>
+                    <a:bodyPr/>
+                    <a:lstStyle/>
+                    <a:p>
+                      <a:endParaRPr lang="en-US" sz="1800" dirty="0">
+                        <a:latin typeface="Open Sans" panose="020B0606030504020204" pitchFamily="34" charset="0"/>
+                        <a:ea typeface="Open Sans" panose="020B0606030504020204" pitchFamily="34" charset="0"/>
+                        <a:cs typeface="Open Sans" panose="020B0606030504020204" pitchFamily="34" charset="0"/>
+                      </a:endParaRPr>
+                    </a:p>
+                  </a:txBody>
+                  <a:tcPr>
+                    <a:noFill/>
+                  </a:tcPr>
+                </a:tc>
+                <a:extLst>
+                  <a:ext uri="{0D108BD9-81ED-4DB2-BD59-A6C34878D82A}">
+                    <a16:rowId xmlns:a16="http://schemas.microsoft.com/office/drawing/2014/main" val="903985400"/>
+                  </a:ext>
+                </a:extLst>
+              </a:tr>
+              <a:tr h="1439451">
+                <a:tc vMerge="1">
+                  <a:txBody>
+                    <a:bodyPr/>
+                    <a:lstStyle/>
+                    <a:p>
+                      <a:pPr marL="0" marR="0" lvl="0" indent="0" algn="ctr" defTabSz="4389120" rtl="0" eaLnBrk="1" fontAlgn="auto" latinLnBrk="0" hangingPunct="1">
+                        <a:lnSpc>
+                          <a:spcPct val="100000"/>
+                        </a:lnSpc>
+                        <a:spcBef>
+                          <a:spcPts val="0"/>
+                        </a:spcBef>
+                        <a:spcAft>
+                          <a:spcPts val="0"/>
+                        </a:spcAft>
+                        <a:buClrTx/>
+                        <a:buSzTx/>
+                        <a:buFontTx/>
+                        <a:buNone/>
+                        <a:tabLst/>
+                        <a:defRPr/>
+                      </a:pPr>
+                      <a:r>
+                        <a:rPr lang="en-US" sz="1800" dirty="0">
+                          <a:latin typeface="Open Sans" panose="020B0606030504020204" pitchFamily="34" charset="0"/>
+                          <a:ea typeface="Open Sans" panose="020B0606030504020204" pitchFamily="34" charset="0"/>
+                          <a:cs typeface="Open Sans" panose="020B0606030504020204" pitchFamily="34" charset="0"/>
+                        </a:rPr>
+                        <a:t>Strain</a:t>
+                      </a:r>
+                    </a:p>
+                    <a:p>
+                      <a:endParaRPr lang="en-US" sz="1800" dirty="0">
+                        <a:latin typeface="Open Sans" panose="020B0606030504020204" pitchFamily="34" charset="0"/>
+                        <a:ea typeface="Open Sans" panose="020B0606030504020204" pitchFamily="34" charset="0"/>
+                        <a:cs typeface="Open Sans" panose="020B0606030504020204" pitchFamily="34" charset="0"/>
+                      </a:endParaRPr>
+                    </a:p>
+                  </a:txBody>
+                  <a:tcPr vert="vert270"/>
+                </a:tc>
+                <a:tc>
+                  <a:txBody>
+                    <a:bodyPr/>
+                    <a:lstStyle/>
+                    <a:p>
+                      <a:pPr algn="ctr"/>
+                      <a:r>
+                        <a:rPr lang="en-US" sz="1800" dirty="0">
+                          <a:latin typeface="Open Sans" panose="020B0606030504020204" pitchFamily="34" charset="0"/>
+                          <a:ea typeface="Open Sans" panose="020B0606030504020204" pitchFamily="34" charset="0"/>
+                          <a:cs typeface="Open Sans" panose="020B0606030504020204" pitchFamily="34" charset="0"/>
+                        </a:rPr>
+                        <a:t>Signal</a:t>
+                      </a:r>
+                    </a:p>
+                  </a:txBody>
+                  <a:tcPr vert="vert270"/>
+                </a:tc>
+                <a:tc gridSpan="2" vMerge="1">
+                  <a:txBody>
+                    <a:bodyPr/>
+                    <a:lstStyle/>
+                    <a:p>
+                      <a:endParaRPr lang="en-US"/>
+                    </a:p>
+                  </a:txBody>
+                  <a:tcPr/>
+                </a:tc>
+                <a:tc hMerge="1" vMerge="1">
+                  <a:txBody>
+                    <a:bodyPr/>
+                    <a:lstStyle/>
+                    <a:p>
+                      <a:endParaRPr lang="en-US"/>
+                    </a:p>
+                  </a:txBody>
+                  <a:tcPr/>
+                </a:tc>
+                <a:tc vMerge="1">
+                  <a:txBody>
+                    <a:bodyPr/>
+                    <a:lstStyle/>
+                    <a:p>
+                      <a:pPr marL="0" marR="0" lvl="0" indent="0" algn="ctr" defTabSz="4389120" rtl="0" eaLnBrk="1" fontAlgn="auto" latinLnBrk="0" hangingPunct="1">
+                        <a:lnSpc>
+                          <a:spcPct val="100000"/>
+                        </a:lnSpc>
+                        <a:spcBef>
+                          <a:spcPts val="0"/>
+                        </a:spcBef>
+                        <a:spcAft>
+                          <a:spcPts val="0"/>
+                        </a:spcAft>
+                        <a:buClrTx/>
+                        <a:buSzTx/>
+                        <a:buFontTx/>
+                        <a:buNone/>
+                        <a:tabLst/>
+                        <a:defRPr/>
+                      </a:pPr>
+                      <a:r>
+                        <a:rPr lang="en-US" sz="1800" dirty="0">
+                          <a:latin typeface="Open Sans" panose="020B0606030504020204" pitchFamily="34" charset="0"/>
+                          <a:ea typeface="Open Sans" panose="020B0606030504020204" pitchFamily="34" charset="0"/>
+                          <a:cs typeface="Open Sans" panose="020B0606030504020204" pitchFamily="34" charset="0"/>
+                        </a:rPr>
+                        <a:t>Strain</a:t>
+                      </a:r>
+                    </a:p>
+                  </a:txBody>
+                  <a:tcPr vert="vert270"/>
+                </a:tc>
+                <a:tc>
+                  <a:txBody>
+                    <a:bodyPr/>
+                    <a:lstStyle/>
+                    <a:p>
+                      <a:pPr algn="ctr"/>
+                      <a:r>
+                        <a:rPr lang="en-US" sz="1800" dirty="0">
+                          <a:latin typeface="Open Sans" panose="020B0606030504020204" pitchFamily="34" charset="0"/>
+                          <a:ea typeface="Open Sans" panose="020B0606030504020204" pitchFamily="34" charset="0"/>
+                          <a:cs typeface="Open Sans" panose="020B0606030504020204" pitchFamily="34" charset="0"/>
+                        </a:rPr>
+                        <a:t>Signal</a:t>
+                      </a:r>
+                    </a:p>
+                  </a:txBody>
+                  <a:tcPr vert="vert270"/>
+                </a:tc>
+                <a:tc gridSpan="2" vMerge="1">
+                  <a:txBody>
+                    <a:bodyPr/>
+                    <a:lstStyle/>
+                    <a:p>
+                      <a:endParaRPr lang="en-US" dirty="0"/>
+                    </a:p>
+                  </a:txBody>
+                  <a:tcPr/>
+                </a:tc>
+                <a:tc hMerge="1" vMerge="1">
+                  <a:txBody>
+                    <a:bodyPr/>
+                    <a:lstStyle/>
+                    <a:p>
+                      <a:endParaRPr lang="en-US"/>
+                    </a:p>
+                  </a:txBody>
+                  <a:tcPr/>
+                </a:tc>
+                <a:extLst>
+                  <a:ext uri="{0D108BD9-81ED-4DB2-BD59-A6C34878D82A}">
+                    <a16:rowId xmlns:a16="http://schemas.microsoft.com/office/drawing/2014/main" val="1165105423"/>
+                  </a:ext>
+                </a:extLst>
+              </a:tr>
+              <a:tr h="357611">
+                <a:tc rowSpan="2" gridSpan="2">
+                  <a:txBody>
+                    <a:bodyPr/>
+                    <a:lstStyle/>
+                    <a:p>
+                      <a:pPr algn="ctr"/>
+                      <a:endParaRPr lang="en-US" sz="1800">
+                        <a:latin typeface="Open Sans" panose="020B0606030504020204" pitchFamily="34" charset="0"/>
+                        <a:ea typeface="Open Sans" panose="020B0606030504020204" pitchFamily="34" charset="0"/>
+                        <a:cs typeface="Open Sans" panose="020B0606030504020204" pitchFamily="34" charset="0"/>
+                      </a:endParaRPr>
+                    </a:p>
+                  </a:txBody>
+                  <a:tcPr/>
+                </a:tc>
+                <a:tc rowSpan="2" hMerge="1">
+                  <a:txBody>
+                    <a:bodyPr/>
+                    <a:lstStyle/>
+                    <a:p>
+                      <a:endParaRPr lang="en-US"/>
+                    </a:p>
+                  </a:txBody>
+                  <a:tcPr/>
+                </a:tc>
+                <a:tc>
+                  <a:txBody>
+                    <a:bodyPr/>
+                    <a:lstStyle/>
+                    <a:p>
+                      <a:pPr algn="ctr"/>
+                      <a:r>
+                        <a:rPr lang="en-US" sz="1800" dirty="0">
+                          <a:latin typeface="Open Sans" panose="020B0606030504020204" pitchFamily="34" charset="0"/>
+                          <a:ea typeface="Open Sans" panose="020B0606030504020204" pitchFamily="34" charset="0"/>
+                          <a:cs typeface="Open Sans" panose="020B0606030504020204" pitchFamily="34" charset="0"/>
+                        </a:rPr>
+                        <a:t>Background</a:t>
+                      </a:r>
+                    </a:p>
+                  </a:txBody>
+                  <a:tcPr/>
+                </a:tc>
+                <a:tc>
+                  <a:txBody>
+                    <a:bodyPr/>
+                    <a:lstStyle/>
+                    <a:p>
+                      <a:pPr algn="ctr"/>
+                      <a:r>
+                        <a:rPr lang="en-US" sz="1800" dirty="0">
+                          <a:latin typeface="Open Sans" panose="020B0606030504020204" pitchFamily="34" charset="0"/>
+                          <a:ea typeface="Open Sans" panose="020B0606030504020204" pitchFamily="34" charset="0"/>
+                          <a:cs typeface="Open Sans" panose="020B0606030504020204" pitchFamily="34" charset="0"/>
+                        </a:rPr>
+                        <a:t>Signal</a:t>
+                      </a:r>
+                    </a:p>
+                  </a:txBody>
+                  <a:tcPr/>
+                </a:tc>
+                <a:tc rowSpan="2" gridSpan="2">
+                  <a:txBody>
+                    <a:bodyPr/>
+                    <a:lstStyle/>
+                    <a:p>
+                      <a:pPr algn="ctr"/>
+                      <a:endParaRPr lang="en-US" sz="1800" dirty="0">
+                        <a:latin typeface="Open Sans" panose="020B0606030504020204" pitchFamily="34" charset="0"/>
+                        <a:ea typeface="Open Sans" panose="020B0606030504020204" pitchFamily="34" charset="0"/>
+                        <a:cs typeface="Open Sans" panose="020B0606030504020204" pitchFamily="34" charset="0"/>
+                      </a:endParaRPr>
+                    </a:p>
+                  </a:txBody>
+                  <a:tcPr/>
+                </a:tc>
+                <a:tc rowSpan="2" hMerge="1">
+                  <a:txBody>
+                    <a:bodyPr/>
+                    <a:lstStyle/>
+                    <a:p>
+                      <a:pPr algn="ctr"/>
+                      <a:endParaRPr lang="en-US" sz="1800" dirty="0">
+                        <a:latin typeface="Open Sans" panose="020B0606030504020204" pitchFamily="34" charset="0"/>
+                        <a:ea typeface="Open Sans" panose="020B0606030504020204" pitchFamily="34" charset="0"/>
+                        <a:cs typeface="Open Sans" panose="020B0606030504020204" pitchFamily="34" charset="0"/>
+                      </a:endParaRPr>
+                    </a:p>
+                  </a:txBody>
+                  <a:tcPr/>
+                </a:tc>
+                <a:tc>
+                  <a:txBody>
+                    <a:bodyPr/>
+                    <a:lstStyle/>
+                    <a:p>
+                      <a:pPr algn="ctr"/>
+                      <a:r>
+                        <a:rPr lang="en-US" sz="1800" dirty="0">
+                          <a:latin typeface="Open Sans" panose="020B0606030504020204" pitchFamily="34" charset="0"/>
+                          <a:ea typeface="Open Sans" panose="020B0606030504020204" pitchFamily="34" charset="0"/>
+                          <a:cs typeface="Open Sans" panose="020B0606030504020204" pitchFamily="34" charset="0"/>
+                        </a:rPr>
+                        <a:t>Background</a:t>
+                      </a:r>
+                    </a:p>
+                  </a:txBody>
+                  <a:tcPr/>
+                </a:tc>
+                <a:tc>
+                  <a:txBody>
+                    <a:bodyPr/>
+                    <a:lstStyle/>
+                    <a:p>
+                      <a:pPr algn="ctr"/>
+                      <a:r>
+                        <a:rPr lang="en-US" sz="1800" dirty="0">
+                          <a:latin typeface="Open Sans" panose="020B0606030504020204" pitchFamily="34" charset="0"/>
+                          <a:ea typeface="Open Sans" panose="020B0606030504020204" pitchFamily="34" charset="0"/>
+                          <a:cs typeface="Open Sans" panose="020B0606030504020204" pitchFamily="34" charset="0"/>
+                        </a:rPr>
+                        <a:t>Signal</a:t>
+                      </a:r>
+                    </a:p>
+                  </a:txBody>
+                  <a:tcPr/>
+                </a:tc>
+                <a:extLst>
+                  <a:ext uri="{0D108BD9-81ED-4DB2-BD59-A6C34878D82A}">
+                    <a16:rowId xmlns:a16="http://schemas.microsoft.com/office/drawing/2014/main" val="229917688"/>
+                  </a:ext>
+                </a:extLst>
+              </a:tr>
+              <a:tr h="664794">
+                <a:tc gridSpan="2" vMerge="1">
+                  <a:txBody>
+                    <a:bodyPr/>
+                    <a:lstStyle/>
+                    <a:p>
+                      <a:endParaRPr lang="en-US"/>
+                    </a:p>
+                  </a:txBody>
+                  <a:tcPr/>
+                </a:tc>
+                <a:tc hMerge="1" vMerge="1">
+                  <a:txBody>
+                    <a:bodyPr/>
+                    <a:lstStyle/>
+                    <a:p>
+                      <a:endParaRPr lang="en-US"/>
+                    </a:p>
+                  </a:txBody>
+                  <a:tcPr/>
+                </a:tc>
+                <a:tc gridSpan="2">
+                  <a:txBody>
+                    <a:bodyPr/>
+                    <a:lstStyle/>
+                    <a:p>
+                      <a:pPr algn="ctr"/>
+                      <a:r>
+                        <a:rPr lang="en-US" sz="1800" dirty="0">
+                          <a:latin typeface="Open Sans" panose="020B0606030504020204" pitchFamily="34" charset="0"/>
+                          <a:ea typeface="Open Sans" panose="020B0606030504020204" pitchFamily="34" charset="0"/>
+                          <a:cs typeface="Open Sans" panose="020B0606030504020204" pitchFamily="34" charset="0"/>
+                        </a:rPr>
+                        <a:t>Predicted</a:t>
+                      </a:r>
+                    </a:p>
+                  </a:txBody>
+                  <a:tcPr/>
+                </a:tc>
+                <a:tc hMerge="1">
+                  <a:txBody>
+                    <a:bodyPr/>
+                    <a:lstStyle/>
+                    <a:p>
+                      <a:pPr algn="ctr"/>
+                      <a:endParaRPr lang="en-US" sz="1800" dirty="0">
+                        <a:latin typeface="Open Sans" panose="020B0606030504020204" pitchFamily="34" charset="0"/>
+                        <a:ea typeface="Open Sans" panose="020B0606030504020204" pitchFamily="34" charset="0"/>
+                        <a:cs typeface="Open Sans" panose="020B0606030504020204" pitchFamily="34" charset="0"/>
+                      </a:endParaRPr>
+                    </a:p>
+                  </a:txBody>
+                  <a:tcPr/>
+                </a:tc>
+                <a:tc gridSpan="2" vMerge="1">
+                  <a:txBody>
+                    <a:bodyPr/>
+                    <a:lstStyle/>
+                    <a:p>
+                      <a:endParaRPr lang="en-US"/>
+                    </a:p>
+                  </a:txBody>
+                  <a:tcPr/>
+                </a:tc>
+                <a:tc hMerge="1" vMerge="1">
+                  <a:txBody>
+                    <a:bodyPr/>
+                    <a:lstStyle/>
+                    <a:p>
+                      <a:endParaRPr lang="en-US"/>
+                    </a:p>
+                  </a:txBody>
+                  <a:tcPr/>
+                </a:tc>
+                <a:tc gridSpan="2">
+                  <a:txBody>
+                    <a:bodyPr/>
+                    <a:lstStyle/>
+                    <a:p>
+                      <a:pPr algn="ctr"/>
+                      <a:r>
+                        <a:rPr lang="en-US" sz="1800" dirty="0">
+                          <a:latin typeface="Open Sans" panose="020B0606030504020204" pitchFamily="34" charset="0"/>
+                          <a:ea typeface="Open Sans" panose="020B0606030504020204" pitchFamily="34" charset="0"/>
+                          <a:cs typeface="Open Sans" panose="020B0606030504020204" pitchFamily="34" charset="0"/>
+                        </a:rPr>
+                        <a:t>Predicted</a:t>
+                      </a:r>
+                    </a:p>
+                  </a:txBody>
+                  <a:tcPr/>
+                </a:tc>
+                <a:tc hMerge="1">
+                  <a:txBody>
+                    <a:bodyPr/>
+                    <a:lstStyle/>
+                    <a:p>
+                      <a:pPr algn="ctr"/>
+                      <a:endParaRPr lang="en-US" sz="1800" dirty="0">
+                        <a:latin typeface="Open Sans" panose="020B0606030504020204" pitchFamily="34" charset="0"/>
+                        <a:ea typeface="Open Sans" panose="020B0606030504020204" pitchFamily="34" charset="0"/>
+                        <a:cs typeface="Open Sans" panose="020B0606030504020204" pitchFamily="34" charset="0"/>
+                      </a:endParaRPr>
+                    </a:p>
+                  </a:txBody>
+                  <a:tcPr/>
+                </a:tc>
+                <a:extLst>
+                  <a:ext uri="{0D108BD9-81ED-4DB2-BD59-A6C34878D82A}">
+                    <a16:rowId xmlns:a16="http://schemas.microsoft.com/office/drawing/2014/main" val="3340978695"/>
+                  </a:ext>
+                </a:extLst>
+              </a:tr>
+            </a:tbl>
+          </a:graphicData>
+        </a:graphic>
+      </p:graphicFrame>
+      <p:pic>
+        <p:nvPicPr>
+          <p:cNvPr id="113" name="Picture 112" descr="A blue squares with white text&#10;&#10;Description automatically generated">
+            <a:extLst>
+              <a:ext uri="{FF2B5EF4-FFF2-40B4-BE49-F238E27FC236}">
+                <a16:creationId xmlns:a16="http://schemas.microsoft.com/office/drawing/2014/main" id="{4F3E049F-6E77-17AC-7BEE-7FDECDE80DC2}"/>
+              </a:ext>
+            </a:extLst>
+          </p:cNvPr>
+          <p:cNvPicPr>
+            <a:picLocks noChangeAspect="1"/>
+          </p:cNvPicPr>
+          <p:nvPr/>
+        </p:nvPicPr>
+        <p:blipFill>
+          <a:blip r:embed="rId9"/>
+          <a:stretch>
+            <a:fillRect/>
+          </a:stretch>
+        </p:blipFill>
+        <p:spPr>
+          <a:xfrm>
+            <a:off x="36696774" y="21596640"/>
+            <a:ext cx="4178816" cy="3602743"/>
+          </a:xfrm>
+          <a:prstGeom prst="rect">
+            <a:avLst/>
+          </a:prstGeom>
+        </p:spPr>
+      </p:pic>
+      <p:pic>
+        <p:nvPicPr>
+          <p:cNvPr id="1043" name="Picture 1042" descr="A blue squares with white text&#10;&#10;Description automatically generated">
+            <a:extLst>
+              <a:ext uri="{FF2B5EF4-FFF2-40B4-BE49-F238E27FC236}">
+                <a16:creationId xmlns:a16="http://schemas.microsoft.com/office/drawing/2014/main" id="{7C3F110F-0504-0680-5900-B86F81456003}"/>
+              </a:ext>
+            </a:extLst>
+          </p:cNvPr>
+          <p:cNvPicPr>
+            <a:picLocks noChangeAspect="1"/>
+          </p:cNvPicPr>
+          <p:nvPr/>
+        </p:nvPicPr>
+        <p:blipFill>
+          <a:blip r:embed="rId10"/>
+          <a:stretch>
+            <a:fillRect/>
+          </a:stretch>
+        </p:blipFill>
+        <p:spPr>
+          <a:xfrm>
+            <a:off x="31930841" y="21572826"/>
+            <a:ext cx="4187960" cy="3593599"/>
+          </a:xfrm>
+          <a:prstGeom prst="rect">
+            <a:avLst/>
+          </a:prstGeom>
+        </p:spPr>
+      </p:pic>
+      <p:pic>
+        <p:nvPicPr>
+          <p:cNvPr id="1051" name="Picture 1050" descr="A screenshot of a graph&#10;&#10;Description automatically generated">
+            <a:extLst>
+              <a:ext uri="{FF2B5EF4-FFF2-40B4-BE49-F238E27FC236}">
+                <a16:creationId xmlns:a16="http://schemas.microsoft.com/office/drawing/2014/main" id="{89F8DBCE-6FA9-2186-DE83-C34DCE91702B}"/>
+              </a:ext>
+            </a:extLst>
+          </p:cNvPr>
+          <p:cNvPicPr>
+            <a:picLocks noChangeAspect="1"/>
+          </p:cNvPicPr>
+          <p:nvPr/>
+        </p:nvPicPr>
+        <p:blipFill>
+          <a:blip r:embed="rId11"/>
+          <a:stretch>
+            <a:fillRect/>
+          </a:stretch>
+        </p:blipFill>
+        <p:spPr>
+          <a:xfrm>
+            <a:off x="23271611" y="15009646"/>
+            <a:ext cx="4563067" cy="4563067"/>
+          </a:xfrm>
+          <a:prstGeom prst="rect">
+            <a:avLst/>
+          </a:prstGeom>
+        </p:spPr>
+      </p:pic>
+      <p:pic>
+        <p:nvPicPr>
+          <p:cNvPr id="1053" name="Picture 1052" descr="A screenshot of a graph&#10;&#10;Description automatically generated">
+            <a:extLst>
+              <a:ext uri="{FF2B5EF4-FFF2-40B4-BE49-F238E27FC236}">
+                <a16:creationId xmlns:a16="http://schemas.microsoft.com/office/drawing/2014/main" id="{BA20D83E-BB12-54FB-4C4E-EA3504C841C8}"/>
+              </a:ext>
+            </a:extLst>
+          </p:cNvPr>
+          <p:cNvPicPr>
+            <a:picLocks noChangeAspect="1"/>
+          </p:cNvPicPr>
+          <p:nvPr/>
+        </p:nvPicPr>
+        <p:blipFill>
+          <a:blip r:embed="rId12"/>
+          <a:stretch>
+            <a:fillRect/>
+          </a:stretch>
+        </p:blipFill>
+        <p:spPr>
+          <a:xfrm>
+            <a:off x="16355995" y="20924554"/>
+            <a:ext cx="4536952" cy="4536952"/>
+          </a:xfrm>
+          <a:prstGeom prst="rect">
+            <a:avLst/>
+          </a:prstGeom>
+        </p:spPr>
+      </p:pic>
+      <p:pic>
+        <p:nvPicPr>
+          <p:cNvPr id="1055" name="Picture 1054" descr="A screenshot of a graph&#10;&#10;Description automatically generated">
+            <a:extLst>
+              <a:ext uri="{FF2B5EF4-FFF2-40B4-BE49-F238E27FC236}">
+                <a16:creationId xmlns:a16="http://schemas.microsoft.com/office/drawing/2014/main" id="{DC83E098-BF65-482C-B06F-8A2AEF005A76}"/>
+              </a:ext>
+            </a:extLst>
+          </p:cNvPr>
+          <p:cNvPicPr>
+            <a:picLocks noChangeAspect="1"/>
+          </p:cNvPicPr>
+          <p:nvPr/>
+        </p:nvPicPr>
+        <p:blipFill>
           <a:blip r:embed="rId13"/>
           <a:stretch>
             <a:fillRect/>
@@ -8278,8 +9412,8 @@
         </p:blipFill>
         <p:spPr>
           <a:xfrm>
-            <a:off x="2209800" y="1775799"/>
-            <a:ext cx="6548486" cy="3683524"/>
+            <a:off x="23262773" y="20976802"/>
+            <a:ext cx="4484704" cy="4484704"/>
           </a:xfrm>
           <a:prstGeom prst="rect">
             <a:avLst/>

--- a/Poster/A3D3_Horizontal_GW Glitch UW poster.pptx
+++ b/Poster/A3D3_Horizontal_GW Glitch UW poster.pptx
@@ -294,7 +294,7 @@
           <a:p>
             <a:fld id="{BDFE1444-C34C-AD43-8DDF-A21EF4E7181D}" type="datetimeFigureOut">
               <a:rPr lang="en-US" smtClean="0"/>
-              <a:t>7/8/2023</a:t>
+              <a:t>7/9/2023</a:t>
             </a:fld>
             <a:endParaRPr lang="en-US" dirty="0"/>
           </a:p>
@@ -464,7 +464,7 @@
           <a:p>
             <a:fld id="{BDFE1444-C34C-AD43-8DDF-A21EF4E7181D}" type="datetimeFigureOut">
               <a:rPr lang="en-US" smtClean="0"/>
-              <a:t>7/8/2023</a:t>
+              <a:t>7/9/2023</a:t>
             </a:fld>
             <a:endParaRPr lang="en-US" dirty="0"/>
           </a:p>
@@ -644,7 +644,7 @@
           <a:p>
             <a:fld id="{BDFE1444-C34C-AD43-8DDF-A21EF4E7181D}" type="datetimeFigureOut">
               <a:rPr lang="en-US" smtClean="0"/>
-              <a:t>7/8/2023</a:t>
+              <a:t>7/9/2023</a:t>
             </a:fld>
             <a:endParaRPr lang="en-US" dirty="0"/>
           </a:p>
@@ -814,7 +814,7 @@
           <a:p>
             <a:fld id="{BDFE1444-C34C-AD43-8DDF-A21EF4E7181D}" type="datetimeFigureOut">
               <a:rPr lang="en-US" smtClean="0"/>
-              <a:t>7/8/2023</a:t>
+              <a:t>7/9/2023</a:t>
             </a:fld>
             <a:endParaRPr lang="en-US" dirty="0"/>
           </a:p>
@@ -1058,7 +1058,7 @@
           <a:p>
             <a:fld id="{BDFE1444-C34C-AD43-8DDF-A21EF4E7181D}" type="datetimeFigureOut">
               <a:rPr lang="en-US" smtClean="0"/>
-              <a:t>7/8/2023</a:t>
+              <a:t>7/9/2023</a:t>
             </a:fld>
             <a:endParaRPr lang="en-US" dirty="0"/>
           </a:p>
@@ -1290,7 +1290,7 @@
           <a:p>
             <a:fld id="{BDFE1444-C34C-AD43-8DDF-A21EF4E7181D}" type="datetimeFigureOut">
               <a:rPr lang="en-US" smtClean="0"/>
-              <a:t>7/8/2023</a:t>
+              <a:t>7/9/2023</a:t>
             </a:fld>
             <a:endParaRPr lang="en-US" dirty="0"/>
           </a:p>
@@ -1657,7 +1657,7 @@
           <a:p>
             <a:fld id="{BDFE1444-C34C-AD43-8DDF-A21EF4E7181D}" type="datetimeFigureOut">
               <a:rPr lang="en-US" smtClean="0"/>
-              <a:t>7/8/2023</a:t>
+              <a:t>7/9/2023</a:t>
             </a:fld>
             <a:endParaRPr lang="en-US" dirty="0"/>
           </a:p>
@@ -1775,7 +1775,7 @@
           <a:p>
             <a:fld id="{BDFE1444-C34C-AD43-8DDF-A21EF4E7181D}" type="datetimeFigureOut">
               <a:rPr lang="en-US" smtClean="0"/>
-              <a:t>7/8/2023</a:t>
+              <a:t>7/9/2023</a:t>
             </a:fld>
             <a:endParaRPr lang="en-US" dirty="0"/>
           </a:p>
@@ -1870,7 +1870,7 @@
           <a:p>
             <a:fld id="{BDFE1444-C34C-AD43-8DDF-A21EF4E7181D}" type="datetimeFigureOut">
               <a:rPr lang="en-US" smtClean="0"/>
-              <a:t>7/8/2023</a:t>
+              <a:t>7/9/2023</a:t>
             </a:fld>
             <a:endParaRPr lang="en-US" dirty="0"/>
           </a:p>
@@ -2147,7 +2147,7 @@
           <a:p>
             <a:fld id="{BDFE1444-C34C-AD43-8DDF-A21EF4E7181D}" type="datetimeFigureOut">
               <a:rPr lang="en-US" smtClean="0"/>
-              <a:t>7/8/2023</a:t>
+              <a:t>7/9/2023</a:t>
             </a:fld>
             <a:endParaRPr lang="en-US" dirty="0"/>
           </a:p>
@@ -2404,7 +2404,7 @@
           <a:p>
             <a:fld id="{BDFE1444-C34C-AD43-8DDF-A21EF4E7181D}" type="datetimeFigureOut">
               <a:rPr lang="en-US" smtClean="0"/>
-              <a:t>7/8/2023</a:t>
+              <a:t>7/9/2023</a:t>
             </a:fld>
             <a:endParaRPr lang="en-US" dirty="0"/>
           </a:p>
@@ -2617,7 +2617,7 @@
           <a:p>
             <a:fld id="{BDFE1444-C34C-AD43-8DDF-A21EF4E7181D}" type="datetimeFigureOut">
               <a:rPr lang="en-US" smtClean="0"/>
-              <a:t>7/8/2023</a:t>
+              <a:t>7/9/2023</a:t>
             </a:fld>
             <a:endParaRPr lang="en-US" dirty="0"/>
           </a:p>
@@ -3109,7 +3109,7 @@
                 <a:ea typeface="Encode Sans Normal Black" charset="0"/>
                 <a:cs typeface="Encode Sans Normal Black" charset="0"/>
               </a:rPr>
-              <a:t>UNRAVELING GRAVITATIONAL RIPPLES:  NEURAL NETWORK CLASSIFICATION</a:t>
+              <a:t>Unraveling Gravitational Ripples:  Neural Network Classification</a:t>
             </a:r>
           </a:p>
         </p:txBody>
@@ -3229,7 +3229,7 @@
         <p:spPr>
           <a:xfrm>
             <a:off x="14628780" y="7315200"/>
-            <a:ext cx="0" cy="24688800"/>
+            <a:ext cx="0" cy="23774400"/>
           </a:xfrm>
           <a:prstGeom prst="line">
             <a:avLst/>
@@ -3264,7 +3264,7 @@
         <p:spPr>
           <a:xfrm>
             <a:off x="29260800" y="7315200"/>
-            <a:ext cx="0" cy="24688800"/>
+            <a:ext cx="0" cy="23774400"/>
           </a:xfrm>
           <a:prstGeom prst="line">
             <a:avLst/>
@@ -3298,10 +3298,10 @@
         </p:nvGrpSpPr>
         <p:grpSpPr>
           <a:xfrm>
-            <a:off x="15470199" y="26560325"/>
-            <a:ext cx="12567138" cy="986616"/>
+            <a:off x="15544800" y="26060400"/>
+            <a:ext cx="12710160" cy="954107"/>
             <a:chOff x="1659588" y="15421077"/>
-            <a:chExt cx="6400800" cy="986616"/>
+            <a:chExt cx="6400800" cy="954107"/>
           </a:xfrm>
         </p:grpSpPr>
         <p:sp>
@@ -3362,7 +3362,7 @@
           </p:blipFill>
           <p:spPr>
             <a:xfrm>
-              <a:off x="1751028" y="16289757"/>
+              <a:off x="1706309" y="16244037"/>
               <a:ext cx="1463040" cy="117936"/>
             </a:xfrm>
             <a:prstGeom prst="rect">
@@ -3379,8 +3379,8 @@
         </p:nvSpPr>
         <p:spPr>
           <a:xfrm>
-            <a:off x="15468463" y="27566418"/>
-            <a:ext cx="12763501" cy="4524315"/>
+            <a:off x="15544800" y="27157680"/>
+            <a:ext cx="12801600" cy="3931920"/>
           </a:xfrm>
           <a:prstGeom prst="rect">
             <a:avLst/>
@@ -3398,7 +3398,7 @@
               <a:buChar char="•"/>
             </a:pPr>
             <a:r>
-              <a:rPr lang="en-US" sz="2400" b="1" dirty="0">
+              <a:rPr lang="en-US" sz="2800" b="1" dirty="0">
                 <a:solidFill>
                   <a:srgbClr val="33006F"/>
                 </a:solidFill>
@@ -3406,10 +3406,10 @@
                 <a:ea typeface="Open Sans" panose="020B0606030504020204" pitchFamily="34" charset="0"/>
                 <a:cs typeface="Open Sans" panose="020B0606030504020204" pitchFamily="34" charset="0"/>
               </a:rPr>
-              <a:t>Model performance: </a:t>
-            </a:r>
-            <a:r>
-              <a:rPr lang="en-US" sz="2400" dirty="0">
+              <a:t>Testing accuracy: </a:t>
+            </a:r>
+            <a:r>
+              <a:rPr lang="en-US" sz="2800" dirty="0">
                 <a:solidFill>
                   <a:srgbClr val="000000"/>
                 </a:solidFill>
@@ -3417,7 +3417,7 @@
                 <a:ea typeface="Open Sans" panose="020B0606030504020204" pitchFamily="34" charset="0"/>
                 <a:cs typeface="Open Sans" panose="020B0606030504020204" pitchFamily="34" charset="0"/>
               </a:rPr>
-              <a:t>After 16 epochs and over 2400 iterations, training loss reached 0.1, while the validation accuracy approached 96%.</a:t>
+              <a:t>CNN model demonstrated an exceptional accuracy of  97.72% when evaluated on the testing dataset.</a:t>
             </a:r>
           </a:p>
           <a:p>
@@ -3426,7 +3426,7 @@
               <a:buChar char="•"/>
             </a:pPr>
             <a:r>
-              <a:rPr lang="en-US" sz="2400" b="1" dirty="0">
+              <a:rPr lang="en-US" sz="2800" b="1" dirty="0">
                 <a:solidFill>
                   <a:srgbClr val="33006F"/>
                 </a:solidFill>
@@ -3434,19 +3434,24 @@
                 <a:ea typeface="Open Sans" panose="020B0606030504020204" pitchFamily="34" charset="0"/>
                 <a:cs typeface="Open Sans" panose="020B0606030504020204" pitchFamily="34" charset="0"/>
               </a:rPr>
-              <a:t>Testing accuracy: </a:t>
-            </a:r>
-            <a:r>
-              <a:rPr lang="en-US" sz="2400" dirty="0">
-                <a:solidFill>
-                  <a:srgbClr val="000000"/>
-                </a:solidFill>
+              <a:t>Comparison with FFT: </a:t>
+            </a:r>
+            <a:r>
+              <a:rPr lang="en-US" sz="2800" dirty="0">
                 <a:latin typeface="Open Sans" panose="020B0606030504020204" pitchFamily="34" charset="0"/>
                 <a:ea typeface="Open Sans" panose="020B0606030504020204" pitchFamily="34" charset="0"/>
                 <a:cs typeface="Open Sans" panose="020B0606030504020204" pitchFamily="34" charset="0"/>
               </a:rPr>
-              <a:t>CNN model demonstrated an exceptional accuracy of 97% when evaluated on the testing dataset.</a:t>
-            </a:r>
+              <a:t>Achieved slightly less accuracy than FFT spectrograms which achieved 99.69% accuracy.</a:t>
+            </a:r>
+            <a:endParaRPr lang="en-US" sz="2800" dirty="0">
+              <a:solidFill>
+                <a:srgbClr val="000000"/>
+              </a:solidFill>
+              <a:latin typeface="Open Sans" panose="020B0606030504020204" pitchFamily="34" charset="0"/>
+              <a:ea typeface="Open Sans" panose="020B0606030504020204" pitchFamily="34" charset="0"/>
+              <a:cs typeface="Open Sans" panose="020B0606030504020204" pitchFamily="34" charset="0"/>
+            </a:endParaRPr>
           </a:p>
           <a:p>
             <a:pPr marL="285736" indent="-285736">
@@ -3454,7 +3459,7 @@
               <a:buChar char="•"/>
             </a:pPr>
             <a:r>
-              <a:rPr lang="en-US" sz="2400" b="1" dirty="0">
+              <a:rPr lang="en-US" sz="2800" b="1" dirty="0">
                 <a:solidFill>
                   <a:srgbClr val="33006F"/>
                 </a:solidFill>
@@ -3465,7 +3470,7 @@
               <a:t>Comparison with literature: </a:t>
             </a:r>
             <a:r>
-              <a:rPr lang="en-US" sz="2400" dirty="0">
+              <a:rPr lang="en-US" sz="2800" dirty="0">
                 <a:solidFill>
                   <a:srgbClr val="000000"/>
                 </a:solidFill>
@@ -3473,7 +3478,7 @@
                 <a:ea typeface="Open Sans" panose="020B0606030504020204" pitchFamily="34" charset="0"/>
                 <a:cs typeface="Open Sans" panose="020B0606030504020204" pitchFamily="34" charset="0"/>
               </a:rPr>
-              <a:t>Similar CNN architectures in the literature achieved higher accuracies, such as 99% (Fernandes et al., 2018) and 98.8% (George D. et al., 2023).</a:t>
+              <a:t>Similar CNN architectures in the literature achieved higher accuracies, such as 99% (Fernandes et al., 2018).</a:t>
             </a:r>
           </a:p>
           <a:p>
@@ -3482,7 +3487,7 @@
               <a:buChar char="•"/>
             </a:pPr>
             <a:r>
-              <a:rPr lang="en-US" sz="2400" b="1" dirty="0">
+              <a:rPr lang="en-US" sz="2800" b="1" dirty="0">
                 <a:solidFill>
                   <a:srgbClr val="33006F"/>
                 </a:solidFill>
@@ -3493,7 +3498,7 @@
               <a:t>Dataset differences: </a:t>
             </a:r>
             <a:r>
-              <a:rPr lang="en-US" sz="2400" dirty="0">
+              <a:rPr lang="en-US" sz="2800" dirty="0">
                 <a:solidFill>
                   <a:srgbClr val="000000"/>
                 </a:solidFill>
@@ -3502,34 +3507,6 @@
                 <a:cs typeface="Open Sans" panose="020B0606030504020204" pitchFamily="34" charset="0"/>
               </a:rPr>
               <a:t>Our dataset consisted of separate time series for gravitational wave signal data and noise data, while other works had to apply more complex noise filtering methods.</a:t>
-            </a:r>
-          </a:p>
-          <a:p>
-            <a:pPr marL="285736" indent="-285736">
-              <a:buFont typeface="Arial" panose="020B0604020202020204" pitchFamily="34" charset="0"/>
-              <a:buChar char="•"/>
-            </a:pPr>
-            <a:r>
-              <a:rPr lang="en-US" sz="2400" b="1" dirty="0">
-                <a:solidFill>
-                  <a:srgbClr val="33006F"/>
-                </a:solidFill>
-                <a:latin typeface="Open Sans" panose="020B0606030504020204" pitchFamily="34" charset="0"/>
-                <a:ea typeface="Open Sans" panose="020B0606030504020204" pitchFamily="34" charset="0"/>
-                <a:cs typeface="Open Sans" panose="020B0606030504020204" pitchFamily="34" charset="0"/>
-              </a:rPr>
-              <a:t>Image conversion: </a:t>
-            </a:r>
-            <a:r>
-              <a:rPr lang="en-US" sz="2400" dirty="0">
-                <a:solidFill>
-                  <a:srgbClr val="000000"/>
-                </a:solidFill>
-                <a:latin typeface="Open Sans" panose="020B0606030504020204" pitchFamily="34" charset="0"/>
-                <a:ea typeface="Open Sans" panose="020B0606030504020204" pitchFamily="34" charset="0"/>
-                <a:cs typeface="Open Sans" panose="020B0606030504020204" pitchFamily="34" charset="0"/>
-              </a:rPr>
-              <a:t>Gramian Angular Summation Fields were effective for image conversion in our case, while others found Fourier transforms more suitable for handling complex noise and background through frequency domain filtering.</a:t>
             </a:r>
           </a:p>
         </p:txBody>
@@ -3542,8 +3519,8 @@
         </p:nvSpPr>
         <p:spPr>
           <a:xfrm>
-            <a:off x="15544800" y="7315201"/>
-            <a:ext cx="12801600" cy="3981974"/>
+            <a:off x="15544800" y="7315200"/>
+            <a:ext cx="12801600" cy="5097799"/>
           </a:xfrm>
           <a:prstGeom prst="rect">
             <a:avLst/>
@@ -3585,8 +3562,8 @@
         </p:nvSpPr>
         <p:spPr>
           <a:xfrm>
-            <a:off x="15585663" y="7480746"/>
-            <a:ext cx="12722642" cy="3816429"/>
+            <a:off x="15585663" y="7498080"/>
+            <a:ext cx="12722642" cy="4739759"/>
           </a:xfrm>
           <a:prstGeom prst="rect">
             <a:avLst/>
@@ -3605,7 +3582,7 @@
               </a:spcAft>
             </a:pPr>
             <a:r>
-              <a:rPr lang="en-US" sz="2400" b="1" dirty="0">
+              <a:rPr lang="en-US" sz="2800" b="1" dirty="0">
                 <a:solidFill>
                   <a:srgbClr val="E8D3A2"/>
                 </a:solidFill>
@@ -3613,28 +3590,30 @@
                 <a:ea typeface="Encode Sans Normal Black" charset="0"/>
                 <a:cs typeface="Encode Sans Normal Black" charset="0"/>
               </a:rPr>
-              <a:t>QUICK FACTS ABOUT OUR CNN</a:t>
-            </a:r>
-          </a:p>
-          <a:p>
-            <a:pPr algn="ctr">
+              <a:t>QUICK FACTS ABOUT OUR CNN MODEL</a:t>
+            </a:r>
+          </a:p>
+          <a:p>
+            <a:pPr marL="457200" indent="-457200" algn="ctr">
               <a:spcAft>
                 <a:spcPts val="1200"/>
               </a:spcAft>
+              <a:buFont typeface="Arial" panose="020B0604020202020204" pitchFamily="34" charset="0"/>
+              <a:buChar char="•"/>
             </a:pPr>
             <a:r>
-              <a:rPr lang="en-US" sz="2400" b="1" dirty="0">
-                <a:solidFill>
-                  <a:schemeClr val="bg1"/>
+              <a:rPr lang="en-US" sz="2800" b="1" dirty="0">
+                <a:solidFill>
+                  <a:srgbClr val="FFFFFF"/>
                 </a:solidFill>
                 <a:latin typeface="Open Sans" panose="020B0606030504020204" pitchFamily="34" charset="0"/>
                 <a:ea typeface="Open Sans" panose="020B0606030504020204" pitchFamily="34" charset="0"/>
                 <a:cs typeface="Open Sans" panose="020B0606030504020204" pitchFamily="34" charset="0"/>
               </a:rPr>
-              <a:t>&gt;</a:t>
-            </a:r>
-            <a:r>
-              <a:rPr lang="en-US" sz="2400" dirty="0">
+              <a:t>&gt; 97% </a:t>
+            </a:r>
+            <a:r>
+              <a:rPr lang="en-US" sz="2800" dirty="0">
                 <a:solidFill>
                   <a:srgbClr val="FFFFFF"/>
                 </a:solidFill>
@@ -3642,10 +3621,19 @@
                 <a:ea typeface="Open Sans" panose="020B0606030504020204" pitchFamily="34" charset="0"/>
                 <a:cs typeface="Open Sans" panose="020B0606030504020204" pitchFamily="34" charset="0"/>
               </a:rPr>
-              <a:t> </a:t>
-            </a:r>
-            <a:r>
-              <a:rPr lang="en-US" sz="2400" b="1" dirty="0">
+              <a:t>testing accuracy</a:t>
+            </a:r>
+          </a:p>
+          <a:p>
+            <a:pPr marL="457200" indent="-457200" algn="ctr">
+              <a:spcAft>
+                <a:spcPts val="1200"/>
+              </a:spcAft>
+              <a:buFont typeface="Arial" panose="020B0604020202020204" pitchFamily="34" charset="0"/>
+              <a:buChar char="•"/>
+            </a:pPr>
+            <a:r>
+              <a:rPr lang="en-US" sz="2800" dirty="0">
                 <a:solidFill>
                   <a:srgbClr val="FFFFFF"/>
                 </a:solidFill>
@@ -3653,10 +3641,10 @@
                 <a:ea typeface="Open Sans" panose="020B0606030504020204" pitchFamily="34" charset="0"/>
                 <a:cs typeface="Open Sans" panose="020B0606030504020204" pitchFamily="34" charset="0"/>
               </a:rPr>
-              <a:t>~ 97% </a:t>
-            </a:r>
-            <a:r>
-              <a:rPr lang="en-US" sz="2400" dirty="0">
+              <a:t>Data split of </a:t>
+            </a:r>
+            <a:r>
+              <a:rPr lang="en-US" sz="2800" b="1" dirty="0">
                 <a:solidFill>
                   <a:srgbClr val="FFFFFF"/>
                 </a:solidFill>
@@ -3664,28 +3652,85 @@
                 <a:ea typeface="Open Sans" panose="020B0606030504020204" pitchFamily="34" charset="0"/>
                 <a:cs typeface="Open Sans" panose="020B0606030504020204" pitchFamily="34" charset="0"/>
               </a:rPr>
-              <a:t>testing accuracy</a:t>
-            </a:r>
-          </a:p>
-          <a:p>
-            <a:pPr algn="ctr">
+              <a:t>70%</a:t>
+            </a:r>
+            <a:r>
+              <a:rPr lang="en-US" sz="2800" dirty="0">
+                <a:solidFill>
+                  <a:srgbClr val="FFFFFF"/>
+                </a:solidFill>
+                <a:latin typeface="Open Sans" panose="020B0606030504020204" pitchFamily="34" charset="0"/>
+                <a:ea typeface="Open Sans" panose="020B0606030504020204" pitchFamily="34" charset="0"/>
+                <a:cs typeface="Open Sans" panose="020B0606030504020204" pitchFamily="34" charset="0"/>
+              </a:rPr>
+              <a:t> training, </a:t>
+            </a:r>
+            <a:r>
+              <a:rPr lang="en-US" sz="2800" b="1" dirty="0">
+                <a:solidFill>
+                  <a:srgbClr val="FFFFFF"/>
+                </a:solidFill>
+                <a:latin typeface="Open Sans" panose="020B0606030504020204" pitchFamily="34" charset="0"/>
+                <a:ea typeface="Open Sans" panose="020B0606030504020204" pitchFamily="34" charset="0"/>
+                <a:cs typeface="Open Sans" panose="020B0606030504020204" pitchFamily="34" charset="0"/>
+              </a:rPr>
+              <a:t>15%</a:t>
+            </a:r>
+            <a:r>
+              <a:rPr lang="en-US" sz="2800" dirty="0">
+                <a:solidFill>
+                  <a:srgbClr val="FFFFFF"/>
+                </a:solidFill>
+                <a:latin typeface="Open Sans" panose="020B0606030504020204" pitchFamily="34" charset="0"/>
+                <a:ea typeface="Open Sans" panose="020B0606030504020204" pitchFamily="34" charset="0"/>
+                <a:cs typeface="Open Sans" panose="020B0606030504020204" pitchFamily="34" charset="0"/>
+              </a:rPr>
+              <a:t> validation, and </a:t>
+            </a:r>
+            <a:r>
+              <a:rPr lang="en-US" sz="2800" b="1" dirty="0">
+                <a:solidFill>
+                  <a:srgbClr val="FFFFFF"/>
+                </a:solidFill>
+                <a:latin typeface="Open Sans" panose="020B0606030504020204" pitchFamily="34" charset="0"/>
+                <a:ea typeface="Open Sans" panose="020B0606030504020204" pitchFamily="34" charset="0"/>
+                <a:cs typeface="Open Sans" panose="020B0606030504020204" pitchFamily="34" charset="0"/>
+              </a:rPr>
+              <a:t>15%</a:t>
+            </a:r>
+            <a:r>
+              <a:rPr lang="en-US" sz="2800" dirty="0">
+                <a:solidFill>
+                  <a:srgbClr val="FFFFFF"/>
+                </a:solidFill>
+                <a:latin typeface="Open Sans" panose="020B0606030504020204" pitchFamily="34" charset="0"/>
+                <a:ea typeface="Open Sans" panose="020B0606030504020204" pitchFamily="34" charset="0"/>
+                <a:cs typeface="Open Sans" panose="020B0606030504020204" pitchFamily="34" charset="0"/>
+              </a:rPr>
+              <a:t> testing</a:t>
+            </a:r>
+          </a:p>
+          <a:p>
+            <a:pPr marL="457200" indent="-457200" algn="ctr">
               <a:spcAft>
                 <a:spcPts val="1200"/>
               </a:spcAft>
+              <a:buFont typeface="Arial" panose="020B0604020202020204" pitchFamily="34" charset="0"/>
+              <a:buChar char="•"/>
             </a:pPr>
             <a:r>
-              <a:rPr lang="en-US" sz="2400" b="1" dirty="0">
-                <a:solidFill>
-                  <a:schemeClr val="bg1"/>
+              <a:rPr lang="en-US" sz="2800" dirty="0">
+                <a:solidFill>
+                  <a:srgbClr val="FFFFFF"/>
                 </a:solidFill>
                 <a:latin typeface="Open Sans" panose="020B0606030504020204" pitchFamily="34" charset="0"/>
                 <a:ea typeface="Open Sans" panose="020B0606030504020204" pitchFamily="34" charset="0"/>
                 <a:cs typeface="Open Sans" panose="020B0606030504020204" pitchFamily="34" charset="0"/>
               </a:rPr>
-              <a:t>&gt;</a:t>
-            </a:r>
-            <a:r>
-              <a:rPr lang="en-US" sz="2400" dirty="0">
+              <a:t>Dataset contains a total of </a:t>
+            </a:r>
+            <a:r>
+              <a:rPr lang="en-US" sz="2800" b="1" dirty="0">
                 <a:solidFill>
                   <a:srgbClr val="FFFFFF"/>
                 </a:solidFill>
@@ -3693,10 +3738,10 @@
                 <a:ea typeface="Open Sans" panose="020B0606030504020204" pitchFamily="34" charset="0"/>
                 <a:cs typeface="Open Sans" panose="020B0606030504020204" pitchFamily="34" charset="0"/>
               </a:rPr>
-              <a:t> Data split of </a:t>
-            </a:r>
-            <a:r>
-              <a:rPr lang="en-US" sz="2400" b="1" dirty="0">
+              <a:t>146045 simulated </a:t>
+            </a:r>
+            <a:r>
+              <a:rPr lang="en-US" sz="2800" dirty="0">
                 <a:solidFill>
                   <a:srgbClr val="FFFFFF"/>
                 </a:solidFill>
@@ -3704,115 +3749,9 @@
                 <a:ea typeface="Open Sans" panose="020B0606030504020204" pitchFamily="34" charset="0"/>
                 <a:cs typeface="Open Sans" panose="020B0606030504020204" pitchFamily="34" charset="0"/>
               </a:rPr>
-              <a:t>70%</a:t>
-            </a:r>
-            <a:r>
-              <a:rPr lang="en-US" sz="2400" dirty="0">
-                <a:solidFill>
-                  <a:srgbClr val="FFFFFF"/>
-                </a:solidFill>
-                <a:latin typeface="Open Sans" panose="020B0606030504020204" pitchFamily="34" charset="0"/>
-                <a:ea typeface="Open Sans" panose="020B0606030504020204" pitchFamily="34" charset="0"/>
-                <a:cs typeface="Open Sans" panose="020B0606030504020204" pitchFamily="34" charset="0"/>
-              </a:rPr>
-              <a:t> training, </a:t>
-            </a:r>
-            <a:r>
-              <a:rPr lang="en-US" sz="2400" b="1" dirty="0">
-                <a:solidFill>
-                  <a:srgbClr val="FFFFFF"/>
-                </a:solidFill>
-                <a:latin typeface="Open Sans" panose="020B0606030504020204" pitchFamily="34" charset="0"/>
-                <a:ea typeface="Open Sans" panose="020B0606030504020204" pitchFamily="34" charset="0"/>
-                <a:cs typeface="Open Sans" panose="020B0606030504020204" pitchFamily="34" charset="0"/>
-              </a:rPr>
-              <a:t>15%</a:t>
-            </a:r>
-            <a:r>
-              <a:rPr lang="en-US" sz="2400" dirty="0">
-                <a:solidFill>
-                  <a:srgbClr val="FFFFFF"/>
-                </a:solidFill>
-                <a:latin typeface="Open Sans" panose="020B0606030504020204" pitchFamily="34" charset="0"/>
-                <a:ea typeface="Open Sans" panose="020B0606030504020204" pitchFamily="34" charset="0"/>
-                <a:cs typeface="Open Sans" panose="020B0606030504020204" pitchFamily="34" charset="0"/>
-              </a:rPr>
-              <a:t> validation, and </a:t>
-            </a:r>
-            <a:r>
-              <a:rPr lang="en-US" sz="2400" b="1" dirty="0">
-                <a:solidFill>
-                  <a:srgbClr val="FFFFFF"/>
-                </a:solidFill>
-                <a:latin typeface="Open Sans" panose="020B0606030504020204" pitchFamily="34" charset="0"/>
-                <a:ea typeface="Open Sans" panose="020B0606030504020204" pitchFamily="34" charset="0"/>
-                <a:cs typeface="Open Sans" panose="020B0606030504020204" pitchFamily="34" charset="0"/>
-              </a:rPr>
-              <a:t>15%</a:t>
-            </a:r>
-            <a:r>
-              <a:rPr lang="en-US" sz="2400" dirty="0">
-                <a:solidFill>
-                  <a:srgbClr val="FFFFFF"/>
-                </a:solidFill>
-                <a:latin typeface="Open Sans" panose="020B0606030504020204" pitchFamily="34" charset="0"/>
-                <a:ea typeface="Open Sans" panose="020B0606030504020204" pitchFamily="34" charset="0"/>
-                <a:cs typeface="Open Sans" panose="020B0606030504020204" pitchFamily="34" charset="0"/>
-              </a:rPr>
-              <a:t> testing</a:t>
-            </a:r>
-          </a:p>
-          <a:p>
-            <a:pPr algn="ctr">
-              <a:spcAft>
-                <a:spcPts val="1200"/>
-              </a:spcAft>
-            </a:pPr>
-            <a:r>
-              <a:rPr lang="en-US" sz="2400" b="1" dirty="0">
-                <a:solidFill>
-                  <a:schemeClr val="bg1"/>
-                </a:solidFill>
-                <a:latin typeface="Open Sans" panose="020B0606030504020204" pitchFamily="34" charset="0"/>
-                <a:ea typeface="Open Sans" panose="020B0606030504020204" pitchFamily="34" charset="0"/>
-                <a:cs typeface="Open Sans" panose="020B0606030504020204" pitchFamily="34" charset="0"/>
-              </a:rPr>
-              <a:t>&gt; </a:t>
-            </a:r>
-            <a:r>
-              <a:rPr lang="en-US" sz="2400" dirty="0">
-                <a:solidFill>
-                  <a:srgbClr val="FFFFFF"/>
-                </a:solidFill>
-                <a:latin typeface="Open Sans" panose="020B0606030504020204" pitchFamily="34" charset="0"/>
-                <a:ea typeface="Open Sans" panose="020B0606030504020204" pitchFamily="34" charset="0"/>
-                <a:cs typeface="Open Sans" panose="020B0606030504020204" pitchFamily="34" charset="0"/>
-              </a:rPr>
-              <a:t>Dataset contains a total of </a:t>
-            </a:r>
-            <a:r>
-              <a:rPr lang="en-US" sz="2400" b="1" dirty="0">
-                <a:solidFill>
-                  <a:srgbClr val="FFFFFF"/>
-                </a:solidFill>
-                <a:latin typeface="Open Sans" panose="020B0606030504020204" pitchFamily="34" charset="0"/>
-                <a:ea typeface="Open Sans" panose="020B0606030504020204" pitchFamily="34" charset="0"/>
-                <a:cs typeface="Open Sans" panose="020B0606030504020204" pitchFamily="34" charset="0"/>
-              </a:rPr>
-              <a:t>146045 </a:t>
-            </a:r>
-            <a:r>
-              <a:rPr lang="en-US" sz="2400" dirty="0">
-                <a:solidFill>
-                  <a:srgbClr val="FFFFFF"/>
-                </a:solidFill>
-                <a:latin typeface="Open Sans" panose="020B0606030504020204" pitchFamily="34" charset="0"/>
-                <a:ea typeface="Open Sans" panose="020B0606030504020204" pitchFamily="34" charset="0"/>
-                <a:cs typeface="Open Sans" panose="020B0606030504020204" pitchFamily="34" charset="0"/>
-              </a:rPr>
-              <a:t>gravitational wave time series data points</a:t>
-            </a:r>
-            <a:endParaRPr lang="en-US" sz="2400" dirty="0">
+              <a:t>gravitational wave time series data samples</a:t>
+            </a:r>
+            <a:endParaRPr lang="en-US" sz="2800" dirty="0">
               <a:solidFill>
                 <a:srgbClr val="DBDEE1"/>
               </a:solidFill>
@@ -3822,24 +3761,26 @@
             </a:endParaRPr>
           </a:p>
           <a:p>
-            <a:pPr algn="ctr">
+            <a:pPr marL="457200" indent="-457200" algn="ctr">
               <a:spcAft>
                 <a:spcPts val="1200"/>
               </a:spcAft>
+              <a:buFont typeface="Arial" panose="020B0604020202020204" pitchFamily="34" charset="0"/>
+              <a:buChar char="•"/>
             </a:pPr>
             <a:r>
-              <a:rPr lang="en-US" sz="2400" b="1" dirty="0">
-                <a:solidFill>
-                  <a:schemeClr val="bg1"/>
+              <a:rPr lang="en-US" sz="2800" dirty="0">
+                <a:solidFill>
+                  <a:srgbClr val="FFFFFF"/>
                 </a:solidFill>
                 <a:latin typeface="Open Sans" panose="020B0606030504020204" pitchFamily="34" charset="0"/>
                 <a:ea typeface="Open Sans" panose="020B0606030504020204" pitchFamily="34" charset="0"/>
                 <a:cs typeface="Open Sans" panose="020B0606030504020204" pitchFamily="34" charset="0"/>
               </a:rPr>
-              <a:t>&gt; </a:t>
-            </a:r>
-            <a:r>
-              <a:rPr lang="en-US" sz="2400" dirty="0">
+              <a:t>Applied </a:t>
+            </a:r>
+            <a:r>
+              <a:rPr lang="en-US" sz="2800" b="1" dirty="0">
                 <a:solidFill>
                   <a:srgbClr val="FFFFFF"/>
                 </a:solidFill>
@@ -3847,10 +3788,10 @@
                 <a:ea typeface="Open Sans" panose="020B0606030504020204" pitchFamily="34" charset="0"/>
                 <a:cs typeface="Open Sans" panose="020B0606030504020204" pitchFamily="34" charset="0"/>
               </a:rPr>
-              <a:t>Applied </a:t>
-            </a:r>
-            <a:r>
-              <a:rPr lang="en-US" sz="2400" b="1" dirty="0">
+              <a:t>Gramian Angular Summation Field</a:t>
+            </a:r>
+            <a:r>
+              <a:rPr lang="en-US" sz="2800" dirty="0">
                 <a:solidFill>
                   <a:srgbClr val="FFFFFF"/>
                 </a:solidFill>
@@ -3858,10 +3799,19 @@
                 <a:ea typeface="Open Sans" panose="020B0606030504020204" pitchFamily="34" charset="0"/>
                 <a:cs typeface="Open Sans" panose="020B0606030504020204" pitchFamily="34" charset="0"/>
               </a:rPr>
-              <a:t>Gramian Angular Summation Field</a:t>
-            </a:r>
-            <a:r>
-              <a:rPr lang="en-US" sz="2400" dirty="0">
+              <a:t> (GASF) algorithms to encode gravitational wave data as 2D images for classification</a:t>
+            </a:r>
+          </a:p>
+          <a:p>
+            <a:pPr marL="457200" indent="-457200" algn="ctr">
+              <a:spcAft>
+                <a:spcPts val="1200"/>
+              </a:spcAft>
+              <a:buFont typeface="Arial" panose="020B0604020202020204" pitchFamily="34" charset="0"/>
+              <a:buChar char="•"/>
+            </a:pPr>
+            <a:r>
+              <a:rPr lang="en-US" sz="2800" dirty="0">
                 <a:solidFill>
                   <a:srgbClr val="FFFFFF"/>
                 </a:solidFill>
@@ -3869,28 +3819,21 @@
                 <a:ea typeface="Open Sans" panose="020B0606030504020204" pitchFamily="34" charset="0"/>
                 <a:cs typeface="Open Sans" panose="020B0606030504020204" pitchFamily="34" charset="0"/>
               </a:rPr>
-              <a:t> (GASF) algorithms to encode gravitational wave data as 2D images for classification</a:t>
-            </a:r>
-          </a:p>
-          <a:p>
-            <a:pPr algn="ctr">
-              <a:spcAft>
-                <a:spcPts val="1200"/>
-              </a:spcAft>
-            </a:pPr>
-            <a:r>
-              <a:rPr lang="en-US" sz="2400" b="1" dirty="0">
-                <a:solidFill>
-                  <a:schemeClr val="bg1"/>
+              <a:t>Neural network contains </a:t>
+            </a:r>
+            <a:r>
+              <a:rPr lang="en-US" sz="2800" b="1" dirty="0">
+                <a:solidFill>
+                  <a:srgbClr val="FFFFFF"/>
                 </a:solidFill>
                 <a:latin typeface="Open Sans" panose="020B0606030504020204" pitchFamily="34" charset="0"/>
                 <a:ea typeface="Open Sans" panose="020B0606030504020204" pitchFamily="34" charset="0"/>
                 <a:cs typeface="Open Sans" panose="020B0606030504020204" pitchFamily="34" charset="0"/>
               </a:rPr>
-              <a:t>&gt;</a:t>
-            </a:r>
-            <a:r>
-              <a:rPr lang="en-US" sz="2400" dirty="0">
+              <a:t>2</a:t>
+            </a:r>
+            <a:r>
+              <a:rPr lang="en-US" sz="2800" dirty="0">
                 <a:solidFill>
                   <a:srgbClr val="FFFFFF"/>
                 </a:solidFill>
@@ -3898,10 +3841,10 @@
                 <a:ea typeface="Open Sans" panose="020B0606030504020204" pitchFamily="34" charset="0"/>
                 <a:cs typeface="Open Sans" panose="020B0606030504020204" pitchFamily="34" charset="0"/>
               </a:rPr>
-              <a:t> Neural network contains </a:t>
-            </a:r>
-            <a:r>
-              <a:rPr lang="en-US" sz="2400" b="1" dirty="0">
+              <a:t> convolutional / max-pooling layers followed by </a:t>
+            </a:r>
+            <a:r>
+              <a:rPr lang="en-US" sz="2800" b="1" dirty="0">
                 <a:solidFill>
                   <a:srgbClr val="FFFFFF"/>
                 </a:solidFill>
@@ -3909,32 +3852,10 @@
                 <a:ea typeface="Open Sans" panose="020B0606030504020204" pitchFamily="34" charset="0"/>
                 <a:cs typeface="Open Sans" panose="020B0606030504020204" pitchFamily="34" charset="0"/>
               </a:rPr>
-              <a:t>2</a:t>
-            </a:r>
-            <a:r>
-              <a:rPr lang="en-US" sz="2400" dirty="0">
-                <a:solidFill>
-                  <a:srgbClr val="FFFFFF"/>
-                </a:solidFill>
-                <a:latin typeface="Open Sans" panose="020B0606030504020204" pitchFamily="34" charset="0"/>
-                <a:ea typeface="Open Sans" panose="020B0606030504020204" pitchFamily="34" charset="0"/>
-                <a:cs typeface="Open Sans" panose="020B0606030504020204" pitchFamily="34" charset="0"/>
-              </a:rPr>
-              <a:t> convolutional / max-pooling layers followed by </a:t>
-            </a:r>
-            <a:r>
-              <a:rPr lang="en-US" sz="2400" b="1" dirty="0">
-                <a:solidFill>
-                  <a:srgbClr val="FFFFFF"/>
-                </a:solidFill>
-                <a:latin typeface="Open Sans" panose="020B0606030504020204" pitchFamily="34" charset="0"/>
-                <a:ea typeface="Open Sans" panose="020B0606030504020204" pitchFamily="34" charset="0"/>
-                <a:cs typeface="Open Sans" panose="020B0606030504020204" pitchFamily="34" charset="0"/>
-              </a:rPr>
               <a:t>3</a:t>
             </a:r>
             <a:r>
-              <a:rPr lang="en-US" sz="2400" dirty="0">
+              <a:rPr lang="en-US" sz="2800" dirty="0">
                 <a:solidFill>
                   <a:srgbClr val="FFFFFF"/>
                 </a:solidFill>
@@ -3955,10 +3876,10 @@
         </p:nvGrpSpPr>
         <p:grpSpPr>
           <a:xfrm>
-            <a:off x="1904513" y="23170446"/>
-            <a:ext cx="11789627" cy="954107"/>
-            <a:chOff x="1014879" y="14312521"/>
-            <a:chExt cx="6400800" cy="954107"/>
+            <a:off x="1828800" y="20848320"/>
+            <a:ext cx="11789627" cy="1005840"/>
+            <a:chOff x="973773" y="14268863"/>
+            <a:chExt cx="6400800" cy="1005840"/>
           </a:xfrm>
         </p:grpSpPr>
         <p:sp>
@@ -3969,8 +3890,8 @@
           </p:nvSpPr>
           <p:spPr>
             <a:xfrm>
-              <a:off x="1014879" y="14312521"/>
-              <a:ext cx="6400800" cy="954107"/>
+              <a:off x="973773" y="14268863"/>
+              <a:ext cx="6400800" cy="1005840"/>
             </a:xfrm>
             <a:prstGeom prst="rect">
               <a:avLst/>
@@ -4019,7 +3940,7 @@
           </p:blipFill>
           <p:spPr>
             <a:xfrm>
-              <a:off x="1068265" y="15135481"/>
+              <a:off x="1023417" y="15091823"/>
               <a:ext cx="1463040" cy="117936"/>
             </a:xfrm>
             <a:prstGeom prst="rect">
@@ -4036,8 +3957,8 @@
         </p:nvSpPr>
         <p:spPr>
           <a:xfrm>
-            <a:off x="1825561" y="24180867"/>
-            <a:ext cx="11887200" cy="3785652"/>
+            <a:off x="1825561" y="21945600"/>
+            <a:ext cx="11887200" cy="3539430"/>
           </a:xfrm>
           <a:prstGeom prst="rect">
             <a:avLst/>
@@ -4055,7 +3976,7 @@
               <a:buChar char="•"/>
             </a:pPr>
             <a:r>
-              <a:rPr lang="en-US" sz="2400" b="1" dirty="0">
+              <a:rPr lang="en-US" sz="2800" b="1" dirty="0">
                 <a:solidFill>
                   <a:srgbClr val="33006F"/>
                 </a:solidFill>
@@ -4063,10 +3984,10 @@
                 <a:ea typeface="Open Sans" panose="020B0606030504020204" pitchFamily="34" charset="0"/>
                 <a:cs typeface="Open Sans" panose="020B0606030504020204" pitchFamily="34" charset="0"/>
               </a:rPr>
-              <a:t>Scaling: </a:t>
-            </a:r>
-            <a:r>
-              <a:rPr lang="en-US" sz="2400" dirty="0">
+              <a:t>Model output: </a:t>
+            </a:r>
+            <a:r>
+              <a:rPr lang="en-US" sz="2800" dirty="0">
                 <a:solidFill>
                   <a:srgbClr val="000000"/>
                 </a:solidFill>
@@ -4074,7 +3995,7 @@
                 <a:ea typeface="Open Sans" panose="020B0606030504020204" pitchFamily="34" charset="0"/>
                 <a:cs typeface="Open Sans" panose="020B0606030504020204" pitchFamily="34" charset="0"/>
               </a:rPr>
-              <a:t>Utilized the StandardScaler function to ensure data was normalized before conversion to GASF images.</a:t>
+              <a:t>Probability predictions of images for background or signal compared to ground truth targets with Softmax function.</a:t>
             </a:r>
           </a:p>
           <a:p>
@@ -4083,7 +4004,7 @@
               <a:buChar char="•"/>
             </a:pPr>
             <a:r>
-              <a:rPr lang="en-US" sz="2400" b="1" dirty="0">
+              <a:rPr lang="en-US" sz="2800" b="1" dirty="0">
                 <a:solidFill>
                   <a:srgbClr val="33006F"/>
                 </a:solidFill>
@@ -4091,10 +4012,10 @@
                 <a:ea typeface="Open Sans" panose="020B0606030504020204" pitchFamily="34" charset="0"/>
                 <a:cs typeface="Open Sans" panose="020B0606030504020204" pitchFamily="34" charset="0"/>
               </a:rPr>
-              <a:t>Model output: </a:t>
-            </a:r>
-            <a:r>
-              <a:rPr lang="en-US" sz="2400" dirty="0">
+              <a:t>Testing and accuracy: </a:t>
+            </a:r>
+            <a:r>
+              <a:rPr lang="en-US" sz="2800" dirty="0">
                 <a:solidFill>
                   <a:srgbClr val="000000"/>
                 </a:solidFill>
@@ -4102,7 +4023,7 @@
                 <a:ea typeface="Open Sans" panose="020B0606030504020204" pitchFamily="34" charset="0"/>
                 <a:cs typeface="Open Sans" panose="020B0606030504020204" pitchFamily="34" charset="0"/>
               </a:rPr>
-              <a:t>Probability predictions of images for background or signal compared to ground truth targets with Softmax function.</a:t>
+              <a:t>Tested trained model against a separate testing dataset, achieved an overall accuracy of &gt; 97%.</a:t>
             </a:r>
           </a:p>
           <a:p>
@@ -4111,7 +4032,7 @@
               <a:buChar char="•"/>
             </a:pPr>
             <a:r>
-              <a:rPr lang="en-US" sz="2400" b="1" dirty="0">
+              <a:rPr lang="en-US" sz="2800" b="1" dirty="0">
                 <a:solidFill>
                   <a:srgbClr val="33006F"/>
                 </a:solidFill>
@@ -4119,10 +4040,10 @@
                 <a:ea typeface="Open Sans" panose="020B0606030504020204" pitchFamily="34" charset="0"/>
                 <a:cs typeface="Open Sans" panose="020B0606030504020204" pitchFamily="34" charset="0"/>
               </a:rPr>
-              <a:t>Testing and accuracy: </a:t>
-            </a:r>
-            <a:r>
-              <a:rPr lang="en-US" sz="2400" dirty="0">
+              <a:t>Misclassification patterns: </a:t>
+            </a:r>
+            <a:r>
+              <a:rPr lang="en-US" sz="2800" dirty="0">
                 <a:solidFill>
                   <a:srgbClr val="000000"/>
                 </a:solidFill>
@@ -4130,7 +4051,7 @@
                 <a:ea typeface="Open Sans" panose="020B0606030504020204" pitchFamily="34" charset="0"/>
                 <a:cs typeface="Open Sans" panose="020B0606030504020204" pitchFamily="34" charset="0"/>
               </a:rPr>
-              <a:t>Tested trained model against a separate testing dataset, achieved an overall accuracy of 97%.</a:t>
+              <a:t>Model tends to misclassify when detectors have conflicting data.</a:t>
             </a:r>
           </a:p>
           <a:p>
@@ -4139,7 +4060,7 @@
               <a:buChar char="•"/>
             </a:pPr>
             <a:r>
-              <a:rPr lang="en-US" sz="2400" b="1" dirty="0">
+              <a:rPr lang="en-US" sz="2800" b="1" dirty="0">
                 <a:solidFill>
                   <a:srgbClr val="33006F"/>
                 </a:solidFill>
@@ -4147,38 +4068,10 @@
                 <a:ea typeface="Open Sans" panose="020B0606030504020204" pitchFamily="34" charset="0"/>
                 <a:cs typeface="Open Sans" panose="020B0606030504020204" pitchFamily="34" charset="0"/>
               </a:rPr>
-              <a:t>Misclassification patterns: </a:t>
-            </a:r>
-            <a:r>
-              <a:rPr lang="en-US" sz="2400" dirty="0">
-                <a:solidFill>
-                  <a:srgbClr val="000000"/>
-                </a:solidFill>
-                <a:latin typeface="Open Sans" panose="020B0606030504020204" pitchFamily="34" charset="0"/>
-                <a:ea typeface="Open Sans" panose="020B0606030504020204" pitchFamily="34" charset="0"/>
-                <a:cs typeface="Open Sans" panose="020B0606030504020204" pitchFamily="34" charset="0"/>
-              </a:rPr>
-              <a:t>Model tends to misclassify when detectors have conflicting data.</a:t>
-            </a:r>
-          </a:p>
-          <a:p>
-            <a:pPr marL="285736" indent="-285736">
-              <a:buFont typeface="Arial" panose="020B0604020202020204" pitchFamily="34" charset="0"/>
-              <a:buChar char="•"/>
-            </a:pPr>
-            <a:r>
-              <a:rPr lang="en-US" sz="2400" b="1" dirty="0">
-                <a:solidFill>
-                  <a:srgbClr val="33006F"/>
-                </a:solidFill>
-                <a:latin typeface="Open Sans" panose="020B0606030504020204" pitchFamily="34" charset="0"/>
-                <a:ea typeface="Open Sans" panose="020B0606030504020204" pitchFamily="34" charset="0"/>
-                <a:cs typeface="Open Sans" panose="020B0606030504020204" pitchFamily="34" charset="0"/>
-              </a:rPr>
               <a:t>Possible flaws: </a:t>
             </a:r>
             <a:r>
-              <a:rPr lang="en-US" sz="2400" dirty="0">
+              <a:rPr lang="en-US" sz="2800" dirty="0">
                 <a:solidFill>
                   <a:srgbClr val="000000"/>
                 </a:solidFill>
@@ -4199,10 +4092,10 @@
         </p:nvGrpSpPr>
         <p:grpSpPr>
           <a:xfrm>
-            <a:off x="1828800" y="7240585"/>
-            <a:ext cx="11887200" cy="986616"/>
-            <a:chOff x="-531046" y="15342903"/>
-            <a:chExt cx="6858000" cy="986616"/>
+            <a:off x="1828800" y="7132320"/>
+            <a:ext cx="11887200" cy="1005840"/>
+            <a:chOff x="-531046" y="15417518"/>
+            <a:chExt cx="6858000" cy="1005840"/>
           </a:xfrm>
         </p:grpSpPr>
         <p:sp>
@@ -4213,8 +4106,8 @@
           </p:nvSpPr>
           <p:spPr>
             <a:xfrm>
-              <a:off x="-531046" y="15342903"/>
-              <a:ext cx="6858000" cy="954107"/>
+              <a:off x="-531046" y="15417518"/>
+              <a:ext cx="6858000" cy="1005840"/>
             </a:xfrm>
             <a:prstGeom prst="rect">
               <a:avLst/>
@@ -4263,7 +4156,7 @@
           </p:blipFill>
           <p:spPr>
             <a:xfrm>
-              <a:off x="-447226" y="16211583"/>
+              <a:off x="-478292" y="16240478"/>
               <a:ext cx="1463040" cy="117936"/>
             </a:xfrm>
             <a:prstGeom prst="rect">
@@ -4280,8 +4173,8 @@
         </p:nvSpPr>
         <p:spPr>
           <a:xfrm>
-            <a:off x="1796544" y="8387950"/>
-            <a:ext cx="11885581" cy="3416320"/>
+            <a:off x="1796544" y="8229600"/>
+            <a:ext cx="11885581" cy="3108543"/>
           </a:xfrm>
           <a:prstGeom prst="rect">
             <a:avLst/>
@@ -4299,7 +4192,7 @@
               <a:buChar char="•"/>
             </a:pPr>
             <a:r>
-              <a:rPr lang="en-US" sz="2400" b="1" dirty="0">
+              <a:rPr lang="en-US" sz="2800" b="1" dirty="0">
                 <a:solidFill>
                   <a:srgbClr val="33006F"/>
                 </a:solidFill>
@@ -4310,7 +4203,7 @@
               <a:t>Dataset source: </a:t>
             </a:r>
             <a:r>
-              <a:rPr lang="en-US" sz="2400" dirty="0">
+              <a:rPr lang="en-US" sz="2800" dirty="0">
                 <a:solidFill>
                   <a:srgbClr val="000000"/>
                 </a:solidFill>
@@ -4318,7 +4211,7 @@
                 <a:ea typeface="Open Sans" panose="020B0606030504020204" pitchFamily="34" charset="0"/>
                 <a:cs typeface="Open Sans" panose="020B0606030504020204" pitchFamily="34" charset="0"/>
               </a:rPr>
-              <a:t>Glitch dataset originates from the Laser Interferometer Gravitational-Wave Observatory (LIGO) in Hanford, WA, and Livingston, LA.</a:t>
+              <a:t>Glitch dataset is simulated data that originates from the Laser Interferometer Gravitational-Wave Observatory (LIGO).</a:t>
             </a:r>
           </a:p>
           <a:p>
@@ -4327,7 +4220,7 @@
               <a:buChar char="•"/>
             </a:pPr>
             <a:r>
-              <a:rPr lang="en-US" sz="2400" b="1" dirty="0">
+              <a:rPr lang="en-US" sz="2800" b="1" dirty="0">
                 <a:solidFill>
                   <a:srgbClr val="33006F"/>
                 </a:solidFill>
@@ -4335,10 +4228,10 @@
                 <a:ea typeface="Open Sans" panose="020B0606030504020204" pitchFamily="34" charset="0"/>
                 <a:cs typeface="Open Sans" panose="020B0606030504020204" pitchFamily="34" charset="0"/>
               </a:rPr>
-              <a:t>LIGO observatory: </a:t>
-            </a:r>
-            <a:r>
-              <a:rPr lang="en-US" sz="2400" dirty="0">
+              <a:t>Dataset categories: </a:t>
+            </a:r>
+            <a:r>
+              <a:rPr lang="en-US" sz="2800" dirty="0">
                 <a:solidFill>
                   <a:srgbClr val="000000"/>
                 </a:solidFill>
@@ -4346,7 +4239,7 @@
                 <a:ea typeface="Open Sans" panose="020B0606030504020204" pitchFamily="34" charset="0"/>
                 <a:cs typeface="Open Sans" panose="020B0606030504020204" pitchFamily="34" charset="0"/>
               </a:rPr>
-              <a:t>Designed to identify and understand the sources of gravitational waves using light and space characteristics.</a:t>
+              <a:t>Consists of four distinct data categories - Glitch, Background, Sine-Gaussian (SG), and Binary Black Hole (BBH).</a:t>
             </a:r>
           </a:p>
           <a:p>
@@ -4355,7 +4248,7 @@
               <a:buChar char="•"/>
             </a:pPr>
             <a:r>
-              <a:rPr lang="en-US" sz="2400" b="1" dirty="0">
+              <a:rPr lang="en-US" sz="2800" b="1" dirty="0">
                 <a:solidFill>
                   <a:srgbClr val="33006F"/>
                 </a:solidFill>
@@ -4363,10 +4256,10 @@
                 <a:ea typeface="Open Sans" panose="020B0606030504020204" pitchFamily="34" charset="0"/>
                 <a:cs typeface="Open Sans" panose="020B0606030504020204" pitchFamily="34" charset="0"/>
               </a:rPr>
-              <a:t>Dataset categories: </a:t>
-            </a:r>
-            <a:r>
-              <a:rPr lang="en-US" sz="2400" dirty="0">
+              <a:t>Objective: </a:t>
+            </a:r>
+            <a:r>
+              <a:rPr lang="en-US" sz="2800" dirty="0">
                 <a:solidFill>
                   <a:srgbClr val="000000"/>
                 </a:solidFill>
@@ -4374,37 +4267,9 @@
                 <a:ea typeface="Open Sans" panose="020B0606030504020204" pitchFamily="34" charset="0"/>
                 <a:cs typeface="Open Sans" panose="020B0606030504020204" pitchFamily="34" charset="0"/>
               </a:rPr>
-              <a:t>Consists of four distinct data categories - Glitch, Background, Sine-Gaussian (SG), and Binary Black Hole (BBH).</a:t>
-            </a:r>
-          </a:p>
-          <a:p>
-            <a:pPr marL="285736" indent="-285736">
-              <a:buFont typeface="Arial" panose="020B0604020202020204" pitchFamily="34" charset="0"/>
-              <a:buChar char="•"/>
-            </a:pPr>
-            <a:r>
-              <a:rPr lang="en-US" sz="2400" b="1" dirty="0">
-                <a:solidFill>
-                  <a:srgbClr val="33006F"/>
-                </a:solidFill>
-                <a:latin typeface="Open Sans" panose="020B0606030504020204" pitchFamily="34" charset="0"/>
-                <a:ea typeface="Open Sans" panose="020B0606030504020204" pitchFamily="34" charset="0"/>
-                <a:cs typeface="Open Sans" panose="020B0606030504020204" pitchFamily="34" charset="0"/>
-              </a:rPr>
-              <a:t>Objective: </a:t>
-            </a:r>
-            <a:r>
-              <a:rPr lang="en-US" sz="2400" dirty="0">
-                <a:solidFill>
-                  <a:srgbClr val="000000"/>
-                </a:solidFill>
-                <a:latin typeface="Open Sans" panose="020B0606030504020204" pitchFamily="34" charset="0"/>
-                <a:ea typeface="Open Sans" panose="020B0606030504020204" pitchFamily="34" charset="0"/>
-                <a:cs typeface="Open Sans" panose="020B0606030504020204" pitchFamily="34" charset="0"/>
-              </a:rPr>
-              <a:t>Develop a binary classifier to identify signals as either Glitch/Background or Sine-Gaussian/Binary Black Hole using GASF vs Spectrogram.</a:t>
-            </a:r>
-            <a:endParaRPr lang="en-US" sz="2400" dirty="0">
+              <a:t>Develop a binary classifier to identify signals as either Glitch/Background or Sine-Gaussian/Binary Black Hole using GASF method vs FFT Spectrogram.</a:t>
+            </a:r>
+            <a:endParaRPr lang="en-US" sz="2800" dirty="0">
               <a:solidFill>
                 <a:srgbClr val="000000"/>
               </a:solidFill>
@@ -4420,8 +4285,8 @@
         </p:nvSpPr>
         <p:spPr>
           <a:xfrm>
-            <a:off x="4224366" y="22585205"/>
-            <a:ext cx="6858000" cy="369332"/>
+            <a:off x="1828800" y="20208240"/>
+            <a:ext cx="11887200" cy="365760"/>
           </a:xfrm>
           <a:prstGeom prst="rect">
             <a:avLst/>
@@ -4436,7 +4301,7 @@
           <a:p>
             <a:pPr algn="ctr"/>
             <a:r>
-              <a:rPr lang="en-US" i="1" dirty="0">
+              <a:rPr lang="en-US" sz="2000" i="1" dirty="0">
                 <a:solidFill>
                   <a:srgbClr val="33006F"/>
                 </a:solidFill>
@@ -4457,10 +4322,10 @@
         </p:nvGrpSpPr>
         <p:grpSpPr>
           <a:xfrm>
-            <a:off x="1874077" y="11716634"/>
-            <a:ext cx="11861814" cy="954107"/>
-            <a:chOff x="688946" y="15565887"/>
-            <a:chExt cx="6700033" cy="954107"/>
+            <a:off x="1828801" y="11795760"/>
+            <a:ext cx="11887200" cy="954107"/>
+            <a:chOff x="663372" y="15493392"/>
+            <a:chExt cx="6714372" cy="954107"/>
           </a:xfrm>
         </p:grpSpPr>
         <p:sp>
@@ -4471,8 +4336,8 @@
           </p:nvSpPr>
           <p:spPr>
             <a:xfrm>
-              <a:off x="688946" y="15565887"/>
-              <a:ext cx="6700033" cy="954107"/>
+              <a:off x="663372" y="15493392"/>
+              <a:ext cx="6714372" cy="954107"/>
             </a:xfrm>
             <a:prstGeom prst="rect">
               <a:avLst/>
@@ -4521,7 +4386,7 @@
           </p:blipFill>
           <p:spPr>
             <a:xfrm>
-              <a:off x="778280" y="16388847"/>
+              <a:off x="715021" y="16316352"/>
               <a:ext cx="1429340" cy="115219"/>
             </a:xfrm>
             <a:prstGeom prst="rect">
@@ -4538,8 +4403,8 @@
         </p:nvSpPr>
         <p:spPr>
           <a:xfrm>
-            <a:off x="1859375" y="12810018"/>
-            <a:ext cx="11887200" cy="4893647"/>
+            <a:off x="1859375" y="12893040"/>
+            <a:ext cx="11887200" cy="4401205"/>
           </a:xfrm>
           <a:prstGeom prst="rect">
             <a:avLst/>
@@ -4557,7 +4422,7 @@
               <a:buChar char="•"/>
             </a:pPr>
             <a:r>
-              <a:rPr lang="en-US" sz="2400" b="1" dirty="0">
+              <a:rPr lang="en-US" sz="2800" b="1" dirty="0">
                 <a:solidFill>
                   <a:srgbClr val="33006F"/>
                 </a:solidFill>
@@ -4568,7 +4433,7 @@
               <a:t>Image Conversion: </a:t>
             </a:r>
             <a:r>
-              <a:rPr lang="en-US" sz="2400" dirty="0">
+              <a:rPr lang="en-US" sz="2800" dirty="0">
                 <a:solidFill>
                   <a:srgbClr val="000000"/>
                 </a:solidFill>
@@ -4576,7 +4441,29 @@
                 <a:ea typeface="Open Sans" panose="020B0606030504020204" pitchFamily="34" charset="0"/>
                 <a:cs typeface="Open Sans" panose="020B0606030504020204" pitchFamily="34" charset="0"/>
               </a:rPr>
-              <a:t>Convert time series data to 2D images using Gramian Angular Summation Fields (GASFs) with the pyts library.</a:t>
+              <a:t>Convert time series data to 2D images using Gramian Angular Summation Fields (GASFs) from the </a:t>
+            </a:r>
+            <a:r>
+              <a:rPr lang="en-US" sz="2800" i="1" dirty="0">
+                <a:solidFill>
+                  <a:srgbClr val="33006F"/>
+                </a:solidFill>
+                <a:latin typeface="Open Sans" panose="020B0606030504020204" pitchFamily="34" charset="0"/>
+                <a:ea typeface="Open Sans" panose="020B0606030504020204" pitchFamily="34" charset="0"/>
+                <a:cs typeface="Open Sans" panose="020B0606030504020204" pitchFamily="34" charset="0"/>
+              </a:rPr>
+              <a:t>pyts</a:t>
+            </a:r>
+            <a:r>
+              <a:rPr lang="en-US" sz="2800" dirty="0">
+                <a:solidFill>
+                  <a:srgbClr val="000000"/>
+                </a:solidFill>
+                <a:latin typeface="Open Sans" panose="020B0606030504020204" pitchFamily="34" charset="0"/>
+                <a:ea typeface="Open Sans" panose="020B0606030504020204" pitchFamily="34" charset="0"/>
+                <a:cs typeface="Open Sans" panose="020B0606030504020204" pitchFamily="34" charset="0"/>
+              </a:rPr>
+              <a:t> library.</a:t>
             </a:r>
           </a:p>
           <a:p>
@@ -4585,7 +4472,7 @@
               <a:buChar char="•"/>
             </a:pPr>
             <a:r>
-              <a:rPr lang="en-US" sz="2400" b="1" dirty="0">
+              <a:rPr lang="en-US" sz="2800" b="1" dirty="0">
                 <a:solidFill>
                   <a:srgbClr val="33006F"/>
                 </a:solidFill>
@@ -4596,7 +4483,7 @@
               <a:t>Image size: </a:t>
             </a:r>
             <a:r>
-              <a:rPr lang="en-US" sz="2400" dirty="0">
+              <a:rPr lang="en-US" sz="2800" dirty="0">
                 <a:solidFill>
                   <a:srgbClr val="000000"/>
                 </a:solidFill>
@@ -4604,7 +4491,7 @@
                 <a:ea typeface="Open Sans" panose="020B0606030504020204" pitchFamily="34" charset="0"/>
                 <a:cs typeface="Open Sans" panose="020B0606030504020204" pitchFamily="34" charset="0"/>
               </a:rPr>
-              <a:t>GASF images are 28x28 pixels for a balance between performance and accuracy.</a:t>
+              <a:t>GASF images are 34x34 pixels for a balance between performance and accuracy.</a:t>
             </a:r>
           </a:p>
           <a:p>
@@ -4613,7 +4500,7 @@
               <a:buChar char="•"/>
             </a:pPr>
             <a:r>
-              <a:rPr lang="en-US" sz="2400" b="1" dirty="0">
+              <a:rPr lang="en-US" sz="2800" b="1" dirty="0">
                 <a:solidFill>
                   <a:srgbClr val="33006F"/>
                 </a:solidFill>
@@ -4624,7 +4511,7 @@
               <a:t>Data splitting: </a:t>
             </a:r>
             <a:r>
-              <a:rPr lang="en-US" sz="2400" dirty="0">
+              <a:rPr lang="en-US" sz="2800" dirty="0">
                 <a:solidFill>
                   <a:srgbClr val="000000"/>
                 </a:solidFill>
@@ -4641,7 +4528,7 @@
               <a:buChar char="•"/>
             </a:pPr>
             <a:r>
-              <a:rPr lang="en-US" sz="2400" b="1" dirty="0">
+              <a:rPr lang="en-US" sz="2800" b="1" dirty="0">
                 <a:solidFill>
                   <a:srgbClr val="33006F"/>
                 </a:solidFill>
@@ -4658,7 +4545,7 @@
               <a:buChar char="o"/>
             </a:pPr>
             <a:r>
-              <a:rPr lang="en-US" sz="2400" dirty="0">
+              <a:rPr lang="en-US" sz="2800" dirty="0">
                 <a:solidFill>
                   <a:srgbClr val="000000"/>
                 </a:solidFill>
@@ -4669,7 +4556,7 @@
               <a:t>Two </a:t>
             </a:r>
             <a:r>
-              <a:rPr lang="en-US" sz="2400" i="1" dirty="0">
+              <a:rPr lang="en-US" sz="2800" i="1" dirty="0">
                 <a:solidFill>
                   <a:srgbClr val="33006F"/>
                 </a:solidFill>
@@ -4680,7 +4567,7 @@
               <a:t>convolution layers </a:t>
             </a:r>
             <a:r>
-              <a:rPr lang="en-US" sz="2400" dirty="0">
+              <a:rPr lang="en-US" sz="2800" dirty="0">
                 <a:solidFill>
                   <a:srgbClr val="000000"/>
                 </a:solidFill>
@@ -4691,7 +4578,7 @@
               <a:t>with </a:t>
             </a:r>
             <a:r>
-              <a:rPr lang="en-US" sz="2400" i="1" dirty="0">
+              <a:rPr lang="en-US" sz="2800" i="1" dirty="0">
                 <a:solidFill>
                   <a:srgbClr val="33006F"/>
                 </a:solidFill>
@@ -4702,7 +4589,7 @@
               <a:t>batch normalization </a:t>
             </a:r>
             <a:r>
-              <a:rPr lang="en-US" sz="2400" dirty="0">
+              <a:rPr lang="en-US" sz="2800" dirty="0">
                 <a:solidFill>
                   <a:srgbClr val="000000"/>
                 </a:solidFill>
@@ -4713,7 +4600,7 @@
               <a:t>and </a:t>
             </a:r>
             <a:r>
-              <a:rPr lang="en-US" sz="2400" i="1" dirty="0">
+              <a:rPr lang="en-US" sz="2800" i="1" dirty="0">
                 <a:solidFill>
                   <a:srgbClr val="33006F"/>
                 </a:solidFill>
@@ -4724,7 +4611,7 @@
               <a:t>max pooling layers </a:t>
             </a:r>
             <a:r>
-              <a:rPr lang="en-US" sz="2400" dirty="0">
+              <a:rPr lang="en-US" sz="2800" dirty="0">
                 <a:latin typeface="Open Sans" panose="020B0606030504020204" pitchFamily="34" charset="0"/>
                 <a:ea typeface="Open Sans" panose="020B0606030504020204" pitchFamily="34" charset="0"/>
                 <a:cs typeface="Open Sans" panose="020B0606030504020204" pitchFamily="34" charset="0"/>
@@ -4732,7 +4619,7 @@
               <a:t>a</a:t>
             </a:r>
             <a:r>
-              <a:rPr lang="en-US" sz="2400" dirty="0">
+              <a:rPr lang="en-US" sz="2800" dirty="0">
                 <a:solidFill>
                   <a:srgbClr val="000000"/>
                 </a:solidFill>
@@ -4740,10 +4627,10 @@
                 <a:ea typeface="Open Sans" panose="020B0606030504020204" pitchFamily="34" charset="0"/>
                 <a:cs typeface="Open Sans" panose="020B0606030504020204" pitchFamily="34" charset="0"/>
               </a:rPr>
-              <a:t>pplied after each convolution layer three subsequent </a:t>
-            </a:r>
-            <a:r>
-              <a:rPr lang="en-US" sz="2400" i="1" dirty="0">
+              <a:t>pplied after each convolution layer, three subsequent </a:t>
+            </a:r>
+            <a:r>
+              <a:rPr lang="en-US" sz="2800" i="1" dirty="0">
                 <a:solidFill>
                   <a:srgbClr val="33006F"/>
                 </a:solidFill>
@@ -4751,75 +4638,24 @@
                 <a:ea typeface="Open Sans" panose="020B0606030504020204" pitchFamily="34" charset="0"/>
                 <a:cs typeface="Open Sans" panose="020B0606030504020204" pitchFamily="34" charset="0"/>
               </a:rPr>
-              <a:t>fully connected layers</a:t>
-            </a:r>
-            <a:r>
-              <a:rPr lang="en-US" sz="2400" dirty="0">
-                <a:solidFill>
-                  <a:srgbClr val="000000"/>
-                </a:solidFill>
+              <a:t>fully connected layers </a:t>
+            </a:r>
+            <a:r>
+              <a:rPr lang="en-US" sz="2800" dirty="0">
                 <a:latin typeface="Open Sans" panose="020B0606030504020204" pitchFamily="34" charset="0"/>
                 <a:ea typeface="Open Sans" panose="020B0606030504020204" pitchFamily="34" charset="0"/>
                 <a:cs typeface="Open Sans" panose="020B0606030504020204" pitchFamily="34" charset="0"/>
               </a:rPr>
-              <a:t> with dimensions 1568x128, 128x64, and 64x2, respectively.</a:t>
-            </a:r>
-          </a:p>
-          <a:p>
-            <a:pPr marL="285736" indent="-285736">
-              <a:buFont typeface="Arial" panose="020B0604020202020204" pitchFamily="34" charset="0"/>
-              <a:buChar char="•"/>
-            </a:pPr>
-            <a:r>
-              <a:rPr lang="en-US" sz="2400" b="1" dirty="0">
-                <a:solidFill>
-                  <a:srgbClr val="33006F"/>
-                </a:solidFill>
-                <a:latin typeface="Open Sans" panose="020B0606030504020204" pitchFamily="34" charset="0"/>
-                <a:ea typeface="Open Sans" panose="020B0606030504020204" pitchFamily="34" charset="0"/>
-                <a:cs typeface="Open Sans" panose="020B0606030504020204" pitchFamily="34" charset="0"/>
-              </a:rPr>
-              <a:t>Training: </a:t>
-            </a:r>
-            <a:r>
-              <a:rPr lang="en-US" sz="2400" dirty="0">
-                <a:solidFill>
-                  <a:srgbClr val="000000"/>
-                </a:solidFill>
-                <a:latin typeface="Open Sans" panose="020B0606030504020204" pitchFamily="34" charset="0"/>
-                <a:ea typeface="Open Sans" panose="020B0606030504020204" pitchFamily="34" charset="0"/>
-                <a:cs typeface="Open Sans" panose="020B0606030504020204" pitchFamily="34" charset="0"/>
-              </a:rPr>
-              <a:t>Trained for 16 epochs, learning rate of 5e-6, batch size of 677, L2 regularization with coefficient 0.001.</a:t>
-            </a:r>
-          </a:p>
-          <a:p>
-            <a:pPr marL="285736" indent="-285736">
-              <a:buFont typeface="Arial" panose="020B0604020202020204" pitchFamily="34" charset="0"/>
-              <a:buChar char="•"/>
-            </a:pPr>
-            <a:r>
-              <a:rPr lang="en-US" sz="2400" b="1" dirty="0">
-                <a:solidFill>
-                  <a:srgbClr val="33006F"/>
-                </a:solidFill>
-                <a:latin typeface="Open Sans" panose="020B0606030504020204" pitchFamily="34" charset="0"/>
-                <a:ea typeface="Open Sans" panose="020B0606030504020204" pitchFamily="34" charset="0"/>
-                <a:cs typeface="Open Sans" panose="020B0606030504020204" pitchFamily="34" charset="0"/>
-              </a:rPr>
-              <a:t>Loss function and optimizer: </a:t>
-            </a:r>
-            <a:r>
-              <a:rPr lang="en-US" sz="2400" dirty="0">
-                <a:solidFill>
-                  <a:srgbClr val="000000"/>
-                </a:solidFill>
-                <a:latin typeface="Open Sans" panose="020B0606030504020204" pitchFamily="34" charset="0"/>
-                <a:ea typeface="Open Sans" panose="020B0606030504020204" pitchFamily="34" charset="0"/>
-                <a:cs typeface="Open Sans" panose="020B0606030504020204" pitchFamily="34" charset="0"/>
-              </a:rPr>
-              <a:t>Cross-entropy loss function and Adam optimizer.</a:t>
-            </a:r>
+              <a:t>and an output layer</a:t>
+            </a:r>
+            <a:endParaRPr lang="en-US" sz="2800" dirty="0">
+              <a:solidFill>
+                <a:srgbClr val="000000"/>
+              </a:solidFill>
+              <a:latin typeface="Open Sans" panose="020B0606030504020204" pitchFamily="34" charset="0"/>
+              <a:ea typeface="Open Sans" panose="020B0606030504020204" pitchFamily="34" charset="0"/>
+              <a:cs typeface="Open Sans" panose="020B0606030504020204" pitchFamily="34" charset="0"/>
+            </a:endParaRPr>
           </a:p>
         </p:txBody>
       </p:sp>
@@ -4831,8 +4667,8 @@
         </p:nvSpPr>
         <p:spPr>
           <a:xfrm>
-            <a:off x="30145634" y="20367337"/>
-            <a:ext cx="11853460" cy="646331"/>
+            <a:off x="30175200" y="18801028"/>
+            <a:ext cx="11887200" cy="1015663"/>
           </a:xfrm>
           <a:prstGeom prst="rect">
             <a:avLst/>
@@ -4845,8 +4681,9 @@
           </a:bodyPr>
           <a:lstStyle/>
           <a:p>
-            <a:r>
-              <a:rPr lang="en-US" b="1" i="1" dirty="0">
+            <a:pPr algn="ctr"/>
+            <a:r>
+              <a:rPr lang="en-US" sz="2000" i="1" dirty="0">
                 <a:solidFill>
                   <a:srgbClr val="33006F"/>
                 </a:solidFill>
@@ -4854,10 +4691,10 @@
                 <a:ea typeface="Open Sans" charset="0"/>
                 <a:cs typeface="Open Sans" charset="0"/>
               </a:rPr>
-              <a:t>Top</a:t>
-            </a:r>
-            <a:r>
-              <a:rPr lang="en-US" i="1" dirty="0">
+              <a:t>The training loss of the CNN plotted against the number of iterations </a:t>
+            </a:r>
+            <a:r>
+              <a:rPr lang="en-US" sz="2000" b="1" i="1" dirty="0">
                 <a:solidFill>
                   <a:srgbClr val="33006F"/>
                 </a:solidFill>
@@ -4865,12 +4702,10 @@
                 <a:ea typeface="Open Sans" charset="0"/>
                 <a:cs typeface="Open Sans" charset="0"/>
               </a:rPr>
-              <a:t>: The training loss of the CNN plotted against the number of iterations.</a:t>
-            </a:r>
-          </a:p>
-          <a:p>
-            <a:r>
-              <a:rPr lang="en-US" b="1" i="1" dirty="0">
+              <a:t>(top)</a:t>
+            </a:r>
+            <a:r>
+              <a:rPr lang="en-US" sz="2000" i="1" dirty="0">
                 <a:solidFill>
                   <a:srgbClr val="33006F"/>
                 </a:solidFill>
@@ -4878,10 +4713,10 @@
                 <a:ea typeface="Open Sans" charset="0"/>
                 <a:cs typeface="Open Sans" charset="0"/>
               </a:rPr>
-              <a:t>Bottom</a:t>
-            </a:r>
-            <a:r>
-              <a:rPr lang="en-US" i="1" dirty="0">
+              <a:t> and the validation accuracy of the CNN plotted against the number of elapsed epochs </a:t>
+            </a:r>
+            <a:r>
+              <a:rPr lang="en-US" sz="2000" b="1" i="1" dirty="0">
                 <a:solidFill>
                   <a:srgbClr val="33006F"/>
                 </a:solidFill>
@@ -4889,8 +4724,71 @@
                 <a:ea typeface="Open Sans" charset="0"/>
                 <a:cs typeface="Open Sans" charset="0"/>
               </a:rPr>
-              <a:t>: The validation accuracy of the CNN plotted against the number of elapsed epochs.</a:t>
-            </a:r>
+              <a:t>(bottom)</a:t>
+            </a:r>
+            <a:r>
+              <a:rPr lang="en-US" sz="2000" i="1" dirty="0">
+                <a:solidFill>
+                  <a:srgbClr val="33006F"/>
+                </a:solidFill>
+                <a:latin typeface="Open Sans" charset="0"/>
+                <a:ea typeface="Open Sans" charset="0"/>
+                <a:cs typeface="Open Sans" charset="0"/>
+              </a:rPr>
+              <a:t>; GASF method (</a:t>
+            </a:r>
+            <a:r>
+              <a:rPr lang="en-US" sz="2000" b="1" i="1" dirty="0">
+                <a:solidFill>
+                  <a:srgbClr val="33006F"/>
+                </a:solidFill>
+                <a:latin typeface="Open Sans" charset="0"/>
+                <a:ea typeface="Open Sans" charset="0"/>
+                <a:cs typeface="Open Sans" charset="0"/>
+              </a:rPr>
+              <a:t>purple) </a:t>
+            </a:r>
+            <a:r>
+              <a:rPr lang="en-US" sz="2000" i="1" dirty="0">
+                <a:solidFill>
+                  <a:srgbClr val="33006F"/>
+                </a:solidFill>
+                <a:latin typeface="Open Sans" charset="0"/>
+                <a:ea typeface="Open Sans" charset="0"/>
+                <a:cs typeface="Open Sans" charset="0"/>
+              </a:rPr>
+              <a:t>and FFT spectrogram </a:t>
+            </a:r>
+            <a:r>
+              <a:rPr lang="en-US" sz="2000" b="1" i="1" dirty="0">
+                <a:solidFill>
+                  <a:srgbClr val="33006F"/>
+                </a:solidFill>
+                <a:latin typeface="Open Sans" charset="0"/>
+                <a:ea typeface="Open Sans" charset="0"/>
+                <a:cs typeface="Open Sans" charset="0"/>
+              </a:rPr>
+              <a:t>(gold)</a:t>
+            </a:r>
+            <a:r>
+              <a:rPr lang="en-US" sz="2000" i="1" dirty="0">
+                <a:solidFill>
+                  <a:srgbClr val="33006F"/>
+                </a:solidFill>
+                <a:latin typeface="Open Sans" charset="0"/>
+                <a:ea typeface="Open Sans" charset="0"/>
+                <a:cs typeface="Open Sans" charset="0"/>
+              </a:rPr>
+              <a:t>.</a:t>
+            </a:r>
+            <a:endParaRPr lang="en-US" sz="2000" b="1" i="1" dirty="0">
+              <a:solidFill>
+                <a:srgbClr val="33006F"/>
+              </a:solidFill>
+              <a:latin typeface="Open Sans" charset="0"/>
+              <a:ea typeface="Open Sans" charset="0"/>
+              <a:cs typeface="Open Sans" charset="0"/>
+            </a:endParaRPr>
           </a:p>
         </p:txBody>
       </p:sp>
@@ -4945,7 +4843,7 @@
         </p:blipFill>
         <p:spPr bwMode="auto">
           <a:xfrm>
-            <a:off x="1837517" y="19658476"/>
+            <a:off x="1837517" y="17647920"/>
             <a:ext cx="11887200" cy="2593131"/>
           </a:xfrm>
           <a:prstGeom prst="rect">
@@ -4977,8 +4875,8 @@
         </p:nvSpPr>
         <p:spPr>
           <a:xfrm>
-            <a:off x="15645160" y="25835064"/>
-            <a:ext cx="12829184" cy="646331"/>
+            <a:off x="15618172" y="25237440"/>
+            <a:ext cx="12829184" cy="707886"/>
           </a:xfrm>
           <a:prstGeom prst="rect">
             <a:avLst/>
@@ -4991,8 +4889,9 @@
           </a:bodyPr>
           <a:lstStyle/>
           <a:p>
-            <a:r>
-              <a:rPr lang="en-US" i="1" dirty="0">
+            <a:pPr algn="ctr"/>
+            <a:r>
+              <a:rPr lang="en-US" sz="2000" i="1" dirty="0">
                 <a:solidFill>
                   <a:srgbClr val="33006F"/>
                 </a:solidFill>
@@ -5000,7 +4899,7 @@
                 <a:ea typeface="Open Sans" panose="020B0606030504020204" pitchFamily="34" charset="0"/>
                 <a:cs typeface="Open Sans" panose="020B0606030504020204" pitchFamily="34" charset="0"/>
               </a:rPr>
-              <a:t>An example of the four signal categories derived from the time series data, along with their corresponding GASF images captured by both Detector 1 and Detector 2.</a:t>
+              <a:t>An example of the four signal categories derived from the time series data, along with their corresponding GASF images for both Detector 1 and Detector 2.</a:t>
             </a:r>
           </a:p>
         </p:txBody>
@@ -5019,8 +4918,8 @@
         </p:nvSpPr>
         <p:spPr>
           <a:xfrm>
-            <a:off x="30175200" y="25560878"/>
-            <a:ext cx="11887200" cy="3416320"/>
+            <a:off x="30175200" y="26974800"/>
+            <a:ext cx="11887200" cy="1645920"/>
           </a:xfrm>
           <a:prstGeom prst="rect">
             <a:avLst/>
@@ -5034,7 +4933,7 @@
           <a:lstStyle/>
           <a:p>
             <a:r>
-              <a:rPr lang="en-US" sz="2400" kern="100" dirty="0">
+              <a:rPr lang="en-US" sz="2000" kern="100" dirty="0">
                 <a:solidFill>
                   <a:srgbClr val="000000"/>
                 </a:solidFill>
@@ -5045,7 +4944,7 @@
               <a:t>[1] Z. Wang and T. Oates. Encoding Time Series as Images for Visual Inspection and Classification Using Tiled Convolutional Neural Networks. In </a:t>
             </a:r>
             <a:r>
-              <a:rPr lang="en-US" sz="2400" i="1" kern="100" dirty="0">
+              <a:rPr lang="en-US" sz="2000" i="1" kern="100" dirty="0">
                 <a:solidFill>
                   <a:srgbClr val="000000"/>
                 </a:solidFill>
@@ -5056,7 +4955,7 @@
               <a:t>The Twenty-Ninth AAAI Conference on Artificial Intelligence. </a:t>
             </a:r>
             <a:r>
-              <a:rPr lang="en-US" sz="2400" kern="100" dirty="0">
+              <a:rPr lang="en-US" sz="2000" kern="100" dirty="0">
                 <a:solidFill>
                   <a:srgbClr val="000000"/>
                 </a:solidFill>
@@ -5069,7 +4968,7 @@
           </a:p>
           <a:p>
             <a:r>
-              <a:rPr lang="en-US" sz="2400" kern="100" dirty="0">
+              <a:rPr lang="en-US" sz="2000" kern="100" dirty="0">
                 <a:solidFill>
                   <a:srgbClr val="000000"/>
                 </a:solidFill>
@@ -5078,94 +4977,6 @@
                 <a:cs typeface="Open Sans" panose="020B0606030504020204" pitchFamily="34" charset="0"/>
               </a:rPr>
               <a:t>[2] T. S. Fernandes, et al. Convolutional Neural Networks for the classification of glitches in gravitational-wave data streams, arXiv:2303.13917v1 [gr-qc], March 2023.</a:t>
-            </a:r>
-          </a:p>
-          <a:p>
-            <a:r>
-              <a:rPr lang="en-US" sz="2400" kern="100" dirty="0">
-                <a:solidFill>
-                  <a:srgbClr val="000000"/>
-                </a:solidFill>
-                <a:latin typeface="Open Sans" panose="020B0606030504020204" pitchFamily="34" charset="0"/>
-                <a:ea typeface="Open Sans" panose="020B0606030504020204" pitchFamily="34" charset="0"/>
-                <a:cs typeface="Open Sans" panose="020B0606030504020204" pitchFamily="34" charset="0"/>
-              </a:rPr>
-              <a:t>[3] D. George, H. Shen, and E. A. Heurta. Glitch Classification and Clustering for LIGO with Deep Transfer Learning. </a:t>
-            </a:r>
-            <a:r>
-              <a:rPr lang="en-US" sz="2400" i="1" kern="100" dirty="0">
-                <a:solidFill>
-                  <a:srgbClr val="000000"/>
-                </a:solidFill>
-                <a:latin typeface="Open Sans" panose="020B0606030504020204" pitchFamily="34" charset="0"/>
-                <a:ea typeface="Open Sans" panose="020B0606030504020204" pitchFamily="34" charset="0"/>
-                <a:cs typeface="Open Sans" panose="020B0606030504020204" pitchFamily="34" charset="0"/>
-              </a:rPr>
-              <a:t>Phys Rev. D</a:t>
-            </a:r>
-            <a:r>
-              <a:rPr lang="en-US" sz="2400" kern="100" dirty="0">
-                <a:solidFill>
-                  <a:srgbClr val="000000"/>
-                </a:solidFill>
-                <a:latin typeface="Open Sans" panose="020B0606030504020204" pitchFamily="34" charset="0"/>
-                <a:ea typeface="Open Sans" panose="020B0606030504020204" pitchFamily="34" charset="0"/>
-                <a:cs typeface="Open Sans" panose="020B0606030504020204" pitchFamily="34" charset="0"/>
-              </a:rPr>
-              <a:t>, 97:101501, May 2018.</a:t>
-            </a:r>
-          </a:p>
-          <a:p>
-            <a:endParaRPr lang="en-US" sz="2400" kern="100" dirty="0">
-              <a:solidFill>
-                <a:srgbClr val="000000"/>
-              </a:solidFill>
-              <a:latin typeface="Open Sans" panose="020B0606030504020204" pitchFamily="34" charset="0"/>
-              <a:ea typeface="Open Sans" panose="020B0606030504020204" pitchFamily="34" charset="0"/>
-              <a:cs typeface="Open Sans" panose="020B0606030504020204" pitchFamily="34" charset="0"/>
-            </a:endParaRPr>
-          </a:p>
-        </p:txBody>
-      </p:sp>
-      <p:sp>
-        <p:nvSpPr>
-          <p:cNvPr id="18" name="TextBox 17">
-            <a:extLst>
-              <a:ext uri="{FF2B5EF4-FFF2-40B4-BE49-F238E27FC236}">
-                <a16:creationId xmlns:a16="http://schemas.microsoft.com/office/drawing/2014/main" id="{BB4BC641-A958-F54B-F29A-17BADF6457FF}"/>
-              </a:ext>
-            </a:extLst>
-          </p:cNvPr>
-          <p:cNvSpPr txBox="1"/>
-          <p:nvPr/>
-        </p:nvSpPr>
-        <p:spPr>
-          <a:xfrm>
-            <a:off x="33930441" y="4447783"/>
-            <a:ext cx="8045232" cy="376306"/>
-          </a:xfrm>
-          <a:prstGeom prst="rect">
-            <a:avLst/>
-          </a:prstGeom>
-          <a:noFill/>
-        </p:spPr>
-        <p:txBody>
-          <a:bodyPr wrap="square" rtlCol="0">
-            <a:spAutoFit/>
-          </a:bodyPr>
-          <a:lstStyle/>
-          <a:p>
-            <a:pPr algn="ctr"/>
-            <a:r>
-              <a:rPr lang="en-US" sz="1800" kern="100" dirty="0">
-                <a:solidFill>
-                  <a:srgbClr val="FFFFFF"/>
-                </a:solidFill>
-                <a:latin typeface="Open Sans" panose="020B0606030504020204" pitchFamily="34" charset="0"/>
-                <a:ea typeface="Open Sans" panose="020B0606030504020204" pitchFamily="34" charset="0"/>
-                <a:cs typeface="Open Sans" panose="020B0606030504020204" pitchFamily="34" charset="0"/>
-              </a:rPr>
-              <a:t>In accordance with OAC-2117997 </a:t>
             </a:r>
           </a:p>
         </p:txBody>
@@ -5184,9 +4995,9 @@
         </p:nvGrpSpPr>
         <p:grpSpPr>
           <a:xfrm>
-            <a:off x="30108848" y="24572060"/>
+            <a:off x="30175199" y="25877520"/>
             <a:ext cx="11897707" cy="954107"/>
-            <a:chOff x="1631339" y="15477966"/>
+            <a:chOff x="1667035" y="15442148"/>
             <a:chExt cx="6400800" cy="954107"/>
           </a:xfrm>
         </p:grpSpPr>
@@ -5204,7 +5015,7 @@
           </p:nvSpPr>
           <p:spPr>
             <a:xfrm>
-              <a:off x="1631339" y="15477966"/>
+              <a:off x="1667035" y="15442148"/>
               <a:ext cx="6400800" cy="954107"/>
             </a:xfrm>
             <a:prstGeom prst="rect">
@@ -5260,7 +5071,7 @@
           </p:blipFill>
           <p:spPr>
             <a:xfrm>
-              <a:off x="1722779" y="16300926"/>
+              <a:off x="1716229" y="16265108"/>
               <a:ext cx="1463040" cy="117936"/>
             </a:xfrm>
             <a:prstGeom prst="rect">
@@ -5269,108 +5080,6 @@
           </p:spPr>
         </p:pic>
       </p:grpSp>
-      <p:sp>
-        <p:nvSpPr>
-          <p:cNvPr id="1039" name="TextBox 1038">
-            <a:extLst>
-              <a:ext uri="{FF2B5EF4-FFF2-40B4-BE49-F238E27FC236}">
-                <a16:creationId xmlns:a16="http://schemas.microsoft.com/office/drawing/2014/main" id="{C8E29561-6F45-83D0-347E-F09F1E6423FD}"/>
-              </a:ext>
-            </a:extLst>
-          </p:cNvPr>
-          <p:cNvSpPr txBox="1"/>
-          <p:nvPr/>
-        </p:nvSpPr>
-        <p:spPr>
-          <a:xfrm>
-            <a:off x="38088668" y="13353200"/>
-            <a:ext cx="6858000" cy="338554"/>
-          </a:xfrm>
-          <a:prstGeom prst="rect">
-            <a:avLst/>
-          </a:prstGeom>
-          <a:noFill/>
-        </p:spPr>
-        <p:txBody>
-          <a:bodyPr wrap="square" rtlCol="0">
-            <a:spAutoFit/>
-          </a:bodyPr>
-          <a:lstStyle/>
-          <a:p>
-            <a:pPr algn="ctr"/>
-            <a:r>
-              <a:rPr lang="en-US" sz="1600" dirty="0">
-                <a:solidFill>
-                  <a:srgbClr val="000000"/>
-                </a:solidFill>
-                <a:latin typeface="Open Sans" panose="020B0606030504020204" pitchFamily="34" charset="0"/>
-                <a:ea typeface="Open Sans" panose="020B0606030504020204" pitchFamily="34" charset="0"/>
-                <a:cs typeface="Open Sans" panose="020B0606030504020204" pitchFamily="34" charset="0"/>
-              </a:rPr>
-              <a:t>Epochs</a:t>
-            </a:r>
-            <a:endParaRPr lang="en-US" sz="1400" dirty="0">
-              <a:solidFill>
-                <a:srgbClr val="000000"/>
-              </a:solidFill>
-              <a:latin typeface="Open Sans" panose="020B0606030504020204" pitchFamily="34" charset="0"/>
-              <a:ea typeface="Open Sans" panose="020B0606030504020204" pitchFamily="34" charset="0"/>
-              <a:cs typeface="Open Sans" panose="020B0606030504020204" pitchFamily="34" charset="0"/>
-            </a:endParaRPr>
-          </a:p>
-        </p:txBody>
-      </p:sp>
-      <p:sp>
-        <p:nvSpPr>
-          <p:cNvPr id="1040" name="TextBox 1039">
-            <a:extLst>
-              <a:ext uri="{FF2B5EF4-FFF2-40B4-BE49-F238E27FC236}">
-                <a16:creationId xmlns:a16="http://schemas.microsoft.com/office/drawing/2014/main" id="{06320ADB-E56C-D47F-262E-534E4F212DE8}"/>
-              </a:ext>
-            </a:extLst>
-          </p:cNvPr>
-          <p:cNvSpPr txBox="1"/>
-          <p:nvPr/>
-        </p:nvSpPr>
-        <p:spPr>
-          <a:xfrm>
-            <a:off x="38088668" y="13041606"/>
-            <a:ext cx="6858000" cy="338554"/>
-          </a:xfrm>
-          <a:prstGeom prst="rect">
-            <a:avLst/>
-          </a:prstGeom>
-          <a:noFill/>
-        </p:spPr>
-        <p:txBody>
-          <a:bodyPr wrap="square" rtlCol="0">
-            <a:spAutoFit/>
-          </a:bodyPr>
-          <a:lstStyle/>
-          <a:p>
-            <a:pPr algn="ctr"/>
-            <a:r>
-              <a:rPr lang="en-US" sz="1600" dirty="0">
-                <a:solidFill>
-                  <a:srgbClr val="000000"/>
-                </a:solidFill>
-                <a:latin typeface="Open Sans" panose="020B0606030504020204" pitchFamily="34" charset="0"/>
-                <a:ea typeface="Open Sans" panose="020B0606030504020204" pitchFamily="34" charset="0"/>
-                <a:cs typeface="Open Sans" panose="020B0606030504020204" pitchFamily="34" charset="0"/>
-              </a:rPr>
-              <a:t>Iterations</a:t>
-            </a:r>
-            <a:endParaRPr lang="en-US" sz="1400" dirty="0">
-              <a:solidFill>
-                <a:srgbClr val="000000"/>
-              </a:solidFill>
-              <a:latin typeface="Open Sans" panose="020B0606030504020204" pitchFamily="34" charset="0"/>
-              <a:ea typeface="Open Sans" panose="020B0606030504020204" pitchFamily="34" charset="0"/>
-              <a:cs typeface="Open Sans" panose="020B0606030504020204" pitchFamily="34" charset="0"/>
-            </a:endParaRPr>
-          </a:p>
-        </p:txBody>
-      </p:sp>
       <p:pic>
         <p:nvPicPr>
           <p:cNvPr id="14" name="Picture 13" descr="A logo for a company&#10;&#10;Description automatically generated">
@@ -5416,37 +5125,37 @@
           <p:nvPr>
             <p:extLst>
               <p:ext uri="{D42A27DB-BD31-4B8C-83A1-F6EECF244321}">
-                <p14:modId xmlns:p14="http://schemas.microsoft.com/office/powerpoint/2010/main" val="2231684555"/>
+                <p14:modId xmlns:p14="http://schemas.microsoft.com/office/powerpoint/2010/main" val="338671285"/>
               </p:ext>
             </p:extLst>
           </p:nvPr>
         </p:nvGraphicFramePr>
         <p:xfrm>
-          <a:off x="15488365" y="13895930"/>
-          <a:ext cx="5943600" cy="5943601"/>
+          <a:off x="16230600" y="12618720"/>
+          <a:ext cx="5029200" cy="6217920"/>
         </p:xfrm>
         <a:graphic>
           <a:graphicData uri="http://schemas.openxmlformats.org/drawingml/2006/table">
             <a:tbl>
               <a:tblPr firstRow="1" bandRow="1">
-                <a:tableStyleId>{3C2FFA5D-87B4-456A-9821-1D502468CF0F}</a:tableStyleId>
+                <a:tableStyleId>{2D5ABB26-0587-4C30-8999-92F81FD0307C}</a:tableStyleId>
               </a:tblPr>
               <a:tblGrid>
-                <a:gridCol w="465800">
+                <a:gridCol w="394140">
                   <a:extLst>
                     <a:ext uri="{9D8B030D-6E8A-4147-A177-3AD203B41FA5}">
                       <a16:colId xmlns:a16="http://schemas.microsoft.com/office/drawing/2014/main" val="4150575736"/>
                     </a:ext>
                   </a:extLst>
                 </a:gridCol>
-                <a:gridCol w="2794796">
+                <a:gridCol w="2364825">
                   <a:extLst>
                     <a:ext uri="{9D8B030D-6E8A-4147-A177-3AD203B41FA5}">
                       <a16:colId xmlns:a16="http://schemas.microsoft.com/office/drawing/2014/main" val="2345576602"/>
                     </a:ext>
                   </a:extLst>
                 </a:gridCol>
-                <a:gridCol w="2683004">
+                <a:gridCol w="2270235">
                   <a:extLst>
                     <a:ext uri="{9D8B030D-6E8A-4147-A177-3AD203B41FA5}">
                       <a16:colId xmlns:a16="http://schemas.microsoft.com/office/drawing/2014/main" val="591402311"/>
@@ -5454,24 +5163,27 @@
                   </a:extLst>
                 </a:gridCol>
               </a:tblGrid>
-              <a:tr h="459904">
+              <a:tr h="474350">
                 <a:tc>
                   <a:txBody>
                     <a:bodyPr/>
                     <a:lstStyle/>
                     <a:p>
                       <a:pPr algn="ctr"/>
-                      <a:endParaRPr lang="en-US" sz="2400" dirty="0">
-                        <a:solidFill>
-                          <a:srgbClr val="33006F"/>
-                        </a:solidFill>
-                        <a:latin typeface="Open Sans" panose="020B0606030504020204" pitchFamily="34" charset="0"/>
-                        <a:ea typeface="Open Sans" panose="020B0606030504020204" pitchFamily="34" charset="0"/>
-                        <a:cs typeface="Open Sans" panose="020B0606030504020204" pitchFamily="34" charset="0"/>
-                      </a:endParaRPr>
-                    </a:p>
-                  </a:txBody>
-                  <a:tcPr/>
+                      <a:r>
+                        <a:rPr lang="en-US" sz="2000" dirty="0">
+                          <a:solidFill>
+                            <a:srgbClr val="33006F"/>
+                          </a:solidFill>
+                          <a:latin typeface="Open Sans" panose="020B0606030504020204" pitchFamily="34" charset="0"/>
+                          <a:ea typeface="Open Sans" panose="020B0606030504020204" pitchFamily="34" charset="0"/>
+                          <a:cs typeface="Open Sans" panose="020B0606030504020204" pitchFamily="34" charset="0"/>
+                        </a:rPr>
+                        <a:t>  </a:t>
+                      </a:r>
+                    </a:p>
+                  </a:txBody>
+                  <a:tcPr marL="94313" marR="94313" marT="47155" marB="47155"/>
                 </a:tc>
                 <a:tc gridSpan="2">
                   <a:txBody>
@@ -5496,7 +5208,7 @@
                         <a:defRPr/>
                       </a:pPr>
                       <a:r>
-                        <a:rPr lang="en-US" sz="2400" dirty="0">
+                        <a:rPr lang="en-US" sz="2400" b="1" dirty="0">
                           <a:solidFill>
                             <a:srgbClr val="33006F"/>
                           </a:solidFill>
@@ -5504,11 +5216,11 @@
                           <a:ea typeface="Open Sans" panose="020B0606030504020204" pitchFamily="34" charset="0"/>
                           <a:cs typeface="Open Sans" panose="020B0606030504020204" pitchFamily="34" charset="0"/>
                         </a:rPr>
-                        <a:t>Glitch</a:t>
+                        <a:t>  Glitch</a:t>
                       </a:r>
                     </a:p>
                   </a:txBody>
-                  <a:tcPr/>
+                  <a:tcPr marL="92805" marR="92805" marT="46402" marB="46402"/>
                 </a:tc>
                 <a:tc hMerge="1">
                   <a:txBody>
@@ -5526,20 +5238,20 @@
                   </a:ext>
                 </a:extLst>
               </a:tr>
-              <a:tr h="367923">
+              <a:tr h="408687">
                 <a:tc rowSpan="2">
                   <a:txBody>
                     <a:bodyPr/>
                     <a:lstStyle/>
                     <a:p>
-                      <a:endParaRPr lang="en-US" sz="1800" dirty="0">
+                      <a:endParaRPr lang="en-US" sz="2000" dirty="0">
                         <a:latin typeface="Open Sans" panose="020B0606030504020204" pitchFamily="34" charset="0"/>
                         <a:ea typeface="Open Sans" panose="020B0606030504020204" pitchFamily="34" charset="0"/>
                         <a:cs typeface="Open Sans" panose="020B0606030504020204" pitchFamily="34" charset="0"/>
                       </a:endParaRPr>
                     </a:p>
                   </a:txBody>
-                  <a:tcPr/>
+                  <a:tcPr marL="92805" marR="92805" marT="46402" marB="46402"/>
                 </a:tc>
                 <a:tc>
                   <a:txBody>
@@ -5548,7 +5260,7 @@
                     <a:p>
                       <a:pPr algn="ctr"/>
                       <a:r>
-                        <a:rPr lang="en-US" sz="1800" dirty="0">
+                        <a:rPr lang="en-US" sz="2000" b="1" dirty="0">
                           <a:solidFill>
                             <a:srgbClr val="33006F"/>
                           </a:solidFill>
@@ -5556,11 +5268,11 @@
                           <a:ea typeface="Open Sans" panose="020B0606030504020204" pitchFamily="34" charset="0"/>
                           <a:cs typeface="Open Sans" panose="020B0606030504020204" pitchFamily="34" charset="0"/>
                         </a:rPr>
-                        <a:t>Detector 1</a:t>
+                        <a:t>    Detector 1</a:t>
                       </a:r>
                     </a:p>
                   </a:txBody>
-                  <a:tcPr/>
+                  <a:tcPr marL="94313" marR="94313" marT="47155" marB="47155"/>
                 </a:tc>
                 <a:tc>
                   <a:txBody>
@@ -5569,7 +5281,7 @@
                     <a:p>
                       <a:pPr algn="ctr"/>
                       <a:r>
-                        <a:rPr lang="en-US" sz="1800">
+                        <a:rPr lang="en-US" sz="2000" b="1" dirty="0">
                           <a:solidFill>
                             <a:srgbClr val="33006F"/>
                           </a:solidFill>
@@ -5579,17 +5291,9 @@
                         </a:rPr>
                         <a:t>Detector 2</a:t>
                       </a:r>
-                      <a:endParaRPr lang="en-US" sz="1800" dirty="0">
-                        <a:solidFill>
-                          <a:srgbClr val="33006F"/>
-                        </a:solidFill>
-                        <a:latin typeface="Open Sans" panose="020B0606030504020204" pitchFamily="34" charset="0"/>
-                        <a:ea typeface="Open Sans" panose="020B0606030504020204" pitchFamily="34" charset="0"/>
-                        <a:cs typeface="Open Sans" panose="020B0606030504020204" pitchFamily="34" charset="0"/>
-                      </a:endParaRPr>
-                    </a:p>
-                  </a:txBody>
-                  <a:tcPr/>
+                    </a:p>
+                  </a:txBody>
+                  <a:tcPr marL="94313" marR="94313" marT="47155" marB="47155"/>
                 </a:tc>
                 <a:extLst>
                   <a:ext uri="{0D108BD9-81ED-4DB2-BD59-A6C34878D82A}">
@@ -5597,7 +5301,7 @@
                   </a:ext>
                 </a:extLst>
               </a:tr>
-              <a:tr h="367923">
+              <a:tr h="408687">
                 <a:tc vMerge="1">
                   <a:txBody>
                     <a:bodyPr/>
@@ -5615,7 +5319,25 @@
                     <a:p>
                       <a:pPr algn="ctr"/>
                       <a:r>
-                        <a:rPr lang="en-US" sz="1800" dirty="0">
+                        <a:rPr lang="en-US" sz="2000" dirty="0">
+                          <a:latin typeface="Open Sans" panose="020B0606030504020204" pitchFamily="34" charset="0"/>
+                          <a:ea typeface="Open Sans" panose="020B0606030504020204" pitchFamily="34" charset="0"/>
+                          <a:cs typeface="Open Sans" panose="020B0606030504020204" pitchFamily="34" charset="0"/>
+                        </a:rPr>
+                        <a:t>    Pixels</a:t>
+                      </a:r>
+                    </a:p>
+                  </a:txBody>
+                  <a:tcPr marL="94313" marR="94313" marT="47155" marB="47155"/>
+                </a:tc>
+                <a:tc>
+                  <a:txBody>
+                    <a:bodyPr/>
+                    <a:lstStyle/>
+                    <a:p>
+                      <a:pPr algn="ctr"/>
+                      <a:r>
+                        <a:rPr lang="en-US" sz="2000" dirty="0">
                           <a:latin typeface="Open Sans" panose="020B0606030504020204" pitchFamily="34" charset="0"/>
                           <a:ea typeface="Open Sans" panose="020B0606030504020204" pitchFamily="34" charset="0"/>
                           <a:cs typeface="Open Sans" panose="020B0606030504020204" pitchFamily="34" charset="0"/>
@@ -5624,25 +5346,7 @@
                       </a:r>
                     </a:p>
                   </a:txBody>
-                  <a:tcPr/>
-                </a:tc>
-                <a:tc>
-                  <a:txBody>
-                    <a:bodyPr/>
-                    <a:lstStyle/>
-                    <a:p>
-                      <a:pPr algn="ctr"/>
-                      <a:r>
-                        <a:rPr lang="en-US" sz="1800" dirty="0">
-                          <a:latin typeface="Open Sans" panose="020B0606030504020204" pitchFamily="34" charset="0"/>
-                          <a:ea typeface="Open Sans" panose="020B0606030504020204" pitchFamily="34" charset="0"/>
-                          <a:cs typeface="Open Sans" panose="020B0606030504020204" pitchFamily="34" charset="0"/>
-                        </a:rPr>
-                        <a:t>Pixels</a:t>
-                      </a:r>
-                    </a:p>
-                  </a:txBody>
-                  <a:tcPr/>
+                  <a:tcPr marL="94313" marR="94313" marT="47155" marB="47155"/>
                 </a:tc>
                 <a:extLst>
                   <a:ext uri="{0D108BD9-81ED-4DB2-BD59-A6C34878D82A}">
@@ -5650,7 +5354,7 @@
                   </a:ext>
                 </a:extLst>
               </a:tr>
-              <a:tr h="2163751">
+              <a:tr h="2231718">
                 <a:tc>
                   <a:txBody>
                     <a:bodyPr/>
@@ -5658,7 +5362,7 @@
                     <a:p>
                       <a:pPr algn="ctr"/>
                       <a:r>
-                        <a:rPr lang="en-US" sz="1800" dirty="0">
+                        <a:rPr lang="en-US" sz="2000" dirty="0">
                           <a:latin typeface="Open Sans" panose="020B0606030504020204" pitchFamily="34" charset="0"/>
                           <a:ea typeface="Open Sans" panose="020B0606030504020204" pitchFamily="34" charset="0"/>
                           <a:cs typeface="Open Sans" panose="020B0606030504020204" pitchFamily="34" charset="0"/>
@@ -5667,23 +5371,21 @@
                       </a:r>
                     </a:p>
                   </a:txBody>
-                  <a:tcPr vert="vert270"/>
+                  <a:tcPr marL="94313" marR="94313" marT="47155" marB="47155" vert="vert270"/>
                 </a:tc>
                 <a:tc rowSpan="2" gridSpan="2">
                   <a:txBody>
                     <a:bodyPr/>
                     <a:lstStyle/>
                     <a:p>
-                      <a:endParaRPr lang="en-US" sz="1800" dirty="0">
+                      <a:endParaRPr lang="en-US" sz="2000" dirty="0">
                         <a:latin typeface="Open Sans" panose="020B0606030504020204" pitchFamily="34" charset="0"/>
                         <a:ea typeface="Open Sans" panose="020B0606030504020204" pitchFamily="34" charset="0"/>
                         <a:cs typeface="Open Sans" panose="020B0606030504020204" pitchFamily="34" charset="0"/>
                       </a:endParaRPr>
                     </a:p>
                   </a:txBody>
-                  <a:tcPr>
-                    <a:noFill/>
-                  </a:tcPr>
+                  <a:tcPr marL="92805" marR="92805" marT="46402" marB="46402"/>
                 </a:tc>
                 <a:tc rowSpan="2" hMerge="1">
                   <a:txBody>
@@ -5701,7 +5403,7 @@
                   </a:ext>
                 </a:extLst>
               </a:tr>
-              <a:tr h="2216177">
+              <a:tr h="2285791">
                 <a:tc>
                   <a:txBody>
                     <a:bodyPr/>
@@ -5725,7 +5427,7 @@
                         <a:defRPr/>
                       </a:pPr>
                       <a:r>
-                        <a:rPr lang="en-US" sz="1800" dirty="0">
+                        <a:rPr lang="en-US" sz="2000" dirty="0">
                           <a:latin typeface="Open Sans" panose="020B0606030504020204" pitchFamily="34" charset="0"/>
                           <a:ea typeface="Open Sans" panose="020B0606030504020204" pitchFamily="34" charset="0"/>
                           <a:cs typeface="Open Sans" panose="020B0606030504020204" pitchFamily="34" charset="0"/>
@@ -5734,14 +5436,14 @@
                       </a:r>
                     </a:p>
                     <a:p>
-                      <a:endParaRPr lang="en-US" sz="1800" dirty="0">
+                      <a:endParaRPr lang="en-US" sz="2000" dirty="0">
                         <a:latin typeface="Open Sans" panose="020B0606030504020204" pitchFamily="34" charset="0"/>
                         <a:ea typeface="Open Sans" panose="020B0606030504020204" pitchFamily="34" charset="0"/>
                         <a:cs typeface="Open Sans" panose="020B0606030504020204" pitchFamily="34" charset="0"/>
                       </a:endParaRPr>
                     </a:p>
                   </a:txBody>
-                  <a:tcPr vert="vert270"/>
+                  <a:tcPr marL="94313" marR="94313" marT="47155" marB="47155" vert="vert270"/>
                 </a:tc>
                 <a:tc gridSpan="2" vMerge="1">
                   <a:txBody>
@@ -5769,21 +5471,21 @@
                   </a:ext>
                 </a:extLst>
               </a:tr>
-              <a:tr h="367923">
+              <a:tr h="408687">
                 <a:tc>
                   <a:txBody>
                     <a:bodyPr/>
                     <a:lstStyle/>
                     <a:p>
                       <a:pPr algn="ctr"/>
-                      <a:endParaRPr lang="en-US" sz="1800">
+                      <a:endParaRPr lang="en-US" sz="2000">
                         <a:latin typeface="Open Sans" panose="020B0606030504020204" pitchFamily="34" charset="0"/>
                         <a:ea typeface="Open Sans" panose="020B0606030504020204" pitchFamily="34" charset="0"/>
                         <a:cs typeface="Open Sans" panose="020B0606030504020204" pitchFamily="34" charset="0"/>
                       </a:endParaRPr>
                     </a:p>
                   </a:txBody>
-                  <a:tcPr/>
+                  <a:tcPr marL="94313" marR="94313" marT="47155" marB="47155"/>
                 </a:tc>
                 <a:tc>
                   <a:txBody>
@@ -5792,7 +5494,7 @@
                     <a:p>
                       <a:pPr algn="ctr"/>
                       <a:r>
-                        <a:rPr lang="en-US" sz="1800" dirty="0">
+                        <a:rPr lang="en-US" sz="2000" dirty="0">
                           <a:latin typeface="Open Sans" panose="020B0606030504020204" pitchFamily="34" charset="0"/>
                           <a:ea typeface="Open Sans" panose="020B0606030504020204" pitchFamily="34" charset="0"/>
                           <a:cs typeface="Open Sans" panose="020B0606030504020204" pitchFamily="34" charset="0"/>
@@ -5801,7 +5503,7 @@
                       </a:r>
                     </a:p>
                   </a:txBody>
-                  <a:tcPr/>
+                  <a:tcPr marL="94313" marR="94313" marT="47155" marB="47155"/>
                 </a:tc>
                 <a:tc>
                   <a:txBody>
@@ -5810,7 +5512,7 @@
                     <a:p>
                       <a:pPr algn="ctr"/>
                       <a:r>
-                        <a:rPr lang="en-US" sz="1800" dirty="0">
+                        <a:rPr lang="en-US" sz="2000" dirty="0">
                           <a:latin typeface="Open Sans" panose="020B0606030504020204" pitchFamily="34" charset="0"/>
                           <a:ea typeface="Open Sans" panose="020B0606030504020204" pitchFamily="34" charset="0"/>
                           <a:cs typeface="Open Sans" panose="020B0606030504020204" pitchFamily="34" charset="0"/>
@@ -5819,7 +5521,7 @@
                       </a:r>
                     </a:p>
                   </a:txBody>
-                  <a:tcPr/>
+                  <a:tcPr marL="94313" marR="94313" marT="47155" marB="47155"/>
                 </a:tc>
                 <a:extLst>
                   <a:ext uri="{0D108BD9-81ED-4DB2-BD59-A6C34878D82A}">
@@ -5852,8 +5554,8 @@
         </p:blipFill>
         <p:spPr>
           <a:xfrm>
-            <a:off x="16478006" y="15035992"/>
-            <a:ext cx="4414941" cy="4414941"/>
+            <a:off x="16642080" y="13898880"/>
+            <a:ext cx="4572000" cy="4572000"/>
           </a:xfrm>
           <a:prstGeom prst="rect">
             <a:avLst/>
@@ -5875,37 +5577,37 @@
           <p:nvPr>
             <p:extLst>
               <p:ext uri="{D42A27DB-BD31-4B8C-83A1-F6EECF244321}">
-                <p14:modId xmlns:p14="http://schemas.microsoft.com/office/powerpoint/2010/main" val="12446445"/>
+                <p14:modId xmlns:p14="http://schemas.microsoft.com/office/powerpoint/2010/main" val="2115236354"/>
               </p:ext>
             </p:extLst>
           </p:nvPr>
         </p:nvGraphicFramePr>
         <p:xfrm>
-          <a:off x="22346366" y="13895930"/>
-          <a:ext cx="5943600" cy="5943601"/>
+          <a:off x="22631400" y="12690883"/>
+          <a:ext cx="5029199" cy="6217920"/>
         </p:xfrm>
         <a:graphic>
           <a:graphicData uri="http://schemas.openxmlformats.org/drawingml/2006/table">
             <a:tbl>
               <a:tblPr firstRow="1" bandRow="1">
-                <a:tableStyleId>{3C2FFA5D-87B4-456A-9821-1D502468CF0F}</a:tableStyleId>
+                <a:tableStyleId>{2D5ABB26-0587-4C30-8999-92F81FD0307C}</a:tableStyleId>
               </a:tblPr>
               <a:tblGrid>
-                <a:gridCol w="465800">
+                <a:gridCol w="394138">
                   <a:extLst>
                     <a:ext uri="{9D8B030D-6E8A-4147-A177-3AD203B41FA5}">
                       <a16:colId xmlns:a16="http://schemas.microsoft.com/office/drawing/2014/main" val="4150575736"/>
                     </a:ext>
                   </a:extLst>
                 </a:gridCol>
-                <a:gridCol w="2794796">
+                <a:gridCol w="2364827">
                   <a:extLst>
                     <a:ext uri="{9D8B030D-6E8A-4147-A177-3AD203B41FA5}">
                       <a16:colId xmlns:a16="http://schemas.microsoft.com/office/drawing/2014/main" val="2345576602"/>
                     </a:ext>
                   </a:extLst>
                 </a:gridCol>
-                <a:gridCol w="2683004">
+                <a:gridCol w="2270234">
                   <a:extLst>
                     <a:ext uri="{9D8B030D-6E8A-4147-A177-3AD203B41FA5}">
                       <a16:colId xmlns:a16="http://schemas.microsoft.com/office/drawing/2014/main" val="591402311"/>
@@ -5913,14 +5615,14 @@
                   </a:extLst>
                 </a:gridCol>
               </a:tblGrid>
-              <a:tr h="459904">
+              <a:tr h="474351">
                 <a:tc>
                   <a:txBody>
                     <a:bodyPr/>
                     <a:lstStyle/>
                     <a:p>
                       <a:pPr algn="ctr"/>
-                      <a:endParaRPr lang="en-US" sz="2400" dirty="0">
+                      <a:endParaRPr lang="en-US" sz="2000" dirty="0">
                         <a:solidFill>
                           <a:srgbClr val="33006F"/>
                         </a:solidFill>
@@ -5955,7 +5657,7 @@
                         <a:defRPr/>
                       </a:pPr>
                       <a:r>
-                        <a:rPr lang="en-US" sz="2400" dirty="0">
+                        <a:rPr lang="en-US" sz="2400" b="1" dirty="0">
                           <a:solidFill>
                             <a:srgbClr val="33006F"/>
                           </a:solidFill>
@@ -5963,7 +5665,7 @@
                           <a:ea typeface="Open Sans" panose="020B0606030504020204" pitchFamily="34" charset="0"/>
                           <a:cs typeface="Open Sans" panose="020B0606030504020204" pitchFamily="34" charset="0"/>
                         </a:rPr>
-                        <a:t>Background</a:t>
+                        <a:t>  Background</a:t>
                       </a:r>
                     </a:p>
                   </a:txBody>
@@ -5985,13 +5687,13 @@
                   </a:ext>
                 </a:extLst>
               </a:tr>
-              <a:tr h="367923">
+              <a:tr h="408686">
                 <a:tc rowSpan="2">
                   <a:txBody>
                     <a:bodyPr/>
                     <a:lstStyle/>
                     <a:p>
-                      <a:endParaRPr lang="en-US" sz="1800" dirty="0">
+                      <a:endParaRPr lang="en-US" sz="2000" dirty="0">
                         <a:latin typeface="Open Sans" panose="020B0606030504020204" pitchFamily="34" charset="0"/>
                         <a:ea typeface="Open Sans" panose="020B0606030504020204" pitchFamily="34" charset="0"/>
                         <a:cs typeface="Open Sans" panose="020B0606030504020204" pitchFamily="34" charset="0"/>
@@ -6007,7 +5709,7 @@
                     <a:p>
                       <a:pPr algn="ctr"/>
                       <a:r>
-                        <a:rPr lang="en-US" sz="1800" dirty="0">
+                        <a:rPr lang="en-US" sz="2000" b="1" dirty="0">
                           <a:solidFill>
                             <a:srgbClr val="33006F"/>
                           </a:solidFill>
@@ -6015,7 +5717,7 @@
                           <a:ea typeface="Open Sans" panose="020B0606030504020204" pitchFamily="34" charset="0"/>
                           <a:cs typeface="Open Sans" panose="020B0606030504020204" pitchFamily="34" charset="0"/>
                         </a:rPr>
-                        <a:t>Detector 1</a:t>
+                        <a:t>    Detector 1</a:t>
                       </a:r>
                     </a:p>
                   </a:txBody>
@@ -6028,7 +5730,7 @@
                     <a:p>
                       <a:pPr algn="ctr"/>
                       <a:r>
-                        <a:rPr lang="en-US" sz="1800">
+                        <a:rPr lang="en-US" sz="2000" b="1" dirty="0">
                           <a:solidFill>
                             <a:srgbClr val="33006F"/>
                           </a:solidFill>
@@ -6038,14 +5740,6 @@
                         </a:rPr>
                         <a:t>Detector 2</a:t>
                       </a:r>
-                      <a:endParaRPr lang="en-US" sz="1800" dirty="0">
-                        <a:solidFill>
-                          <a:srgbClr val="33006F"/>
-                        </a:solidFill>
-                        <a:latin typeface="Open Sans" panose="020B0606030504020204" pitchFamily="34" charset="0"/>
-                        <a:ea typeface="Open Sans" panose="020B0606030504020204" pitchFamily="34" charset="0"/>
-                        <a:cs typeface="Open Sans" panose="020B0606030504020204" pitchFamily="34" charset="0"/>
-                      </a:endParaRPr>
                     </a:p>
                   </a:txBody>
                   <a:tcPr/>
@@ -6056,7 +5750,7 @@
                   </a:ext>
                 </a:extLst>
               </a:tr>
-              <a:tr h="367923">
+              <a:tr h="408686">
                 <a:tc vMerge="1">
                   <a:txBody>
                     <a:bodyPr/>
@@ -6074,7 +5768,25 @@
                     <a:p>
                       <a:pPr algn="ctr"/>
                       <a:r>
-                        <a:rPr lang="en-US" sz="1800" dirty="0">
+                        <a:rPr lang="en-US" sz="2000" dirty="0">
+                          <a:latin typeface="Open Sans" panose="020B0606030504020204" pitchFamily="34" charset="0"/>
+                          <a:ea typeface="Open Sans" panose="020B0606030504020204" pitchFamily="34" charset="0"/>
+                          <a:cs typeface="Open Sans" panose="020B0606030504020204" pitchFamily="34" charset="0"/>
+                        </a:rPr>
+                        <a:t>    Pixels</a:t>
+                      </a:r>
+                    </a:p>
+                  </a:txBody>
+                  <a:tcPr/>
+                </a:tc>
+                <a:tc>
+                  <a:txBody>
+                    <a:bodyPr/>
+                    <a:lstStyle/>
+                    <a:p>
+                      <a:pPr algn="ctr"/>
+                      <a:r>
+                        <a:rPr lang="en-US" sz="2000" dirty="0">
                           <a:latin typeface="Open Sans" panose="020B0606030504020204" pitchFamily="34" charset="0"/>
                           <a:ea typeface="Open Sans" panose="020B0606030504020204" pitchFamily="34" charset="0"/>
                           <a:cs typeface="Open Sans" panose="020B0606030504020204" pitchFamily="34" charset="0"/>
@@ -6085,31 +5797,13 @@
                   </a:txBody>
                   <a:tcPr/>
                 </a:tc>
-                <a:tc>
-                  <a:txBody>
-                    <a:bodyPr/>
-                    <a:lstStyle/>
-                    <a:p>
-                      <a:pPr algn="ctr"/>
-                      <a:r>
-                        <a:rPr lang="en-US" sz="1800" dirty="0">
-                          <a:latin typeface="Open Sans" panose="020B0606030504020204" pitchFamily="34" charset="0"/>
-                          <a:ea typeface="Open Sans" panose="020B0606030504020204" pitchFamily="34" charset="0"/>
-                          <a:cs typeface="Open Sans" panose="020B0606030504020204" pitchFamily="34" charset="0"/>
-                        </a:rPr>
-                        <a:t>Pixels</a:t>
-                      </a:r>
-                    </a:p>
-                  </a:txBody>
-                  <a:tcPr/>
-                </a:tc>
                 <a:extLst>
                   <a:ext uri="{0D108BD9-81ED-4DB2-BD59-A6C34878D82A}">
                     <a16:rowId xmlns:a16="http://schemas.microsoft.com/office/drawing/2014/main" val="3183972001"/>
                   </a:ext>
                 </a:extLst>
               </a:tr>
-              <a:tr h="2163751">
+              <a:tr h="2231719">
                 <a:tc>
                   <a:txBody>
                     <a:bodyPr/>
@@ -6117,7 +5811,7 @@
                     <a:p>
                       <a:pPr algn="ctr"/>
                       <a:r>
-                        <a:rPr lang="en-US" sz="1800" dirty="0">
+                        <a:rPr lang="en-US" sz="2000" dirty="0">
                           <a:latin typeface="Open Sans" panose="020B0606030504020204" pitchFamily="34" charset="0"/>
                           <a:ea typeface="Open Sans" panose="020B0606030504020204" pitchFamily="34" charset="0"/>
                           <a:cs typeface="Open Sans" panose="020B0606030504020204" pitchFamily="34" charset="0"/>
@@ -6133,16 +5827,14 @@
                     <a:bodyPr/>
                     <a:lstStyle/>
                     <a:p>
-                      <a:endParaRPr lang="en-US" sz="1800" dirty="0">
+                      <a:endParaRPr lang="en-US" sz="2000" dirty="0">
                         <a:latin typeface="Open Sans" panose="020B0606030504020204" pitchFamily="34" charset="0"/>
                         <a:ea typeface="Open Sans" panose="020B0606030504020204" pitchFamily="34" charset="0"/>
                         <a:cs typeface="Open Sans" panose="020B0606030504020204" pitchFamily="34" charset="0"/>
                       </a:endParaRPr>
                     </a:p>
                   </a:txBody>
-                  <a:tcPr>
-                    <a:noFill/>
-                  </a:tcPr>
+                  <a:tcPr/>
                 </a:tc>
                 <a:tc rowSpan="2" hMerge="1">
                   <a:txBody>
@@ -6160,7 +5852,7 @@
                   </a:ext>
                 </a:extLst>
               </a:tr>
-              <a:tr h="2216177">
+              <a:tr h="2285792">
                 <a:tc>
                   <a:txBody>
                     <a:bodyPr/>
@@ -6184,7 +5876,7 @@
                         <a:defRPr/>
                       </a:pPr>
                       <a:r>
-                        <a:rPr lang="en-US" sz="1800" dirty="0">
+                        <a:rPr lang="en-US" sz="2000" dirty="0">
                           <a:latin typeface="Open Sans" panose="020B0606030504020204" pitchFamily="34" charset="0"/>
                           <a:ea typeface="Open Sans" panose="020B0606030504020204" pitchFamily="34" charset="0"/>
                           <a:cs typeface="Open Sans" panose="020B0606030504020204" pitchFamily="34" charset="0"/>
@@ -6193,7 +5885,7 @@
                       </a:r>
                     </a:p>
                     <a:p>
-                      <a:endParaRPr lang="en-US" sz="1800" dirty="0">
+                      <a:endParaRPr lang="en-US" sz="2000" dirty="0">
                         <a:latin typeface="Open Sans" panose="020B0606030504020204" pitchFamily="34" charset="0"/>
                         <a:ea typeface="Open Sans" panose="020B0606030504020204" pitchFamily="34" charset="0"/>
                         <a:cs typeface="Open Sans" panose="020B0606030504020204" pitchFamily="34" charset="0"/>
@@ -6228,14 +5920,14 @@
                   </a:ext>
                 </a:extLst>
               </a:tr>
-              <a:tr h="367923">
+              <a:tr h="408686">
                 <a:tc>
                   <a:txBody>
                     <a:bodyPr/>
                     <a:lstStyle/>
                     <a:p>
                       <a:pPr algn="ctr"/>
-                      <a:endParaRPr lang="en-US" sz="1800">
+                      <a:endParaRPr lang="en-US" sz="2000">
                         <a:latin typeface="Open Sans" panose="020B0606030504020204" pitchFamily="34" charset="0"/>
                         <a:ea typeface="Open Sans" panose="020B0606030504020204" pitchFamily="34" charset="0"/>
                         <a:cs typeface="Open Sans" panose="020B0606030504020204" pitchFamily="34" charset="0"/>
@@ -6251,12 +5943,12 @@
                     <a:p>
                       <a:pPr algn="ctr"/>
                       <a:r>
-                        <a:rPr lang="en-US" sz="1800" dirty="0">
+                        <a:rPr lang="en-US" sz="2000" dirty="0">
                           <a:latin typeface="Open Sans" panose="020B0606030504020204" pitchFamily="34" charset="0"/>
                           <a:ea typeface="Open Sans" panose="020B0606030504020204" pitchFamily="34" charset="0"/>
                           <a:cs typeface="Open Sans" panose="020B0606030504020204" pitchFamily="34" charset="0"/>
                         </a:rPr>
-                        <a:t>Time (s)</a:t>
+                        <a:t>  Time (s)</a:t>
                       </a:r>
                     </a:p>
                   </a:txBody>
@@ -6269,7 +5961,7 @@
                     <a:p>
                       <a:pPr algn="ctr"/>
                       <a:r>
-                        <a:rPr lang="en-US" sz="1800" dirty="0">
+                        <a:rPr lang="en-US" sz="2000" dirty="0">
                           <a:latin typeface="Open Sans" panose="020B0606030504020204" pitchFamily="34" charset="0"/>
                           <a:ea typeface="Open Sans" panose="020B0606030504020204" pitchFamily="34" charset="0"/>
                           <a:cs typeface="Open Sans" panose="020B0606030504020204" pitchFamily="34" charset="0"/>
@@ -6305,37 +5997,37 @@
           <p:nvPr>
             <p:extLst>
               <p:ext uri="{D42A27DB-BD31-4B8C-83A1-F6EECF244321}">
-                <p14:modId xmlns:p14="http://schemas.microsoft.com/office/powerpoint/2010/main" val="3349517617"/>
+                <p14:modId xmlns:p14="http://schemas.microsoft.com/office/powerpoint/2010/main" val="3628872141"/>
               </p:ext>
             </p:extLst>
           </p:nvPr>
         </p:nvGraphicFramePr>
         <p:xfrm>
-          <a:off x="15488365" y="19839530"/>
-          <a:ext cx="5943600" cy="5943601"/>
+          <a:off x="16230600" y="19019520"/>
+          <a:ext cx="5029200" cy="6217920"/>
         </p:xfrm>
         <a:graphic>
           <a:graphicData uri="http://schemas.openxmlformats.org/drawingml/2006/table">
             <a:tbl>
               <a:tblPr firstRow="1" bandRow="1">
-                <a:tableStyleId>{3C2FFA5D-87B4-456A-9821-1D502468CF0F}</a:tableStyleId>
+                <a:tableStyleId>{2D5ABB26-0587-4C30-8999-92F81FD0307C}</a:tableStyleId>
               </a:tblPr>
               <a:tblGrid>
-                <a:gridCol w="465800">
+                <a:gridCol w="394140">
                   <a:extLst>
                     <a:ext uri="{9D8B030D-6E8A-4147-A177-3AD203B41FA5}">
                       <a16:colId xmlns:a16="http://schemas.microsoft.com/office/drawing/2014/main" val="4150575736"/>
                     </a:ext>
                   </a:extLst>
                 </a:gridCol>
-                <a:gridCol w="2794796">
+                <a:gridCol w="2364826">
                   <a:extLst>
                     <a:ext uri="{9D8B030D-6E8A-4147-A177-3AD203B41FA5}">
                       <a16:colId xmlns:a16="http://schemas.microsoft.com/office/drawing/2014/main" val="2345576602"/>
                     </a:ext>
                   </a:extLst>
                 </a:gridCol>
-                <a:gridCol w="2683004">
+                <a:gridCol w="2270234">
                   <a:extLst>
                     <a:ext uri="{9D8B030D-6E8A-4147-A177-3AD203B41FA5}">
                       <a16:colId xmlns:a16="http://schemas.microsoft.com/office/drawing/2014/main" val="591402311"/>
@@ -6343,14 +6035,14 @@
                   </a:extLst>
                 </a:gridCol>
               </a:tblGrid>
-              <a:tr h="459904">
+              <a:tr h="474351">
                 <a:tc>
                   <a:txBody>
                     <a:bodyPr/>
                     <a:lstStyle/>
                     <a:p>
                       <a:pPr algn="ctr"/>
-                      <a:endParaRPr lang="en-US" sz="2400" dirty="0">
+                      <a:endParaRPr lang="en-US" sz="2000" dirty="0">
                         <a:solidFill>
                           <a:srgbClr val="33006F"/>
                         </a:solidFill>
@@ -6385,7 +6077,7 @@
                         <a:defRPr/>
                       </a:pPr>
                       <a:r>
-                        <a:rPr lang="en-US" sz="2400" dirty="0">
+                        <a:rPr lang="en-US" sz="2400" b="1" dirty="0">
                           <a:solidFill>
                             <a:srgbClr val="33006F"/>
                           </a:solidFill>
@@ -6393,7 +6085,7 @@
                           <a:ea typeface="Open Sans" panose="020B0606030504020204" pitchFamily="34" charset="0"/>
                           <a:cs typeface="Open Sans" panose="020B0606030504020204" pitchFamily="34" charset="0"/>
                         </a:rPr>
-                        <a:t>Sine-Gaussian</a:t>
+                        <a:t>  Sine-Gaussian</a:t>
                       </a:r>
                     </a:p>
                   </a:txBody>
@@ -6415,13 +6107,13 @@
                   </a:ext>
                 </a:extLst>
               </a:tr>
-              <a:tr h="367923">
+              <a:tr h="408686">
                 <a:tc rowSpan="2">
                   <a:txBody>
                     <a:bodyPr/>
                     <a:lstStyle/>
                     <a:p>
-                      <a:endParaRPr lang="en-US" sz="1800" dirty="0">
+                      <a:endParaRPr lang="en-US" sz="2000" dirty="0">
                         <a:latin typeface="Open Sans" panose="020B0606030504020204" pitchFamily="34" charset="0"/>
                         <a:ea typeface="Open Sans" panose="020B0606030504020204" pitchFamily="34" charset="0"/>
                         <a:cs typeface="Open Sans" panose="020B0606030504020204" pitchFamily="34" charset="0"/>
@@ -6437,7 +6129,7 @@
                     <a:p>
                       <a:pPr algn="ctr"/>
                       <a:r>
-                        <a:rPr lang="en-US" sz="1800" dirty="0">
+                        <a:rPr lang="en-US" sz="2000" b="1" dirty="0">
                           <a:solidFill>
                             <a:srgbClr val="33006F"/>
                           </a:solidFill>
@@ -6445,7 +6137,7 @@
                           <a:ea typeface="Open Sans" panose="020B0606030504020204" pitchFamily="34" charset="0"/>
                           <a:cs typeface="Open Sans" panose="020B0606030504020204" pitchFamily="34" charset="0"/>
                         </a:rPr>
-                        <a:t>Detector 1</a:t>
+                        <a:t>    Detector 1</a:t>
                       </a:r>
                     </a:p>
                   </a:txBody>
@@ -6458,7 +6150,7 @@
                     <a:p>
                       <a:pPr algn="ctr"/>
                       <a:r>
-                        <a:rPr lang="en-US" sz="1800">
+                        <a:rPr lang="en-US" sz="2000" b="1" dirty="0">
                           <a:solidFill>
                             <a:srgbClr val="33006F"/>
                           </a:solidFill>
@@ -6468,14 +6160,6 @@
                         </a:rPr>
                         <a:t>Detector 2</a:t>
                       </a:r>
-                      <a:endParaRPr lang="en-US" sz="1800" dirty="0">
-                        <a:solidFill>
-                          <a:srgbClr val="33006F"/>
-                        </a:solidFill>
-                        <a:latin typeface="Open Sans" panose="020B0606030504020204" pitchFamily="34" charset="0"/>
-                        <a:ea typeface="Open Sans" panose="020B0606030504020204" pitchFamily="34" charset="0"/>
-                        <a:cs typeface="Open Sans" panose="020B0606030504020204" pitchFamily="34" charset="0"/>
-                      </a:endParaRPr>
                     </a:p>
                   </a:txBody>
                   <a:tcPr/>
@@ -6486,7 +6170,7 @@
                   </a:ext>
                 </a:extLst>
               </a:tr>
-              <a:tr h="367923">
+              <a:tr h="408686">
                 <a:tc vMerge="1">
                   <a:txBody>
                     <a:bodyPr/>
@@ -6504,7 +6188,25 @@
                     <a:p>
                       <a:pPr algn="ctr"/>
                       <a:r>
-                        <a:rPr lang="en-US" sz="1800" dirty="0">
+                        <a:rPr lang="en-US" sz="2000" dirty="0">
+                          <a:latin typeface="Open Sans" panose="020B0606030504020204" pitchFamily="34" charset="0"/>
+                          <a:ea typeface="Open Sans" panose="020B0606030504020204" pitchFamily="34" charset="0"/>
+                          <a:cs typeface="Open Sans" panose="020B0606030504020204" pitchFamily="34" charset="0"/>
+                        </a:rPr>
+                        <a:t>    Pixels</a:t>
+                      </a:r>
+                    </a:p>
+                  </a:txBody>
+                  <a:tcPr/>
+                </a:tc>
+                <a:tc>
+                  <a:txBody>
+                    <a:bodyPr/>
+                    <a:lstStyle/>
+                    <a:p>
+                      <a:pPr algn="ctr"/>
+                      <a:r>
+                        <a:rPr lang="en-US" sz="2000" dirty="0">
                           <a:latin typeface="Open Sans" panose="020B0606030504020204" pitchFamily="34" charset="0"/>
                           <a:ea typeface="Open Sans" panose="020B0606030504020204" pitchFamily="34" charset="0"/>
                           <a:cs typeface="Open Sans" panose="020B0606030504020204" pitchFamily="34" charset="0"/>
@@ -6515,31 +6217,13 @@
                   </a:txBody>
                   <a:tcPr/>
                 </a:tc>
-                <a:tc>
-                  <a:txBody>
-                    <a:bodyPr/>
-                    <a:lstStyle/>
-                    <a:p>
-                      <a:pPr algn="ctr"/>
-                      <a:r>
-                        <a:rPr lang="en-US" sz="1800" dirty="0">
-                          <a:latin typeface="Open Sans" panose="020B0606030504020204" pitchFamily="34" charset="0"/>
-                          <a:ea typeface="Open Sans" panose="020B0606030504020204" pitchFamily="34" charset="0"/>
-                          <a:cs typeface="Open Sans" panose="020B0606030504020204" pitchFamily="34" charset="0"/>
-                        </a:rPr>
-                        <a:t>Pixels</a:t>
-                      </a:r>
-                    </a:p>
-                  </a:txBody>
-                  <a:tcPr/>
-                </a:tc>
                 <a:extLst>
                   <a:ext uri="{0D108BD9-81ED-4DB2-BD59-A6C34878D82A}">
                     <a16:rowId xmlns:a16="http://schemas.microsoft.com/office/drawing/2014/main" val="3183972001"/>
                   </a:ext>
                 </a:extLst>
               </a:tr>
-              <a:tr h="2163751">
+              <a:tr h="2231719">
                 <a:tc>
                   <a:txBody>
                     <a:bodyPr/>
@@ -6547,7 +6231,7 @@
                     <a:p>
                       <a:pPr algn="ctr"/>
                       <a:r>
-                        <a:rPr lang="en-US" sz="1800" dirty="0">
+                        <a:rPr lang="en-US" sz="2000" dirty="0">
                           <a:latin typeface="Open Sans" panose="020B0606030504020204" pitchFamily="34" charset="0"/>
                           <a:ea typeface="Open Sans" panose="020B0606030504020204" pitchFamily="34" charset="0"/>
                           <a:cs typeface="Open Sans" panose="020B0606030504020204" pitchFamily="34" charset="0"/>
@@ -6563,16 +6247,14 @@
                     <a:bodyPr/>
                     <a:lstStyle/>
                     <a:p>
-                      <a:endParaRPr lang="en-US" sz="1800" dirty="0">
+                      <a:endParaRPr lang="en-US" sz="2000" dirty="0">
                         <a:latin typeface="Open Sans" panose="020B0606030504020204" pitchFamily="34" charset="0"/>
                         <a:ea typeface="Open Sans" panose="020B0606030504020204" pitchFamily="34" charset="0"/>
                         <a:cs typeface="Open Sans" panose="020B0606030504020204" pitchFamily="34" charset="0"/>
                       </a:endParaRPr>
                     </a:p>
                   </a:txBody>
-                  <a:tcPr>
-                    <a:noFill/>
-                  </a:tcPr>
+                  <a:tcPr/>
                 </a:tc>
                 <a:tc rowSpan="2" hMerge="1">
                   <a:txBody>
@@ -6590,7 +6272,7 @@
                   </a:ext>
                 </a:extLst>
               </a:tr>
-              <a:tr h="2216177">
+              <a:tr h="2285792">
                 <a:tc>
                   <a:txBody>
                     <a:bodyPr/>
@@ -6614,7 +6296,7 @@
                         <a:defRPr/>
                       </a:pPr>
                       <a:r>
-                        <a:rPr lang="en-US" sz="1800" dirty="0">
+                        <a:rPr lang="en-US" sz="2000" dirty="0">
                           <a:latin typeface="Open Sans" panose="020B0606030504020204" pitchFamily="34" charset="0"/>
                           <a:ea typeface="Open Sans" panose="020B0606030504020204" pitchFamily="34" charset="0"/>
                           <a:cs typeface="Open Sans" panose="020B0606030504020204" pitchFamily="34" charset="0"/>
@@ -6623,7 +6305,7 @@
                       </a:r>
                     </a:p>
                     <a:p>
-                      <a:endParaRPr lang="en-US" sz="1800" dirty="0">
+                      <a:endParaRPr lang="en-US" sz="2000" dirty="0">
                         <a:latin typeface="Open Sans" panose="020B0606030504020204" pitchFamily="34" charset="0"/>
                         <a:ea typeface="Open Sans" panose="020B0606030504020204" pitchFamily="34" charset="0"/>
                         <a:cs typeface="Open Sans" panose="020B0606030504020204" pitchFamily="34" charset="0"/>
@@ -6658,14 +6340,14 @@
                   </a:ext>
                 </a:extLst>
               </a:tr>
-              <a:tr h="367923">
+              <a:tr h="408686">
                 <a:tc>
                   <a:txBody>
                     <a:bodyPr/>
                     <a:lstStyle/>
                     <a:p>
                       <a:pPr algn="ctr"/>
-                      <a:endParaRPr lang="en-US" sz="1800">
+                      <a:endParaRPr lang="en-US" sz="2000">
                         <a:latin typeface="Open Sans" panose="020B0606030504020204" pitchFamily="34" charset="0"/>
                         <a:ea typeface="Open Sans" panose="020B0606030504020204" pitchFamily="34" charset="0"/>
                         <a:cs typeface="Open Sans" panose="020B0606030504020204" pitchFamily="34" charset="0"/>
@@ -6681,12 +6363,12 @@
                     <a:p>
                       <a:pPr algn="ctr"/>
                       <a:r>
-                        <a:rPr lang="en-US" sz="1800" dirty="0">
+                        <a:rPr lang="en-US" sz="2000" dirty="0">
                           <a:latin typeface="Open Sans" panose="020B0606030504020204" pitchFamily="34" charset="0"/>
                           <a:ea typeface="Open Sans" panose="020B0606030504020204" pitchFamily="34" charset="0"/>
                           <a:cs typeface="Open Sans" panose="020B0606030504020204" pitchFamily="34" charset="0"/>
                         </a:rPr>
-                        <a:t>Time (s)</a:t>
+                        <a:t>  Time (s)</a:t>
                       </a:r>
                     </a:p>
                   </a:txBody>
@@ -6699,7 +6381,7 @@
                     <a:p>
                       <a:pPr algn="ctr"/>
                       <a:r>
-                        <a:rPr lang="en-US" sz="1800" dirty="0">
+                        <a:rPr lang="en-US" sz="2000" dirty="0">
                           <a:latin typeface="Open Sans" panose="020B0606030504020204" pitchFamily="34" charset="0"/>
                           <a:ea typeface="Open Sans" panose="020B0606030504020204" pitchFamily="34" charset="0"/>
                           <a:cs typeface="Open Sans" panose="020B0606030504020204" pitchFamily="34" charset="0"/>
@@ -6735,37 +6417,37 @@
           <p:nvPr>
             <p:extLst>
               <p:ext uri="{D42A27DB-BD31-4B8C-83A1-F6EECF244321}">
-                <p14:modId xmlns:p14="http://schemas.microsoft.com/office/powerpoint/2010/main" val="2103101694"/>
+                <p14:modId xmlns:p14="http://schemas.microsoft.com/office/powerpoint/2010/main" val="3558715687"/>
               </p:ext>
             </p:extLst>
           </p:nvPr>
         </p:nvGraphicFramePr>
         <p:xfrm>
-          <a:off x="22346366" y="19839530"/>
-          <a:ext cx="5943600" cy="5943601"/>
+          <a:off x="22631400" y="19019520"/>
+          <a:ext cx="5029200" cy="6217920"/>
         </p:xfrm>
         <a:graphic>
           <a:graphicData uri="http://schemas.openxmlformats.org/drawingml/2006/table">
             <a:tbl>
               <a:tblPr firstRow="1" bandRow="1">
-                <a:tableStyleId>{3C2FFA5D-87B4-456A-9821-1D502468CF0F}</a:tableStyleId>
+                <a:tableStyleId>{2D5ABB26-0587-4C30-8999-92F81FD0307C}</a:tableStyleId>
               </a:tblPr>
               <a:tblGrid>
-                <a:gridCol w="465800">
+                <a:gridCol w="394140">
                   <a:extLst>
                     <a:ext uri="{9D8B030D-6E8A-4147-A177-3AD203B41FA5}">
                       <a16:colId xmlns:a16="http://schemas.microsoft.com/office/drawing/2014/main" val="4150575736"/>
                     </a:ext>
                   </a:extLst>
                 </a:gridCol>
-                <a:gridCol w="2794796">
+                <a:gridCol w="2364826">
                   <a:extLst>
                     <a:ext uri="{9D8B030D-6E8A-4147-A177-3AD203B41FA5}">
                       <a16:colId xmlns:a16="http://schemas.microsoft.com/office/drawing/2014/main" val="2345576602"/>
                     </a:ext>
                   </a:extLst>
                 </a:gridCol>
-                <a:gridCol w="2683004">
+                <a:gridCol w="2270234">
                   <a:extLst>
                     <a:ext uri="{9D8B030D-6E8A-4147-A177-3AD203B41FA5}">
                       <a16:colId xmlns:a16="http://schemas.microsoft.com/office/drawing/2014/main" val="591402311"/>
@@ -6773,14 +6455,14 @@
                   </a:extLst>
                 </a:gridCol>
               </a:tblGrid>
-              <a:tr h="459904">
+              <a:tr h="474351">
                 <a:tc>
                   <a:txBody>
                     <a:bodyPr/>
                     <a:lstStyle/>
                     <a:p>
                       <a:pPr algn="ctr"/>
-                      <a:endParaRPr lang="en-US" sz="2400" dirty="0">
+                      <a:endParaRPr lang="en-US" sz="2000" dirty="0">
                         <a:solidFill>
                           <a:srgbClr val="33006F"/>
                         </a:solidFill>
@@ -6815,7 +6497,7 @@
                         <a:defRPr/>
                       </a:pPr>
                       <a:r>
-                        <a:rPr lang="en-US" sz="2400" dirty="0">
+                        <a:rPr lang="en-US" sz="2400" b="1" dirty="0">
                           <a:solidFill>
                             <a:srgbClr val="33006F"/>
                           </a:solidFill>
@@ -6823,7 +6505,7 @@
                           <a:ea typeface="Open Sans" panose="020B0606030504020204" pitchFamily="34" charset="0"/>
                           <a:cs typeface="Open Sans" panose="020B0606030504020204" pitchFamily="34" charset="0"/>
                         </a:rPr>
-                        <a:t>Binary Black Hole</a:t>
+                        <a:t>  Binary Black Hole</a:t>
                       </a:r>
                     </a:p>
                   </a:txBody>
@@ -6845,13 +6527,13 @@
                   </a:ext>
                 </a:extLst>
               </a:tr>
-              <a:tr h="367923">
+              <a:tr h="408686">
                 <a:tc rowSpan="2">
                   <a:txBody>
                     <a:bodyPr/>
                     <a:lstStyle/>
                     <a:p>
-                      <a:endParaRPr lang="en-US" sz="1800" dirty="0">
+                      <a:endParaRPr lang="en-US" sz="2000" dirty="0">
                         <a:latin typeface="Open Sans" panose="020B0606030504020204" pitchFamily="34" charset="0"/>
                         <a:ea typeface="Open Sans" panose="020B0606030504020204" pitchFamily="34" charset="0"/>
                         <a:cs typeface="Open Sans" panose="020B0606030504020204" pitchFamily="34" charset="0"/>
@@ -6867,7 +6549,7 @@
                     <a:p>
                       <a:pPr algn="ctr"/>
                       <a:r>
-                        <a:rPr lang="en-US" sz="1800" dirty="0">
+                        <a:rPr lang="en-US" sz="2000" b="1" dirty="0">
                           <a:solidFill>
                             <a:srgbClr val="33006F"/>
                           </a:solidFill>
@@ -6875,7 +6557,7 @@
                           <a:ea typeface="Open Sans" panose="020B0606030504020204" pitchFamily="34" charset="0"/>
                           <a:cs typeface="Open Sans" panose="020B0606030504020204" pitchFamily="34" charset="0"/>
                         </a:rPr>
-                        <a:t>Detector 1</a:t>
+                        <a:t>    Detector 1</a:t>
                       </a:r>
                     </a:p>
                   </a:txBody>
@@ -6888,7 +6570,7 @@
                     <a:p>
                       <a:pPr algn="ctr"/>
                       <a:r>
-                        <a:rPr lang="en-US" sz="1800">
+                        <a:rPr lang="en-US" sz="2000" b="1" dirty="0">
                           <a:solidFill>
                             <a:srgbClr val="33006F"/>
                           </a:solidFill>
@@ -6898,14 +6580,6 @@
                         </a:rPr>
                         <a:t>Detector 2</a:t>
                       </a:r>
-                      <a:endParaRPr lang="en-US" sz="1800" dirty="0">
-                        <a:solidFill>
-                          <a:srgbClr val="33006F"/>
-                        </a:solidFill>
-                        <a:latin typeface="Open Sans" panose="020B0606030504020204" pitchFamily="34" charset="0"/>
-                        <a:ea typeface="Open Sans" panose="020B0606030504020204" pitchFamily="34" charset="0"/>
-                        <a:cs typeface="Open Sans" panose="020B0606030504020204" pitchFamily="34" charset="0"/>
-                      </a:endParaRPr>
                     </a:p>
                   </a:txBody>
                   <a:tcPr/>
@@ -6916,7 +6590,7 @@
                   </a:ext>
                 </a:extLst>
               </a:tr>
-              <a:tr h="367923">
+              <a:tr h="408686">
                 <a:tc vMerge="1">
                   <a:txBody>
                     <a:bodyPr/>
@@ -6934,7 +6608,25 @@
                     <a:p>
                       <a:pPr algn="ctr"/>
                       <a:r>
-                        <a:rPr lang="en-US" sz="1800" dirty="0">
+                        <a:rPr lang="en-US" sz="2000" dirty="0">
+                          <a:latin typeface="Open Sans" panose="020B0606030504020204" pitchFamily="34" charset="0"/>
+                          <a:ea typeface="Open Sans" panose="020B0606030504020204" pitchFamily="34" charset="0"/>
+                          <a:cs typeface="Open Sans" panose="020B0606030504020204" pitchFamily="34" charset="0"/>
+                        </a:rPr>
+                        <a:t>    Pixels</a:t>
+                      </a:r>
+                    </a:p>
+                  </a:txBody>
+                  <a:tcPr/>
+                </a:tc>
+                <a:tc>
+                  <a:txBody>
+                    <a:bodyPr/>
+                    <a:lstStyle/>
+                    <a:p>
+                      <a:pPr algn="ctr"/>
+                      <a:r>
+                        <a:rPr lang="en-US" sz="2000" dirty="0">
                           <a:latin typeface="Open Sans" panose="020B0606030504020204" pitchFamily="34" charset="0"/>
                           <a:ea typeface="Open Sans" panose="020B0606030504020204" pitchFamily="34" charset="0"/>
                           <a:cs typeface="Open Sans" panose="020B0606030504020204" pitchFamily="34" charset="0"/>
@@ -6945,31 +6637,13 @@
                   </a:txBody>
                   <a:tcPr/>
                 </a:tc>
-                <a:tc>
-                  <a:txBody>
-                    <a:bodyPr/>
-                    <a:lstStyle/>
-                    <a:p>
-                      <a:pPr algn="ctr"/>
-                      <a:r>
-                        <a:rPr lang="en-US" sz="1800" dirty="0">
-                          <a:latin typeface="Open Sans" panose="020B0606030504020204" pitchFamily="34" charset="0"/>
-                          <a:ea typeface="Open Sans" panose="020B0606030504020204" pitchFamily="34" charset="0"/>
-                          <a:cs typeface="Open Sans" panose="020B0606030504020204" pitchFamily="34" charset="0"/>
-                        </a:rPr>
-                        <a:t>Pixels</a:t>
-                      </a:r>
-                    </a:p>
-                  </a:txBody>
-                  <a:tcPr/>
-                </a:tc>
                 <a:extLst>
                   <a:ext uri="{0D108BD9-81ED-4DB2-BD59-A6C34878D82A}">
                     <a16:rowId xmlns:a16="http://schemas.microsoft.com/office/drawing/2014/main" val="3183972001"/>
                   </a:ext>
                 </a:extLst>
               </a:tr>
-              <a:tr h="2163751">
+              <a:tr h="2231719">
                 <a:tc>
                   <a:txBody>
                     <a:bodyPr/>
@@ -6977,7 +6651,7 @@
                     <a:p>
                       <a:pPr algn="ctr"/>
                       <a:r>
-                        <a:rPr lang="en-US" sz="1800" dirty="0">
+                        <a:rPr lang="en-US" sz="2000" dirty="0">
                           <a:latin typeface="Open Sans" panose="020B0606030504020204" pitchFamily="34" charset="0"/>
                           <a:ea typeface="Open Sans" panose="020B0606030504020204" pitchFamily="34" charset="0"/>
                           <a:cs typeface="Open Sans" panose="020B0606030504020204" pitchFamily="34" charset="0"/>
@@ -6993,16 +6667,14 @@
                     <a:bodyPr/>
                     <a:lstStyle/>
                     <a:p>
-                      <a:endParaRPr lang="en-US" sz="1800" dirty="0">
+                      <a:endParaRPr lang="en-US" sz="2000" dirty="0">
                         <a:latin typeface="Open Sans" panose="020B0606030504020204" pitchFamily="34" charset="0"/>
                         <a:ea typeface="Open Sans" panose="020B0606030504020204" pitchFamily="34" charset="0"/>
                         <a:cs typeface="Open Sans" panose="020B0606030504020204" pitchFamily="34" charset="0"/>
                       </a:endParaRPr>
                     </a:p>
                   </a:txBody>
-                  <a:tcPr>
-                    <a:noFill/>
-                  </a:tcPr>
+                  <a:tcPr/>
                 </a:tc>
                 <a:tc rowSpan="2" hMerge="1">
                   <a:txBody>
@@ -7020,7 +6692,7 @@
                   </a:ext>
                 </a:extLst>
               </a:tr>
-              <a:tr h="2216177">
+              <a:tr h="2285792">
                 <a:tc>
                   <a:txBody>
                     <a:bodyPr/>
@@ -7044,7 +6716,7 @@
                         <a:defRPr/>
                       </a:pPr>
                       <a:r>
-                        <a:rPr lang="en-US" sz="1800" dirty="0">
+                        <a:rPr lang="en-US" sz="2000" dirty="0">
                           <a:latin typeface="Open Sans" panose="020B0606030504020204" pitchFamily="34" charset="0"/>
                           <a:ea typeface="Open Sans" panose="020B0606030504020204" pitchFamily="34" charset="0"/>
                           <a:cs typeface="Open Sans" panose="020B0606030504020204" pitchFamily="34" charset="0"/>
@@ -7053,7 +6725,7 @@
                       </a:r>
                     </a:p>
                     <a:p>
-                      <a:endParaRPr lang="en-US" sz="1800" dirty="0">
+                      <a:endParaRPr lang="en-US" sz="2000" dirty="0">
                         <a:latin typeface="Open Sans" panose="020B0606030504020204" pitchFamily="34" charset="0"/>
                         <a:ea typeface="Open Sans" panose="020B0606030504020204" pitchFamily="34" charset="0"/>
                         <a:cs typeface="Open Sans" panose="020B0606030504020204" pitchFamily="34" charset="0"/>
@@ -7088,14 +6760,14 @@
                   </a:ext>
                 </a:extLst>
               </a:tr>
-              <a:tr h="367923">
+              <a:tr h="408686">
                 <a:tc>
                   <a:txBody>
                     <a:bodyPr/>
                     <a:lstStyle/>
                     <a:p>
                       <a:pPr algn="ctr"/>
-                      <a:endParaRPr lang="en-US" sz="1800">
+                      <a:endParaRPr lang="en-US" sz="2000">
                         <a:latin typeface="Open Sans" panose="020B0606030504020204" pitchFamily="34" charset="0"/>
                         <a:ea typeface="Open Sans" panose="020B0606030504020204" pitchFamily="34" charset="0"/>
                         <a:cs typeface="Open Sans" panose="020B0606030504020204" pitchFamily="34" charset="0"/>
@@ -7111,12 +6783,12 @@
                     <a:p>
                       <a:pPr algn="ctr"/>
                       <a:r>
-                        <a:rPr lang="en-US" sz="1800" dirty="0">
+                        <a:rPr lang="en-US" sz="2000" dirty="0">
                           <a:latin typeface="Open Sans" panose="020B0606030504020204" pitchFamily="34" charset="0"/>
                           <a:ea typeface="Open Sans" panose="020B0606030504020204" pitchFamily="34" charset="0"/>
                           <a:cs typeface="Open Sans" panose="020B0606030504020204" pitchFamily="34" charset="0"/>
                         </a:rPr>
-                        <a:t>Time (s)</a:t>
+                        <a:t>  Time (s)</a:t>
                       </a:r>
                     </a:p>
                   </a:txBody>
@@ -7129,7 +6801,7 @@
                     <a:p>
                       <a:pPr algn="ctr"/>
                       <a:r>
-                        <a:rPr lang="en-US" sz="1800" dirty="0">
+                        <a:rPr lang="en-US" sz="2000" dirty="0">
                           <a:latin typeface="Open Sans" panose="020B0606030504020204" pitchFamily="34" charset="0"/>
                           <a:ea typeface="Open Sans" panose="020B0606030504020204" pitchFamily="34" charset="0"/>
                           <a:cs typeface="Open Sans" panose="020B0606030504020204" pitchFamily="34" charset="0"/>
@@ -7160,35 +6832,35 @@
             </a:extLst>
           </p:cNvPr>
           <p:cNvGraphicFramePr>
-            <a:graphicFrameLocks noGrp="1" noChangeAspect="1"/>
+            <a:graphicFrameLocks noGrp="1"/>
           </p:cNvGraphicFramePr>
           <p:nvPr>
             <p:extLst>
               <p:ext uri="{D42A27DB-BD31-4B8C-83A1-F6EECF244321}">
-                <p14:modId xmlns:p14="http://schemas.microsoft.com/office/powerpoint/2010/main" val="2609436161"/>
+                <p14:modId xmlns:p14="http://schemas.microsoft.com/office/powerpoint/2010/main" val="3687546816"/>
               </p:ext>
             </p:extLst>
           </p:nvPr>
         </p:nvGraphicFramePr>
         <p:xfrm>
-          <a:off x="32729714" y="12900141"/>
-          <a:ext cx="7453643" cy="7103841"/>
+          <a:off x="32461200" y="11753695"/>
+          <a:ext cx="7315200" cy="6960682"/>
         </p:xfrm>
         <a:graphic>
           <a:graphicData uri="http://schemas.openxmlformats.org/drawingml/2006/table">
             <a:tbl>
               <a:tblPr firstRow="1" bandRow="1">
-                <a:tableStyleId>{3C2FFA5D-87B4-456A-9821-1D502468CF0F}</a:tableStyleId>
+                <a:tableStyleId>{2D5ABB26-0587-4C30-8999-92F81FD0307C}</a:tableStyleId>
               </a:tblPr>
               <a:tblGrid>
-                <a:gridCol w="409540">
+                <a:gridCol w="401933">
                   <a:extLst>
                     <a:ext uri="{9D8B030D-6E8A-4147-A177-3AD203B41FA5}">
                       <a16:colId xmlns:a16="http://schemas.microsoft.com/office/drawing/2014/main" val="4150575736"/>
                     </a:ext>
                   </a:extLst>
                 </a:gridCol>
-                <a:gridCol w="7044103">
+                <a:gridCol w="6913267">
                   <a:extLst>
                     <a:ext uri="{9D8B030D-6E8A-4147-A177-3AD203B41FA5}">
                       <a16:colId xmlns:a16="http://schemas.microsoft.com/office/drawing/2014/main" val="2345576602"/>
@@ -7196,14 +6868,14 @@
                   </a:extLst>
                 </a:gridCol>
               </a:tblGrid>
-              <a:tr h="453072">
+              <a:tr h="451177">
                 <a:tc>
                   <a:txBody>
                     <a:bodyPr/>
                     <a:lstStyle/>
                     <a:p>
                       <a:pPr algn="ctr"/>
-                      <a:endParaRPr lang="en-US" sz="2400" dirty="0">
+                      <a:endParaRPr lang="en-US" sz="2000" dirty="0">
                         <a:solidFill>
                           <a:srgbClr val="33006F"/>
                         </a:solidFill>
@@ -7238,21 +6910,16 @@
                         <a:defRPr/>
                       </a:pPr>
                       <a:r>
-                        <a:rPr lang="en-US" sz="2400" dirty="0">
+                        <a:rPr lang="en-US" sz="2400" b="1" dirty="0">
                           <a:solidFill>
                             <a:srgbClr val="33006F"/>
                           </a:solidFill>
+                          <a:latin typeface="Open Sans" panose="020B0606030504020204" pitchFamily="34" charset="0"/>
+                          <a:ea typeface="Open Sans" panose="020B0606030504020204" pitchFamily="34" charset="0"/>
+                          <a:cs typeface="Open Sans" panose="020B0606030504020204" pitchFamily="34" charset="0"/>
                         </a:rPr>
                         <a:t>Training Loss and Validation Accuracy</a:t>
                       </a:r>
-                      <a:endParaRPr lang="en-US" sz="2400" dirty="0">
-                        <a:solidFill>
-                          <a:srgbClr val="33006F"/>
-                        </a:solidFill>
-                        <a:latin typeface="Open Sans" panose="020B0606030504020204" pitchFamily="34" charset="0"/>
-                        <a:ea typeface="Open Sans" panose="020B0606030504020204" pitchFamily="34" charset="0"/>
-                        <a:cs typeface="Open Sans" panose="020B0606030504020204" pitchFamily="34" charset="0"/>
-                      </a:endParaRPr>
                     </a:p>
                   </a:txBody>
                   <a:tcPr/>
@@ -7263,7 +6930,7 @@
                   </a:ext>
                 </a:extLst>
               </a:tr>
-              <a:tr h="3121531">
+              <a:tr h="3035234">
                 <a:tc>
                   <a:txBody>
                     <a:bodyPr/>
@@ -7271,14 +6938,13 @@
                     <a:p>
                       <a:pPr algn="ctr"/>
                       <a:r>
-                        <a:rPr lang="en-US" sz="1800" dirty="0"/>
+                        <a:rPr lang="en-US" sz="2000" dirty="0">
+                          <a:latin typeface="Open Sans" panose="020B0606030504020204" pitchFamily="34" charset="0"/>
+                          <a:ea typeface="Open Sans" panose="020B0606030504020204" pitchFamily="34" charset="0"/>
+                          <a:cs typeface="Open Sans" panose="020B0606030504020204" pitchFamily="34" charset="0"/>
+                        </a:rPr>
                         <a:t>Training Loss</a:t>
                       </a:r>
-                      <a:endParaRPr lang="en-US" sz="1800" dirty="0">
-                        <a:latin typeface="Open Sans" panose="020B0606030504020204" pitchFamily="34" charset="0"/>
-                        <a:ea typeface="Open Sans" panose="020B0606030504020204" pitchFamily="34" charset="0"/>
-                        <a:cs typeface="Open Sans" panose="020B0606030504020204" pitchFamily="34" charset="0"/>
-                      </a:endParaRPr>
                     </a:p>
                   </a:txBody>
                   <a:tcPr vert="vert270"/>
@@ -7288,7 +6954,7 @@
                     <a:bodyPr/>
                     <a:lstStyle/>
                     <a:p>
-                      <a:endParaRPr lang="en-US" sz="1800" dirty="0">
+                      <a:endParaRPr lang="en-US" sz="2000" dirty="0">
                         <a:latin typeface="Open Sans" panose="020B0606030504020204" pitchFamily="34" charset="0"/>
                         <a:ea typeface="Open Sans" panose="020B0606030504020204" pitchFamily="34" charset="0"/>
                         <a:cs typeface="Open Sans" panose="020B0606030504020204" pitchFamily="34" charset="0"/>
@@ -7303,7 +6969,7 @@
                   </a:ext>
                 </a:extLst>
               </a:tr>
-              <a:tr h="3159350">
+              <a:tr h="3072008">
                 <a:tc>
                   <a:txBody>
                     <a:bodyPr/>
@@ -7327,12 +6993,16 @@
                         <a:defRPr/>
                       </a:pPr>
                       <a:r>
-                        <a:rPr lang="en-US" sz="1800" dirty="0"/>
+                        <a:rPr lang="en-US" sz="2000" dirty="0">
+                          <a:latin typeface="Open Sans" panose="020B0606030504020204" pitchFamily="34" charset="0"/>
+                          <a:ea typeface="Open Sans" panose="020B0606030504020204" pitchFamily="34" charset="0"/>
+                          <a:cs typeface="Open Sans" panose="020B0606030504020204" pitchFamily="34" charset="0"/>
+                        </a:rPr>
                         <a:t>Validation Accuracy</a:t>
                       </a:r>
                     </a:p>
                     <a:p>
-                      <a:endParaRPr lang="en-US" sz="1800" dirty="0">
+                      <a:endParaRPr lang="en-US" sz="2000" dirty="0">
                         <a:latin typeface="Open Sans" panose="020B0606030504020204" pitchFamily="34" charset="0"/>
                         <a:ea typeface="Open Sans" panose="020B0606030504020204" pitchFamily="34" charset="0"/>
                         <a:cs typeface="Open Sans" panose="020B0606030504020204" pitchFamily="34" charset="0"/>
@@ -7357,14 +7027,14 @@
                   </a:ext>
                 </a:extLst>
               </a:tr>
-              <a:tr h="362458">
+              <a:tr h="391020">
                 <a:tc>
                   <a:txBody>
                     <a:bodyPr/>
                     <a:lstStyle/>
                     <a:p>
                       <a:pPr algn="ctr"/>
-                      <a:endParaRPr lang="en-US" sz="1800">
+                      <a:endParaRPr lang="en-US" sz="2000">
                         <a:latin typeface="Open Sans" panose="020B0606030504020204" pitchFamily="34" charset="0"/>
                         <a:ea typeface="Open Sans" panose="020B0606030504020204" pitchFamily="34" charset="0"/>
                         <a:cs typeface="Open Sans" panose="020B0606030504020204" pitchFamily="34" charset="0"/>
@@ -7380,14 +7050,13 @@
                     <a:p>
                       <a:pPr algn="ctr"/>
                       <a:r>
-                        <a:rPr lang="en-US" sz="1800" dirty="0"/>
+                        <a:rPr lang="en-US" sz="2000" dirty="0">
+                          <a:latin typeface="Open Sans" panose="020B0606030504020204" pitchFamily="34" charset="0"/>
+                          <a:ea typeface="Open Sans" panose="020B0606030504020204" pitchFamily="34" charset="0"/>
+                          <a:cs typeface="Open Sans" panose="020B0606030504020204" pitchFamily="34" charset="0"/>
+                        </a:rPr>
                         <a:t>Epochs</a:t>
                       </a:r>
-                      <a:endParaRPr lang="en-US" sz="1800" dirty="0">
-                        <a:latin typeface="Open Sans" panose="020B0606030504020204" pitchFamily="34" charset="0"/>
-                        <a:ea typeface="Open Sans" panose="020B0606030504020204" pitchFamily="34" charset="0"/>
-                        <a:cs typeface="Open Sans" panose="020B0606030504020204" pitchFamily="34" charset="0"/>
-                      </a:endParaRPr>
                     </a:p>
                   </a:txBody>
                   <a:tcPr/>
@@ -7418,43 +7087,13 @@
         </p:nvPicPr>
         <p:blipFill rotWithShape="1">
           <a:blip r:embed="rId7"/>
-          <a:srcRect l="5255" t="9615" r="7641" b="7051"/>
+          <a:srcRect l="7087" t="12021" r="8230" b="8059"/>
           <a:stretch/>
         </p:blipFill>
         <p:spPr>
           <a:xfrm>
-            <a:off x="33223200" y="13405339"/>
-            <a:ext cx="6960158" cy="6197401"/>
-          </a:xfrm>
-          <a:prstGeom prst="rect">
-            <a:avLst/>
-          </a:prstGeom>
-        </p:spPr>
-      </p:pic>
-      <p:pic>
-        <p:nvPicPr>
-          <p:cNvPr id="75" name="Picture 74" descr="A close-up of a logo&#10;&#10;Description automatically generated">
-            <a:extLst>
-              <a:ext uri="{FF2B5EF4-FFF2-40B4-BE49-F238E27FC236}">
-                <a16:creationId xmlns:a16="http://schemas.microsoft.com/office/drawing/2014/main" id="{F8D26CB2-DADE-C540-0C8D-F50493687499}"/>
-              </a:ext>
-            </a:extLst>
-          </p:cNvPr>
-          <p:cNvPicPr>
-            <a:picLocks noChangeAspect="1"/>
-          </p:cNvPicPr>
-          <p:nvPr/>
-        </p:nvPicPr>
-        <p:blipFill>
-          <a:blip r:embed="rId8"/>
-          <a:stretch>
-            <a:fillRect/>
-          </a:stretch>
-        </p:blipFill>
-        <p:spPr>
-          <a:xfrm>
-            <a:off x="34001176" y="2710611"/>
-            <a:ext cx="8045232" cy="1554634"/>
+            <a:off x="32918400" y="12311187"/>
+            <a:ext cx="6766560" cy="5943600"/>
           </a:xfrm>
           <a:prstGeom prst="rect">
             <a:avLst/>
@@ -7475,9 +7114,9 @@
         </p:nvGrpSpPr>
         <p:grpSpPr>
           <a:xfrm>
-            <a:off x="30144764" y="28705465"/>
+            <a:off x="30175200" y="28803600"/>
             <a:ext cx="11925292" cy="954107"/>
-            <a:chOff x="1675686" y="15504462"/>
+            <a:chOff x="1692022" y="15511157"/>
             <a:chExt cx="6400800" cy="954107"/>
           </a:xfrm>
         </p:grpSpPr>
@@ -7495,7 +7134,7 @@
           </p:nvSpPr>
           <p:spPr>
             <a:xfrm>
-              <a:off x="1675686" y="15504462"/>
+              <a:off x="1692022" y="15511157"/>
               <a:ext cx="6400800" cy="954107"/>
             </a:xfrm>
             <a:prstGeom prst="rect">
@@ -7551,7 +7190,7 @@
           </p:blipFill>
           <p:spPr>
             <a:xfrm>
-              <a:off x="1767126" y="16327422"/>
+              <a:off x="1741102" y="16334117"/>
               <a:ext cx="1463040" cy="117936"/>
             </a:xfrm>
             <a:prstGeom prst="rect">
@@ -7574,8 +7213,8 @@
         </p:nvSpPr>
         <p:spPr>
           <a:xfrm>
-            <a:off x="30175200" y="29695676"/>
-            <a:ext cx="11925292" cy="2308324"/>
+            <a:off x="30175200" y="29809440"/>
+            <a:ext cx="11887200" cy="1280160"/>
           </a:xfrm>
           <a:prstGeom prst="rect">
             <a:avLst/>
@@ -7589,50 +7228,12 @@
           <a:lstStyle/>
           <a:p>
             <a:r>
-              <a:rPr lang="en-US" sz="2400" kern="100" dirty="0">
-                <a:solidFill>
-                  <a:srgbClr val="000000"/>
-                </a:solidFill>
+              <a:rPr lang="en-US" sz="2000" kern="100" dirty="0">
                 <a:latin typeface="Open Sans" panose="020B0606030504020204" pitchFamily="34" charset="0"/>
                 <a:ea typeface="Open Sans" panose="020B0606030504020204" pitchFamily="34" charset="0"/>
                 <a:cs typeface="Open Sans" panose="020B0606030504020204" pitchFamily="34" charset="0"/>
               </a:rPr>
-              <a:t>[1] Z. Wang and T. Oates. Encoding Time Series as Images for Visual Inspection and Classification Using Tiled Convolutional Neural Networks. In </a:t>
-            </a:r>
-            <a:r>
-              <a:rPr lang="en-US" sz="2400" i="1" kern="100" dirty="0">
-                <a:solidFill>
-                  <a:srgbClr val="000000"/>
-                </a:solidFill>
-                <a:latin typeface="Open Sans" panose="020B0606030504020204" pitchFamily="34" charset="0"/>
-                <a:ea typeface="Open Sans" panose="020B0606030504020204" pitchFamily="34" charset="0"/>
-                <a:cs typeface="Open Sans" panose="020B0606030504020204" pitchFamily="34" charset="0"/>
-              </a:rPr>
-              <a:t>The Twenty-Ninth AAAI Conference on Artificial Intelligence. </a:t>
-            </a:r>
-            <a:r>
-              <a:rPr lang="en-US" sz="2400" kern="100" dirty="0">
-                <a:solidFill>
-                  <a:srgbClr val="000000"/>
-                </a:solidFill>
-                <a:latin typeface="Open Sans" panose="020B0606030504020204" pitchFamily="34" charset="0"/>
-                <a:ea typeface="Open Sans" panose="020B0606030504020204" pitchFamily="34" charset="0"/>
-                <a:cs typeface="Open Sans" panose="020B0606030504020204" pitchFamily="34" charset="0"/>
-              </a:rPr>
-              <a:t>(AAAI), January 2015.</a:t>
-            </a:r>
-          </a:p>
-          <a:p>
-            <a:r>
-              <a:rPr lang="en-US" sz="2400" kern="100" dirty="0">
-                <a:solidFill>
-                  <a:srgbClr val="000000"/>
-                </a:solidFill>
-                <a:latin typeface="Open Sans" panose="020B0606030504020204" pitchFamily="34" charset="0"/>
-                <a:ea typeface="Open Sans" panose="020B0606030504020204" pitchFamily="34" charset="0"/>
-                <a:cs typeface="Open Sans" panose="020B0606030504020204" pitchFamily="34" charset="0"/>
-              </a:rPr>
-              <a:t>[2] T. S. Fernandes, et al. Convolutional Neural Networks for the classification of glitches in gravitational-wave data streams, arXiv:2303.13917v1 [gr-qc], March 2023.</a:t>
+              <a:t>The authors gratefully acknowledge the simulated dataset provided by Dr. Andy Chen, National Yang Ming Chiao Tung University, the opportunity to perform this research facilitated by Prof. Hsu and the UW course, PHYS 417: Neural Network Methods in Engineering and Physical Sciences, and A3D3 supported by the National Science Foundation under Cooperative Agreement OAC-2117997.</a:t>
             </a:r>
           </a:p>
         </p:txBody>
@@ -7651,7 +7252,7 @@
         </p:nvGrpSpPr>
         <p:grpSpPr>
           <a:xfrm>
-            <a:off x="30118488" y="7230652"/>
+            <a:off x="30118488" y="7132320"/>
             <a:ext cx="11925292" cy="954107"/>
             <a:chOff x="1675686" y="15504462"/>
             <a:chExt cx="6400800" cy="954107"/>
@@ -7727,7 +7328,7 @@
           </p:blipFill>
           <p:spPr>
             <a:xfrm>
-              <a:off x="1767126" y="16327422"/>
+              <a:off x="1755205" y="16327422"/>
               <a:ext cx="1463040" cy="117936"/>
             </a:xfrm>
             <a:prstGeom prst="rect">
@@ -7750,8 +7351,8 @@
         </p:nvSpPr>
         <p:spPr>
           <a:xfrm>
-            <a:off x="30074245" y="8228522"/>
-            <a:ext cx="11925292" cy="4524315"/>
+            <a:off x="30175200" y="8229600"/>
+            <a:ext cx="11887200" cy="3108543"/>
           </a:xfrm>
           <a:prstGeom prst="rect">
             <a:avLst/>
@@ -7769,7 +7370,7 @@
               <a:buChar char="•"/>
             </a:pPr>
             <a:r>
-              <a:rPr lang="en-US" sz="2400" b="1" dirty="0">
+              <a:rPr lang="en-US" sz="2800" b="1" dirty="0">
                 <a:solidFill>
                   <a:srgbClr val="33006F"/>
                 </a:solidFill>
@@ -7780,7 +7381,7 @@
               <a:t>Objective: </a:t>
             </a:r>
             <a:r>
-              <a:rPr lang="en-US" sz="2400" dirty="0">
+              <a:rPr lang="en-US" sz="2800" dirty="0">
                 <a:solidFill>
                   <a:srgbClr val="000000"/>
                 </a:solidFill>
@@ -7788,7 +7389,29 @@
                 <a:ea typeface="Open Sans" panose="020B0606030504020204" pitchFamily="34" charset="0"/>
                 <a:cs typeface="Open Sans" panose="020B0606030504020204" pitchFamily="34" charset="0"/>
               </a:rPr>
-              <a:t>Analyzing the potential of CNNs for classifying gravitational waves strain data as background noise/glitches or transient sine-gaussian/binary black hole merger signals.</a:t>
+              <a:t>Analyzed the potential of CNNs for classifying gravitational wave strain data as background noise/glitches or transient sine-gaussian/binary black hole merger signals utilizing the GASF method. </a:t>
+            </a:r>
+            <a:r>
+              <a:rPr lang="en-US" sz="2800" b="1" dirty="0">
+                <a:solidFill>
+                  <a:srgbClr val="33006F"/>
+                </a:solidFill>
+                <a:latin typeface="Open Sans" panose="020B0606030504020204" pitchFamily="34" charset="0"/>
+                <a:ea typeface="Open Sans" panose="020B0606030504020204" pitchFamily="34" charset="0"/>
+                <a:cs typeface="Open Sans" panose="020B0606030504020204" pitchFamily="34" charset="0"/>
+              </a:rPr>
+              <a:t>Performance: </a:t>
+            </a:r>
+            <a:r>
+              <a:rPr lang="en-US" sz="2800" dirty="0">
+                <a:solidFill>
+                  <a:srgbClr val="000000"/>
+                </a:solidFill>
+                <a:latin typeface="Open Sans" panose="020B0606030504020204" pitchFamily="34" charset="0"/>
+                <a:ea typeface="Open Sans" panose="020B0606030504020204" pitchFamily="34" charset="0"/>
+                <a:cs typeface="Open Sans" panose="020B0606030504020204" pitchFamily="34" charset="0"/>
+              </a:rPr>
+              <a:t>Exceeded the anticipated 85% accuracy by attaining an impressive testing accuracy of &gt; 97%, slightly less than FFT’s 99%.</a:t>
             </a:r>
           </a:p>
           <a:p>
@@ -7797,7 +7420,7 @@
               <a:buChar char="•"/>
             </a:pPr>
             <a:r>
-              <a:rPr lang="en-US" sz="2400" b="1" dirty="0">
+              <a:rPr lang="en-US" sz="2800" b="1" dirty="0">
                 <a:solidFill>
                   <a:srgbClr val="33006F"/>
                 </a:solidFill>
@@ -7805,10 +7428,10 @@
                 <a:ea typeface="Open Sans" panose="020B0606030504020204" pitchFamily="34" charset="0"/>
                 <a:cs typeface="Open Sans" panose="020B0606030504020204" pitchFamily="34" charset="0"/>
               </a:rPr>
-              <a:t>Approach: </a:t>
-            </a:r>
-            <a:r>
-              <a:rPr lang="en-US" sz="2400" dirty="0">
+              <a:t>Further exploration: </a:t>
+            </a:r>
+            <a:r>
+              <a:rPr lang="en-US" sz="2800" dirty="0">
                 <a:solidFill>
                   <a:srgbClr val="000000"/>
                 </a:solidFill>
@@ -7816,312 +7439,7 @@
                 <a:ea typeface="Open Sans" panose="020B0606030504020204" pitchFamily="34" charset="0"/>
                 <a:cs typeface="Open Sans" panose="020B0606030504020204" pitchFamily="34" charset="0"/>
               </a:rPr>
-              <a:t>Utilized a streamlined variation of a CNN based upon versions existing in literature.</a:t>
-            </a:r>
-          </a:p>
-          <a:p>
-            <a:pPr marL="285736" indent="-285736">
-              <a:buFont typeface="Arial" panose="020B0604020202020204" pitchFamily="34" charset="0"/>
-              <a:buChar char="•"/>
-            </a:pPr>
-            <a:r>
-              <a:rPr lang="en-US" sz="2400" b="1" dirty="0">
-                <a:solidFill>
-                  <a:srgbClr val="33006F"/>
-                </a:solidFill>
-                <a:latin typeface="Open Sans" panose="020B0606030504020204" pitchFamily="34" charset="0"/>
-                <a:ea typeface="Open Sans" panose="020B0606030504020204" pitchFamily="34" charset="0"/>
-                <a:cs typeface="Open Sans" panose="020B0606030504020204" pitchFamily="34" charset="0"/>
-              </a:rPr>
-              <a:t>Performance: </a:t>
-            </a:r>
-            <a:r>
-              <a:rPr lang="en-US" sz="2400" dirty="0">
-                <a:solidFill>
-                  <a:srgbClr val="000000"/>
-                </a:solidFill>
-                <a:latin typeface="Open Sans" panose="020B0606030504020204" pitchFamily="34" charset="0"/>
-                <a:ea typeface="Open Sans" panose="020B0606030504020204" pitchFamily="34" charset="0"/>
-                <a:cs typeface="Open Sans" panose="020B0606030504020204" pitchFamily="34" charset="0"/>
-              </a:rPr>
-              <a:t>Exceeded the anticipated 85% accuracy by attaining an impressive testing accuracy of 97%.</a:t>
-            </a:r>
-          </a:p>
-          <a:p>
-            <a:pPr marL="285736" indent="-285736">
-              <a:buFont typeface="Arial" panose="020B0604020202020204" pitchFamily="34" charset="0"/>
-              <a:buChar char="•"/>
-            </a:pPr>
-            <a:r>
-              <a:rPr lang="en-US" sz="2400" b="1" dirty="0">
-                <a:solidFill>
-                  <a:srgbClr val="33006F"/>
-                </a:solidFill>
-                <a:latin typeface="Open Sans" panose="020B0606030504020204" pitchFamily="34" charset="0"/>
-                <a:ea typeface="Open Sans" panose="020B0606030504020204" pitchFamily="34" charset="0"/>
-                <a:cs typeface="Open Sans" panose="020B0606030504020204" pitchFamily="34" charset="0"/>
-              </a:rPr>
-              <a:t>Comparison: </a:t>
-            </a:r>
-            <a:r>
-              <a:rPr lang="en-US" sz="2400" dirty="0">
-                <a:solidFill>
-                  <a:srgbClr val="000000"/>
-                </a:solidFill>
-                <a:latin typeface="Open Sans" panose="020B0606030504020204" pitchFamily="34" charset="0"/>
-                <a:ea typeface="Open Sans" panose="020B0606030504020204" pitchFamily="34" charset="0"/>
-                <a:cs typeface="Open Sans" panose="020B0606030504020204" pitchFamily="34" charset="0"/>
-              </a:rPr>
-              <a:t>Achieved accuracy slightly below more complex CNNs documented in literature and slightly lower than the spectrogram method.</a:t>
-            </a:r>
-          </a:p>
-          <a:p>
-            <a:pPr marL="285736" indent="-285736">
-              <a:buFont typeface="Arial" panose="020B0604020202020204" pitchFamily="34" charset="0"/>
-              <a:buChar char="•"/>
-            </a:pPr>
-            <a:r>
-              <a:rPr lang="en-US" sz="2400" b="1" dirty="0">
-                <a:solidFill>
-                  <a:srgbClr val="33006F"/>
-                </a:solidFill>
-                <a:latin typeface="Open Sans" panose="020B0606030504020204" pitchFamily="34" charset="0"/>
-                <a:ea typeface="Open Sans" panose="020B0606030504020204" pitchFamily="34" charset="0"/>
-                <a:cs typeface="Open Sans" panose="020B0606030504020204" pitchFamily="34" charset="0"/>
-              </a:rPr>
-              <a:t>Further exploration: </a:t>
-            </a:r>
-            <a:r>
-              <a:rPr lang="en-US" sz="2400" dirty="0">
-                <a:solidFill>
-                  <a:srgbClr val="000000"/>
-                </a:solidFill>
-                <a:latin typeface="Open Sans" panose="020B0606030504020204" pitchFamily="34" charset="0"/>
-                <a:ea typeface="Open Sans" panose="020B0606030504020204" pitchFamily="34" charset="0"/>
-                <a:cs typeface="Open Sans" panose="020B0606030504020204" pitchFamily="34" charset="0"/>
-              </a:rPr>
-              <a:t>Examining the efficacy of the GASF technique in transforming time series data into images and feeding them through a basic CNN, by using a dataset of more contaminated gravitational waves for analysis.</a:t>
-            </a:r>
-          </a:p>
-        </p:txBody>
-      </p:sp>
-      <p:sp>
-        <p:nvSpPr>
-          <p:cNvPr id="90" name="TextBox 89">
-            <a:extLst>
-              <a:ext uri="{FF2B5EF4-FFF2-40B4-BE49-F238E27FC236}">
-                <a16:creationId xmlns:a16="http://schemas.microsoft.com/office/drawing/2014/main" id="{01EBD516-494C-27A1-8F56-E2D3C1A7AE05}"/>
-              </a:ext>
-            </a:extLst>
-          </p:cNvPr>
-          <p:cNvSpPr txBox="1"/>
-          <p:nvPr/>
-        </p:nvSpPr>
-        <p:spPr>
-          <a:xfrm>
-            <a:off x="15905559" y="11337266"/>
-            <a:ext cx="11929119" cy="646331"/>
-          </a:xfrm>
-          <a:prstGeom prst="rect">
-            <a:avLst/>
-          </a:prstGeom>
-          <a:noFill/>
-        </p:spPr>
-        <p:txBody>
-          <a:bodyPr wrap="square" rtlCol="0">
-            <a:spAutoFit/>
-          </a:bodyPr>
-          <a:lstStyle/>
-          <a:p>
-            <a:pPr algn="ctr"/>
-            <a:r>
-              <a:rPr lang="en-US" sz="3600" b="1" dirty="0" err="1">
-                <a:solidFill>
-                  <a:srgbClr val="33006F"/>
-                </a:solidFill>
-                <a:latin typeface="Uni Sans Book" charset="0"/>
-                <a:ea typeface="Uni Sans Book" charset="0"/>
-                <a:cs typeface="Uni Sans Book" charset="0"/>
-              </a:rPr>
-              <a:t>Gramian</a:t>
-            </a:r>
-            <a:r>
-              <a:rPr lang="en-US" sz="3600" b="1" dirty="0">
-                <a:solidFill>
-                  <a:srgbClr val="33006F"/>
-                </a:solidFill>
-                <a:latin typeface="Uni Sans Book" charset="0"/>
-                <a:ea typeface="Uni Sans Book" charset="0"/>
-                <a:cs typeface="Uni Sans Book" charset="0"/>
-              </a:rPr>
-              <a:t> Angular Summation Fields</a:t>
-            </a:r>
-          </a:p>
-        </p:txBody>
-      </p:sp>
-      <p:sp>
-        <p:nvSpPr>
-          <p:cNvPr id="91" name="TextBox 90">
-            <a:extLst>
-              <a:ext uri="{FF2B5EF4-FFF2-40B4-BE49-F238E27FC236}">
-                <a16:creationId xmlns:a16="http://schemas.microsoft.com/office/drawing/2014/main" id="{29DAEBA4-914B-D15D-5E67-16AA816568CB}"/>
-              </a:ext>
-            </a:extLst>
-          </p:cNvPr>
-          <p:cNvSpPr txBox="1"/>
-          <p:nvPr/>
-        </p:nvSpPr>
-        <p:spPr>
-          <a:xfrm>
-            <a:off x="15943657" y="12144684"/>
-            <a:ext cx="11891021" cy="2308324"/>
-          </a:xfrm>
-          <a:prstGeom prst="rect">
-            <a:avLst/>
-          </a:prstGeom>
-          <a:noFill/>
-        </p:spPr>
-        <p:txBody>
-          <a:bodyPr wrap="square" rtlCol="0">
-            <a:spAutoFit/>
-          </a:bodyPr>
-          <a:lstStyle/>
-          <a:p>
-            <a:pPr marL="342884" indent="-342884">
-              <a:buFont typeface="Arial" panose="020B0604020202020204" pitchFamily="34" charset="0"/>
-              <a:buChar char="•"/>
-            </a:pPr>
-            <a:r>
-              <a:rPr lang="en-US" sz="2400" b="1" dirty="0">
-                <a:solidFill>
-                  <a:srgbClr val="33006F"/>
-                </a:solidFill>
-                <a:latin typeface="Open Sans" panose="020B0606030504020204" pitchFamily="34" charset="0"/>
-                <a:ea typeface="Open Sans" panose="020B0606030504020204" pitchFamily="34" charset="0"/>
-                <a:cs typeface="Open Sans" panose="020B0606030504020204" pitchFamily="34" charset="0"/>
-              </a:rPr>
-              <a:t>Definition: </a:t>
-            </a:r>
-            <a:r>
-              <a:rPr lang="en-US" sz="2400" dirty="0">
-                <a:solidFill>
-                  <a:srgbClr val="000000"/>
-                </a:solidFill>
-                <a:latin typeface="Open Sans" panose="020B0606030504020204" pitchFamily="34" charset="0"/>
-                <a:ea typeface="Open Sans" panose="020B0606030504020204" pitchFamily="34" charset="0"/>
-                <a:cs typeface="Open Sans" panose="020B0606030504020204" pitchFamily="34" charset="0"/>
-              </a:rPr>
-              <a:t>Method for visualizing time series data in a two-dimensional image format.</a:t>
-            </a:r>
-          </a:p>
-          <a:p>
-            <a:pPr marL="342884" indent="-342884">
-              <a:buFont typeface="Arial" panose="020B0604020202020204" pitchFamily="34" charset="0"/>
-              <a:buChar char="•"/>
-            </a:pPr>
-            <a:r>
-              <a:rPr lang="en-US" sz="2400" b="1" dirty="0">
-                <a:solidFill>
-                  <a:srgbClr val="33006F"/>
-                </a:solidFill>
-                <a:latin typeface="Open Sans" panose="020B0606030504020204" pitchFamily="34" charset="0"/>
-                <a:ea typeface="Open Sans" panose="020B0606030504020204" pitchFamily="34" charset="0"/>
-                <a:cs typeface="Open Sans" panose="020B0606030504020204" pitchFamily="34" charset="0"/>
-              </a:rPr>
-              <a:t>Conversion: </a:t>
-            </a:r>
-            <a:r>
-              <a:rPr lang="en-US" sz="2400" dirty="0">
-                <a:solidFill>
-                  <a:srgbClr val="000000"/>
-                </a:solidFill>
-                <a:latin typeface="Open Sans" panose="020B0606030504020204" pitchFamily="34" charset="0"/>
-                <a:ea typeface="Open Sans" panose="020B0606030504020204" pitchFamily="34" charset="0"/>
-                <a:cs typeface="Open Sans" panose="020B0606030504020204" pitchFamily="34" charset="0"/>
-              </a:rPr>
-              <a:t>Converts time series into a symmetric matrix which represents the pairwise angles between points in the time series.</a:t>
-            </a:r>
-          </a:p>
-          <a:p>
-            <a:pPr marL="342884" indent="-342884">
-              <a:buFont typeface="Arial" panose="020B0604020202020204" pitchFamily="34" charset="0"/>
-              <a:buChar char="•"/>
-            </a:pPr>
-            <a:r>
-              <a:rPr lang="en-US" sz="2400" b="1" dirty="0">
-                <a:solidFill>
-                  <a:srgbClr val="33006F"/>
-                </a:solidFill>
-                <a:latin typeface="Open Sans" panose="020B0606030504020204" pitchFamily="34" charset="0"/>
-                <a:ea typeface="Open Sans" panose="020B0606030504020204" pitchFamily="34" charset="0"/>
-                <a:cs typeface="Open Sans" panose="020B0606030504020204" pitchFamily="34" charset="0"/>
-              </a:rPr>
-              <a:t>Application: </a:t>
-            </a:r>
-            <a:r>
-              <a:rPr lang="en-US" sz="2400" dirty="0">
-                <a:solidFill>
-                  <a:srgbClr val="000000"/>
-                </a:solidFill>
-                <a:latin typeface="Open Sans" panose="020B0606030504020204" pitchFamily="34" charset="0"/>
-                <a:ea typeface="Open Sans" panose="020B0606030504020204" pitchFamily="34" charset="0"/>
-                <a:cs typeface="Open Sans" panose="020B0606030504020204" pitchFamily="34" charset="0"/>
-              </a:rPr>
-              <a:t>Provides visual representation of complex temporal patterns which is useful for tasks like classification of time series data.</a:t>
-            </a:r>
-          </a:p>
-        </p:txBody>
-      </p:sp>
-      <p:sp>
-        <p:nvSpPr>
-          <p:cNvPr id="92" name="TextBox 91">
-            <a:extLst>
-              <a:ext uri="{FF2B5EF4-FFF2-40B4-BE49-F238E27FC236}">
-                <a16:creationId xmlns:a16="http://schemas.microsoft.com/office/drawing/2014/main" id="{76D87631-56EC-575B-C6E9-3AD7CAFBA24C}"/>
-              </a:ext>
-            </a:extLst>
-          </p:cNvPr>
-          <p:cNvSpPr txBox="1"/>
-          <p:nvPr/>
-        </p:nvSpPr>
-        <p:spPr>
-          <a:xfrm>
-            <a:off x="1782191" y="28905634"/>
-            <a:ext cx="11929119" cy="646331"/>
-          </a:xfrm>
-          <a:prstGeom prst="rect">
-            <a:avLst/>
-          </a:prstGeom>
-          <a:noFill/>
-        </p:spPr>
-        <p:txBody>
-          <a:bodyPr wrap="square" rtlCol="0">
-            <a:spAutoFit/>
-          </a:bodyPr>
-          <a:lstStyle/>
-          <a:p>
-            <a:pPr algn="ctr"/>
-            <a:r>
-              <a:rPr lang="en-US" sz="3600" b="1" dirty="0" err="1">
-                <a:solidFill>
-                  <a:srgbClr val="33006F"/>
-                </a:solidFill>
-                <a:latin typeface="Uni Sans Book" charset="0"/>
-                <a:ea typeface="Uni Sans Book" charset="0"/>
-                <a:cs typeface="Uni Sans Book" charset="0"/>
-              </a:rPr>
-              <a:t>Gramian</a:t>
-            </a:r>
-            <a:r>
-              <a:rPr lang="en-US" sz="3600" b="1" dirty="0">
-                <a:solidFill>
-                  <a:srgbClr val="33006F"/>
-                </a:solidFill>
-                <a:latin typeface="Uni Sans Book" charset="0"/>
-                <a:ea typeface="Uni Sans Book" charset="0"/>
-                <a:cs typeface="Uni Sans Book" charset="0"/>
-              </a:rPr>
-              <a:t> Angular Summation Fields (GASF)</a:t>
+              <a:t>Examining the efficacy of the GASF technique in GW detection by using a new dataset with SNR ~ 4 for analysis.</a:t>
             </a:r>
           </a:p>
         </p:txBody>
@@ -8140,8 +7458,8 @@
         </p:nvSpPr>
         <p:spPr>
           <a:xfrm>
-            <a:off x="1820289" y="29713052"/>
-            <a:ext cx="11891021" cy="2308324"/>
+            <a:off x="1828800" y="27980640"/>
+            <a:ext cx="11891021" cy="3108543"/>
           </a:xfrm>
           <a:prstGeom prst="rect">
             <a:avLst/>
@@ -8159,7 +7477,7 @@
               <a:buChar char="•"/>
             </a:pPr>
             <a:r>
-              <a:rPr lang="en-US" sz="2400" b="1" dirty="0">
+              <a:rPr lang="en-US" sz="2800" b="1" dirty="0">
                 <a:solidFill>
                   <a:srgbClr val="33006F"/>
                 </a:solidFill>
@@ -8170,7 +7488,7 @@
               <a:t>Definition: </a:t>
             </a:r>
             <a:r>
-              <a:rPr lang="en-US" sz="2400" dirty="0">
+              <a:rPr lang="en-US" sz="2800" dirty="0">
                 <a:solidFill>
                   <a:srgbClr val="000000"/>
                 </a:solidFill>
@@ -8187,7 +7505,7 @@
               <a:buChar char="•"/>
             </a:pPr>
             <a:r>
-              <a:rPr lang="en-US" sz="2400" b="1" dirty="0">
+              <a:rPr lang="en-US" sz="2800" b="1" dirty="0">
                 <a:solidFill>
                   <a:srgbClr val="33006F"/>
                 </a:solidFill>
@@ -8198,7 +7516,7 @@
               <a:t>Conversion: </a:t>
             </a:r>
             <a:r>
-              <a:rPr lang="en-US" sz="2400" dirty="0">
+              <a:rPr lang="en-US" sz="2800" dirty="0">
                 <a:solidFill>
                   <a:srgbClr val="000000"/>
                 </a:solidFill>
@@ -8215,7 +7533,7 @@
               <a:buChar char="•"/>
             </a:pPr>
             <a:r>
-              <a:rPr lang="en-US" sz="2400" b="1" dirty="0">
+              <a:rPr lang="en-US" sz="2800" b="1" dirty="0">
                 <a:solidFill>
                   <a:srgbClr val="33006F"/>
                 </a:solidFill>
@@ -8226,7 +7544,7 @@
               <a:t>Application: </a:t>
             </a:r>
             <a:r>
-              <a:rPr lang="en-US" sz="2400" dirty="0">
+              <a:rPr lang="en-US" sz="2800" dirty="0">
                 <a:solidFill>
                   <a:srgbClr val="000000"/>
                 </a:solidFill>
@@ -8254,51 +7572,65 @@
           <p:nvPr>
             <p:extLst>
               <p:ext uri="{D42A27DB-BD31-4B8C-83A1-F6EECF244321}">
-                <p14:modId xmlns:p14="http://schemas.microsoft.com/office/powerpoint/2010/main" val="453480130"/>
+                <p14:modId xmlns:p14="http://schemas.microsoft.com/office/powerpoint/2010/main" val="1692246114"/>
               </p:ext>
             </p:extLst>
           </p:nvPr>
         </p:nvGraphicFramePr>
         <p:xfrm>
-          <a:off x="31198191" y="20891978"/>
-          <a:ext cx="9677399" cy="4698365"/>
+          <a:off x="31546800" y="20065426"/>
+          <a:ext cx="9194013" cy="5830127"/>
         </p:xfrm>
         <a:graphic>
           <a:graphicData uri="http://schemas.openxmlformats.org/drawingml/2006/table">
             <a:tbl>
               <a:tblPr firstRow="1" bandRow="1">
-                <a:tableStyleId>{3C2FFA5D-87B4-456A-9821-1D502468CF0F}</a:tableStyleId>
+                <a:tableStyleId>{2D5ABB26-0587-4C30-8999-92F81FD0307C}</a:tableStyleId>
               </a:tblPr>
               <a:tblGrid>
-                <a:gridCol w="408321">
+                <a:gridCol w="386144">
                   <a:extLst>
                     <a:ext uri="{9D8B030D-6E8A-4147-A177-3AD203B41FA5}">
                       <a16:colId xmlns:a16="http://schemas.microsoft.com/office/drawing/2014/main" val="4150575736"/>
                     </a:ext>
                   </a:extLst>
                 </a:gridCol>
-                <a:gridCol w="349989">
+                <a:gridCol w="440744">
                   <a:extLst>
                     <a:ext uri="{9D8B030D-6E8A-4147-A177-3AD203B41FA5}">
                       <a16:colId xmlns:a16="http://schemas.microsoft.com/office/drawing/2014/main" val="430986693"/>
                     </a:ext>
                   </a:extLst>
                 </a:gridCol>
-                <a:gridCol w="1513308">
+                <a:gridCol w="1723802">
                   <a:extLst>
                     <a:ext uri="{9D8B030D-6E8A-4147-A177-3AD203B41FA5}">
                       <a16:colId xmlns:a16="http://schemas.microsoft.com/office/drawing/2014/main" val="2345576602"/>
                     </a:ext>
                   </a:extLst>
                 </a:gridCol>
-                <a:gridCol w="2420391">
+                <a:gridCol w="1259310">
                   <a:extLst>
                     <a:ext uri="{9D8B030D-6E8A-4147-A177-3AD203B41FA5}">
                       <a16:colId xmlns:a16="http://schemas.microsoft.com/office/drawing/2014/main" val="591402311"/>
                     </a:ext>
                   </a:extLst>
                 </a:gridCol>
-                <a:gridCol w="457200">
+                <a:gridCol w="118407">
+                  <a:extLst>
+                    <a:ext uri="{9D8B030D-6E8A-4147-A177-3AD203B41FA5}">
+                      <a16:colId xmlns:a16="http://schemas.microsoft.com/office/drawing/2014/main" val="3657104809"/>
+                    </a:ext>
+                  </a:extLst>
+                </a:gridCol>
+                <a:gridCol w="721890">
+                  <a:extLst>
+                    <a:ext uri="{9D8B030D-6E8A-4147-A177-3AD203B41FA5}">
+                      <a16:colId xmlns:a16="http://schemas.microsoft.com/office/drawing/2014/main" val="197721786"/>
+                    </a:ext>
+                  </a:extLst>
+                </a:gridCol>
+                <a:gridCol w="381000">
                   <a:extLst>
                     <a:ext uri="{9D8B030D-6E8A-4147-A177-3AD203B41FA5}">
                       <a16:colId xmlns:a16="http://schemas.microsoft.com/office/drawing/2014/main" val="3894290972"/>
@@ -8312,23 +7644,84 @@
                     </a:ext>
                   </a:extLst>
                 </a:gridCol>
-                <a:gridCol w="2013590">
+                <a:gridCol w="1650561">
                   <a:extLst>
                     <a:ext uri="{9D8B030D-6E8A-4147-A177-3AD203B41FA5}">
                       <a16:colId xmlns:a16="http://schemas.microsoft.com/office/drawing/2014/main" val="2668802350"/>
                     </a:ext>
                   </a:extLst>
                 </a:gridCol>
-                <a:gridCol w="2057400">
+                <a:gridCol w="1167486">
                   <a:extLst>
                     <a:ext uri="{9D8B030D-6E8A-4147-A177-3AD203B41FA5}">
                       <a16:colId xmlns:a16="http://schemas.microsoft.com/office/drawing/2014/main" val="3241017649"/>
                     </a:ext>
                   </a:extLst>
                 </a:gridCol>
+                <a:gridCol w="193864">
+                  <a:extLst>
+                    <a:ext uri="{9D8B030D-6E8A-4147-A177-3AD203B41FA5}">
+                      <a16:colId xmlns:a16="http://schemas.microsoft.com/office/drawing/2014/main" val="1895282132"/>
+                    </a:ext>
+                  </a:extLst>
+                </a:gridCol>
+                <a:gridCol w="693605">
+                  <a:extLst>
+                    <a:ext uri="{9D8B030D-6E8A-4147-A177-3AD203B41FA5}">
+                      <a16:colId xmlns:a16="http://schemas.microsoft.com/office/drawing/2014/main" val="3947857462"/>
+                    </a:ext>
+                  </a:extLst>
+                </a:gridCol>
               </a:tblGrid>
-              <a:tr h="444022">
-                <a:tc gridSpan="8">
+              <a:tr h="446698">
+                <a:tc gridSpan="12">
+                  <a:txBody>
+                    <a:bodyPr/>
+                    <a:lstStyle/>
+                    <a:p>
+                      <a:pPr marL="0" marR="0" lvl="0" indent="0" algn="ctr" defTabSz="4389120" rtl="0" eaLnBrk="1" fontAlgn="auto" latinLnBrk="0" hangingPunct="1">
+                        <a:lnSpc>
+                          <a:spcPct val="100000"/>
+                        </a:lnSpc>
+                        <a:spcBef>
+                          <a:spcPts val="0"/>
+                        </a:spcBef>
+                        <a:spcAft>
+                          <a:spcPts val="0"/>
+                        </a:spcAft>
+                        <a:buClrTx/>
+                        <a:buSzTx/>
+                        <a:buFontTx/>
+                        <a:buNone/>
+                        <a:tabLst/>
+                        <a:defRPr/>
+                      </a:pPr>
+                      <a:r>
+                        <a:rPr lang="en-US" sz="2400" b="1" dirty="0">
+                          <a:solidFill>
+                            <a:srgbClr val="33006F"/>
+                          </a:solidFill>
+                          <a:latin typeface="Open Sans" panose="020B0606030504020204" pitchFamily="34" charset="0"/>
+                          <a:ea typeface="Open Sans" panose="020B0606030504020204" pitchFamily="34" charset="0"/>
+                          <a:cs typeface="Open Sans" panose="020B0606030504020204" pitchFamily="34" charset="0"/>
+                        </a:rPr>
+                        <a:t>Confusion Matrix</a:t>
+                      </a:r>
+                    </a:p>
+                  </a:txBody>
+                  <a:tcPr marL="93007" marR="93007" marT="46504" marB="46504"/>
+                </a:tc>
+                <a:tc hMerge="1">
+                  <a:txBody>
+                    <a:bodyPr/>
+                    <a:lstStyle/>
+                    <a:p>
+                      <a:endParaRPr lang="en-US"/>
+                    </a:p>
+                  </a:txBody>
+                  <a:tcPr/>
+                </a:tc>
+                <a:tc hMerge="1">
                   <a:txBody>
                     <a:bodyPr/>
                     <a:lstStyle/>
@@ -8380,34 +7773,7 @@
                     <a:bodyPr/>
                     <a:lstStyle/>
                     <a:p>
-                      <a:pPr marL="0" marR="0" lvl="0" indent="0" algn="ctr" defTabSz="4389120" rtl="0" eaLnBrk="1" fontAlgn="auto" latinLnBrk="0" hangingPunct="1">
-                        <a:lnSpc>
-                          <a:spcPct val="100000"/>
-                        </a:lnSpc>
-                        <a:spcBef>
-                          <a:spcPts val="0"/>
-                        </a:spcBef>
-                        <a:spcAft>
-                          <a:spcPts val="0"/>
-                        </a:spcAft>
-                        <a:buClrTx/>
-                        <a:buSzTx/>
-                        <a:buFontTx/>
-                        <a:buNone/>
-                        <a:tabLst/>
-                        <a:defRPr/>
-                      </a:pPr>
-                      <a:r>
-                        <a:rPr lang="en-US" sz="2400" dirty="0">
-                          <a:solidFill>
-                            <a:srgbClr val="33006F"/>
-                          </a:solidFill>
-                          <a:latin typeface="Open Sans" panose="020B0606030504020204" pitchFamily="34" charset="0"/>
-                          <a:ea typeface="Open Sans" panose="020B0606030504020204" pitchFamily="34" charset="0"/>
-                          <a:cs typeface="Open Sans" panose="020B0606030504020204" pitchFamily="34" charset="0"/>
-                        </a:rPr>
-                        <a:t>Confusion Matrix</a:t>
-                      </a:r>
+                      <a:endParaRPr lang="en-US"/>
                     </a:p>
                   </a:txBody>
                   <a:tcPr/>
@@ -8558,26 +7924,46 @@
                   </a:txBody>
                   <a:tcPr/>
                 </a:tc>
+                <a:tc hMerge="1">
+                  <a:txBody>
+                    <a:bodyPr/>
+                    <a:lstStyle/>
+                    <a:p>
+                      <a:endParaRPr lang="en-US"/>
+                    </a:p>
+                  </a:txBody>
+                  <a:tcPr/>
+                </a:tc>
+                <a:tc hMerge="1">
+                  <a:txBody>
+                    <a:bodyPr/>
+                    <a:lstStyle/>
+                    <a:p>
+                      <a:endParaRPr lang="en-US"/>
+                    </a:p>
+                  </a:txBody>
+                  <a:tcPr/>
+                </a:tc>
                 <a:extLst>
                   <a:ext uri="{0D108BD9-81ED-4DB2-BD59-A6C34878D82A}">
                     <a16:rowId xmlns:a16="http://schemas.microsoft.com/office/drawing/2014/main" val="1140761208"/>
                   </a:ext>
                 </a:extLst>
               </a:tr>
-              <a:tr h="291622">
+              <a:tr h="386936">
                 <a:tc gridSpan="2">
                   <a:txBody>
                     <a:bodyPr/>
                     <a:lstStyle/>
                     <a:p>
-                      <a:endParaRPr lang="en-US" sz="1800" dirty="0">
+                      <a:endParaRPr lang="en-US" sz="2000" dirty="0">
                         <a:latin typeface="Open Sans" panose="020B0606030504020204" pitchFamily="34" charset="0"/>
                         <a:ea typeface="Open Sans" panose="020B0606030504020204" pitchFamily="34" charset="0"/>
                         <a:cs typeface="Open Sans" panose="020B0606030504020204" pitchFamily="34" charset="0"/>
                       </a:endParaRPr>
                     </a:p>
                   </a:txBody>
-                  <a:tcPr/>
+                  <a:tcPr marL="93007" marR="93007" marT="46504" marB="46504"/>
                 </a:tc>
                 <a:tc hMerge="1">
                   <a:txBody>
@@ -8596,7 +7982,7 @@
                     <a:p>
                       <a:pPr algn="ctr"/>
                       <a:r>
-                        <a:rPr lang="en-US" sz="1800" dirty="0">
+                        <a:rPr lang="en-US" sz="2000" dirty="0">
                           <a:solidFill>
                             <a:srgbClr val="33006F"/>
                           </a:solidFill>
@@ -8604,11 +7990,11 @@
                           <a:ea typeface="Open Sans" panose="020B0606030504020204" pitchFamily="34" charset="0"/>
                           <a:cs typeface="Open Sans" panose="020B0606030504020204" pitchFamily="34" charset="0"/>
                         </a:rPr>
-                        <a:t>GASF</a:t>
+                        <a:t>  GASF</a:t>
                       </a:r>
                     </a:p>
                   </a:txBody>
-                  <a:tcPr/>
+                  <a:tcPr marL="93007" marR="93007" marT="46504" marB="46504"/>
                 </a:tc>
                 <a:tc hMerge="1">
                   <a:txBody>
@@ -8645,7 +8031,7 @@
                     <a:lstStyle/>
                     <a:p>
                       <a:pPr algn="ctr"/>
-                      <a:endParaRPr lang="en-US" sz="1800" dirty="0">
+                      <a:endParaRPr lang="en-US" sz="2000" dirty="0">
                         <a:solidFill>
                           <a:srgbClr val="33006F"/>
                         </a:solidFill>
@@ -8655,7 +8041,35 @@
                       </a:endParaRPr>
                     </a:p>
                   </a:txBody>
-                  <a:tcPr/>
+                  <a:tcPr marL="93007" marR="93007" marT="46504" marB="46504"/>
+                </a:tc>
+                <a:tc hMerge="1">
+                  <a:txBody>
+                    <a:bodyPr/>
+                    <a:lstStyle/>
+                    <a:p>
+                      <a:endParaRPr lang="en-US" dirty="0"/>
+                    </a:p>
+                  </a:txBody>
+                  <a:tcPr marL="93007" marR="93007" marT="46504" marB="46504"/>
+                </a:tc>
+                <a:tc gridSpan="2">
+                  <a:txBody>
+                    <a:bodyPr/>
+                    <a:lstStyle/>
+                    <a:p>
+                      <a:pPr algn="ctr"/>
+                      <a:endParaRPr lang="en-US" sz="2000" dirty="0">
+                        <a:solidFill>
+                          <a:srgbClr val="33006F"/>
+                        </a:solidFill>
+                        <a:latin typeface="Open Sans" panose="020B0606030504020204" pitchFamily="34" charset="0"/>
+                        <a:ea typeface="Open Sans" panose="020B0606030504020204" pitchFamily="34" charset="0"/>
+                        <a:cs typeface="Open Sans" panose="020B0606030504020204" pitchFamily="34" charset="0"/>
+                      </a:endParaRPr>
+                    </a:p>
+                  </a:txBody>
+                  <a:tcPr marL="93007" marR="93007" marT="46504" marB="46504"/>
                 </a:tc>
                 <a:tc hMerge="1">
                   <a:txBody>
@@ -8682,7 +8096,7 @@
                     <a:p>
                       <a:pPr algn="ctr"/>
                       <a:r>
-                        <a:rPr lang="en-US" sz="1800" dirty="0">
+                        <a:rPr lang="en-US" sz="2000" dirty="0">
                           <a:solidFill>
                             <a:srgbClr val="33006F"/>
                           </a:solidFill>
@@ -8690,11 +8104,11 @@
                           <a:ea typeface="Open Sans" panose="020B0606030504020204" pitchFamily="34" charset="0"/>
                           <a:cs typeface="Open Sans" panose="020B0606030504020204" pitchFamily="34" charset="0"/>
                         </a:rPr>
-                        <a:t>Spectrogram</a:t>
+                        <a:t>  Spectrogram</a:t>
                       </a:r>
                     </a:p>
                   </a:txBody>
-                  <a:tcPr/>
+                  <a:tcPr marL="93007" marR="93007" marT="46504" marB="46504"/>
                 </a:tc>
                 <a:tc hMerge="1">
                   <a:txBody>
@@ -8714,13 +8128,41 @@
                   </a:txBody>
                   <a:tcPr/>
                 </a:tc>
+                <a:tc gridSpan="2">
+                  <a:txBody>
+                    <a:bodyPr/>
+                    <a:lstStyle/>
+                    <a:p>
+                      <a:pPr algn="ctr"/>
+                      <a:endParaRPr lang="en-US" sz="2000" dirty="0">
+                        <a:solidFill>
+                          <a:srgbClr val="33006F"/>
+                        </a:solidFill>
+                        <a:latin typeface="Open Sans" panose="020B0606030504020204" pitchFamily="34" charset="0"/>
+                        <a:ea typeface="Open Sans" panose="020B0606030504020204" pitchFamily="34" charset="0"/>
+                        <a:cs typeface="Open Sans" panose="020B0606030504020204" pitchFamily="34" charset="0"/>
+                      </a:endParaRPr>
+                    </a:p>
+                  </a:txBody>
+                  <a:tcPr marL="93007" marR="93007" marT="46504" marB="46504"/>
+                </a:tc>
+                <a:tc hMerge="1">
+                  <a:txBody>
+                    <a:bodyPr/>
+                    <a:lstStyle/>
+                    <a:p>
+                      <a:endParaRPr lang="en-US" dirty="0"/>
+                    </a:p>
+                  </a:txBody>
+                  <a:tcPr marL="93007" marR="93007" marT="46504" marB="46504"/>
+                </a:tc>
                 <a:extLst>
                   <a:ext uri="{0D108BD9-81ED-4DB2-BD59-A6C34878D82A}">
                     <a16:rowId xmlns:a16="http://schemas.microsoft.com/office/drawing/2014/main" val="1031923118"/>
                   </a:ext>
                 </a:extLst>
               </a:tr>
-              <a:tr h="1405400">
+              <a:tr h="1637495">
                 <a:tc rowSpan="2">
                   <a:txBody>
                     <a:bodyPr/>
@@ -8728,7 +8170,7 @@
                     <a:p>
                       <a:pPr algn="ctr"/>
                       <a:r>
-                        <a:rPr lang="en-US" sz="1800" dirty="0">
+                        <a:rPr lang="en-US" sz="2000" dirty="0">
                           <a:latin typeface="Open Sans" panose="020B0606030504020204" pitchFamily="34" charset="0"/>
                           <a:ea typeface="Open Sans" panose="020B0606030504020204" pitchFamily="34" charset="0"/>
                           <a:cs typeface="Open Sans" panose="020B0606030504020204" pitchFamily="34" charset="0"/>
@@ -8737,7 +8179,7 @@
                       </a:r>
                     </a:p>
                   </a:txBody>
-                  <a:tcPr vert="vert270"/>
+                  <a:tcPr marL="93007" marR="93007" marT="46504" marB="46504" vert="vert270"/>
                 </a:tc>
                 <a:tc>
                   <a:txBody>
@@ -8746,7 +8188,7 @@
                     <a:p>
                       <a:pPr algn="ctr"/>
                       <a:r>
-                        <a:rPr lang="en-US" sz="1800" dirty="0">
+                        <a:rPr lang="en-US" sz="2000" dirty="0">
                           <a:latin typeface="Open Sans" panose="020B0606030504020204" pitchFamily="34" charset="0"/>
                           <a:ea typeface="Open Sans" panose="020B0606030504020204" pitchFamily="34" charset="0"/>
                           <a:cs typeface="Open Sans" panose="020B0606030504020204" pitchFamily="34" charset="0"/>
@@ -8755,23 +8197,41 @@
                       </a:r>
                     </a:p>
                   </a:txBody>
-                  <a:tcPr vert="vert270"/>
-                </a:tc>
-                <a:tc rowSpan="2" gridSpan="2">
-                  <a:txBody>
-                    <a:bodyPr/>
-                    <a:lstStyle/>
-                    <a:p>
-                      <a:endParaRPr lang="en-US" sz="1800" dirty="0">
+                  <a:tcPr marL="93007" marR="93007" marT="46504" marB="46504" vert="vert270"/>
+                </a:tc>
+                <a:tc rowSpan="2" gridSpan="4">
+                  <a:txBody>
+                    <a:bodyPr/>
+                    <a:lstStyle/>
+                    <a:p>
+                      <a:endParaRPr lang="en-US" sz="2000" dirty="0">
                         <a:latin typeface="Open Sans" panose="020B0606030504020204" pitchFamily="34" charset="0"/>
                         <a:ea typeface="Open Sans" panose="020B0606030504020204" pitchFamily="34" charset="0"/>
                         <a:cs typeface="Open Sans" panose="020B0606030504020204" pitchFamily="34" charset="0"/>
                       </a:endParaRPr>
                     </a:p>
                   </a:txBody>
-                  <a:tcPr>
-                    <a:noFill/>
-                  </a:tcPr>
+                  <a:tcPr marL="93007" marR="93007" marT="46504" marB="46504"/>
+                </a:tc>
+                <a:tc rowSpan="2" hMerge="1">
+                  <a:txBody>
+                    <a:bodyPr/>
+                    <a:lstStyle/>
+                    <a:p>
+                      <a:endParaRPr lang="en-US"/>
+                    </a:p>
+                  </a:txBody>
+                  <a:tcPr/>
+                </a:tc>
+                <a:tc rowSpan="2" hMerge="1">
+                  <a:txBody>
+                    <a:bodyPr/>
+                    <a:lstStyle/>
+                    <a:p>
+                      <a:endParaRPr lang="en-US"/>
+                    </a:p>
+                  </a:txBody>
+                  <a:tcPr/>
                 </a:tc>
                 <a:tc rowSpan="2" hMerge="1">
                   <a:txBody>
@@ -8790,7 +8250,7 @@
                     <a:p>
                       <a:pPr algn="ctr"/>
                       <a:r>
-                        <a:rPr lang="en-US" sz="1800" dirty="0">
+                        <a:rPr lang="en-US" sz="2000" dirty="0">
                           <a:latin typeface="Open Sans" panose="020B0606030504020204" pitchFamily="34" charset="0"/>
                           <a:ea typeface="Open Sans" panose="020B0606030504020204" pitchFamily="34" charset="0"/>
                           <a:cs typeface="Open Sans" panose="020B0606030504020204" pitchFamily="34" charset="0"/>
@@ -8799,9 +8259,7 @@
                       </a:r>
                     </a:p>
                   </a:txBody>
-                  <a:tcPr vert="vert270">
-                    <a:noFill/>
-                  </a:tcPr>
+                  <a:tcPr marL="93007" marR="93007" marT="46504" marB="46504" vert="vert270"/>
                 </a:tc>
                 <a:tc>
                   <a:txBody>
@@ -8810,7 +8268,7 @@
                     <a:p>
                       <a:pPr algn="ctr"/>
                       <a:r>
-                        <a:rPr lang="en-US" sz="1800" dirty="0">
+                        <a:rPr lang="en-US" sz="2000" dirty="0">
                           <a:latin typeface="Open Sans" panose="020B0606030504020204" pitchFamily="34" charset="0"/>
                           <a:ea typeface="Open Sans" panose="020B0606030504020204" pitchFamily="34" charset="0"/>
                           <a:cs typeface="Open Sans" panose="020B0606030504020204" pitchFamily="34" charset="0"/>
@@ -8819,11 +8277,23 @@
                       </a:r>
                     </a:p>
                   </a:txBody>
-                  <a:tcPr vert="vert270">
-                    <a:noFill/>
-                  </a:tcPr>
-                </a:tc>
-                <a:tc rowSpan="2" gridSpan="2">
+                  <a:tcPr marL="91431" marR="91431" marT="45715" marB="45715" vert="vert270"/>
+                </a:tc>
+                <a:tc rowSpan="2" gridSpan="4">
+                  <a:txBody>
+                    <a:bodyPr/>
+                    <a:lstStyle/>
+                    <a:p>
+                      <a:endParaRPr lang="en-US" sz="2000" dirty="0">
+                        <a:latin typeface="Open Sans" panose="020B0606030504020204" pitchFamily="34" charset="0"/>
+                        <a:ea typeface="Open Sans" panose="020B0606030504020204" pitchFamily="34" charset="0"/>
+                        <a:cs typeface="Open Sans" panose="020B0606030504020204" pitchFamily="34" charset="0"/>
+                      </a:endParaRPr>
+                    </a:p>
+                  </a:txBody>
+                  <a:tcPr marL="93007" marR="93007" marT="46504" marB="46504"/>
+                </a:tc>
+                <a:tc rowSpan="2" hMerge="1">
                   <a:txBody>
                     <a:bodyPr/>
                     <a:lstStyle/>
@@ -8844,16 +8314,20 @@
                     <a:bodyPr/>
                     <a:lstStyle/>
                     <a:p>
-                      <a:endParaRPr lang="en-US" sz="1800" dirty="0">
-                        <a:latin typeface="Open Sans" panose="020B0606030504020204" pitchFamily="34" charset="0"/>
-                        <a:ea typeface="Open Sans" panose="020B0606030504020204" pitchFamily="34" charset="0"/>
-                        <a:cs typeface="Open Sans" panose="020B0606030504020204" pitchFamily="34" charset="0"/>
-                      </a:endParaRPr>
-                    </a:p>
-                  </a:txBody>
-                  <a:tcPr>
-                    <a:noFill/>
-                  </a:tcPr>
+                      <a:endParaRPr lang="en-US"/>
+                    </a:p>
+                  </a:txBody>
+                  <a:tcPr/>
+                </a:tc>
+                <a:tc rowSpan="2" hMerge="1">
+                  <a:txBody>
+                    <a:bodyPr/>
+                    <a:lstStyle/>
+                    <a:p>
+                      <a:endParaRPr lang="en-US"/>
+                    </a:p>
+                  </a:txBody>
+                  <a:tcPr/>
                 </a:tc>
                 <a:extLst>
                   <a:ext uri="{0D108BD9-81ED-4DB2-BD59-A6C34878D82A}">
@@ -8861,40 +8335,14 @@
                   </a:ext>
                 </a:extLst>
               </a:tr>
-              <a:tr h="1439451">
+              <a:tr h="1530082">
                 <a:tc vMerge="1">
                   <a:txBody>
                     <a:bodyPr/>
                     <a:lstStyle/>
                     <a:p>
-                      <a:pPr marL="0" marR="0" lvl="0" indent="0" algn="ctr" defTabSz="4389120" rtl="0" eaLnBrk="1" fontAlgn="auto" latinLnBrk="0" hangingPunct="1">
-                        <a:lnSpc>
-                          <a:spcPct val="100000"/>
-                        </a:lnSpc>
-                        <a:spcBef>
-                          <a:spcPts val="0"/>
-                        </a:spcBef>
-                        <a:spcAft>
-                          <a:spcPts val="0"/>
-                        </a:spcAft>
-                        <a:buClrTx/>
-                        <a:buSzTx/>
-                        <a:buFontTx/>
-                        <a:buNone/>
-                        <a:tabLst/>
-                        <a:defRPr/>
-                      </a:pPr>
-                      <a:r>
-                        <a:rPr lang="en-US" sz="1800" dirty="0">
-                          <a:latin typeface="Open Sans" panose="020B0606030504020204" pitchFamily="34" charset="0"/>
-                          <a:ea typeface="Open Sans" panose="020B0606030504020204" pitchFamily="34" charset="0"/>
-                          <a:cs typeface="Open Sans" panose="020B0606030504020204" pitchFamily="34" charset="0"/>
-                        </a:rPr>
-                        <a:t>Strain</a:t>
-                      </a:r>
-                    </a:p>
-                    <a:p>
-                      <a:endParaRPr lang="en-US" sz="1800" dirty="0">
+                      <a:pPr algn="ctr"/>
+                      <a:endParaRPr lang="en-US" sz="2000" dirty="0">
                         <a:latin typeface="Open Sans" panose="020B0606030504020204" pitchFamily="34" charset="0"/>
                         <a:ea typeface="Open Sans" panose="020B0606030504020204" pitchFamily="34" charset="0"/>
                         <a:cs typeface="Open Sans" panose="020B0606030504020204" pitchFamily="34" charset="0"/>
@@ -8910,7 +8358,7 @@
                     <a:p>
                       <a:pPr algn="ctr"/>
                       <a:r>
-                        <a:rPr lang="en-US" sz="1800" dirty="0">
+                        <a:rPr lang="en-US" sz="2000" dirty="0">
                           <a:latin typeface="Open Sans" panose="020B0606030504020204" pitchFamily="34" charset="0"/>
                           <a:ea typeface="Open Sans" panose="020B0606030504020204" pitchFamily="34" charset="0"/>
                           <a:cs typeface="Open Sans" panose="020B0606030504020204" pitchFamily="34" charset="0"/>
@@ -8919,9 +8367,25 @@
                       </a:r>
                     </a:p>
                   </a:txBody>
-                  <a:tcPr vert="vert270"/>
-                </a:tc>
-                <a:tc gridSpan="2" vMerge="1">
+                  <a:tcPr marL="91431" marR="91431" marT="45715" marB="45715" vert="vert270"/>
+                </a:tc>
+                <a:tc gridSpan="4" vMerge="1">
+                  <a:txBody>
+                    <a:bodyPr/>
+                    <a:lstStyle/>
+                    <a:p>
+                      <a:endParaRPr lang="en-US" sz="2000" dirty="0">
+                        <a:latin typeface="Open Sans" panose="020B0606030504020204" pitchFamily="34" charset="0"/>
+                        <a:ea typeface="Open Sans" panose="020B0606030504020204" pitchFamily="34" charset="0"/>
+                        <a:cs typeface="Open Sans" panose="020B0606030504020204" pitchFamily="34" charset="0"/>
+                      </a:endParaRPr>
+                    </a:p>
+                  </a:txBody>
+                  <a:tcPr>
+                    <a:noFill/>
+                  </a:tcPr>
+                </a:tc>
+                <a:tc hMerge="1" vMerge="1">
                   <a:txBody>
                     <a:bodyPr/>
                     <a:lstStyle/>
@@ -8941,39 +8405,32 @@
                   </a:txBody>
                   <a:tcPr/>
                 </a:tc>
+                <a:tc hMerge="1" vMerge="1">
+                  <a:txBody>
+                    <a:bodyPr/>
+                    <a:lstStyle/>
+                    <a:p>
+                      <a:endParaRPr lang="en-US"/>
+                    </a:p>
+                  </a:txBody>
+                  <a:tcPr/>
+                </a:tc>
                 <a:tc vMerge="1">
                   <a:txBody>
                     <a:bodyPr/>
                     <a:lstStyle/>
                     <a:p>
-                      <a:pPr marL="0" marR="0" lvl="0" indent="0" algn="ctr" defTabSz="4389120" rtl="0" eaLnBrk="1" fontAlgn="auto" latinLnBrk="0" hangingPunct="1">
-                        <a:lnSpc>
-                          <a:spcPct val="100000"/>
-                        </a:lnSpc>
-                        <a:spcBef>
-                          <a:spcPts val="0"/>
-                        </a:spcBef>
-                        <a:spcAft>
-                          <a:spcPts val="0"/>
-                        </a:spcAft>
-                        <a:buClrTx/>
-                        <a:buSzTx/>
-                        <a:buFontTx/>
-                        <a:buNone/>
-                        <a:tabLst/>
-                        <a:defRPr/>
-                      </a:pPr>
-                      <a:r>
-                        <a:rPr lang="en-US" sz="1800" dirty="0">
-                          <a:latin typeface="Open Sans" panose="020B0606030504020204" pitchFamily="34" charset="0"/>
-                          <a:ea typeface="Open Sans" panose="020B0606030504020204" pitchFamily="34" charset="0"/>
-                          <a:cs typeface="Open Sans" panose="020B0606030504020204" pitchFamily="34" charset="0"/>
-                        </a:rPr>
-                        <a:t>Strain</a:t>
-                      </a:r>
-                    </a:p>
-                  </a:txBody>
-                  <a:tcPr vert="vert270"/>
+                      <a:pPr algn="ctr"/>
+                      <a:endParaRPr lang="en-US" sz="2000" dirty="0">
+                        <a:latin typeface="Open Sans" panose="020B0606030504020204" pitchFamily="34" charset="0"/>
+                        <a:ea typeface="Open Sans" panose="020B0606030504020204" pitchFamily="34" charset="0"/>
+                        <a:cs typeface="Open Sans" panose="020B0606030504020204" pitchFamily="34" charset="0"/>
+                      </a:endParaRPr>
+                    </a:p>
+                  </a:txBody>
+                  <a:tcPr vert="vert270">
+                    <a:noFill/>
+                  </a:tcPr>
                 </a:tc>
                 <a:tc>
                   <a:txBody>
@@ -8982,7 +8439,7 @@
                     <a:p>
                       <a:pPr algn="ctr"/>
                       <a:r>
-                        <a:rPr lang="en-US" sz="1800" dirty="0">
+                        <a:rPr lang="en-US" sz="2000" dirty="0">
                           <a:latin typeface="Open Sans" panose="020B0606030504020204" pitchFamily="34" charset="0"/>
                           <a:ea typeface="Open Sans" panose="020B0606030504020204" pitchFamily="34" charset="0"/>
                           <a:cs typeface="Open Sans" panose="020B0606030504020204" pitchFamily="34" charset="0"/>
@@ -8991,49 +8448,75 @@
                       </a:r>
                     </a:p>
                   </a:txBody>
-                  <a:tcPr vert="vert270"/>
-                </a:tc>
-                <a:tc gridSpan="2" vMerge="1">
-                  <a:txBody>
-                    <a:bodyPr/>
-                    <a:lstStyle/>
-                    <a:p>
-                      <a:endParaRPr lang="en-US" dirty="0"/>
-                    </a:p>
-                  </a:txBody>
-                  <a:tcPr/>
-                </a:tc>
-                <a:tc hMerge="1" vMerge="1">
-                  <a:txBody>
-                    <a:bodyPr/>
-                    <a:lstStyle/>
-                    <a:p>
-                      <a:endParaRPr lang="en-US"/>
-                    </a:p>
-                  </a:txBody>
-                  <a:tcPr/>
-                </a:tc>
-                <a:extLst>
-                  <a:ext uri="{0D108BD9-81ED-4DB2-BD59-A6C34878D82A}">
-                    <a16:rowId xmlns:a16="http://schemas.microsoft.com/office/drawing/2014/main" val="1165105423"/>
-                  </a:ext>
-                </a:extLst>
-              </a:tr>
-              <a:tr h="357611">
-                <a:tc rowSpan="2" gridSpan="2">
-                  <a:txBody>
-                    <a:bodyPr/>
-                    <a:lstStyle/>
-                    <a:p>
-                      <a:pPr algn="ctr"/>
-                      <a:endParaRPr lang="en-US" sz="1800">
+                  <a:tcPr marL="93007" marR="93007" marT="46504" marB="46504" vert="vert270"/>
+                </a:tc>
+                <a:tc gridSpan="4" vMerge="1">
+                  <a:txBody>
+                    <a:bodyPr/>
+                    <a:lstStyle/>
+                    <a:p>
+                      <a:endParaRPr lang="en-US" sz="2000" dirty="0">
                         <a:latin typeface="Open Sans" panose="020B0606030504020204" pitchFamily="34" charset="0"/>
                         <a:ea typeface="Open Sans" panose="020B0606030504020204" pitchFamily="34" charset="0"/>
                         <a:cs typeface="Open Sans" panose="020B0606030504020204" pitchFamily="34" charset="0"/>
                       </a:endParaRPr>
                     </a:p>
                   </a:txBody>
+                  <a:tcPr>
+                    <a:noFill/>
+                  </a:tcPr>
+                </a:tc>
+                <a:tc hMerge="1" vMerge="1">
+                  <a:txBody>
+                    <a:bodyPr/>
+                    <a:lstStyle/>
+                    <a:p>
+                      <a:endParaRPr lang="en-US"/>
+                    </a:p>
+                  </a:txBody>
                   <a:tcPr/>
+                </a:tc>
+                <a:tc hMerge="1" vMerge="1">
+                  <a:txBody>
+                    <a:bodyPr/>
+                    <a:lstStyle/>
+                    <a:p>
+                      <a:endParaRPr lang="en-US"/>
+                    </a:p>
+                  </a:txBody>
+                  <a:tcPr/>
+                </a:tc>
+                <a:tc hMerge="1" vMerge="1">
+                  <a:txBody>
+                    <a:bodyPr/>
+                    <a:lstStyle/>
+                    <a:p>
+                      <a:endParaRPr lang="en-US"/>
+                    </a:p>
+                  </a:txBody>
+                  <a:tcPr/>
+                </a:tc>
+                <a:extLst>
+                  <a:ext uri="{0D108BD9-81ED-4DB2-BD59-A6C34878D82A}">
+                    <a16:rowId xmlns:a16="http://schemas.microsoft.com/office/drawing/2014/main" val="3067763906"/>
+                  </a:ext>
+                </a:extLst>
+              </a:tr>
+              <a:tr h="386936">
+                <a:tc rowSpan="2" gridSpan="2">
+                  <a:txBody>
+                    <a:bodyPr/>
+                    <a:lstStyle/>
+                    <a:p>
+                      <a:pPr algn="ctr"/>
+                      <a:endParaRPr lang="en-US" sz="2000" dirty="0">
+                        <a:latin typeface="Open Sans" panose="020B0606030504020204" pitchFamily="34" charset="0"/>
+                        <a:ea typeface="Open Sans" panose="020B0606030504020204" pitchFamily="34" charset="0"/>
+                        <a:cs typeface="Open Sans" panose="020B0606030504020204" pitchFamily="34" charset="0"/>
+                      </a:endParaRPr>
+                    </a:p>
+                  </a:txBody>
+                  <a:tcPr marL="93007" marR="93007" marT="46504" marB="46504"/>
                 </a:tc>
                 <a:tc rowSpan="2" hMerge="1">
                   <a:txBody>
@@ -9052,7 +8535,7 @@
                     <a:p>
                       <a:pPr algn="ctr"/>
                       <a:r>
-                        <a:rPr lang="en-US" sz="1800" dirty="0">
+                        <a:rPr lang="en-US" sz="2000" dirty="0">
                           <a:latin typeface="Open Sans" panose="020B0606030504020204" pitchFamily="34" charset="0"/>
                           <a:ea typeface="Open Sans" panose="020B0606030504020204" pitchFamily="34" charset="0"/>
                           <a:cs typeface="Open Sans" panose="020B0606030504020204" pitchFamily="34" charset="0"/>
@@ -9061,16 +8544,16 @@
                       </a:r>
                     </a:p>
                   </a:txBody>
-                  <a:tcPr/>
-                </a:tc>
-                <a:tc>
+                  <a:tcPr marL="91431" marR="91431" marT="45715" marB="45715"/>
+                </a:tc>
+                <a:tc gridSpan="2">
                   <a:txBody>
                     <a:bodyPr/>
                     <a:lstStyle/>
                     <a:p>
                       <a:pPr algn="ctr"/>
                       <a:r>
-                        <a:rPr lang="en-US" sz="1800" dirty="0">
+                        <a:rPr lang="en-US" sz="2000" dirty="0">
                           <a:latin typeface="Open Sans" panose="020B0606030504020204" pitchFamily="34" charset="0"/>
                           <a:ea typeface="Open Sans" panose="020B0606030504020204" pitchFamily="34" charset="0"/>
                           <a:cs typeface="Open Sans" panose="020B0606030504020204" pitchFamily="34" charset="0"/>
@@ -9079,9 +8562,54 @@
                       </a:r>
                     </a:p>
                   </a:txBody>
-                  <a:tcPr/>
+                  <a:tcPr marL="91431" marR="91431" marT="45715" marB="45715"/>
+                </a:tc>
+                <a:tc hMerge="1">
+                  <a:txBody>
+                    <a:bodyPr/>
+                    <a:lstStyle/>
+                    <a:p>
+                      <a:pPr algn="ctr"/>
+                      <a:endParaRPr lang="en-US" sz="2000" dirty="0">
+                        <a:latin typeface="Open Sans" panose="020B0606030504020204" pitchFamily="34" charset="0"/>
+                        <a:ea typeface="Open Sans" panose="020B0606030504020204" pitchFamily="34" charset="0"/>
+                        <a:cs typeface="Open Sans" panose="020B0606030504020204" pitchFamily="34" charset="0"/>
+                      </a:endParaRPr>
+                    </a:p>
+                  </a:txBody>
+                  <a:tcPr marL="91431" marR="91431" marT="45715" marB="45715"/>
+                </a:tc>
+                <a:tc>
+                  <a:txBody>
+                    <a:bodyPr/>
+                    <a:lstStyle/>
+                    <a:p>
+                      <a:pPr algn="ctr"/>
+                      <a:endParaRPr lang="en-US" sz="2000" dirty="0">
+                        <a:latin typeface="Open Sans" panose="020B0606030504020204" pitchFamily="34" charset="0"/>
+                        <a:ea typeface="Open Sans" panose="020B0606030504020204" pitchFamily="34" charset="0"/>
+                        <a:cs typeface="Open Sans" panose="020B0606030504020204" pitchFamily="34" charset="0"/>
+                      </a:endParaRPr>
+                    </a:p>
+                  </a:txBody>
+                  <a:tcPr marL="91431" marR="91431" marT="45715" marB="45715"/>
                 </a:tc>
                 <a:tc rowSpan="2" gridSpan="2">
+                  <a:txBody>
+                    <a:bodyPr/>
+                    <a:lstStyle/>
+                    <a:p>
+                      <a:pPr algn="ctr"/>
+                      <a:endParaRPr lang="en-US" sz="2000" dirty="0">
+                        <a:latin typeface="Open Sans" panose="020B0606030504020204" pitchFamily="34" charset="0"/>
+                        <a:ea typeface="Open Sans" panose="020B0606030504020204" pitchFamily="34" charset="0"/>
+                        <a:cs typeface="Open Sans" panose="020B0606030504020204" pitchFamily="34" charset="0"/>
+                      </a:endParaRPr>
+                    </a:p>
+                  </a:txBody>
+                  <a:tcPr marL="93007" marR="93007" marT="46504" marB="46504"/>
+                </a:tc>
+                <a:tc rowSpan="2" hMerge="1">
                   <a:txBody>
                     <a:bodyPr/>
                     <a:lstStyle/>
@@ -9096,7 +8624,118 @@
                   </a:txBody>
                   <a:tcPr/>
                 </a:tc>
-                <a:tc rowSpan="2" hMerge="1">
+                <a:tc>
+                  <a:txBody>
+                    <a:bodyPr/>
+                    <a:lstStyle/>
+                    <a:p>
+                      <a:pPr algn="ctr"/>
+                      <a:r>
+                        <a:rPr lang="en-US" sz="2000" dirty="0">
+                          <a:latin typeface="Open Sans" panose="020B0606030504020204" pitchFamily="34" charset="0"/>
+                          <a:ea typeface="Open Sans" panose="020B0606030504020204" pitchFamily="34" charset="0"/>
+                          <a:cs typeface="Open Sans" panose="020B0606030504020204" pitchFamily="34" charset="0"/>
+                        </a:rPr>
+                        <a:t>Background</a:t>
+                      </a:r>
+                    </a:p>
+                  </a:txBody>
+                  <a:tcPr marL="91431" marR="91431" marT="45715" marB="45715"/>
+                </a:tc>
+                <a:tc gridSpan="2">
+                  <a:txBody>
+                    <a:bodyPr/>
+                    <a:lstStyle/>
+                    <a:p>
+                      <a:pPr algn="ctr"/>
+                      <a:r>
+                        <a:rPr lang="en-US" sz="2000" dirty="0">
+                          <a:latin typeface="Open Sans" panose="020B0606030504020204" pitchFamily="34" charset="0"/>
+                          <a:ea typeface="Open Sans" panose="020B0606030504020204" pitchFamily="34" charset="0"/>
+                          <a:cs typeface="Open Sans" panose="020B0606030504020204" pitchFamily="34" charset="0"/>
+                        </a:rPr>
+                        <a:t>Signal</a:t>
+                      </a:r>
+                    </a:p>
+                  </a:txBody>
+                  <a:tcPr marL="91431" marR="91431" marT="45715" marB="45715"/>
+                </a:tc>
+                <a:tc hMerge="1">
+                  <a:txBody>
+                    <a:bodyPr/>
+                    <a:lstStyle/>
+                    <a:p>
+                      <a:pPr algn="ctr"/>
+                      <a:endParaRPr lang="en-US" sz="2000" dirty="0">
+                        <a:latin typeface="Open Sans" panose="020B0606030504020204" pitchFamily="34" charset="0"/>
+                        <a:ea typeface="Open Sans" panose="020B0606030504020204" pitchFamily="34" charset="0"/>
+                        <a:cs typeface="Open Sans" panose="020B0606030504020204" pitchFamily="34" charset="0"/>
+                      </a:endParaRPr>
+                    </a:p>
+                  </a:txBody>
+                  <a:tcPr marL="91431" marR="91431" marT="45715" marB="45715"/>
+                </a:tc>
+                <a:tc>
+                  <a:txBody>
+                    <a:bodyPr/>
+                    <a:lstStyle/>
+                    <a:p>
+                      <a:pPr algn="ctr"/>
+                      <a:endParaRPr lang="en-US" sz="2000" dirty="0">
+                        <a:latin typeface="Open Sans" panose="020B0606030504020204" pitchFamily="34" charset="0"/>
+                        <a:ea typeface="Open Sans" panose="020B0606030504020204" pitchFamily="34" charset="0"/>
+                        <a:cs typeface="Open Sans" panose="020B0606030504020204" pitchFamily="34" charset="0"/>
+                      </a:endParaRPr>
+                    </a:p>
+                  </a:txBody>
+                  <a:tcPr marL="91431" marR="91431" marT="45715" marB="45715"/>
+                </a:tc>
+                <a:extLst>
+                  <a:ext uri="{0D108BD9-81ED-4DB2-BD59-A6C34878D82A}">
+                    <a16:rowId xmlns:a16="http://schemas.microsoft.com/office/drawing/2014/main" val="229917688"/>
+                  </a:ext>
+                </a:extLst>
+              </a:tr>
+              <a:tr h="811686">
+                <a:tc gridSpan="2" vMerge="1">
+                  <a:txBody>
+                    <a:bodyPr/>
+                    <a:lstStyle/>
+                    <a:p>
+                      <a:endParaRPr lang="en-US"/>
+                    </a:p>
+                  </a:txBody>
+                  <a:tcPr/>
+                </a:tc>
+                <a:tc hMerge="1" vMerge="1">
+                  <a:txBody>
+                    <a:bodyPr/>
+                    <a:lstStyle/>
+                    <a:p>
+                      <a:endParaRPr lang="en-US"/>
+                    </a:p>
+                  </a:txBody>
+                  <a:tcPr/>
+                </a:tc>
+                <a:tc gridSpan="3">
+                  <a:txBody>
+                    <a:bodyPr/>
+                    <a:lstStyle/>
+                    <a:p>
+                      <a:pPr algn="ctr"/>
+                      <a:r>
+                        <a:rPr lang="en-US" sz="2000" dirty="0">
+                          <a:latin typeface="Open Sans" panose="020B0606030504020204" pitchFamily="34" charset="0"/>
+                          <a:ea typeface="Open Sans" panose="020B0606030504020204" pitchFamily="34" charset="0"/>
+                          <a:cs typeface="Open Sans" panose="020B0606030504020204" pitchFamily="34" charset="0"/>
+                        </a:rPr>
+                        <a:t>Predicted</a:t>
+                      </a:r>
+                    </a:p>
+                  </a:txBody>
+                  <a:tcPr marL="93007" marR="93007" marT="46504" marB="46504"/>
+                </a:tc>
+                <a:tc hMerge="1">
                   <a:txBody>
                     <a:bodyPr/>
                     <a:lstStyle/>
@@ -9111,77 +8750,63 @@
                   </a:txBody>
                   <a:tcPr/>
                 </a:tc>
+                <a:tc hMerge="1">
+                  <a:txBody>
+                    <a:bodyPr/>
+                    <a:lstStyle/>
+                    <a:p>
+                      <a:pPr algn="ctr"/>
+                      <a:endParaRPr lang="en-US" sz="2000" dirty="0">
+                        <a:latin typeface="Open Sans" panose="020B0606030504020204" pitchFamily="34" charset="0"/>
+                        <a:ea typeface="Open Sans" panose="020B0606030504020204" pitchFamily="34" charset="0"/>
+                        <a:cs typeface="Open Sans" panose="020B0606030504020204" pitchFamily="34" charset="0"/>
+                      </a:endParaRPr>
+                    </a:p>
+                  </a:txBody>
+                  <a:tcPr marL="93007" marR="93007" marT="46504" marB="46504"/>
+                </a:tc>
                 <a:tc>
+                  <a:txBody>
+                    <a:bodyPr/>
+                    <a:lstStyle/>
+                    <a:p>
+                      <a:endParaRPr lang="en-US" dirty="0">
+                        <a:latin typeface="Open Sans" panose="020B0606030504020204" pitchFamily="34" charset="0"/>
+                        <a:ea typeface="Open Sans" panose="020B0606030504020204" pitchFamily="34" charset="0"/>
+                        <a:cs typeface="Open Sans" panose="020B0606030504020204" pitchFamily="34" charset="0"/>
+                      </a:endParaRPr>
+                    </a:p>
+                  </a:txBody>
+                  <a:tcPr marL="93007" marR="93007" marT="46504" marB="46504"/>
+                </a:tc>
+                <a:tc gridSpan="2" vMerge="1">
+                  <a:txBody>
+                    <a:bodyPr/>
+                    <a:lstStyle/>
+                    <a:p>
+                      <a:endParaRPr lang="en-US"/>
+                    </a:p>
+                  </a:txBody>
+                  <a:tcPr/>
+                </a:tc>
+                <a:tc hMerge="1" vMerge="1">
+                  <a:txBody>
+                    <a:bodyPr/>
+                    <a:lstStyle/>
+                    <a:p>
+                      <a:endParaRPr lang="en-US"/>
+                    </a:p>
+                  </a:txBody>
+                  <a:tcPr/>
+                </a:tc>
+                <a:tc gridSpan="3">
                   <a:txBody>
                     <a:bodyPr/>
                     <a:lstStyle/>
                     <a:p>
                       <a:pPr algn="ctr"/>
                       <a:r>
-                        <a:rPr lang="en-US" sz="1800" dirty="0">
-                          <a:latin typeface="Open Sans" panose="020B0606030504020204" pitchFamily="34" charset="0"/>
-                          <a:ea typeface="Open Sans" panose="020B0606030504020204" pitchFamily="34" charset="0"/>
-                          <a:cs typeface="Open Sans" panose="020B0606030504020204" pitchFamily="34" charset="0"/>
-                        </a:rPr>
-                        <a:t>Background</a:t>
-                      </a:r>
-                    </a:p>
-                  </a:txBody>
-                  <a:tcPr/>
-                </a:tc>
-                <a:tc>
-                  <a:txBody>
-                    <a:bodyPr/>
-                    <a:lstStyle/>
-                    <a:p>
-                      <a:pPr algn="ctr"/>
-                      <a:r>
-                        <a:rPr lang="en-US" sz="1800" dirty="0">
-                          <a:latin typeface="Open Sans" panose="020B0606030504020204" pitchFamily="34" charset="0"/>
-                          <a:ea typeface="Open Sans" panose="020B0606030504020204" pitchFamily="34" charset="0"/>
-                          <a:cs typeface="Open Sans" panose="020B0606030504020204" pitchFamily="34" charset="0"/>
-                        </a:rPr>
-                        <a:t>Signal</a:t>
-                      </a:r>
-                    </a:p>
-                  </a:txBody>
-                  <a:tcPr/>
-                </a:tc>
-                <a:extLst>
-                  <a:ext uri="{0D108BD9-81ED-4DB2-BD59-A6C34878D82A}">
-                    <a16:rowId xmlns:a16="http://schemas.microsoft.com/office/drawing/2014/main" val="229917688"/>
-                  </a:ext>
-                </a:extLst>
-              </a:tr>
-              <a:tr h="664794">
-                <a:tc gridSpan="2" vMerge="1">
-                  <a:txBody>
-                    <a:bodyPr/>
-                    <a:lstStyle/>
-                    <a:p>
-                      <a:endParaRPr lang="en-US"/>
-                    </a:p>
-                  </a:txBody>
-                  <a:tcPr/>
-                </a:tc>
-                <a:tc hMerge="1" vMerge="1">
-                  <a:txBody>
-                    <a:bodyPr/>
-                    <a:lstStyle/>
-                    <a:p>
-                      <a:endParaRPr lang="en-US"/>
-                    </a:p>
-                  </a:txBody>
-                  <a:tcPr/>
-                </a:tc>
-                <a:tc gridSpan="2">
-                  <a:txBody>
-                    <a:bodyPr/>
-                    <a:lstStyle/>
-                    <a:p>
-                      <a:pPr algn="ctr"/>
-                      <a:r>
-                        <a:rPr lang="en-US" sz="1800" dirty="0">
+                        <a:rPr lang="en-US" sz="2000" dirty="0">
                           <a:latin typeface="Open Sans" panose="020B0606030504020204" pitchFamily="34" charset="0"/>
                           <a:ea typeface="Open Sans" panose="020B0606030504020204" pitchFamily="34" charset="0"/>
                           <a:cs typeface="Open Sans" panose="020B0606030504020204" pitchFamily="34" charset="0"/>
@@ -9190,7 +8815,7 @@
                       </a:r>
                     </a:p>
                   </a:txBody>
-                  <a:tcPr/>
+                  <a:tcPr marL="93007" marR="93007" marT="46504" marB="46504"/>
                 </a:tc>
                 <a:tc hMerge="1">
                   <a:txBody>
@@ -9207,58 +8832,34 @@
                   </a:txBody>
                   <a:tcPr/>
                 </a:tc>
-                <a:tc gridSpan="2" vMerge="1">
-                  <a:txBody>
-                    <a:bodyPr/>
-                    <a:lstStyle/>
-                    <a:p>
-                      <a:endParaRPr lang="en-US"/>
-                    </a:p>
-                  </a:txBody>
-                  <a:tcPr/>
-                </a:tc>
-                <a:tc hMerge="1" vMerge="1">
-                  <a:txBody>
-                    <a:bodyPr/>
-                    <a:lstStyle/>
-                    <a:p>
-                      <a:endParaRPr lang="en-US"/>
-                    </a:p>
-                  </a:txBody>
-                  <a:tcPr/>
-                </a:tc>
-                <a:tc gridSpan="2">
+                <a:tc hMerge="1">
                   <a:txBody>
                     <a:bodyPr/>
                     <a:lstStyle/>
                     <a:p>
                       <a:pPr algn="ctr"/>
-                      <a:r>
-                        <a:rPr lang="en-US" sz="1800" dirty="0">
-                          <a:latin typeface="Open Sans" panose="020B0606030504020204" pitchFamily="34" charset="0"/>
-                          <a:ea typeface="Open Sans" panose="020B0606030504020204" pitchFamily="34" charset="0"/>
-                          <a:cs typeface="Open Sans" panose="020B0606030504020204" pitchFamily="34" charset="0"/>
-                        </a:rPr>
-                        <a:t>Predicted</a:t>
-                      </a:r>
-                    </a:p>
-                  </a:txBody>
-                  <a:tcPr/>
-                </a:tc>
-                <a:tc hMerge="1">
-                  <a:txBody>
-                    <a:bodyPr/>
-                    <a:lstStyle/>
-                    <a:p>
-                      <a:pPr algn="ctr"/>
-                      <a:endParaRPr lang="en-US" sz="1800" dirty="0">
+                      <a:endParaRPr lang="en-US" sz="2000" dirty="0">
                         <a:latin typeface="Open Sans" panose="020B0606030504020204" pitchFamily="34" charset="0"/>
                         <a:ea typeface="Open Sans" panose="020B0606030504020204" pitchFamily="34" charset="0"/>
                         <a:cs typeface="Open Sans" panose="020B0606030504020204" pitchFamily="34" charset="0"/>
                       </a:endParaRPr>
                     </a:p>
                   </a:txBody>
-                  <a:tcPr/>
+                  <a:tcPr marL="93007" marR="93007" marT="46504" marB="46504"/>
+                </a:tc>
+                <a:tc>
+                  <a:txBody>
+                    <a:bodyPr/>
+                    <a:lstStyle/>
+                    <a:p>
+                      <a:endParaRPr lang="en-US" dirty="0">
+                        <a:latin typeface="Open Sans" panose="020B0606030504020204" pitchFamily="34" charset="0"/>
+                        <a:ea typeface="Open Sans" panose="020B0606030504020204" pitchFamily="34" charset="0"/>
+                        <a:cs typeface="Open Sans" panose="020B0606030504020204" pitchFamily="34" charset="0"/>
+                      </a:endParaRPr>
+                    </a:p>
+                  </a:txBody>
+                  <a:tcPr marL="93007" marR="93007" marT="46504" marB="46504"/>
                 </a:tc>
                 <a:extLst>
                   <a:ext uri="{0D108BD9-81ED-4DB2-BD59-A6C34878D82A}">
@@ -9285,15 +8886,15 @@
           <p:nvPr/>
         </p:nvPicPr>
         <p:blipFill>
-          <a:blip r:embed="rId9"/>
+          <a:blip r:embed="rId8"/>
           <a:stretch>
             <a:fillRect/>
           </a:stretch>
         </p:blipFill>
         <p:spPr>
           <a:xfrm>
-            <a:off x="36696774" y="21596640"/>
-            <a:ext cx="4178816" cy="3602743"/>
+            <a:off x="37033200" y="20939760"/>
+            <a:ext cx="3657600" cy="3153380"/>
           </a:xfrm>
           <a:prstGeom prst="rect">
             <a:avLst/>
@@ -9315,15 +8916,15 @@
           <p:nvPr/>
         </p:nvPicPr>
         <p:blipFill>
-          <a:blip r:embed="rId10"/>
+          <a:blip r:embed="rId9"/>
           <a:stretch>
             <a:fillRect/>
           </a:stretch>
         </p:blipFill>
         <p:spPr>
           <a:xfrm>
-            <a:off x="31930841" y="21572826"/>
-            <a:ext cx="4187960" cy="3593599"/>
+            <a:off x="32461200" y="20941277"/>
+            <a:ext cx="3657600" cy="3138507"/>
           </a:xfrm>
           <a:prstGeom prst="rect">
             <a:avLst/>
@@ -9332,7 +8933,7 @@
       </p:pic>
       <p:pic>
         <p:nvPicPr>
-          <p:cNvPr id="1051" name="Picture 1050" descr="A screenshot of a graph&#10;&#10;Description automatically generated">
+          <p:cNvPr id="1051" name="Picture 1050">
             <a:extLst>
               <a:ext uri="{FF2B5EF4-FFF2-40B4-BE49-F238E27FC236}">
                 <a16:creationId xmlns:a16="http://schemas.microsoft.com/office/drawing/2014/main" id="{89F8DBCE-6FA9-2186-DE83-C34DCE91702B}"/>
@@ -9345,15 +8946,14 @@
           <p:nvPr/>
         </p:nvPicPr>
         <p:blipFill>
-          <a:blip r:embed="rId11"/>
-          <a:stretch>
-            <a:fillRect/>
-          </a:stretch>
+          <a:blip r:embed="rId10"/>
+          <a:srcRect/>
+          <a:stretch/>
         </p:blipFill>
         <p:spPr>
           <a:xfrm>
-            <a:off x="23271611" y="15009646"/>
-            <a:ext cx="4563067" cy="4563067"/>
+            <a:off x="23042880" y="13898880"/>
+            <a:ext cx="4572000" cy="4572000"/>
           </a:xfrm>
           <a:prstGeom prst="rect">
             <a:avLst/>
@@ -9375,15 +8975,15 @@
           <p:nvPr/>
         </p:nvPicPr>
         <p:blipFill>
-          <a:blip r:embed="rId12"/>
+          <a:blip r:embed="rId11"/>
           <a:stretch>
             <a:fillRect/>
           </a:stretch>
         </p:blipFill>
         <p:spPr>
           <a:xfrm>
-            <a:off x="16355995" y="20924554"/>
-            <a:ext cx="4536952" cy="4536952"/>
+            <a:off x="16642080" y="20299680"/>
+            <a:ext cx="4572000" cy="4572000"/>
           </a:xfrm>
           <a:prstGeom prst="rect">
             <a:avLst/>
@@ -9405,15 +9005,289 @@
           <p:nvPr/>
         </p:nvPicPr>
         <p:blipFill>
-          <a:blip r:embed="rId13"/>
+          <a:blip r:embed="rId12"/>
           <a:stretch>
             <a:fillRect/>
           </a:stretch>
         </p:blipFill>
         <p:spPr>
           <a:xfrm>
-            <a:off x="23262773" y="20976802"/>
-            <a:ext cx="4484704" cy="4484704"/>
+            <a:off x="23042879" y="20299679"/>
+            <a:ext cx="4572000" cy="4572000"/>
+          </a:xfrm>
+          <a:prstGeom prst="rect">
+            <a:avLst/>
+          </a:prstGeom>
+        </p:spPr>
+      </p:pic>
+      <p:grpSp>
+        <p:nvGrpSpPr>
+          <p:cNvPr id="5" name="Group 4" descr="Section Header Place holder and gold boundless bar">
+            <a:extLst>
+              <a:ext uri="{FF2B5EF4-FFF2-40B4-BE49-F238E27FC236}">
+                <a16:creationId xmlns:a16="http://schemas.microsoft.com/office/drawing/2014/main" id="{D902AD7B-3D53-5101-07E7-B798794990B2}"/>
+              </a:ext>
+            </a:extLst>
+          </p:cNvPr>
+          <p:cNvGrpSpPr/>
+          <p:nvPr/>
+        </p:nvGrpSpPr>
+        <p:grpSpPr>
+          <a:xfrm>
+            <a:off x="1828800" y="25968960"/>
+            <a:ext cx="11789627" cy="1853611"/>
+            <a:chOff x="1014879" y="14312520"/>
+            <a:chExt cx="6400800" cy="1880466"/>
+          </a:xfrm>
+        </p:grpSpPr>
+        <p:sp>
+          <p:nvSpPr>
+            <p:cNvPr id="8" name="TextBox 7" descr="Section Header and gold boundless bar">
+              <a:extLst>
+                <a:ext uri="{FF2B5EF4-FFF2-40B4-BE49-F238E27FC236}">
+                  <a16:creationId xmlns:a16="http://schemas.microsoft.com/office/drawing/2014/main" id="{A164A9C5-DDF2-CBD2-FC4C-32FDC51AD052}"/>
+                </a:ext>
+              </a:extLst>
+            </p:cNvPr>
+            <p:cNvSpPr txBox="1"/>
+            <p:nvPr/>
+          </p:nvSpPr>
+          <p:spPr>
+            <a:xfrm>
+              <a:off x="1014879" y="14312520"/>
+              <a:ext cx="6400800" cy="1855296"/>
+            </a:xfrm>
+            <a:prstGeom prst="rect">
+              <a:avLst/>
+            </a:prstGeom>
+            <a:noFill/>
+          </p:spPr>
+          <p:txBody>
+            <a:bodyPr wrap="square" rtlCol="0">
+              <a:spAutoFit/>
+            </a:bodyPr>
+            <a:lstStyle/>
+            <a:p>
+              <a:r>
+                <a:rPr lang="en-US" sz="5600" b="1" dirty="0">
+                  <a:solidFill>
+                    <a:srgbClr val="33006F"/>
+                  </a:solidFill>
+                  <a:latin typeface="Encode Sans Normal Black" charset="0"/>
+                  <a:ea typeface="Encode Sans Normal Black" charset="0"/>
+                  <a:cs typeface="Encode Sans Normal Black" charset="0"/>
+                </a:rPr>
+                <a:t>GRAMIAN ANGULAR SUMMATION FIELDS (GASF)</a:t>
+              </a:r>
+            </a:p>
+          </p:txBody>
+        </p:sp>
+        <p:pic>
+          <p:nvPicPr>
+            <p:cNvPr id="9" name="Picture 8" descr="Gold boundless bar">
+              <a:extLst>
+                <a:ext uri="{FF2B5EF4-FFF2-40B4-BE49-F238E27FC236}">
+                  <a16:creationId xmlns:a16="http://schemas.microsoft.com/office/drawing/2014/main" id="{E8C065D2-EBAF-ED0F-C836-57E4F2F77FFF}"/>
+                </a:ext>
+              </a:extLst>
+            </p:cNvPr>
+            <p:cNvPicPr>
+              <a:picLocks noChangeAspect="1"/>
+            </p:cNvPicPr>
+            <p:nvPr/>
+          </p:nvPicPr>
+          <p:blipFill>
+            <a:blip r:embed="rId2">
+              <a:extLst>
+                <a:ext uri="{28A0092B-C50C-407E-A947-70E740481C1C}">
+                  <a14:useLocalDpi xmlns:a14="http://schemas.microsoft.com/office/drawing/2010/main" val="0"/>
+                </a:ext>
+              </a:extLst>
+            </a:blip>
+            <a:stretch>
+              <a:fillRect/>
+            </a:stretch>
+          </p:blipFill>
+          <p:spPr>
+            <a:xfrm>
+              <a:off x="1064523" y="16075050"/>
+              <a:ext cx="1463040" cy="117936"/>
+            </a:xfrm>
+            <a:prstGeom prst="rect">
+              <a:avLst/>
+            </a:prstGeom>
+          </p:spPr>
+        </p:pic>
+      </p:grpSp>
+      <p:sp>
+        <p:nvSpPr>
+          <p:cNvPr id="10" name="TextBox 9">
+            <a:extLst>
+              <a:ext uri="{FF2B5EF4-FFF2-40B4-BE49-F238E27FC236}">
+                <a16:creationId xmlns:a16="http://schemas.microsoft.com/office/drawing/2014/main" id="{D47D8DA4-9FF2-78C0-566C-443EC7200F22}"/>
+              </a:ext>
+            </a:extLst>
+          </p:cNvPr>
+          <p:cNvSpPr txBox="1"/>
+          <p:nvPr/>
+        </p:nvSpPr>
+        <p:spPr>
+          <a:xfrm>
+            <a:off x="30175200" y="24963120"/>
+            <a:ext cx="11887200" cy="707886"/>
+          </a:xfrm>
+          <a:prstGeom prst="rect">
+            <a:avLst/>
+          </a:prstGeom>
+          <a:noFill/>
+        </p:spPr>
+        <p:txBody>
+          <a:bodyPr wrap="square" rtlCol="0">
+            <a:spAutoFit/>
+          </a:bodyPr>
+          <a:lstStyle/>
+          <a:p>
+            <a:pPr algn="ctr"/>
+            <a:r>
+              <a:rPr lang="en-US" sz="2000" i="1" dirty="0">
+                <a:solidFill>
+                  <a:srgbClr val="33006F"/>
+                </a:solidFill>
+                <a:latin typeface="Open Sans" charset="0"/>
+                <a:ea typeface="Open Sans" charset="0"/>
+                <a:cs typeface="Open Sans" charset="0"/>
+              </a:rPr>
+              <a:t>The confusion matrix for the GASF method </a:t>
+            </a:r>
+            <a:r>
+              <a:rPr lang="en-US" sz="2000" b="1" i="1" dirty="0">
+                <a:solidFill>
+                  <a:srgbClr val="33006F"/>
+                </a:solidFill>
+                <a:latin typeface="Open Sans" charset="0"/>
+                <a:ea typeface="Open Sans" charset="0"/>
+                <a:cs typeface="Open Sans" charset="0"/>
+              </a:rPr>
+              <a:t>(left) </a:t>
+            </a:r>
+            <a:r>
+              <a:rPr lang="en-US" sz="2000" i="1" dirty="0">
+                <a:solidFill>
+                  <a:srgbClr val="33006F"/>
+                </a:solidFill>
+                <a:latin typeface="Open Sans" charset="0"/>
+                <a:ea typeface="Open Sans" charset="0"/>
+                <a:cs typeface="Open Sans" charset="0"/>
+              </a:rPr>
+              <a:t>compared with the confusion matrix for the FFT spectrogram </a:t>
+            </a:r>
+            <a:r>
+              <a:rPr lang="en-US" sz="2000" b="1" i="1" dirty="0">
+                <a:solidFill>
+                  <a:srgbClr val="33006F"/>
+                </a:solidFill>
+                <a:latin typeface="Open Sans" charset="0"/>
+                <a:ea typeface="Open Sans" charset="0"/>
+                <a:cs typeface="Open Sans" charset="0"/>
+              </a:rPr>
+              <a:t>(right)</a:t>
+            </a:r>
+            <a:r>
+              <a:rPr lang="en-US" sz="2000" dirty="0">
+                <a:solidFill>
+                  <a:srgbClr val="33006F"/>
+                </a:solidFill>
+                <a:latin typeface="Open Sans" charset="0"/>
+                <a:ea typeface="Open Sans" charset="0"/>
+                <a:cs typeface="Open Sans" charset="0"/>
+              </a:rPr>
+              <a:t>.</a:t>
+            </a:r>
+            <a:endParaRPr lang="en-US" sz="2000" b="1" i="1" dirty="0">
+              <a:solidFill>
+                <a:srgbClr val="33006F"/>
+              </a:solidFill>
+              <a:latin typeface="Open Sans" charset="0"/>
+              <a:ea typeface="Open Sans" charset="0"/>
+              <a:cs typeface="Open Sans" charset="0"/>
+            </a:endParaRPr>
+          </a:p>
+        </p:txBody>
+      </p:sp>
+      <p:sp>
+        <p:nvSpPr>
+          <p:cNvPr id="13" name="TextBox 12">
+            <a:extLst>
+              <a:ext uri="{FF2B5EF4-FFF2-40B4-BE49-F238E27FC236}">
+                <a16:creationId xmlns:a16="http://schemas.microsoft.com/office/drawing/2014/main" id="{606A2F42-AFF9-74D7-45E6-199F5605B668}"/>
+              </a:ext>
+            </a:extLst>
+          </p:cNvPr>
+          <p:cNvSpPr txBox="1"/>
+          <p:nvPr/>
+        </p:nvSpPr>
+        <p:spPr>
+          <a:xfrm>
+            <a:off x="32872680" y="15092530"/>
+            <a:ext cx="6858000" cy="400110"/>
+          </a:xfrm>
+          <a:prstGeom prst="rect">
+            <a:avLst/>
+          </a:prstGeom>
+          <a:noFill/>
+        </p:spPr>
+        <p:txBody>
+          <a:bodyPr wrap="square" rtlCol="0">
+            <a:spAutoFit/>
+          </a:bodyPr>
+          <a:lstStyle/>
+          <a:p>
+            <a:pPr algn="ctr"/>
+            <a:r>
+              <a:rPr lang="en-US" sz="2000" dirty="0">
+                <a:solidFill>
+                  <a:srgbClr val="000000"/>
+                </a:solidFill>
+                <a:latin typeface="Open Sans" panose="020B0606030504020204" pitchFamily="34" charset="0"/>
+                <a:ea typeface="Open Sans" panose="020B0606030504020204" pitchFamily="34" charset="0"/>
+                <a:cs typeface="Open Sans" panose="020B0606030504020204" pitchFamily="34" charset="0"/>
+              </a:rPr>
+              <a:t>Iterations</a:t>
+            </a:r>
+            <a:endParaRPr lang="en-US" sz="1400" dirty="0">
+              <a:solidFill>
+                <a:srgbClr val="000000"/>
+              </a:solidFill>
+              <a:latin typeface="Open Sans" panose="020B0606030504020204" pitchFamily="34" charset="0"/>
+              <a:ea typeface="Open Sans" panose="020B0606030504020204" pitchFamily="34" charset="0"/>
+              <a:cs typeface="Open Sans" panose="020B0606030504020204" pitchFamily="34" charset="0"/>
+            </a:endParaRPr>
+          </a:p>
+        </p:txBody>
+      </p:sp>
+      <p:pic>
+        <p:nvPicPr>
+          <p:cNvPr id="16" name="Picture 15" descr="A logo with text overlay&#10;&#10;Description automatically generated">
+            <a:extLst>
+              <a:ext uri="{FF2B5EF4-FFF2-40B4-BE49-F238E27FC236}">
+                <a16:creationId xmlns:a16="http://schemas.microsoft.com/office/drawing/2014/main" id="{8CA71EE3-AD35-1335-01BF-5F5734F669CE}"/>
+              </a:ext>
+            </a:extLst>
+          </p:cNvPr>
+          <p:cNvPicPr>
+            <a:picLocks noChangeAspect="1"/>
+          </p:cNvPicPr>
+          <p:nvPr/>
+        </p:nvPicPr>
+        <p:blipFill rotWithShape="1">
+          <a:blip r:embed="rId13"/>
+          <a:srcRect t="26064" b="26064"/>
+          <a:stretch/>
+        </p:blipFill>
+        <p:spPr>
+          <a:xfrm>
+            <a:off x="33467040" y="3200400"/>
+            <a:ext cx="8595360" cy="2286000"/>
           </a:xfrm>
           <a:prstGeom prst="rect">
             <a:avLst/>

--- a/Poster/A3D3_Horizontal_GW Glitch UW poster.pptx
+++ b/Poster/A3D3_Horizontal_GW Glitch UW poster.pptx
@@ -9286,7 +9286,7 @@
         </p:blipFill>
         <p:spPr>
           <a:xfrm>
-            <a:off x="33467040" y="3200400"/>
+            <a:off x="34255364" y="1600200"/>
             <a:ext cx="8595360" cy="2286000"/>
           </a:xfrm>
           <a:prstGeom prst="rect">
@@ -9294,6 +9294,45 @@
           </a:prstGeom>
         </p:spPr>
       </p:pic>
+      <p:sp>
+        <p:nvSpPr>
+          <p:cNvPr id="3" name="TextBox 2">
+            <a:extLst>
+              <a:ext uri="{FF2B5EF4-FFF2-40B4-BE49-F238E27FC236}">
+                <a16:creationId xmlns:a16="http://schemas.microsoft.com/office/drawing/2014/main" id="{5D6B58CA-FC5C-1E82-C473-FBFC626F5C45}"/>
+              </a:ext>
+            </a:extLst>
+          </p:cNvPr>
+          <p:cNvSpPr txBox="1"/>
+          <p:nvPr/>
+        </p:nvSpPr>
+        <p:spPr>
+          <a:xfrm>
+            <a:off x="33797183" y="4292699"/>
+            <a:ext cx="10296498" cy="584775"/>
+          </a:xfrm>
+          <a:prstGeom prst="rect">
+            <a:avLst/>
+          </a:prstGeom>
+          <a:noFill/>
+        </p:spPr>
+        <p:txBody>
+          <a:bodyPr wrap="square" rtlCol="0">
+            <a:spAutoFit/>
+          </a:bodyPr>
+          <a:lstStyle/>
+          <a:p>
+            <a:r>
+              <a:rPr lang="en-US" sz="3200" i="1" dirty="0">
+                <a:solidFill>
+                  <a:schemeClr val="bg1"/>
+                </a:solidFill>
+              </a:rPr>
+              <a:t>Special thanks to OAC award #2117997 for funding A3D3</a:t>
+            </a:r>
+          </a:p>
+        </p:txBody>
+      </p:sp>
     </p:spTree>
     <p:extLst>
       <p:ext uri="{BB962C8B-B14F-4D97-AF65-F5344CB8AC3E}">
